--- a/slides/Trees-FenwickTrees.pptx
+++ b/slides/Trees-FenwickTrees.pptx
@@ -5,7 +5,7 @@
     <p:sldMasterId id="2147484006" r:id="rId1"/>
   </p:sldMasterIdLst>
   <p:notesMasterIdLst>
-    <p:notesMasterId r:id="rId26"/>
+    <p:notesMasterId r:id="rId28"/>
   </p:notesMasterIdLst>
   <p:sldIdLst>
     <p:sldId id="256" r:id="rId2"/>
@@ -20,18 +20,20 @@
     <p:sldId id="340" r:id="rId11"/>
     <p:sldId id="341" r:id="rId12"/>
     <p:sldId id="342" r:id="rId13"/>
-    <p:sldId id="343" r:id="rId14"/>
-    <p:sldId id="344" r:id="rId15"/>
-    <p:sldId id="345" r:id="rId16"/>
-    <p:sldId id="346" r:id="rId17"/>
-    <p:sldId id="337" r:id="rId18"/>
-    <p:sldId id="349" r:id="rId19"/>
-    <p:sldId id="350" r:id="rId20"/>
-    <p:sldId id="351" r:id="rId21"/>
-    <p:sldId id="348" r:id="rId22"/>
-    <p:sldId id="347" r:id="rId23"/>
-    <p:sldId id="293" r:id="rId24"/>
-    <p:sldId id="333" r:id="rId25"/>
+    <p:sldId id="352" r:id="rId14"/>
+    <p:sldId id="343" r:id="rId15"/>
+    <p:sldId id="344" r:id="rId16"/>
+    <p:sldId id="345" r:id="rId17"/>
+    <p:sldId id="353" r:id="rId18"/>
+    <p:sldId id="346" r:id="rId19"/>
+    <p:sldId id="337" r:id="rId20"/>
+    <p:sldId id="349" r:id="rId21"/>
+    <p:sldId id="350" r:id="rId22"/>
+    <p:sldId id="351" r:id="rId23"/>
+    <p:sldId id="348" r:id="rId24"/>
+    <p:sldId id="347" r:id="rId25"/>
+    <p:sldId id="293" r:id="rId26"/>
+    <p:sldId id="333" r:id="rId27"/>
   </p:sldIdLst>
   <p:sldSz cx="12192000" cy="6858000"/>
   <p:notesSz cx="6858000" cy="9144000"/>
@@ -220,7 +222,7 @@
           <a:p>
             <a:fld id="{C5B45307-6ED4-B142-BD64-10F739779302}" type="datetimeFigureOut">
               <a:rPr lang="en-US" smtClean="0"/>
-              <a:t>3/16/23</a:t>
+              <a:t>1/9/25</a:t>
             </a:fld>
             <a:endParaRPr lang="en-US"/>
           </a:p>
@@ -720,7 +722,91 @@
           <a:p>
             <a:fld id="{51BDE956-AECE-4A49-8BC2-51A8C013B720}" type="slidenum">
               <a:rPr lang="en-US" smtClean="0"/>
-              <a:t>15</a:t>
+              <a:t>13</a:t>
+            </a:fld>
+            <a:endParaRPr lang="en-US"/>
+          </a:p>
+        </p:txBody>
+      </p:sp>
+    </p:spTree>
+    <p:extLst>
+      <p:ext uri="{BB962C8B-B14F-4D97-AF65-F5344CB8AC3E}">
+        <p14:creationId xmlns:p14="http://schemas.microsoft.com/office/powerpoint/2010/main" val="557651303"/>
+      </p:ext>
+    </p:extLst>
+  </p:cSld>
+  <p:clrMapOvr>
+    <a:masterClrMapping/>
+  </p:clrMapOvr>
+</p:notes>
+</file>
+
+<file path=ppt/notesSlides/notesSlide4.xml><?xml version="1.0" encoding="utf-8"?>
+<p:notes xmlns:a="http://schemas.openxmlformats.org/drawingml/2006/main" xmlns:r="http://schemas.openxmlformats.org/officeDocument/2006/relationships" xmlns:p="http://schemas.openxmlformats.org/presentationml/2006/main">
+  <p:cSld>
+    <p:spTree>
+      <p:nvGrpSpPr>
+        <p:cNvPr id="1" name=""/>
+        <p:cNvGrpSpPr/>
+        <p:nvPr/>
+      </p:nvGrpSpPr>
+      <p:grpSpPr>
+        <a:xfrm>
+          <a:off x="0" y="0"/>
+          <a:ext cx="0" cy="0"/>
+          <a:chOff x="0" y="0"/>
+          <a:chExt cx="0" cy="0"/>
+        </a:xfrm>
+      </p:grpSpPr>
+      <p:sp>
+        <p:nvSpPr>
+          <p:cNvPr id="2" name="Slide Image Placeholder 1"/>
+          <p:cNvSpPr>
+            <a:spLocks noGrp="1" noRot="1" noChangeAspect="1"/>
+          </p:cNvSpPr>
+          <p:nvPr>
+            <p:ph type="sldImg"/>
+          </p:nvPr>
+        </p:nvSpPr>
+        <p:spPr/>
+      </p:sp>
+      <p:sp>
+        <p:nvSpPr>
+          <p:cNvPr id="3" name="Notes Placeholder 2"/>
+          <p:cNvSpPr>
+            <a:spLocks noGrp="1"/>
+          </p:cNvSpPr>
+          <p:nvPr>
+            <p:ph type="body" idx="1"/>
+          </p:nvPr>
+        </p:nvSpPr>
+        <p:spPr/>
+        <p:txBody>
+          <a:bodyPr/>
+          <a:lstStyle/>
+          <a:p>
+            <a:endParaRPr lang="en-US" dirty="0"/>
+          </a:p>
+        </p:txBody>
+      </p:sp>
+      <p:sp>
+        <p:nvSpPr>
+          <p:cNvPr id="4" name="Slide Number Placeholder 3"/>
+          <p:cNvSpPr>
+            <a:spLocks noGrp="1"/>
+          </p:cNvSpPr>
+          <p:nvPr>
+            <p:ph type="sldNum" sz="quarter" idx="5"/>
+          </p:nvPr>
+        </p:nvSpPr>
+        <p:spPr/>
+        <p:txBody>
+          <a:bodyPr/>
+          <a:lstStyle/>
+          <a:p>
+            <a:fld id="{51BDE956-AECE-4A49-8BC2-51A8C013B720}" type="slidenum">
+              <a:rPr lang="en-US" smtClean="0"/>
+              <a:t>16</a:t>
             </a:fld>
             <a:endParaRPr lang="en-US"/>
           </a:p>
@@ -730,6 +816,90 @@
     <p:extLst>
       <p:ext uri="{BB962C8B-B14F-4D97-AF65-F5344CB8AC3E}">
         <p14:creationId xmlns:p14="http://schemas.microsoft.com/office/powerpoint/2010/main" val="2483696398"/>
+      </p:ext>
+    </p:extLst>
+  </p:cSld>
+  <p:clrMapOvr>
+    <a:masterClrMapping/>
+  </p:clrMapOvr>
+</p:notes>
+</file>
+
+<file path=ppt/notesSlides/notesSlide5.xml><?xml version="1.0" encoding="utf-8"?>
+<p:notes xmlns:a="http://schemas.openxmlformats.org/drawingml/2006/main" xmlns:r="http://schemas.openxmlformats.org/officeDocument/2006/relationships" xmlns:p="http://schemas.openxmlformats.org/presentationml/2006/main">
+  <p:cSld>
+    <p:spTree>
+      <p:nvGrpSpPr>
+        <p:cNvPr id="1" name=""/>
+        <p:cNvGrpSpPr/>
+        <p:nvPr/>
+      </p:nvGrpSpPr>
+      <p:grpSpPr>
+        <a:xfrm>
+          <a:off x="0" y="0"/>
+          <a:ext cx="0" cy="0"/>
+          <a:chOff x="0" y="0"/>
+          <a:chExt cx="0" cy="0"/>
+        </a:xfrm>
+      </p:grpSpPr>
+      <p:sp>
+        <p:nvSpPr>
+          <p:cNvPr id="2" name="Slide Image Placeholder 1"/>
+          <p:cNvSpPr>
+            <a:spLocks noGrp="1" noRot="1" noChangeAspect="1"/>
+          </p:cNvSpPr>
+          <p:nvPr>
+            <p:ph type="sldImg"/>
+          </p:nvPr>
+        </p:nvSpPr>
+        <p:spPr/>
+      </p:sp>
+      <p:sp>
+        <p:nvSpPr>
+          <p:cNvPr id="3" name="Notes Placeholder 2"/>
+          <p:cNvSpPr>
+            <a:spLocks noGrp="1"/>
+          </p:cNvSpPr>
+          <p:nvPr>
+            <p:ph type="body" idx="1"/>
+          </p:nvPr>
+        </p:nvSpPr>
+        <p:spPr/>
+        <p:txBody>
+          <a:bodyPr/>
+          <a:lstStyle/>
+          <a:p>
+            <a:endParaRPr lang="en-US" dirty="0"/>
+          </a:p>
+        </p:txBody>
+      </p:sp>
+      <p:sp>
+        <p:nvSpPr>
+          <p:cNvPr id="4" name="Slide Number Placeholder 3"/>
+          <p:cNvSpPr>
+            <a:spLocks noGrp="1"/>
+          </p:cNvSpPr>
+          <p:nvPr>
+            <p:ph type="sldNum" sz="quarter" idx="5"/>
+          </p:nvPr>
+        </p:nvSpPr>
+        <p:spPr/>
+        <p:txBody>
+          <a:bodyPr/>
+          <a:lstStyle/>
+          <a:p>
+            <a:fld id="{51BDE956-AECE-4A49-8BC2-51A8C013B720}" type="slidenum">
+              <a:rPr lang="en-US" smtClean="0"/>
+              <a:t>17</a:t>
+            </a:fld>
+            <a:endParaRPr lang="en-US"/>
+          </a:p>
+        </p:txBody>
+      </p:sp>
+    </p:spTree>
+    <p:extLst>
+      <p:ext uri="{BB962C8B-B14F-4D97-AF65-F5344CB8AC3E}">
+        <p14:creationId xmlns:p14="http://schemas.microsoft.com/office/powerpoint/2010/main" val="3428275687"/>
       </p:ext>
     </p:extLst>
   </p:cSld>
@@ -5021,7 +5191,7 @@
           <a:p>
             <a:fld id="{EC4347D3-4C9A-C240-8F14-750059DFEEB0}" type="datetimeFigureOut">
               <a:rPr lang="en-US" smtClean="0"/>
-              <a:t>3/16/23</a:t>
+              <a:t>1/9/25</a:t>
             </a:fld>
             <a:endParaRPr lang="en-US"/>
           </a:p>
@@ -5288,7 +5458,7 @@
           <a:p>
             <a:fld id="{EC4347D3-4C9A-C240-8F14-750059DFEEB0}" type="datetimeFigureOut">
               <a:rPr lang="en-US" smtClean="0"/>
-              <a:t>3/16/23</a:t>
+              <a:t>1/9/25</a:t>
             </a:fld>
             <a:endParaRPr lang="en-US"/>
           </a:p>
@@ -5484,7 +5654,7 @@
           <a:p>
             <a:fld id="{EC4347D3-4C9A-C240-8F14-750059DFEEB0}" type="datetimeFigureOut">
               <a:rPr lang="en-US" smtClean="0"/>
-              <a:t>3/16/23</a:t>
+              <a:t>1/9/25</a:t>
             </a:fld>
             <a:endParaRPr lang="en-US"/>
           </a:p>
@@ -5747,7 +5917,7 @@
           <a:p>
             <a:fld id="{EC4347D3-4C9A-C240-8F14-750059DFEEB0}" type="datetimeFigureOut">
               <a:rPr lang="en-US" smtClean="0"/>
-              <a:t>3/16/23</a:t>
+              <a:t>1/9/25</a:t>
             </a:fld>
             <a:endParaRPr lang="en-US"/>
           </a:p>
@@ -6181,7 +6351,7 @@
           <a:p>
             <a:fld id="{EC4347D3-4C9A-C240-8F14-750059DFEEB0}" type="datetimeFigureOut">
               <a:rPr lang="en-US" smtClean="0"/>
-              <a:t>3/16/23</a:t>
+              <a:t>1/9/25</a:t>
             </a:fld>
             <a:endParaRPr lang="en-US"/>
           </a:p>
@@ -6727,7 +6897,7 @@
           <a:p>
             <a:fld id="{EC4347D3-4C9A-C240-8F14-750059DFEEB0}" type="datetimeFigureOut">
               <a:rPr lang="en-US" smtClean="0"/>
-              <a:t>3/16/23</a:t>
+              <a:t>1/9/25</a:t>
             </a:fld>
             <a:endParaRPr lang="en-US"/>
           </a:p>
@@ -7447,7 +7617,7 @@
           <a:p>
             <a:fld id="{EC4347D3-4C9A-C240-8F14-750059DFEEB0}" type="datetimeFigureOut">
               <a:rPr lang="en-US" smtClean="0"/>
-              <a:t>3/16/23</a:t>
+              <a:t>1/9/25</a:t>
             </a:fld>
             <a:endParaRPr lang="en-US"/>
           </a:p>
@@ -7617,7 +7787,7 @@
           <a:p>
             <a:fld id="{EC4347D3-4C9A-C240-8F14-750059DFEEB0}" type="datetimeFigureOut">
               <a:rPr lang="en-US" smtClean="0"/>
-              <a:t>3/16/23</a:t>
+              <a:t>1/9/25</a:t>
             </a:fld>
             <a:endParaRPr lang="en-US"/>
           </a:p>
@@ -7797,7 +7967,7 @@
           <a:p>
             <a:fld id="{EC4347D3-4C9A-C240-8F14-750059DFEEB0}" type="datetimeFigureOut">
               <a:rPr lang="en-US" smtClean="0"/>
-              <a:t>3/16/23</a:t>
+              <a:t>1/9/25</a:t>
             </a:fld>
             <a:endParaRPr lang="en-US"/>
           </a:p>
@@ -7967,7 +8137,7 @@
           <a:p>
             <a:fld id="{EC4347D3-4C9A-C240-8F14-750059DFEEB0}" type="datetimeFigureOut">
               <a:rPr lang="en-US" smtClean="0"/>
-              <a:t>3/16/23</a:t>
+              <a:t>1/9/25</a:t>
             </a:fld>
             <a:endParaRPr lang="en-US"/>
           </a:p>
@@ -8217,7 +8387,7 @@
           <a:p>
             <a:fld id="{EC4347D3-4C9A-C240-8F14-750059DFEEB0}" type="datetimeFigureOut">
               <a:rPr lang="en-US" smtClean="0"/>
-              <a:t>3/16/23</a:t>
+              <a:t>1/9/25</a:t>
             </a:fld>
             <a:endParaRPr lang="en-US"/>
           </a:p>
@@ -8449,7 +8619,7 @@
           <a:p>
             <a:fld id="{EC4347D3-4C9A-C240-8F14-750059DFEEB0}" type="datetimeFigureOut">
               <a:rPr lang="en-US" smtClean="0"/>
-              <a:t>3/16/23</a:t>
+              <a:t>1/9/25</a:t>
             </a:fld>
             <a:endParaRPr lang="en-US"/>
           </a:p>
@@ -8835,7 +9005,7 @@
           <a:p>
             <a:fld id="{EC4347D3-4C9A-C240-8F14-750059DFEEB0}" type="datetimeFigureOut">
               <a:rPr lang="en-US" smtClean="0"/>
-              <a:t>3/16/23</a:t>
+              <a:t>1/9/25</a:t>
             </a:fld>
             <a:endParaRPr lang="en-US"/>
           </a:p>
@@ -8958,7 +9128,7 @@
           <a:p>
             <a:fld id="{EC4347D3-4C9A-C240-8F14-750059DFEEB0}" type="datetimeFigureOut">
               <a:rPr lang="en-US" smtClean="0"/>
-              <a:t>3/16/23</a:t>
+              <a:t>1/9/25</a:t>
             </a:fld>
             <a:endParaRPr lang="en-US"/>
           </a:p>
@@ -9053,7 +9223,7 @@
           <a:p>
             <a:fld id="{EC4347D3-4C9A-C240-8F14-750059DFEEB0}" type="datetimeFigureOut">
               <a:rPr lang="en-US" smtClean="0"/>
-              <a:t>3/16/23</a:t>
+              <a:t>1/9/25</a:t>
             </a:fld>
             <a:endParaRPr lang="en-US"/>
           </a:p>
@@ -9302,7 +9472,7 @@
           <a:p>
             <a:fld id="{EC4347D3-4C9A-C240-8F14-750059DFEEB0}" type="datetimeFigureOut">
               <a:rPr lang="en-US" smtClean="0"/>
-              <a:t>3/16/23</a:t>
+              <a:t>1/9/25</a:t>
             </a:fld>
             <a:endParaRPr lang="en-US"/>
           </a:p>
@@ -9587,7 +9757,7 @@
           <a:p>
             <a:fld id="{EC4347D3-4C9A-C240-8F14-750059DFEEB0}" type="datetimeFigureOut">
               <a:rPr lang="en-US" smtClean="0"/>
-              <a:t>3/16/23</a:t>
+              <a:t>1/9/25</a:t>
             </a:fld>
             <a:endParaRPr lang="en-US"/>
           </a:p>
@@ -12654,7 +12824,7 @@
           <a:p>
             <a:fld id="{EC4347D3-4C9A-C240-8F14-750059DFEEB0}" type="datetimeFigureOut">
               <a:rPr lang="en-US" smtClean="0"/>
-              <a:t>3/16/23</a:t>
+              <a:t>1/9/25</a:t>
             </a:fld>
             <a:endParaRPr lang="en-US"/>
           </a:p>
@@ -14669,13 +14839,8 @@
               <a:p>
                 <a:r>
                   <a:rPr lang="en-US" sz="2000" dirty="0"/>
-                  <a:t>Extremely fast to </a:t>
+                  <a:t>Extremely fast to compute</a:t>
                 </a:r>
-                <a:r>
-                  <a:rPr lang="en-US" sz="2000" dirty="0" err="1"/>
-                  <a:t>computs</a:t>
-                </a:r>
-                <a:endParaRPr lang="en-US" sz="2000" dirty="0"/>
               </a:p>
               <a:p>
                 <a:r>
@@ -19735,6 +19900,3077 @@
             <a:pPr algn="ctr"/>
             <a:r>
               <a:rPr lang="en-US" dirty="0"/>
+              <a:t>Concrete Example!</a:t>
+            </a:r>
+          </a:p>
+        </p:txBody>
+      </p:sp>
+      <mc:AlternateContent xmlns:mc="http://schemas.openxmlformats.org/markup-compatibility/2006" xmlns:a14="http://schemas.microsoft.com/office/drawing/2010/main">
+        <mc:Choice Requires="a14">
+          <p:sp>
+            <p:nvSpPr>
+              <p:cNvPr id="5" name="Content Placeholder 2">
+                <a:extLst>
+                  <a:ext uri="{FF2B5EF4-FFF2-40B4-BE49-F238E27FC236}">
+                    <a16:creationId xmlns:a16="http://schemas.microsoft.com/office/drawing/2014/main" id="{F03D1555-5542-694F-BB57-374B096DC8EE}"/>
+                  </a:ext>
+                </a:extLst>
+              </p:cNvPr>
+              <p:cNvSpPr txBox="1">
+                <a:spLocks/>
+              </p:cNvSpPr>
+              <p:nvPr/>
+            </p:nvSpPr>
+            <p:spPr>
+              <a:xfrm>
+                <a:off x="902208" y="1046039"/>
+                <a:ext cx="10485119" cy="695173"/>
+              </a:xfrm>
+              <a:prstGeom prst="rect">
+                <a:avLst/>
+              </a:prstGeom>
+              <a:solidFill>
+                <a:schemeClr val="tx1">
+                  <a:lumMod val="95000"/>
+                </a:schemeClr>
+              </a:solidFill>
+              <a:ln>
+                <a:solidFill>
+                  <a:schemeClr val="bg1"/>
+                </a:solidFill>
+              </a:ln>
+            </p:spPr>
+            <p:txBody>
+              <a:bodyPr vert="horz" lIns="91440" tIns="45720" rIns="91440" bIns="45720" rtlCol="0" anchor="ctr">
+                <a:noAutofit/>
+              </a:bodyPr>
+              <a:lstStyle>
+                <a:lvl1pPr marL="228600" indent="-228600" algn="l" defTabSz="914400" rtl="0" eaLnBrk="1" latinLnBrk="0" hangingPunct="1">
+                  <a:lnSpc>
+                    <a:spcPct val="120000"/>
+                  </a:lnSpc>
+                  <a:spcBef>
+                    <a:spcPts val="1000"/>
+                  </a:spcBef>
+                  <a:buSzPct val="125000"/>
+                  <a:buFont typeface="Arial" panose="020B0604020202020204" pitchFamily="34" charset="0"/>
+                  <a:buChar char="•"/>
+                  <a:defRPr sz="2400" kern="1200">
+                    <a:solidFill>
+                      <a:schemeClr val="tx1"/>
+                    </a:solidFill>
+                    <a:latin typeface="+mn-lt"/>
+                    <a:ea typeface="+mn-ea"/>
+                    <a:cs typeface="+mn-cs"/>
+                  </a:defRPr>
+                </a:lvl1pPr>
+                <a:lvl2pPr marL="685800" indent="-228600" algn="l" defTabSz="914400" rtl="0" eaLnBrk="1" latinLnBrk="0" hangingPunct="1">
+                  <a:lnSpc>
+                    <a:spcPct val="120000"/>
+                  </a:lnSpc>
+                  <a:spcBef>
+                    <a:spcPts val="500"/>
+                  </a:spcBef>
+                  <a:buSzPct val="125000"/>
+                  <a:buFont typeface="Arial" panose="020B0604020202020204" pitchFamily="34" charset="0"/>
+                  <a:buChar char="•"/>
+                  <a:defRPr sz="2000" kern="1200">
+                    <a:solidFill>
+                      <a:schemeClr val="tx1"/>
+                    </a:solidFill>
+                    <a:latin typeface="+mn-lt"/>
+                    <a:ea typeface="+mn-ea"/>
+                    <a:cs typeface="+mn-cs"/>
+                  </a:defRPr>
+                </a:lvl2pPr>
+                <a:lvl3pPr marL="1143000" indent="-228600" algn="l" defTabSz="914400" rtl="0" eaLnBrk="1" latinLnBrk="0" hangingPunct="1">
+                  <a:lnSpc>
+                    <a:spcPct val="120000"/>
+                  </a:lnSpc>
+                  <a:spcBef>
+                    <a:spcPts val="500"/>
+                  </a:spcBef>
+                  <a:buSzPct val="125000"/>
+                  <a:buFont typeface="Arial" panose="020B0604020202020204" pitchFamily="34" charset="0"/>
+                  <a:buChar char="•"/>
+                  <a:defRPr sz="1800" kern="1200">
+                    <a:solidFill>
+                      <a:schemeClr val="tx1"/>
+                    </a:solidFill>
+                    <a:latin typeface="+mn-lt"/>
+                    <a:ea typeface="+mn-ea"/>
+                    <a:cs typeface="+mn-cs"/>
+                  </a:defRPr>
+                </a:lvl3pPr>
+                <a:lvl4pPr marL="1600200" indent="-228600" algn="l" defTabSz="914400" rtl="0" eaLnBrk="1" latinLnBrk="0" hangingPunct="1">
+                  <a:lnSpc>
+                    <a:spcPct val="120000"/>
+                  </a:lnSpc>
+                  <a:spcBef>
+                    <a:spcPts val="500"/>
+                  </a:spcBef>
+                  <a:buSzPct val="125000"/>
+                  <a:buFont typeface="Arial" panose="020B0604020202020204" pitchFamily="34" charset="0"/>
+                  <a:buChar char="•"/>
+                  <a:defRPr sz="1600" kern="1200">
+                    <a:solidFill>
+                      <a:schemeClr val="tx1"/>
+                    </a:solidFill>
+                    <a:latin typeface="+mn-lt"/>
+                    <a:ea typeface="+mn-ea"/>
+                    <a:cs typeface="+mn-cs"/>
+                  </a:defRPr>
+                </a:lvl4pPr>
+                <a:lvl5pPr marL="2057400" indent="-228600" algn="l" defTabSz="914400" rtl="0" eaLnBrk="1" latinLnBrk="0" hangingPunct="1">
+                  <a:lnSpc>
+                    <a:spcPct val="120000"/>
+                  </a:lnSpc>
+                  <a:spcBef>
+                    <a:spcPts val="500"/>
+                  </a:spcBef>
+                  <a:buSzPct val="125000"/>
+                  <a:buFont typeface="Arial" panose="020B0604020202020204" pitchFamily="34" charset="0"/>
+                  <a:buChar char="•"/>
+                  <a:defRPr sz="1600" kern="1200">
+                    <a:solidFill>
+                      <a:schemeClr val="tx1"/>
+                    </a:solidFill>
+                    <a:latin typeface="+mn-lt"/>
+                    <a:ea typeface="+mn-ea"/>
+                    <a:cs typeface="+mn-cs"/>
+                  </a:defRPr>
+                </a:lvl5pPr>
+                <a:lvl6pPr marL="2514600" indent="-228600" algn="l" defTabSz="914400" rtl="0" eaLnBrk="1" latinLnBrk="0" hangingPunct="1">
+                  <a:lnSpc>
+                    <a:spcPct val="120000"/>
+                  </a:lnSpc>
+                  <a:spcBef>
+                    <a:spcPts val="500"/>
+                  </a:spcBef>
+                  <a:buSzPct val="125000"/>
+                  <a:buFont typeface="Arial" panose="020B0604020202020204" pitchFamily="34" charset="0"/>
+                  <a:buChar char="•"/>
+                  <a:defRPr sz="1400" kern="1200">
+                    <a:solidFill>
+                      <a:schemeClr val="tx1"/>
+                    </a:solidFill>
+                    <a:latin typeface="+mn-lt"/>
+                    <a:ea typeface="+mn-ea"/>
+                    <a:cs typeface="+mn-cs"/>
+                  </a:defRPr>
+                </a:lvl6pPr>
+                <a:lvl7pPr marL="2971800" indent="-228600" algn="l" defTabSz="914400" rtl="0" eaLnBrk="1" latinLnBrk="0" hangingPunct="1">
+                  <a:lnSpc>
+                    <a:spcPct val="120000"/>
+                  </a:lnSpc>
+                  <a:spcBef>
+                    <a:spcPts val="500"/>
+                  </a:spcBef>
+                  <a:buSzPct val="125000"/>
+                  <a:buFont typeface="Arial" panose="020B0604020202020204" pitchFamily="34" charset="0"/>
+                  <a:buChar char="•"/>
+                  <a:defRPr sz="1400" kern="1200">
+                    <a:solidFill>
+                      <a:schemeClr val="tx1"/>
+                    </a:solidFill>
+                    <a:latin typeface="+mn-lt"/>
+                    <a:ea typeface="+mn-ea"/>
+                    <a:cs typeface="+mn-cs"/>
+                  </a:defRPr>
+                </a:lvl7pPr>
+                <a:lvl8pPr marL="3429000" indent="-228600" algn="l" defTabSz="914400" rtl="0" eaLnBrk="1" latinLnBrk="0" hangingPunct="1">
+                  <a:lnSpc>
+                    <a:spcPct val="120000"/>
+                  </a:lnSpc>
+                  <a:spcBef>
+                    <a:spcPts val="500"/>
+                  </a:spcBef>
+                  <a:buSzPct val="125000"/>
+                  <a:buFont typeface="Arial" panose="020B0604020202020204" pitchFamily="34" charset="0"/>
+                  <a:buChar char="•"/>
+                  <a:defRPr sz="1400" kern="1200">
+                    <a:solidFill>
+                      <a:schemeClr val="tx1"/>
+                    </a:solidFill>
+                    <a:latin typeface="+mn-lt"/>
+                    <a:ea typeface="+mn-ea"/>
+                    <a:cs typeface="+mn-cs"/>
+                  </a:defRPr>
+                </a:lvl8pPr>
+                <a:lvl9pPr marL="3886200" indent="-228600" algn="l" defTabSz="914400" rtl="0" eaLnBrk="1" latinLnBrk="0" hangingPunct="1">
+                  <a:lnSpc>
+                    <a:spcPct val="120000"/>
+                  </a:lnSpc>
+                  <a:spcBef>
+                    <a:spcPts val="500"/>
+                  </a:spcBef>
+                  <a:buSzPct val="125000"/>
+                  <a:buFont typeface="Arial" panose="020B0604020202020204" pitchFamily="34" charset="0"/>
+                  <a:buChar char="•"/>
+                  <a:defRPr sz="1400" kern="1200">
+                    <a:solidFill>
+                      <a:schemeClr val="tx1"/>
+                    </a:solidFill>
+                    <a:latin typeface="+mn-lt"/>
+                    <a:ea typeface="+mn-ea"/>
+                    <a:cs typeface="+mn-cs"/>
+                  </a:defRPr>
+                </a:lvl9pPr>
+              </a:lstStyle>
+              <a:p>
+                <a:pPr marL="0" indent="0">
+                  <a:buFont typeface="Arial" panose="020B0604020202020204" pitchFamily="34" charset="0"/>
+                  <a:buNone/>
+                </a:pPr>
+                <a14:m>
+                  <m:oMathPara xmlns:m="http://schemas.openxmlformats.org/officeDocument/2006/math">
+                    <m:oMathParaPr>
+                      <m:jc m:val="centerGroup"/>
+                    </m:oMathParaPr>
+                    <m:oMath xmlns:m="http://schemas.openxmlformats.org/officeDocument/2006/math">
+                      <m:r>
+                        <a:rPr lang="en-US" sz="3400" b="0" i="1" smtClean="0">
+                          <a:solidFill>
+                            <a:sysClr val="windowText" lastClr="000000"/>
+                          </a:solidFill>
+                          <a:latin typeface="Cambria Math" panose="02040503050406030204" pitchFamily="18" charset="0"/>
+                        </a:rPr>
+                        <m:t>𝐴</m:t>
+                      </m:r>
+                      <m:r>
+                        <a:rPr lang="en-US" sz="3400" b="0" i="1" smtClean="0">
+                          <a:solidFill>
+                            <a:sysClr val="windowText" lastClr="000000"/>
+                          </a:solidFill>
+                          <a:latin typeface="Cambria Math" panose="02040503050406030204" pitchFamily="18" charset="0"/>
+                        </a:rPr>
+                        <m:t>={1, 2, 3, 4, 5, 6, 7, 8, 9, 10, 11, 12}</m:t>
+                      </m:r>
+                    </m:oMath>
+                  </m:oMathPara>
+                </a14:m>
+                <a:endParaRPr lang="en-US" sz="3400" dirty="0">
+                  <a:solidFill>
+                    <a:sysClr val="windowText" lastClr="000000"/>
+                  </a:solidFill>
+                </a:endParaRPr>
+              </a:p>
+            </p:txBody>
+          </p:sp>
+        </mc:Choice>
+        <mc:Fallback xmlns="">
+          <p:sp>
+            <p:nvSpPr>
+              <p:cNvPr id="5" name="Content Placeholder 2">
+                <a:extLst>
+                  <a:ext uri="{FF2B5EF4-FFF2-40B4-BE49-F238E27FC236}">
+                    <a16:creationId xmlns:a16="http://schemas.microsoft.com/office/drawing/2014/main" id="{F03D1555-5542-694F-BB57-374B096DC8EE}"/>
+                  </a:ext>
+                </a:extLst>
+              </p:cNvPr>
+              <p:cNvSpPr txBox="1">
+                <a:spLocks noRot="1" noChangeAspect="1" noMove="1" noResize="1" noEditPoints="1" noAdjustHandles="1" noChangeArrowheads="1" noChangeShapeType="1" noTextEdit="1"/>
+              </p:cNvSpPr>
+              <p:nvPr/>
+            </p:nvSpPr>
+            <p:spPr>
+              <a:xfrm>
+                <a:off x="902208" y="1046039"/>
+                <a:ext cx="10485119" cy="695173"/>
+              </a:xfrm>
+              <a:prstGeom prst="rect">
+                <a:avLst/>
+              </a:prstGeom>
+              <a:blipFill>
+                <a:blip r:embed="rId3"/>
+                <a:stretch>
+                  <a:fillRect b="-14035"/>
+                </a:stretch>
+              </a:blipFill>
+              <a:ln>
+                <a:solidFill>
+                  <a:schemeClr val="bg1"/>
+                </a:solidFill>
+              </a:ln>
+            </p:spPr>
+            <p:txBody>
+              <a:bodyPr/>
+              <a:lstStyle/>
+              <a:p>
+                <a:r>
+                  <a:rPr lang="en-US">
+                    <a:noFill/>
+                  </a:rPr>
+                  <a:t> </a:t>
+                </a:r>
+              </a:p>
+            </p:txBody>
+          </p:sp>
+        </mc:Fallback>
+      </mc:AlternateContent>
+      <mc:AlternateContent xmlns:mc="http://schemas.openxmlformats.org/markup-compatibility/2006" xmlns:a14="http://schemas.microsoft.com/office/drawing/2010/main">
+        <mc:Choice Requires="a14">
+          <p:sp>
+            <p:nvSpPr>
+              <p:cNvPr id="8" name="Content Placeholder 2">
+                <a:extLst>
+                  <a:ext uri="{FF2B5EF4-FFF2-40B4-BE49-F238E27FC236}">
+                    <a16:creationId xmlns:a16="http://schemas.microsoft.com/office/drawing/2014/main" id="{DA1ED6D2-9387-DD42-AA1C-80D70F58214C}"/>
+                  </a:ext>
+                </a:extLst>
+              </p:cNvPr>
+              <p:cNvSpPr txBox="1">
+                <a:spLocks/>
+              </p:cNvSpPr>
+              <p:nvPr/>
+            </p:nvSpPr>
+            <p:spPr>
+              <a:xfrm>
+                <a:off x="902208" y="1884973"/>
+                <a:ext cx="10485119" cy="773111"/>
+              </a:xfrm>
+              <a:prstGeom prst="rect">
+                <a:avLst/>
+              </a:prstGeom>
+              <a:solidFill>
+                <a:schemeClr val="tx1"/>
+              </a:solidFill>
+              <a:ln>
+                <a:solidFill>
+                  <a:schemeClr val="bg1"/>
+                </a:solidFill>
+              </a:ln>
+            </p:spPr>
+            <p:txBody>
+              <a:bodyPr vert="horz" lIns="91440" tIns="45720" rIns="91440" bIns="45720" rtlCol="0" anchor="ctr">
+                <a:normAutofit/>
+              </a:bodyPr>
+              <a:lstStyle>
+                <a:lvl1pPr marL="228600" indent="-228600" algn="l" defTabSz="914400" rtl="0" eaLnBrk="1" latinLnBrk="0" hangingPunct="1">
+                  <a:lnSpc>
+                    <a:spcPct val="120000"/>
+                  </a:lnSpc>
+                  <a:spcBef>
+                    <a:spcPts val="1000"/>
+                  </a:spcBef>
+                  <a:buSzPct val="125000"/>
+                  <a:buFont typeface="Arial" panose="020B0604020202020204" pitchFamily="34" charset="0"/>
+                  <a:buChar char="•"/>
+                  <a:defRPr sz="2400" kern="1200">
+                    <a:solidFill>
+                      <a:schemeClr val="tx1"/>
+                    </a:solidFill>
+                    <a:latin typeface="+mn-lt"/>
+                    <a:ea typeface="+mn-ea"/>
+                    <a:cs typeface="+mn-cs"/>
+                  </a:defRPr>
+                </a:lvl1pPr>
+                <a:lvl2pPr marL="685800" indent="-228600" algn="l" defTabSz="914400" rtl="0" eaLnBrk="1" latinLnBrk="0" hangingPunct="1">
+                  <a:lnSpc>
+                    <a:spcPct val="120000"/>
+                  </a:lnSpc>
+                  <a:spcBef>
+                    <a:spcPts val="500"/>
+                  </a:spcBef>
+                  <a:buSzPct val="125000"/>
+                  <a:buFont typeface="Arial" panose="020B0604020202020204" pitchFamily="34" charset="0"/>
+                  <a:buChar char="•"/>
+                  <a:defRPr sz="2000" kern="1200">
+                    <a:solidFill>
+                      <a:schemeClr val="tx1"/>
+                    </a:solidFill>
+                    <a:latin typeface="+mn-lt"/>
+                    <a:ea typeface="+mn-ea"/>
+                    <a:cs typeface="+mn-cs"/>
+                  </a:defRPr>
+                </a:lvl2pPr>
+                <a:lvl3pPr marL="1143000" indent="-228600" algn="l" defTabSz="914400" rtl="0" eaLnBrk="1" latinLnBrk="0" hangingPunct="1">
+                  <a:lnSpc>
+                    <a:spcPct val="120000"/>
+                  </a:lnSpc>
+                  <a:spcBef>
+                    <a:spcPts val="500"/>
+                  </a:spcBef>
+                  <a:buSzPct val="125000"/>
+                  <a:buFont typeface="Arial" panose="020B0604020202020204" pitchFamily="34" charset="0"/>
+                  <a:buChar char="•"/>
+                  <a:defRPr sz="1800" kern="1200">
+                    <a:solidFill>
+                      <a:schemeClr val="tx1"/>
+                    </a:solidFill>
+                    <a:latin typeface="+mn-lt"/>
+                    <a:ea typeface="+mn-ea"/>
+                    <a:cs typeface="+mn-cs"/>
+                  </a:defRPr>
+                </a:lvl3pPr>
+                <a:lvl4pPr marL="1600200" indent="-228600" algn="l" defTabSz="914400" rtl="0" eaLnBrk="1" latinLnBrk="0" hangingPunct="1">
+                  <a:lnSpc>
+                    <a:spcPct val="120000"/>
+                  </a:lnSpc>
+                  <a:spcBef>
+                    <a:spcPts val="500"/>
+                  </a:spcBef>
+                  <a:buSzPct val="125000"/>
+                  <a:buFont typeface="Arial" panose="020B0604020202020204" pitchFamily="34" charset="0"/>
+                  <a:buChar char="•"/>
+                  <a:defRPr sz="1600" kern="1200">
+                    <a:solidFill>
+                      <a:schemeClr val="tx1"/>
+                    </a:solidFill>
+                    <a:latin typeface="+mn-lt"/>
+                    <a:ea typeface="+mn-ea"/>
+                    <a:cs typeface="+mn-cs"/>
+                  </a:defRPr>
+                </a:lvl4pPr>
+                <a:lvl5pPr marL="2057400" indent="-228600" algn="l" defTabSz="914400" rtl="0" eaLnBrk="1" latinLnBrk="0" hangingPunct="1">
+                  <a:lnSpc>
+                    <a:spcPct val="120000"/>
+                  </a:lnSpc>
+                  <a:spcBef>
+                    <a:spcPts val="500"/>
+                  </a:spcBef>
+                  <a:buSzPct val="125000"/>
+                  <a:buFont typeface="Arial" panose="020B0604020202020204" pitchFamily="34" charset="0"/>
+                  <a:buChar char="•"/>
+                  <a:defRPr sz="1600" kern="1200">
+                    <a:solidFill>
+                      <a:schemeClr val="tx1"/>
+                    </a:solidFill>
+                    <a:latin typeface="+mn-lt"/>
+                    <a:ea typeface="+mn-ea"/>
+                    <a:cs typeface="+mn-cs"/>
+                  </a:defRPr>
+                </a:lvl5pPr>
+                <a:lvl6pPr marL="2514600" indent="-228600" algn="l" defTabSz="914400" rtl="0" eaLnBrk="1" latinLnBrk="0" hangingPunct="1">
+                  <a:lnSpc>
+                    <a:spcPct val="120000"/>
+                  </a:lnSpc>
+                  <a:spcBef>
+                    <a:spcPts val="500"/>
+                  </a:spcBef>
+                  <a:buSzPct val="125000"/>
+                  <a:buFont typeface="Arial" panose="020B0604020202020204" pitchFamily="34" charset="0"/>
+                  <a:buChar char="•"/>
+                  <a:defRPr sz="1400" kern="1200">
+                    <a:solidFill>
+                      <a:schemeClr val="tx1"/>
+                    </a:solidFill>
+                    <a:latin typeface="+mn-lt"/>
+                    <a:ea typeface="+mn-ea"/>
+                    <a:cs typeface="+mn-cs"/>
+                  </a:defRPr>
+                </a:lvl6pPr>
+                <a:lvl7pPr marL="2971800" indent="-228600" algn="l" defTabSz="914400" rtl="0" eaLnBrk="1" latinLnBrk="0" hangingPunct="1">
+                  <a:lnSpc>
+                    <a:spcPct val="120000"/>
+                  </a:lnSpc>
+                  <a:spcBef>
+                    <a:spcPts val="500"/>
+                  </a:spcBef>
+                  <a:buSzPct val="125000"/>
+                  <a:buFont typeface="Arial" panose="020B0604020202020204" pitchFamily="34" charset="0"/>
+                  <a:buChar char="•"/>
+                  <a:defRPr sz="1400" kern="1200">
+                    <a:solidFill>
+                      <a:schemeClr val="tx1"/>
+                    </a:solidFill>
+                    <a:latin typeface="+mn-lt"/>
+                    <a:ea typeface="+mn-ea"/>
+                    <a:cs typeface="+mn-cs"/>
+                  </a:defRPr>
+                </a:lvl7pPr>
+                <a:lvl8pPr marL="3429000" indent="-228600" algn="l" defTabSz="914400" rtl="0" eaLnBrk="1" latinLnBrk="0" hangingPunct="1">
+                  <a:lnSpc>
+                    <a:spcPct val="120000"/>
+                  </a:lnSpc>
+                  <a:spcBef>
+                    <a:spcPts val="500"/>
+                  </a:spcBef>
+                  <a:buSzPct val="125000"/>
+                  <a:buFont typeface="Arial" panose="020B0604020202020204" pitchFamily="34" charset="0"/>
+                  <a:buChar char="•"/>
+                  <a:defRPr sz="1400" kern="1200">
+                    <a:solidFill>
+                      <a:schemeClr val="tx1"/>
+                    </a:solidFill>
+                    <a:latin typeface="+mn-lt"/>
+                    <a:ea typeface="+mn-ea"/>
+                    <a:cs typeface="+mn-cs"/>
+                  </a:defRPr>
+                </a:lvl8pPr>
+                <a:lvl9pPr marL="3886200" indent="-228600" algn="l" defTabSz="914400" rtl="0" eaLnBrk="1" latinLnBrk="0" hangingPunct="1">
+                  <a:lnSpc>
+                    <a:spcPct val="120000"/>
+                  </a:lnSpc>
+                  <a:spcBef>
+                    <a:spcPts val="500"/>
+                  </a:spcBef>
+                  <a:buSzPct val="125000"/>
+                  <a:buFont typeface="Arial" panose="020B0604020202020204" pitchFamily="34" charset="0"/>
+                  <a:buChar char="•"/>
+                  <a:defRPr sz="1400" kern="1200">
+                    <a:solidFill>
+                      <a:schemeClr val="tx1"/>
+                    </a:solidFill>
+                    <a:latin typeface="+mn-lt"/>
+                    <a:ea typeface="+mn-ea"/>
+                    <a:cs typeface="+mn-cs"/>
+                  </a:defRPr>
+                </a:lvl9pPr>
+              </a:lstStyle>
+              <a:p>
+                <a:pPr marL="0" indent="0">
+                  <a:lnSpc>
+                    <a:spcPct val="100000"/>
+                  </a:lnSpc>
+                  <a:buNone/>
+                </a:pPr>
+                <a14:m>
+                  <m:oMathPara xmlns:m="http://schemas.openxmlformats.org/officeDocument/2006/math">
+                    <m:oMathParaPr>
+                      <m:jc m:val="centerGroup"/>
+                    </m:oMathParaPr>
+                    <m:oMath xmlns:m="http://schemas.openxmlformats.org/officeDocument/2006/math">
+                      <m:r>
+                        <a:rPr lang="en-US" sz="3400" b="0" i="1" smtClean="0">
+                          <a:solidFill>
+                            <a:sysClr val="windowText" lastClr="000000"/>
+                          </a:solidFill>
+                          <a:latin typeface="Cambria Math" panose="02040503050406030204" pitchFamily="18" charset="0"/>
+                        </a:rPr>
+                        <m:t>𝑇</m:t>
+                      </m:r>
+                      <m:r>
+                        <a:rPr lang="en-US" sz="3400" b="0" i="1" smtClean="0">
+                          <a:solidFill>
+                            <a:sysClr val="windowText" lastClr="000000"/>
+                          </a:solidFill>
+                          <a:latin typeface="Cambria Math" panose="02040503050406030204" pitchFamily="18" charset="0"/>
+                        </a:rPr>
+                        <m:t>={                                                                                          }</m:t>
+                      </m:r>
+                    </m:oMath>
+                  </m:oMathPara>
+                </a14:m>
+                <a:endParaRPr lang="en-US" sz="3400" i="1" dirty="0">
+                  <a:solidFill>
+                    <a:sysClr val="windowText" lastClr="000000"/>
+                  </a:solidFill>
+                </a:endParaRPr>
+              </a:p>
+            </p:txBody>
+          </p:sp>
+        </mc:Choice>
+        <mc:Fallback xmlns="">
+          <p:sp>
+            <p:nvSpPr>
+              <p:cNvPr id="8" name="Content Placeholder 2">
+                <a:extLst>
+                  <a:ext uri="{FF2B5EF4-FFF2-40B4-BE49-F238E27FC236}">
+                    <a16:creationId xmlns:a16="http://schemas.microsoft.com/office/drawing/2014/main" id="{DA1ED6D2-9387-DD42-AA1C-80D70F58214C}"/>
+                  </a:ext>
+                </a:extLst>
+              </p:cNvPr>
+              <p:cNvSpPr txBox="1">
+                <a:spLocks noRot="1" noChangeAspect="1" noMove="1" noResize="1" noEditPoints="1" noAdjustHandles="1" noChangeArrowheads="1" noChangeShapeType="1" noTextEdit="1"/>
+              </p:cNvSpPr>
+              <p:nvPr/>
+            </p:nvSpPr>
+            <p:spPr>
+              <a:xfrm>
+                <a:off x="902208" y="1884973"/>
+                <a:ext cx="10485119" cy="773111"/>
+              </a:xfrm>
+              <a:prstGeom prst="rect">
+                <a:avLst/>
+              </a:prstGeom>
+              <a:blipFill>
+                <a:blip r:embed="rId4"/>
+                <a:stretch>
+                  <a:fillRect b="-7937"/>
+                </a:stretch>
+              </a:blipFill>
+              <a:ln>
+                <a:solidFill>
+                  <a:schemeClr val="bg1"/>
+                </a:solidFill>
+              </a:ln>
+            </p:spPr>
+            <p:txBody>
+              <a:bodyPr/>
+              <a:lstStyle/>
+              <a:p>
+                <a:r>
+                  <a:rPr lang="en-US">
+                    <a:noFill/>
+                  </a:rPr>
+                  <a:t> </a:t>
+                </a:r>
+              </a:p>
+            </p:txBody>
+          </p:sp>
+        </mc:Fallback>
+      </mc:AlternateContent>
+      <mc:AlternateContent xmlns:mc="http://schemas.openxmlformats.org/markup-compatibility/2006" xmlns:a14="http://schemas.microsoft.com/office/drawing/2010/main">
+        <mc:Choice Requires="a14">
+          <p:sp>
+            <p:nvSpPr>
+              <p:cNvPr id="15" name="Content Placeholder 2">
+                <a:extLst>
+                  <a:ext uri="{FF2B5EF4-FFF2-40B4-BE49-F238E27FC236}">
+                    <a16:creationId xmlns:a16="http://schemas.microsoft.com/office/drawing/2014/main" id="{A00BDB34-6388-8044-9387-F08D32C593C9}"/>
+                  </a:ext>
+                </a:extLst>
+              </p:cNvPr>
+              <p:cNvSpPr txBox="1">
+                <a:spLocks/>
+              </p:cNvSpPr>
+              <p:nvPr/>
+            </p:nvSpPr>
+            <p:spPr>
+              <a:xfrm>
+                <a:off x="1392412" y="2961396"/>
+                <a:ext cx="3321000" cy="3675073"/>
+              </a:xfrm>
+              <a:prstGeom prst="rect">
+                <a:avLst/>
+              </a:prstGeom>
+              <a:ln>
+                <a:solidFill>
+                  <a:schemeClr val="tx1"/>
+                </a:solidFill>
+              </a:ln>
+            </p:spPr>
+            <p:txBody>
+              <a:bodyPr vert="horz" lIns="91440" tIns="45720" rIns="91440" bIns="45720" rtlCol="0">
+                <a:normAutofit fontScale="70000" lnSpcReduction="20000"/>
+              </a:bodyPr>
+              <a:lstStyle>
+                <a:lvl1pPr marL="228600" indent="-228600" algn="l" defTabSz="914400" rtl="0" eaLnBrk="1" latinLnBrk="0" hangingPunct="1">
+                  <a:lnSpc>
+                    <a:spcPct val="120000"/>
+                  </a:lnSpc>
+                  <a:spcBef>
+                    <a:spcPts val="1000"/>
+                  </a:spcBef>
+                  <a:buSzPct val="125000"/>
+                  <a:buFont typeface="Arial" panose="020B0604020202020204" pitchFamily="34" charset="0"/>
+                  <a:buChar char="•"/>
+                  <a:defRPr sz="2400" kern="1200">
+                    <a:solidFill>
+                      <a:schemeClr val="tx1"/>
+                    </a:solidFill>
+                    <a:latin typeface="+mn-lt"/>
+                    <a:ea typeface="+mn-ea"/>
+                    <a:cs typeface="+mn-cs"/>
+                  </a:defRPr>
+                </a:lvl1pPr>
+                <a:lvl2pPr marL="685800" indent="-228600" algn="l" defTabSz="914400" rtl="0" eaLnBrk="1" latinLnBrk="0" hangingPunct="1">
+                  <a:lnSpc>
+                    <a:spcPct val="120000"/>
+                  </a:lnSpc>
+                  <a:spcBef>
+                    <a:spcPts val="500"/>
+                  </a:spcBef>
+                  <a:buSzPct val="125000"/>
+                  <a:buFont typeface="Arial" panose="020B0604020202020204" pitchFamily="34" charset="0"/>
+                  <a:buChar char="•"/>
+                  <a:defRPr sz="2000" kern="1200">
+                    <a:solidFill>
+                      <a:schemeClr val="tx1"/>
+                    </a:solidFill>
+                    <a:latin typeface="+mn-lt"/>
+                    <a:ea typeface="+mn-ea"/>
+                    <a:cs typeface="+mn-cs"/>
+                  </a:defRPr>
+                </a:lvl2pPr>
+                <a:lvl3pPr marL="1143000" indent="-228600" algn="l" defTabSz="914400" rtl="0" eaLnBrk="1" latinLnBrk="0" hangingPunct="1">
+                  <a:lnSpc>
+                    <a:spcPct val="120000"/>
+                  </a:lnSpc>
+                  <a:spcBef>
+                    <a:spcPts val="500"/>
+                  </a:spcBef>
+                  <a:buSzPct val="125000"/>
+                  <a:buFont typeface="Arial" panose="020B0604020202020204" pitchFamily="34" charset="0"/>
+                  <a:buChar char="•"/>
+                  <a:defRPr sz="1800" kern="1200">
+                    <a:solidFill>
+                      <a:schemeClr val="tx1"/>
+                    </a:solidFill>
+                    <a:latin typeface="+mn-lt"/>
+                    <a:ea typeface="+mn-ea"/>
+                    <a:cs typeface="+mn-cs"/>
+                  </a:defRPr>
+                </a:lvl3pPr>
+                <a:lvl4pPr marL="1600200" indent="-228600" algn="l" defTabSz="914400" rtl="0" eaLnBrk="1" latinLnBrk="0" hangingPunct="1">
+                  <a:lnSpc>
+                    <a:spcPct val="120000"/>
+                  </a:lnSpc>
+                  <a:spcBef>
+                    <a:spcPts val="500"/>
+                  </a:spcBef>
+                  <a:buSzPct val="125000"/>
+                  <a:buFont typeface="Arial" panose="020B0604020202020204" pitchFamily="34" charset="0"/>
+                  <a:buChar char="•"/>
+                  <a:defRPr sz="1600" kern="1200">
+                    <a:solidFill>
+                      <a:schemeClr val="tx1"/>
+                    </a:solidFill>
+                    <a:latin typeface="+mn-lt"/>
+                    <a:ea typeface="+mn-ea"/>
+                    <a:cs typeface="+mn-cs"/>
+                  </a:defRPr>
+                </a:lvl4pPr>
+                <a:lvl5pPr marL="2057400" indent="-228600" algn="l" defTabSz="914400" rtl="0" eaLnBrk="1" latinLnBrk="0" hangingPunct="1">
+                  <a:lnSpc>
+                    <a:spcPct val="120000"/>
+                  </a:lnSpc>
+                  <a:spcBef>
+                    <a:spcPts val="500"/>
+                  </a:spcBef>
+                  <a:buSzPct val="125000"/>
+                  <a:buFont typeface="Arial" panose="020B0604020202020204" pitchFamily="34" charset="0"/>
+                  <a:buChar char="•"/>
+                  <a:defRPr sz="1600" kern="1200">
+                    <a:solidFill>
+                      <a:schemeClr val="tx1"/>
+                    </a:solidFill>
+                    <a:latin typeface="+mn-lt"/>
+                    <a:ea typeface="+mn-ea"/>
+                    <a:cs typeface="+mn-cs"/>
+                  </a:defRPr>
+                </a:lvl5pPr>
+                <a:lvl6pPr marL="2514600" indent="-228600" algn="l" defTabSz="914400" rtl="0" eaLnBrk="1" latinLnBrk="0" hangingPunct="1">
+                  <a:lnSpc>
+                    <a:spcPct val="120000"/>
+                  </a:lnSpc>
+                  <a:spcBef>
+                    <a:spcPts val="500"/>
+                  </a:spcBef>
+                  <a:buSzPct val="125000"/>
+                  <a:buFont typeface="Arial" panose="020B0604020202020204" pitchFamily="34" charset="0"/>
+                  <a:buChar char="•"/>
+                  <a:defRPr sz="1400" kern="1200">
+                    <a:solidFill>
+                      <a:schemeClr val="tx1"/>
+                    </a:solidFill>
+                    <a:latin typeface="+mn-lt"/>
+                    <a:ea typeface="+mn-ea"/>
+                    <a:cs typeface="+mn-cs"/>
+                  </a:defRPr>
+                </a:lvl6pPr>
+                <a:lvl7pPr marL="2971800" indent="-228600" algn="l" defTabSz="914400" rtl="0" eaLnBrk="1" latinLnBrk="0" hangingPunct="1">
+                  <a:lnSpc>
+                    <a:spcPct val="120000"/>
+                  </a:lnSpc>
+                  <a:spcBef>
+                    <a:spcPts val="500"/>
+                  </a:spcBef>
+                  <a:buSzPct val="125000"/>
+                  <a:buFont typeface="Arial" panose="020B0604020202020204" pitchFamily="34" charset="0"/>
+                  <a:buChar char="•"/>
+                  <a:defRPr sz="1400" kern="1200">
+                    <a:solidFill>
+                      <a:schemeClr val="tx1"/>
+                    </a:solidFill>
+                    <a:latin typeface="+mn-lt"/>
+                    <a:ea typeface="+mn-ea"/>
+                    <a:cs typeface="+mn-cs"/>
+                  </a:defRPr>
+                </a:lvl7pPr>
+                <a:lvl8pPr marL="3429000" indent="-228600" algn="l" defTabSz="914400" rtl="0" eaLnBrk="1" latinLnBrk="0" hangingPunct="1">
+                  <a:lnSpc>
+                    <a:spcPct val="120000"/>
+                  </a:lnSpc>
+                  <a:spcBef>
+                    <a:spcPts val="500"/>
+                  </a:spcBef>
+                  <a:buSzPct val="125000"/>
+                  <a:buFont typeface="Arial" panose="020B0604020202020204" pitchFamily="34" charset="0"/>
+                  <a:buChar char="•"/>
+                  <a:defRPr sz="1400" kern="1200">
+                    <a:solidFill>
+                      <a:schemeClr val="tx1"/>
+                    </a:solidFill>
+                    <a:latin typeface="+mn-lt"/>
+                    <a:ea typeface="+mn-ea"/>
+                    <a:cs typeface="+mn-cs"/>
+                  </a:defRPr>
+                </a:lvl8pPr>
+                <a:lvl9pPr marL="3886200" indent="-228600" algn="l" defTabSz="914400" rtl="0" eaLnBrk="1" latinLnBrk="0" hangingPunct="1">
+                  <a:lnSpc>
+                    <a:spcPct val="120000"/>
+                  </a:lnSpc>
+                  <a:spcBef>
+                    <a:spcPts val="500"/>
+                  </a:spcBef>
+                  <a:buSzPct val="125000"/>
+                  <a:buFont typeface="Arial" panose="020B0604020202020204" pitchFamily="34" charset="0"/>
+                  <a:buChar char="•"/>
+                  <a:defRPr sz="1400" kern="1200">
+                    <a:solidFill>
+                      <a:schemeClr val="tx1"/>
+                    </a:solidFill>
+                    <a:latin typeface="+mn-lt"/>
+                    <a:ea typeface="+mn-ea"/>
+                    <a:cs typeface="+mn-cs"/>
+                  </a:defRPr>
+                </a:lvl9pPr>
+              </a:lstStyle>
+              <a:p>
+                <a:pPr marL="0" indent="0">
+                  <a:buFont typeface="Arial" panose="020B0604020202020204" pitchFamily="34" charset="0"/>
+                  <a:buNone/>
+                </a:pPr>
+                <a:r>
+                  <a:rPr lang="en-US" sz="2000" dirty="0"/>
+                  <a:t>g() values for reference:</a:t>
+                </a:r>
+              </a:p>
+              <a:p>
+                <a:pPr marL="0" indent="0">
+                  <a:buFont typeface="Arial" panose="020B0604020202020204" pitchFamily="34" charset="0"/>
+                  <a:buNone/>
+                </a:pPr>
+                <a14:m>
+                  <m:oMathPara xmlns:m="http://schemas.openxmlformats.org/officeDocument/2006/math">
+                    <m:oMathParaPr>
+                      <m:jc m:val="left"/>
+                    </m:oMathParaPr>
+                    <m:oMath xmlns:m="http://schemas.openxmlformats.org/officeDocument/2006/math">
+                      <m:r>
+                        <a:rPr lang="en-US" sz="2000" b="0" i="1" smtClean="0">
+                          <a:latin typeface="Cambria Math" panose="02040503050406030204" pitchFamily="18" charset="0"/>
+                        </a:rPr>
+                        <m:t>𝑔</m:t>
+                      </m:r>
+                      <m:d>
+                        <m:dPr>
+                          <m:ctrlPr>
+                            <a:rPr lang="en-US" sz="2000" b="0" i="1" smtClean="0">
+                              <a:latin typeface="Cambria Math" panose="02040503050406030204" pitchFamily="18" charset="0"/>
+                            </a:rPr>
+                          </m:ctrlPr>
+                        </m:dPr>
+                        <m:e>
+                          <m:r>
+                            <a:rPr lang="en-US" sz="2000" b="0" i="1" smtClean="0">
+                              <a:latin typeface="Cambria Math" panose="02040503050406030204" pitchFamily="18" charset="0"/>
+                            </a:rPr>
+                            <m:t>0</m:t>
+                          </m:r>
+                        </m:e>
+                      </m:d>
+                      <m:r>
+                        <a:rPr lang="en-US" sz="2000" b="0" i="1" smtClean="0">
+                          <a:latin typeface="Cambria Math" panose="02040503050406030204" pitchFamily="18" charset="0"/>
+                        </a:rPr>
+                        <m:t>=</m:t>
+                      </m:r>
+                      <m:r>
+                        <a:rPr lang="en-US" sz="2000" b="0" i="1" smtClean="0">
+                          <a:latin typeface="Cambria Math" panose="02040503050406030204" pitchFamily="18" charset="0"/>
+                        </a:rPr>
+                        <m:t>𝑔</m:t>
+                      </m:r>
+                      <m:d>
+                        <m:dPr>
+                          <m:ctrlPr>
+                            <a:rPr lang="en-US" sz="2000" b="0" i="1" smtClean="0">
+                              <a:latin typeface="Cambria Math" panose="02040503050406030204" pitchFamily="18" charset="0"/>
+                            </a:rPr>
+                          </m:ctrlPr>
+                        </m:dPr>
+                        <m:e>
+                          <m:sSub>
+                            <m:sSubPr>
+                              <m:ctrlPr>
+                                <a:rPr lang="en-US" sz="2000" b="0" i="1" smtClean="0">
+                                  <a:latin typeface="Cambria Math" panose="02040503050406030204" pitchFamily="18" charset="0"/>
+                                </a:rPr>
+                              </m:ctrlPr>
+                            </m:sSubPr>
+                            <m:e>
+                              <m:r>
+                                <a:rPr lang="en-US" sz="2000" b="0" i="1" smtClean="0">
+                                  <a:latin typeface="Cambria Math" panose="02040503050406030204" pitchFamily="18" charset="0"/>
+                                </a:rPr>
+                                <m:t>0000</m:t>
+                              </m:r>
+                            </m:e>
+                            <m:sub>
+                              <m:r>
+                                <a:rPr lang="en-US" sz="2000" b="0" i="1" smtClean="0">
+                                  <a:latin typeface="Cambria Math" panose="02040503050406030204" pitchFamily="18" charset="0"/>
+                                </a:rPr>
+                                <m:t>2</m:t>
+                              </m:r>
+                            </m:sub>
+                          </m:sSub>
+                        </m:e>
+                      </m:d>
+                      <m:r>
+                        <a:rPr lang="en-US" sz="2000" b="0" i="1" smtClean="0">
+                          <a:latin typeface="Cambria Math" panose="02040503050406030204" pitchFamily="18" charset="0"/>
+                        </a:rPr>
+                        <m:t>=</m:t>
+                      </m:r>
+                      <m:sSub>
+                        <m:sSubPr>
+                          <m:ctrlPr>
+                            <a:rPr lang="en-US" sz="2000" b="0" i="1" smtClean="0">
+                              <a:latin typeface="Cambria Math" panose="02040503050406030204" pitchFamily="18" charset="0"/>
+                            </a:rPr>
+                          </m:ctrlPr>
+                        </m:sSubPr>
+                        <m:e>
+                          <m:r>
+                            <a:rPr lang="en-US" sz="2000" b="0" i="1" smtClean="0">
+                              <a:latin typeface="Cambria Math" panose="02040503050406030204" pitchFamily="18" charset="0"/>
+                            </a:rPr>
+                            <m:t>0000</m:t>
+                          </m:r>
+                        </m:e>
+                        <m:sub>
+                          <m:r>
+                            <a:rPr lang="en-US" sz="2000" b="0" i="1" smtClean="0">
+                              <a:latin typeface="Cambria Math" panose="02040503050406030204" pitchFamily="18" charset="0"/>
+                            </a:rPr>
+                            <m:t>2</m:t>
+                          </m:r>
+                        </m:sub>
+                      </m:sSub>
+                      <m:r>
+                        <a:rPr lang="en-US" sz="2000" b="0" i="1" smtClean="0">
+                          <a:latin typeface="Cambria Math" panose="02040503050406030204" pitchFamily="18" charset="0"/>
+                        </a:rPr>
+                        <m:t>=0</m:t>
+                      </m:r>
+                    </m:oMath>
+                  </m:oMathPara>
+                </a14:m>
+                <a:endParaRPr lang="en-US" sz="2000" b="0" i="1" dirty="0">
+                  <a:latin typeface="Cambria Math" panose="02040503050406030204" pitchFamily="18" charset="0"/>
+                </a:endParaRPr>
+              </a:p>
+              <a:p>
+                <a:pPr marL="0" indent="0">
+                  <a:buNone/>
+                </a:pPr>
+                <a14:m>
+                  <m:oMathPara xmlns:m="http://schemas.openxmlformats.org/officeDocument/2006/math">
+                    <m:oMathParaPr>
+                      <m:jc m:val="left"/>
+                    </m:oMathParaPr>
+                    <m:oMath xmlns:m="http://schemas.openxmlformats.org/officeDocument/2006/math">
+                      <m:r>
+                        <a:rPr lang="en-US" sz="2000" i="1">
+                          <a:latin typeface="Cambria Math" panose="02040503050406030204" pitchFamily="18" charset="0"/>
+                        </a:rPr>
+                        <m:t>𝑔</m:t>
+                      </m:r>
+                      <m:d>
+                        <m:dPr>
+                          <m:ctrlPr>
+                            <a:rPr lang="en-US" sz="2000" i="1">
+                              <a:latin typeface="Cambria Math" panose="02040503050406030204" pitchFamily="18" charset="0"/>
+                            </a:rPr>
+                          </m:ctrlPr>
+                        </m:dPr>
+                        <m:e>
+                          <m:r>
+                            <a:rPr lang="en-US" sz="2000" b="0" i="1" smtClean="0">
+                              <a:latin typeface="Cambria Math" panose="02040503050406030204" pitchFamily="18" charset="0"/>
+                            </a:rPr>
+                            <m:t>1</m:t>
+                          </m:r>
+                        </m:e>
+                      </m:d>
+                      <m:r>
+                        <a:rPr lang="en-US" sz="2000" i="1">
+                          <a:latin typeface="Cambria Math" panose="02040503050406030204" pitchFamily="18" charset="0"/>
+                        </a:rPr>
+                        <m:t>=</m:t>
+                      </m:r>
+                      <m:r>
+                        <a:rPr lang="en-US" sz="2000" i="1">
+                          <a:latin typeface="Cambria Math" panose="02040503050406030204" pitchFamily="18" charset="0"/>
+                        </a:rPr>
+                        <m:t>𝑔</m:t>
+                      </m:r>
+                      <m:d>
+                        <m:dPr>
+                          <m:ctrlPr>
+                            <a:rPr lang="en-US" sz="2000" i="1">
+                              <a:latin typeface="Cambria Math" panose="02040503050406030204" pitchFamily="18" charset="0"/>
+                            </a:rPr>
+                          </m:ctrlPr>
+                        </m:dPr>
+                        <m:e>
+                          <m:sSub>
+                            <m:sSubPr>
+                              <m:ctrlPr>
+                                <a:rPr lang="en-US" sz="2000" i="1">
+                                  <a:latin typeface="Cambria Math" panose="02040503050406030204" pitchFamily="18" charset="0"/>
+                                </a:rPr>
+                              </m:ctrlPr>
+                            </m:sSubPr>
+                            <m:e>
+                              <m:r>
+                                <a:rPr lang="en-US" sz="2000" i="1">
+                                  <a:latin typeface="Cambria Math" panose="02040503050406030204" pitchFamily="18" charset="0"/>
+                                </a:rPr>
+                                <m:t>000</m:t>
+                              </m:r>
+                              <m:r>
+                                <a:rPr lang="en-US" sz="2000" b="0" i="1" smtClean="0">
+                                  <a:latin typeface="Cambria Math" panose="02040503050406030204" pitchFamily="18" charset="0"/>
+                                </a:rPr>
+                                <m:t>1</m:t>
+                              </m:r>
+                            </m:e>
+                            <m:sub>
+                              <m:r>
+                                <a:rPr lang="en-US" sz="2000" i="1">
+                                  <a:latin typeface="Cambria Math" panose="02040503050406030204" pitchFamily="18" charset="0"/>
+                                </a:rPr>
+                                <m:t>2</m:t>
+                              </m:r>
+                            </m:sub>
+                          </m:sSub>
+                        </m:e>
+                      </m:d>
+                      <m:r>
+                        <a:rPr lang="en-US" sz="2000" i="1">
+                          <a:latin typeface="Cambria Math" panose="02040503050406030204" pitchFamily="18" charset="0"/>
+                        </a:rPr>
+                        <m:t>=</m:t>
+                      </m:r>
+                      <m:sSub>
+                        <m:sSubPr>
+                          <m:ctrlPr>
+                            <a:rPr lang="en-US" sz="2000" i="1">
+                              <a:latin typeface="Cambria Math" panose="02040503050406030204" pitchFamily="18" charset="0"/>
+                            </a:rPr>
+                          </m:ctrlPr>
+                        </m:sSubPr>
+                        <m:e>
+                          <m:r>
+                            <a:rPr lang="en-US" sz="2000" i="1">
+                              <a:latin typeface="Cambria Math" panose="02040503050406030204" pitchFamily="18" charset="0"/>
+                            </a:rPr>
+                            <m:t>0000</m:t>
+                          </m:r>
+                        </m:e>
+                        <m:sub>
+                          <m:r>
+                            <a:rPr lang="en-US" sz="2000" i="1">
+                              <a:latin typeface="Cambria Math" panose="02040503050406030204" pitchFamily="18" charset="0"/>
+                            </a:rPr>
+                            <m:t>2</m:t>
+                          </m:r>
+                        </m:sub>
+                      </m:sSub>
+                      <m:r>
+                        <a:rPr lang="en-US" sz="2000" i="1">
+                          <a:latin typeface="Cambria Math" panose="02040503050406030204" pitchFamily="18" charset="0"/>
+                        </a:rPr>
+                        <m:t>=0</m:t>
+                      </m:r>
+                    </m:oMath>
+                  </m:oMathPara>
+                </a14:m>
+                <a:endParaRPr lang="en-US" sz="2000" i="1" dirty="0">
+                  <a:latin typeface="Cambria Math" panose="02040503050406030204" pitchFamily="18" charset="0"/>
+                </a:endParaRPr>
+              </a:p>
+              <a:p>
+                <a:pPr marL="0" indent="0">
+                  <a:buNone/>
+                </a:pPr>
+                <a14:m>
+                  <m:oMathPara xmlns:m="http://schemas.openxmlformats.org/officeDocument/2006/math">
+                    <m:oMathParaPr>
+                      <m:jc m:val="left"/>
+                    </m:oMathParaPr>
+                    <m:oMath xmlns:m="http://schemas.openxmlformats.org/officeDocument/2006/math">
+                      <m:r>
+                        <a:rPr lang="en-US" sz="2000" i="1">
+                          <a:latin typeface="Cambria Math" panose="02040503050406030204" pitchFamily="18" charset="0"/>
+                        </a:rPr>
+                        <m:t>𝑔</m:t>
+                      </m:r>
+                      <m:d>
+                        <m:dPr>
+                          <m:ctrlPr>
+                            <a:rPr lang="en-US" sz="2000" i="1">
+                              <a:latin typeface="Cambria Math" panose="02040503050406030204" pitchFamily="18" charset="0"/>
+                            </a:rPr>
+                          </m:ctrlPr>
+                        </m:dPr>
+                        <m:e>
+                          <m:r>
+                            <a:rPr lang="en-US" sz="2000" b="0" i="1" smtClean="0">
+                              <a:latin typeface="Cambria Math" panose="02040503050406030204" pitchFamily="18" charset="0"/>
+                            </a:rPr>
+                            <m:t>2</m:t>
+                          </m:r>
+                        </m:e>
+                      </m:d>
+                      <m:r>
+                        <a:rPr lang="en-US" sz="2000" i="1">
+                          <a:latin typeface="Cambria Math" panose="02040503050406030204" pitchFamily="18" charset="0"/>
+                        </a:rPr>
+                        <m:t>=</m:t>
+                      </m:r>
+                      <m:r>
+                        <a:rPr lang="en-US" sz="2000" i="1">
+                          <a:latin typeface="Cambria Math" panose="02040503050406030204" pitchFamily="18" charset="0"/>
+                        </a:rPr>
+                        <m:t>𝑔</m:t>
+                      </m:r>
+                      <m:d>
+                        <m:dPr>
+                          <m:ctrlPr>
+                            <a:rPr lang="en-US" sz="2000" i="1">
+                              <a:latin typeface="Cambria Math" panose="02040503050406030204" pitchFamily="18" charset="0"/>
+                            </a:rPr>
+                          </m:ctrlPr>
+                        </m:dPr>
+                        <m:e>
+                          <m:sSub>
+                            <m:sSubPr>
+                              <m:ctrlPr>
+                                <a:rPr lang="en-US" sz="2000" i="1">
+                                  <a:latin typeface="Cambria Math" panose="02040503050406030204" pitchFamily="18" charset="0"/>
+                                </a:rPr>
+                              </m:ctrlPr>
+                            </m:sSubPr>
+                            <m:e>
+                              <m:r>
+                                <a:rPr lang="en-US" sz="2000" i="1">
+                                  <a:latin typeface="Cambria Math" panose="02040503050406030204" pitchFamily="18" charset="0"/>
+                                </a:rPr>
+                                <m:t>00</m:t>
+                              </m:r>
+                              <m:r>
+                                <a:rPr lang="en-US" sz="2000" b="0" i="1" smtClean="0">
+                                  <a:latin typeface="Cambria Math" panose="02040503050406030204" pitchFamily="18" charset="0"/>
+                                </a:rPr>
+                                <m:t>1</m:t>
+                              </m:r>
+                              <m:r>
+                                <a:rPr lang="en-US" sz="2000" i="1">
+                                  <a:latin typeface="Cambria Math" panose="02040503050406030204" pitchFamily="18" charset="0"/>
+                                </a:rPr>
+                                <m:t>0</m:t>
+                              </m:r>
+                            </m:e>
+                            <m:sub>
+                              <m:r>
+                                <a:rPr lang="en-US" sz="2000" i="1">
+                                  <a:latin typeface="Cambria Math" panose="02040503050406030204" pitchFamily="18" charset="0"/>
+                                </a:rPr>
+                                <m:t>2</m:t>
+                              </m:r>
+                            </m:sub>
+                          </m:sSub>
+                        </m:e>
+                      </m:d>
+                      <m:r>
+                        <a:rPr lang="en-US" sz="2000" i="1">
+                          <a:latin typeface="Cambria Math" panose="02040503050406030204" pitchFamily="18" charset="0"/>
+                        </a:rPr>
+                        <m:t>=</m:t>
+                      </m:r>
+                      <m:sSub>
+                        <m:sSubPr>
+                          <m:ctrlPr>
+                            <a:rPr lang="en-US" sz="2000" i="1">
+                              <a:latin typeface="Cambria Math" panose="02040503050406030204" pitchFamily="18" charset="0"/>
+                            </a:rPr>
+                          </m:ctrlPr>
+                        </m:sSubPr>
+                        <m:e>
+                          <m:r>
+                            <a:rPr lang="en-US" sz="2000" i="1">
+                              <a:latin typeface="Cambria Math" panose="02040503050406030204" pitchFamily="18" charset="0"/>
+                            </a:rPr>
+                            <m:t>00</m:t>
+                          </m:r>
+                          <m:r>
+                            <a:rPr lang="en-US" sz="2000" b="0" i="1" smtClean="0">
+                              <a:latin typeface="Cambria Math" panose="02040503050406030204" pitchFamily="18" charset="0"/>
+                            </a:rPr>
+                            <m:t>1</m:t>
+                          </m:r>
+                          <m:r>
+                            <a:rPr lang="en-US" sz="2000" i="1">
+                              <a:latin typeface="Cambria Math" panose="02040503050406030204" pitchFamily="18" charset="0"/>
+                            </a:rPr>
+                            <m:t>0</m:t>
+                          </m:r>
+                        </m:e>
+                        <m:sub>
+                          <m:r>
+                            <a:rPr lang="en-US" sz="2000" i="1">
+                              <a:latin typeface="Cambria Math" panose="02040503050406030204" pitchFamily="18" charset="0"/>
+                            </a:rPr>
+                            <m:t>2</m:t>
+                          </m:r>
+                        </m:sub>
+                      </m:sSub>
+                      <m:r>
+                        <a:rPr lang="en-US" sz="2000" i="1">
+                          <a:latin typeface="Cambria Math" panose="02040503050406030204" pitchFamily="18" charset="0"/>
+                        </a:rPr>
+                        <m:t>=</m:t>
+                      </m:r>
+                      <m:r>
+                        <a:rPr lang="en-US" sz="2000" b="0" i="1" smtClean="0">
+                          <a:latin typeface="Cambria Math" panose="02040503050406030204" pitchFamily="18" charset="0"/>
+                        </a:rPr>
+                        <m:t>2</m:t>
+                      </m:r>
+                    </m:oMath>
+                  </m:oMathPara>
+                </a14:m>
+                <a:endParaRPr lang="en-US" sz="2000" i="1" dirty="0">
+                  <a:latin typeface="Cambria Math" panose="02040503050406030204" pitchFamily="18" charset="0"/>
+                </a:endParaRPr>
+              </a:p>
+              <a:p>
+                <a:pPr marL="0" indent="0">
+                  <a:buNone/>
+                </a:pPr>
+                <a14:m>
+                  <m:oMathPara xmlns:m="http://schemas.openxmlformats.org/officeDocument/2006/math">
+                    <m:oMathParaPr>
+                      <m:jc m:val="left"/>
+                    </m:oMathParaPr>
+                    <m:oMath xmlns:m="http://schemas.openxmlformats.org/officeDocument/2006/math">
+                      <m:r>
+                        <a:rPr lang="en-US" sz="2000" i="1">
+                          <a:latin typeface="Cambria Math" panose="02040503050406030204" pitchFamily="18" charset="0"/>
+                        </a:rPr>
+                        <m:t>𝑔</m:t>
+                      </m:r>
+                      <m:d>
+                        <m:dPr>
+                          <m:ctrlPr>
+                            <a:rPr lang="en-US" sz="2000" i="1">
+                              <a:latin typeface="Cambria Math" panose="02040503050406030204" pitchFamily="18" charset="0"/>
+                            </a:rPr>
+                          </m:ctrlPr>
+                        </m:dPr>
+                        <m:e>
+                          <m:r>
+                            <a:rPr lang="en-US" sz="2000" b="0" i="1" smtClean="0">
+                              <a:latin typeface="Cambria Math" panose="02040503050406030204" pitchFamily="18" charset="0"/>
+                            </a:rPr>
+                            <m:t>3</m:t>
+                          </m:r>
+                        </m:e>
+                      </m:d>
+                      <m:r>
+                        <a:rPr lang="en-US" sz="2000" i="1">
+                          <a:latin typeface="Cambria Math" panose="02040503050406030204" pitchFamily="18" charset="0"/>
+                        </a:rPr>
+                        <m:t>=</m:t>
+                      </m:r>
+                      <m:r>
+                        <a:rPr lang="en-US" sz="2000" i="1">
+                          <a:latin typeface="Cambria Math" panose="02040503050406030204" pitchFamily="18" charset="0"/>
+                        </a:rPr>
+                        <m:t>𝑔</m:t>
+                      </m:r>
+                      <m:d>
+                        <m:dPr>
+                          <m:ctrlPr>
+                            <a:rPr lang="en-US" sz="2000" i="1">
+                              <a:latin typeface="Cambria Math" panose="02040503050406030204" pitchFamily="18" charset="0"/>
+                            </a:rPr>
+                          </m:ctrlPr>
+                        </m:dPr>
+                        <m:e>
+                          <m:sSub>
+                            <m:sSubPr>
+                              <m:ctrlPr>
+                                <a:rPr lang="en-US" sz="2000" i="1">
+                                  <a:latin typeface="Cambria Math" panose="02040503050406030204" pitchFamily="18" charset="0"/>
+                                </a:rPr>
+                              </m:ctrlPr>
+                            </m:sSubPr>
+                            <m:e>
+                              <m:r>
+                                <a:rPr lang="en-US" sz="2000" i="1">
+                                  <a:latin typeface="Cambria Math" panose="02040503050406030204" pitchFamily="18" charset="0"/>
+                                </a:rPr>
+                                <m:t>00</m:t>
+                              </m:r>
+                              <m:r>
+                                <a:rPr lang="en-US" sz="2000" b="0" i="1" smtClean="0">
+                                  <a:latin typeface="Cambria Math" panose="02040503050406030204" pitchFamily="18" charset="0"/>
+                                </a:rPr>
+                                <m:t>11</m:t>
+                              </m:r>
+                            </m:e>
+                            <m:sub>
+                              <m:r>
+                                <a:rPr lang="en-US" sz="2000" i="1">
+                                  <a:latin typeface="Cambria Math" panose="02040503050406030204" pitchFamily="18" charset="0"/>
+                                </a:rPr>
+                                <m:t>2</m:t>
+                              </m:r>
+                            </m:sub>
+                          </m:sSub>
+                        </m:e>
+                      </m:d>
+                      <m:r>
+                        <a:rPr lang="en-US" sz="2000" i="1">
+                          <a:latin typeface="Cambria Math" panose="02040503050406030204" pitchFamily="18" charset="0"/>
+                        </a:rPr>
+                        <m:t>=</m:t>
+                      </m:r>
+                      <m:sSub>
+                        <m:sSubPr>
+                          <m:ctrlPr>
+                            <a:rPr lang="en-US" sz="2000" i="1">
+                              <a:latin typeface="Cambria Math" panose="02040503050406030204" pitchFamily="18" charset="0"/>
+                            </a:rPr>
+                          </m:ctrlPr>
+                        </m:sSubPr>
+                        <m:e>
+                          <m:r>
+                            <a:rPr lang="en-US" sz="2000" i="1">
+                              <a:latin typeface="Cambria Math" panose="02040503050406030204" pitchFamily="18" charset="0"/>
+                            </a:rPr>
+                            <m:t>0000</m:t>
+                          </m:r>
+                        </m:e>
+                        <m:sub>
+                          <m:r>
+                            <a:rPr lang="en-US" sz="2000" i="1">
+                              <a:latin typeface="Cambria Math" panose="02040503050406030204" pitchFamily="18" charset="0"/>
+                            </a:rPr>
+                            <m:t>2</m:t>
+                          </m:r>
+                        </m:sub>
+                      </m:sSub>
+                      <m:r>
+                        <a:rPr lang="en-US" sz="2000" i="1">
+                          <a:latin typeface="Cambria Math" panose="02040503050406030204" pitchFamily="18" charset="0"/>
+                        </a:rPr>
+                        <m:t>=</m:t>
+                      </m:r>
+                      <m:r>
+                        <a:rPr lang="en-US" sz="2000" b="0" i="1" smtClean="0">
+                          <a:latin typeface="Cambria Math" panose="02040503050406030204" pitchFamily="18" charset="0"/>
+                        </a:rPr>
+                        <m:t>0</m:t>
+                      </m:r>
+                    </m:oMath>
+                  </m:oMathPara>
+                </a14:m>
+                <a:endParaRPr lang="en-US" sz="2000" i="1" dirty="0">
+                  <a:latin typeface="Cambria Math" panose="02040503050406030204" pitchFamily="18" charset="0"/>
+                </a:endParaRPr>
+              </a:p>
+              <a:p>
+                <a:pPr marL="0" indent="0">
+                  <a:buNone/>
+                </a:pPr>
+                <a14:m>
+                  <m:oMathPara xmlns:m="http://schemas.openxmlformats.org/officeDocument/2006/math">
+                    <m:oMathParaPr>
+                      <m:jc m:val="left"/>
+                    </m:oMathParaPr>
+                    <m:oMath xmlns:m="http://schemas.openxmlformats.org/officeDocument/2006/math">
+                      <m:r>
+                        <a:rPr lang="en-US" sz="2000" i="1">
+                          <a:latin typeface="Cambria Math" panose="02040503050406030204" pitchFamily="18" charset="0"/>
+                        </a:rPr>
+                        <m:t>𝑔</m:t>
+                      </m:r>
+                      <m:d>
+                        <m:dPr>
+                          <m:ctrlPr>
+                            <a:rPr lang="en-US" sz="2000" i="1">
+                              <a:latin typeface="Cambria Math" panose="02040503050406030204" pitchFamily="18" charset="0"/>
+                            </a:rPr>
+                          </m:ctrlPr>
+                        </m:dPr>
+                        <m:e>
+                          <m:r>
+                            <a:rPr lang="en-US" sz="2000" b="0" i="1" smtClean="0">
+                              <a:latin typeface="Cambria Math" panose="02040503050406030204" pitchFamily="18" charset="0"/>
+                            </a:rPr>
+                            <m:t>4</m:t>
+                          </m:r>
+                        </m:e>
+                      </m:d>
+                      <m:r>
+                        <a:rPr lang="en-US" sz="2000" i="1">
+                          <a:latin typeface="Cambria Math" panose="02040503050406030204" pitchFamily="18" charset="0"/>
+                        </a:rPr>
+                        <m:t>=</m:t>
+                      </m:r>
+                      <m:r>
+                        <a:rPr lang="en-US" sz="2000" i="1">
+                          <a:latin typeface="Cambria Math" panose="02040503050406030204" pitchFamily="18" charset="0"/>
+                        </a:rPr>
+                        <m:t>𝑔</m:t>
+                      </m:r>
+                      <m:d>
+                        <m:dPr>
+                          <m:ctrlPr>
+                            <a:rPr lang="en-US" sz="2000" i="1">
+                              <a:latin typeface="Cambria Math" panose="02040503050406030204" pitchFamily="18" charset="0"/>
+                            </a:rPr>
+                          </m:ctrlPr>
+                        </m:dPr>
+                        <m:e>
+                          <m:sSub>
+                            <m:sSubPr>
+                              <m:ctrlPr>
+                                <a:rPr lang="en-US" sz="2000" i="1">
+                                  <a:latin typeface="Cambria Math" panose="02040503050406030204" pitchFamily="18" charset="0"/>
+                                </a:rPr>
+                              </m:ctrlPr>
+                            </m:sSubPr>
+                            <m:e>
+                              <m:r>
+                                <a:rPr lang="en-US" sz="2000" i="1">
+                                  <a:latin typeface="Cambria Math" panose="02040503050406030204" pitchFamily="18" charset="0"/>
+                                </a:rPr>
+                                <m:t>0</m:t>
+                              </m:r>
+                              <m:r>
+                                <a:rPr lang="en-US" sz="2000" b="0" i="1" smtClean="0">
+                                  <a:latin typeface="Cambria Math" panose="02040503050406030204" pitchFamily="18" charset="0"/>
+                                </a:rPr>
+                                <m:t>1</m:t>
+                              </m:r>
+                              <m:r>
+                                <a:rPr lang="en-US" sz="2000" i="1">
+                                  <a:latin typeface="Cambria Math" panose="02040503050406030204" pitchFamily="18" charset="0"/>
+                                </a:rPr>
+                                <m:t>00</m:t>
+                              </m:r>
+                            </m:e>
+                            <m:sub>
+                              <m:r>
+                                <a:rPr lang="en-US" sz="2000" i="1">
+                                  <a:latin typeface="Cambria Math" panose="02040503050406030204" pitchFamily="18" charset="0"/>
+                                </a:rPr>
+                                <m:t>2</m:t>
+                              </m:r>
+                            </m:sub>
+                          </m:sSub>
+                        </m:e>
+                      </m:d>
+                      <m:r>
+                        <a:rPr lang="en-US" sz="2000" i="1">
+                          <a:latin typeface="Cambria Math" panose="02040503050406030204" pitchFamily="18" charset="0"/>
+                        </a:rPr>
+                        <m:t>=</m:t>
+                      </m:r>
+                      <m:sSub>
+                        <m:sSubPr>
+                          <m:ctrlPr>
+                            <a:rPr lang="en-US" sz="2000" i="1">
+                              <a:latin typeface="Cambria Math" panose="02040503050406030204" pitchFamily="18" charset="0"/>
+                            </a:rPr>
+                          </m:ctrlPr>
+                        </m:sSubPr>
+                        <m:e>
+                          <m:r>
+                            <a:rPr lang="en-US" sz="2000" i="1">
+                              <a:latin typeface="Cambria Math" panose="02040503050406030204" pitchFamily="18" charset="0"/>
+                            </a:rPr>
+                            <m:t>0</m:t>
+                          </m:r>
+                          <m:r>
+                            <a:rPr lang="en-US" sz="2000" b="0" i="1" smtClean="0">
+                              <a:latin typeface="Cambria Math" panose="02040503050406030204" pitchFamily="18" charset="0"/>
+                            </a:rPr>
+                            <m:t>1</m:t>
+                          </m:r>
+                          <m:r>
+                            <a:rPr lang="en-US" sz="2000" i="1">
+                              <a:latin typeface="Cambria Math" panose="02040503050406030204" pitchFamily="18" charset="0"/>
+                            </a:rPr>
+                            <m:t>00</m:t>
+                          </m:r>
+                        </m:e>
+                        <m:sub>
+                          <m:r>
+                            <a:rPr lang="en-US" sz="2000" i="1">
+                              <a:latin typeface="Cambria Math" panose="02040503050406030204" pitchFamily="18" charset="0"/>
+                            </a:rPr>
+                            <m:t>2</m:t>
+                          </m:r>
+                        </m:sub>
+                      </m:sSub>
+                      <m:r>
+                        <a:rPr lang="en-US" sz="2000" i="1">
+                          <a:latin typeface="Cambria Math" panose="02040503050406030204" pitchFamily="18" charset="0"/>
+                        </a:rPr>
+                        <m:t>=</m:t>
+                      </m:r>
+                      <m:r>
+                        <a:rPr lang="en-US" sz="2000" b="0" i="1" smtClean="0">
+                          <a:latin typeface="Cambria Math" panose="02040503050406030204" pitchFamily="18" charset="0"/>
+                        </a:rPr>
+                        <m:t>4</m:t>
+                      </m:r>
+                    </m:oMath>
+                  </m:oMathPara>
+                </a14:m>
+                <a:endParaRPr lang="en-US" sz="2000" i="1" dirty="0">
+                  <a:latin typeface="Cambria Math" panose="02040503050406030204" pitchFamily="18" charset="0"/>
+                </a:endParaRPr>
+              </a:p>
+              <a:p>
+                <a:pPr marL="0" indent="0">
+                  <a:buNone/>
+                </a:pPr>
+                <a14:m>
+                  <m:oMathPara xmlns:m="http://schemas.openxmlformats.org/officeDocument/2006/math">
+                    <m:oMathParaPr>
+                      <m:jc m:val="left"/>
+                    </m:oMathParaPr>
+                    <m:oMath xmlns:m="http://schemas.openxmlformats.org/officeDocument/2006/math">
+                      <m:r>
+                        <a:rPr lang="en-US" sz="2000" i="1">
+                          <a:latin typeface="Cambria Math" panose="02040503050406030204" pitchFamily="18" charset="0"/>
+                        </a:rPr>
+                        <m:t>𝑔</m:t>
+                      </m:r>
+                      <m:d>
+                        <m:dPr>
+                          <m:ctrlPr>
+                            <a:rPr lang="en-US" sz="2000" i="1">
+                              <a:latin typeface="Cambria Math" panose="02040503050406030204" pitchFamily="18" charset="0"/>
+                            </a:rPr>
+                          </m:ctrlPr>
+                        </m:dPr>
+                        <m:e>
+                          <m:r>
+                            <a:rPr lang="en-US" sz="2000" b="0" i="1" smtClean="0">
+                              <a:latin typeface="Cambria Math" panose="02040503050406030204" pitchFamily="18" charset="0"/>
+                            </a:rPr>
+                            <m:t>5</m:t>
+                          </m:r>
+                        </m:e>
+                      </m:d>
+                      <m:r>
+                        <a:rPr lang="en-US" sz="2000" i="1">
+                          <a:latin typeface="Cambria Math" panose="02040503050406030204" pitchFamily="18" charset="0"/>
+                        </a:rPr>
+                        <m:t>=</m:t>
+                      </m:r>
+                      <m:r>
+                        <a:rPr lang="en-US" sz="2000" i="1">
+                          <a:latin typeface="Cambria Math" panose="02040503050406030204" pitchFamily="18" charset="0"/>
+                        </a:rPr>
+                        <m:t>𝑔</m:t>
+                      </m:r>
+                      <m:d>
+                        <m:dPr>
+                          <m:ctrlPr>
+                            <a:rPr lang="en-US" sz="2000" i="1">
+                              <a:latin typeface="Cambria Math" panose="02040503050406030204" pitchFamily="18" charset="0"/>
+                            </a:rPr>
+                          </m:ctrlPr>
+                        </m:dPr>
+                        <m:e>
+                          <m:sSub>
+                            <m:sSubPr>
+                              <m:ctrlPr>
+                                <a:rPr lang="en-US" sz="2000" i="1">
+                                  <a:latin typeface="Cambria Math" panose="02040503050406030204" pitchFamily="18" charset="0"/>
+                                </a:rPr>
+                              </m:ctrlPr>
+                            </m:sSubPr>
+                            <m:e>
+                              <m:r>
+                                <a:rPr lang="en-US" sz="2000" i="1">
+                                  <a:latin typeface="Cambria Math" panose="02040503050406030204" pitchFamily="18" charset="0"/>
+                                </a:rPr>
+                                <m:t>0</m:t>
+                              </m:r>
+                              <m:r>
+                                <a:rPr lang="en-US" sz="2000" b="0" i="1" smtClean="0">
+                                  <a:latin typeface="Cambria Math" panose="02040503050406030204" pitchFamily="18" charset="0"/>
+                                </a:rPr>
+                                <m:t>1</m:t>
+                              </m:r>
+                              <m:r>
+                                <a:rPr lang="en-US" sz="2000" i="1">
+                                  <a:latin typeface="Cambria Math" panose="02040503050406030204" pitchFamily="18" charset="0"/>
+                                </a:rPr>
+                                <m:t>0</m:t>
+                              </m:r>
+                              <m:r>
+                                <a:rPr lang="en-US" sz="2000" b="0" i="1" smtClean="0">
+                                  <a:latin typeface="Cambria Math" panose="02040503050406030204" pitchFamily="18" charset="0"/>
+                                </a:rPr>
+                                <m:t>1</m:t>
+                              </m:r>
+                            </m:e>
+                            <m:sub>
+                              <m:r>
+                                <a:rPr lang="en-US" sz="2000" i="1">
+                                  <a:latin typeface="Cambria Math" panose="02040503050406030204" pitchFamily="18" charset="0"/>
+                                </a:rPr>
+                                <m:t>2</m:t>
+                              </m:r>
+                            </m:sub>
+                          </m:sSub>
+                        </m:e>
+                      </m:d>
+                      <m:r>
+                        <a:rPr lang="en-US" sz="2000" i="1">
+                          <a:latin typeface="Cambria Math" panose="02040503050406030204" pitchFamily="18" charset="0"/>
+                        </a:rPr>
+                        <m:t>=</m:t>
+                      </m:r>
+                      <m:sSub>
+                        <m:sSubPr>
+                          <m:ctrlPr>
+                            <a:rPr lang="en-US" sz="2000" i="1">
+                              <a:latin typeface="Cambria Math" panose="02040503050406030204" pitchFamily="18" charset="0"/>
+                            </a:rPr>
+                          </m:ctrlPr>
+                        </m:sSubPr>
+                        <m:e>
+                          <m:r>
+                            <a:rPr lang="en-US" sz="2000" i="1">
+                              <a:latin typeface="Cambria Math" panose="02040503050406030204" pitchFamily="18" charset="0"/>
+                            </a:rPr>
+                            <m:t>0</m:t>
+                          </m:r>
+                          <m:r>
+                            <a:rPr lang="en-US" sz="2000" b="0" i="1" smtClean="0">
+                              <a:latin typeface="Cambria Math" panose="02040503050406030204" pitchFamily="18" charset="0"/>
+                            </a:rPr>
+                            <m:t>1</m:t>
+                          </m:r>
+                          <m:r>
+                            <a:rPr lang="en-US" sz="2000" i="1">
+                              <a:latin typeface="Cambria Math" panose="02040503050406030204" pitchFamily="18" charset="0"/>
+                            </a:rPr>
+                            <m:t>00</m:t>
+                          </m:r>
+                        </m:e>
+                        <m:sub>
+                          <m:r>
+                            <a:rPr lang="en-US" sz="2000" i="1">
+                              <a:latin typeface="Cambria Math" panose="02040503050406030204" pitchFamily="18" charset="0"/>
+                            </a:rPr>
+                            <m:t>2</m:t>
+                          </m:r>
+                        </m:sub>
+                      </m:sSub>
+                      <m:r>
+                        <a:rPr lang="en-US" sz="2000" i="1">
+                          <a:latin typeface="Cambria Math" panose="02040503050406030204" pitchFamily="18" charset="0"/>
+                        </a:rPr>
+                        <m:t>=</m:t>
+                      </m:r>
+                      <m:r>
+                        <a:rPr lang="en-US" sz="2000" b="0" i="1" smtClean="0">
+                          <a:latin typeface="Cambria Math" panose="02040503050406030204" pitchFamily="18" charset="0"/>
+                        </a:rPr>
+                        <m:t>4</m:t>
+                      </m:r>
+                    </m:oMath>
+                  </m:oMathPara>
+                </a14:m>
+                <a:endParaRPr lang="en-US" sz="2000" i="1" dirty="0">
+                  <a:latin typeface="Cambria Math" panose="02040503050406030204" pitchFamily="18" charset="0"/>
+                </a:endParaRPr>
+              </a:p>
+              <a:p>
+                <a:pPr marL="0" indent="0">
+                  <a:buNone/>
+                </a:pPr>
+                <a14:m>
+                  <m:oMathPara xmlns:m="http://schemas.openxmlformats.org/officeDocument/2006/math">
+                    <m:oMathParaPr>
+                      <m:jc m:val="left"/>
+                    </m:oMathParaPr>
+                    <m:oMath xmlns:m="http://schemas.openxmlformats.org/officeDocument/2006/math">
+                      <m:r>
+                        <a:rPr lang="en-US" sz="2000" i="1">
+                          <a:latin typeface="Cambria Math" panose="02040503050406030204" pitchFamily="18" charset="0"/>
+                        </a:rPr>
+                        <m:t>𝑔</m:t>
+                      </m:r>
+                      <m:d>
+                        <m:dPr>
+                          <m:ctrlPr>
+                            <a:rPr lang="en-US" sz="2000" i="1">
+                              <a:latin typeface="Cambria Math" panose="02040503050406030204" pitchFamily="18" charset="0"/>
+                            </a:rPr>
+                          </m:ctrlPr>
+                        </m:dPr>
+                        <m:e>
+                          <m:r>
+                            <a:rPr lang="en-US" sz="2000" b="0" i="1" smtClean="0">
+                              <a:latin typeface="Cambria Math" panose="02040503050406030204" pitchFamily="18" charset="0"/>
+                            </a:rPr>
+                            <m:t>6</m:t>
+                          </m:r>
+                        </m:e>
+                      </m:d>
+                      <m:r>
+                        <a:rPr lang="en-US" sz="2000" i="1">
+                          <a:latin typeface="Cambria Math" panose="02040503050406030204" pitchFamily="18" charset="0"/>
+                        </a:rPr>
+                        <m:t>=</m:t>
+                      </m:r>
+                      <m:r>
+                        <a:rPr lang="en-US" sz="2000" i="1">
+                          <a:latin typeface="Cambria Math" panose="02040503050406030204" pitchFamily="18" charset="0"/>
+                        </a:rPr>
+                        <m:t>𝑔</m:t>
+                      </m:r>
+                      <m:d>
+                        <m:dPr>
+                          <m:ctrlPr>
+                            <a:rPr lang="en-US" sz="2000" i="1">
+                              <a:latin typeface="Cambria Math" panose="02040503050406030204" pitchFamily="18" charset="0"/>
+                            </a:rPr>
+                          </m:ctrlPr>
+                        </m:dPr>
+                        <m:e>
+                          <m:sSub>
+                            <m:sSubPr>
+                              <m:ctrlPr>
+                                <a:rPr lang="en-US" sz="2000" i="1">
+                                  <a:latin typeface="Cambria Math" panose="02040503050406030204" pitchFamily="18" charset="0"/>
+                                </a:rPr>
+                              </m:ctrlPr>
+                            </m:sSubPr>
+                            <m:e>
+                              <m:r>
+                                <a:rPr lang="en-US" sz="2000" i="1">
+                                  <a:latin typeface="Cambria Math" panose="02040503050406030204" pitchFamily="18" charset="0"/>
+                                </a:rPr>
+                                <m:t>0</m:t>
+                              </m:r>
+                              <m:r>
+                                <a:rPr lang="en-US" sz="2000" b="0" i="1" smtClean="0">
+                                  <a:latin typeface="Cambria Math" panose="02040503050406030204" pitchFamily="18" charset="0"/>
+                                </a:rPr>
+                                <m:t>11</m:t>
+                              </m:r>
+                              <m:r>
+                                <a:rPr lang="en-US" sz="2000" i="1">
+                                  <a:latin typeface="Cambria Math" panose="02040503050406030204" pitchFamily="18" charset="0"/>
+                                </a:rPr>
+                                <m:t>0</m:t>
+                              </m:r>
+                            </m:e>
+                            <m:sub>
+                              <m:r>
+                                <a:rPr lang="en-US" sz="2000" i="1">
+                                  <a:latin typeface="Cambria Math" panose="02040503050406030204" pitchFamily="18" charset="0"/>
+                                </a:rPr>
+                                <m:t>2</m:t>
+                              </m:r>
+                            </m:sub>
+                          </m:sSub>
+                        </m:e>
+                      </m:d>
+                      <m:r>
+                        <a:rPr lang="en-US" sz="2000" i="1">
+                          <a:latin typeface="Cambria Math" panose="02040503050406030204" pitchFamily="18" charset="0"/>
+                        </a:rPr>
+                        <m:t>=</m:t>
+                      </m:r>
+                      <m:sSub>
+                        <m:sSubPr>
+                          <m:ctrlPr>
+                            <a:rPr lang="en-US" sz="2000" i="1">
+                              <a:latin typeface="Cambria Math" panose="02040503050406030204" pitchFamily="18" charset="0"/>
+                            </a:rPr>
+                          </m:ctrlPr>
+                        </m:sSubPr>
+                        <m:e>
+                          <m:r>
+                            <a:rPr lang="en-US" sz="2000" i="1">
+                              <a:latin typeface="Cambria Math" panose="02040503050406030204" pitchFamily="18" charset="0"/>
+                            </a:rPr>
+                            <m:t>0</m:t>
+                          </m:r>
+                          <m:r>
+                            <a:rPr lang="en-US" sz="2000" b="0" i="1" smtClean="0">
+                              <a:latin typeface="Cambria Math" panose="02040503050406030204" pitchFamily="18" charset="0"/>
+                            </a:rPr>
+                            <m:t>11</m:t>
+                          </m:r>
+                          <m:r>
+                            <a:rPr lang="en-US" sz="2000" i="1">
+                              <a:latin typeface="Cambria Math" panose="02040503050406030204" pitchFamily="18" charset="0"/>
+                            </a:rPr>
+                            <m:t>0</m:t>
+                          </m:r>
+                        </m:e>
+                        <m:sub>
+                          <m:r>
+                            <a:rPr lang="en-US" sz="2000" i="1">
+                              <a:latin typeface="Cambria Math" panose="02040503050406030204" pitchFamily="18" charset="0"/>
+                            </a:rPr>
+                            <m:t>2</m:t>
+                          </m:r>
+                        </m:sub>
+                      </m:sSub>
+                      <m:r>
+                        <a:rPr lang="en-US" sz="2000" i="1">
+                          <a:latin typeface="Cambria Math" panose="02040503050406030204" pitchFamily="18" charset="0"/>
+                        </a:rPr>
+                        <m:t>=</m:t>
+                      </m:r>
+                      <m:r>
+                        <a:rPr lang="en-US" sz="2000" b="0" i="1" smtClean="0">
+                          <a:latin typeface="Cambria Math" panose="02040503050406030204" pitchFamily="18" charset="0"/>
+                        </a:rPr>
+                        <m:t>6</m:t>
+                      </m:r>
+                    </m:oMath>
+                  </m:oMathPara>
+                </a14:m>
+                <a:endParaRPr lang="en-US" sz="2000" i="1" dirty="0">
+                  <a:latin typeface="Cambria Math" panose="02040503050406030204" pitchFamily="18" charset="0"/>
+                </a:endParaRPr>
+              </a:p>
+              <a:p>
+                <a:pPr marL="0" indent="0">
+                  <a:buNone/>
+                </a:pPr>
+                <a14:m>
+                  <m:oMathPara xmlns:m="http://schemas.openxmlformats.org/officeDocument/2006/math">
+                    <m:oMathParaPr>
+                      <m:jc m:val="left"/>
+                    </m:oMathParaPr>
+                    <m:oMath xmlns:m="http://schemas.openxmlformats.org/officeDocument/2006/math">
+                      <m:r>
+                        <a:rPr lang="en-US" sz="2000" i="1">
+                          <a:latin typeface="Cambria Math" panose="02040503050406030204" pitchFamily="18" charset="0"/>
+                        </a:rPr>
+                        <m:t>𝑔</m:t>
+                      </m:r>
+                      <m:d>
+                        <m:dPr>
+                          <m:ctrlPr>
+                            <a:rPr lang="en-US" sz="2000" i="1">
+                              <a:latin typeface="Cambria Math" panose="02040503050406030204" pitchFamily="18" charset="0"/>
+                            </a:rPr>
+                          </m:ctrlPr>
+                        </m:dPr>
+                        <m:e>
+                          <m:r>
+                            <a:rPr lang="en-US" sz="2000" b="0" i="1" smtClean="0">
+                              <a:latin typeface="Cambria Math" panose="02040503050406030204" pitchFamily="18" charset="0"/>
+                            </a:rPr>
+                            <m:t>7</m:t>
+                          </m:r>
+                        </m:e>
+                      </m:d>
+                      <m:r>
+                        <a:rPr lang="en-US" sz="2000" i="1">
+                          <a:latin typeface="Cambria Math" panose="02040503050406030204" pitchFamily="18" charset="0"/>
+                        </a:rPr>
+                        <m:t>=</m:t>
+                      </m:r>
+                      <m:r>
+                        <a:rPr lang="en-US" sz="2000" i="1">
+                          <a:latin typeface="Cambria Math" panose="02040503050406030204" pitchFamily="18" charset="0"/>
+                        </a:rPr>
+                        <m:t>𝑔</m:t>
+                      </m:r>
+                      <m:d>
+                        <m:dPr>
+                          <m:ctrlPr>
+                            <a:rPr lang="en-US" sz="2000" i="1">
+                              <a:latin typeface="Cambria Math" panose="02040503050406030204" pitchFamily="18" charset="0"/>
+                            </a:rPr>
+                          </m:ctrlPr>
+                        </m:dPr>
+                        <m:e>
+                          <m:sSub>
+                            <m:sSubPr>
+                              <m:ctrlPr>
+                                <a:rPr lang="en-US" sz="2000" i="1">
+                                  <a:latin typeface="Cambria Math" panose="02040503050406030204" pitchFamily="18" charset="0"/>
+                                </a:rPr>
+                              </m:ctrlPr>
+                            </m:sSubPr>
+                            <m:e>
+                              <m:r>
+                                <a:rPr lang="en-US" sz="2000" i="1">
+                                  <a:latin typeface="Cambria Math" panose="02040503050406030204" pitchFamily="18" charset="0"/>
+                                </a:rPr>
+                                <m:t>0</m:t>
+                              </m:r>
+                              <m:r>
+                                <a:rPr lang="en-US" sz="2000" b="0" i="1" smtClean="0">
+                                  <a:latin typeface="Cambria Math" panose="02040503050406030204" pitchFamily="18" charset="0"/>
+                                </a:rPr>
+                                <m:t>111</m:t>
+                              </m:r>
+                            </m:e>
+                            <m:sub>
+                              <m:r>
+                                <a:rPr lang="en-US" sz="2000" i="1">
+                                  <a:latin typeface="Cambria Math" panose="02040503050406030204" pitchFamily="18" charset="0"/>
+                                </a:rPr>
+                                <m:t>2</m:t>
+                              </m:r>
+                            </m:sub>
+                          </m:sSub>
+                        </m:e>
+                      </m:d>
+                      <m:r>
+                        <a:rPr lang="en-US" sz="2000" i="1">
+                          <a:latin typeface="Cambria Math" panose="02040503050406030204" pitchFamily="18" charset="0"/>
+                        </a:rPr>
+                        <m:t>=</m:t>
+                      </m:r>
+                      <m:sSub>
+                        <m:sSubPr>
+                          <m:ctrlPr>
+                            <a:rPr lang="en-US" sz="2000" i="1">
+                              <a:latin typeface="Cambria Math" panose="02040503050406030204" pitchFamily="18" charset="0"/>
+                            </a:rPr>
+                          </m:ctrlPr>
+                        </m:sSubPr>
+                        <m:e>
+                          <m:r>
+                            <a:rPr lang="en-US" sz="2000" i="1">
+                              <a:latin typeface="Cambria Math" panose="02040503050406030204" pitchFamily="18" charset="0"/>
+                            </a:rPr>
+                            <m:t>0000</m:t>
+                          </m:r>
+                        </m:e>
+                        <m:sub>
+                          <m:r>
+                            <a:rPr lang="en-US" sz="2000" i="1">
+                              <a:latin typeface="Cambria Math" panose="02040503050406030204" pitchFamily="18" charset="0"/>
+                            </a:rPr>
+                            <m:t>2</m:t>
+                          </m:r>
+                        </m:sub>
+                      </m:sSub>
+                      <m:r>
+                        <a:rPr lang="en-US" sz="2000" i="1">
+                          <a:latin typeface="Cambria Math" panose="02040503050406030204" pitchFamily="18" charset="0"/>
+                        </a:rPr>
+                        <m:t>=0</m:t>
+                      </m:r>
+                    </m:oMath>
+                  </m:oMathPara>
+                </a14:m>
+                <a:endParaRPr lang="en-US" sz="2000" i="1" dirty="0">
+                  <a:latin typeface="Cambria Math" panose="02040503050406030204" pitchFamily="18" charset="0"/>
+                </a:endParaRPr>
+              </a:p>
+              <a:p>
+                <a:pPr marL="0" indent="0">
+                  <a:buNone/>
+                </a:pPr>
+                <a14:m>
+                  <m:oMathPara xmlns:m="http://schemas.openxmlformats.org/officeDocument/2006/math">
+                    <m:oMathParaPr>
+                      <m:jc m:val="left"/>
+                    </m:oMathParaPr>
+                    <m:oMath xmlns:m="http://schemas.openxmlformats.org/officeDocument/2006/math">
+                      <m:r>
+                        <a:rPr lang="en-US" sz="2000" i="1">
+                          <a:latin typeface="Cambria Math" panose="02040503050406030204" pitchFamily="18" charset="0"/>
+                        </a:rPr>
+                        <m:t>𝑔</m:t>
+                      </m:r>
+                      <m:d>
+                        <m:dPr>
+                          <m:ctrlPr>
+                            <a:rPr lang="en-US" sz="2000" i="1">
+                              <a:latin typeface="Cambria Math" panose="02040503050406030204" pitchFamily="18" charset="0"/>
+                            </a:rPr>
+                          </m:ctrlPr>
+                        </m:dPr>
+                        <m:e>
+                          <m:r>
+                            <a:rPr lang="en-US" sz="2000" b="0" i="1" smtClean="0">
+                              <a:latin typeface="Cambria Math" panose="02040503050406030204" pitchFamily="18" charset="0"/>
+                            </a:rPr>
+                            <m:t>8</m:t>
+                          </m:r>
+                        </m:e>
+                      </m:d>
+                      <m:r>
+                        <a:rPr lang="en-US" sz="2000" i="1">
+                          <a:latin typeface="Cambria Math" panose="02040503050406030204" pitchFamily="18" charset="0"/>
+                        </a:rPr>
+                        <m:t>=</m:t>
+                      </m:r>
+                      <m:r>
+                        <a:rPr lang="en-US" sz="2000" i="1">
+                          <a:latin typeface="Cambria Math" panose="02040503050406030204" pitchFamily="18" charset="0"/>
+                        </a:rPr>
+                        <m:t>𝑔</m:t>
+                      </m:r>
+                      <m:d>
+                        <m:dPr>
+                          <m:ctrlPr>
+                            <a:rPr lang="en-US" sz="2000" i="1">
+                              <a:latin typeface="Cambria Math" panose="02040503050406030204" pitchFamily="18" charset="0"/>
+                            </a:rPr>
+                          </m:ctrlPr>
+                        </m:dPr>
+                        <m:e>
+                          <m:sSub>
+                            <m:sSubPr>
+                              <m:ctrlPr>
+                                <a:rPr lang="en-US" sz="2000" i="1">
+                                  <a:latin typeface="Cambria Math" panose="02040503050406030204" pitchFamily="18" charset="0"/>
+                                </a:rPr>
+                              </m:ctrlPr>
+                            </m:sSubPr>
+                            <m:e>
+                              <m:r>
+                                <a:rPr lang="en-US" sz="2000" b="0" i="1" smtClean="0">
+                                  <a:latin typeface="Cambria Math" panose="02040503050406030204" pitchFamily="18" charset="0"/>
+                                </a:rPr>
+                                <m:t>1</m:t>
+                              </m:r>
+                              <m:r>
+                                <a:rPr lang="en-US" sz="2000" i="1">
+                                  <a:latin typeface="Cambria Math" panose="02040503050406030204" pitchFamily="18" charset="0"/>
+                                </a:rPr>
+                                <m:t>000</m:t>
+                              </m:r>
+                            </m:e>
+                            <m:sub>
+                              <m:r>
+                                <a:rPr lang="en-US" sz="2000" i="1">
+                                  <a:latin typeface="Cambria Math" panose="02040503050406030204" pitchFamily="18" charset="0"/>
+                                </a:rPr>
+                                <m:t>2</m:t>
+                              </m:r>
+                            </m:sub>
+                          </m:sSub>
+                        </m:e>
+                      </m:d>
+                      <m:r>
+                        <a:rPr lang="en-US" sz="2000" i="1">
+                          <a:latin typeface="Cambria Math" panose="02040503050406030204" pitchFamily="18" charset="0"/>
+                        </a:rPr>
+                        <m:t>=</m:t>
+                      </m:r>
+                      <m:sSub>
+                        <m:sSubPr>
+                          <m:ctrlPr>
+                            <a:rPr lang="en-US" sz="2000" i="1">
+                              <a:latin typeface="Cambria Math" panose="02040503050406030204" pitchFamily="18" charset="0"/>
+                            </a:rPr>
+                          </m:ctrlPr>
+                        </m:sSubPr>
+                        <m:e>
+                          <m:r>
+                            <a:rPr lang="en-US" sz="2000" b="0" i="1" smtClean="0">
+                              <a:latin typeface="Cambria Math" panose="02040503050406030204" pitchFamily="18" charset="0"/>
+                            </a:rPr>
+                            <m:t>1</m:t>
+                          </m:r>
+                          <m:r>
+                            <a:rPr lang="en-US" sz="2000" i="1">
+                              <a:latin typeface="Cambria Math" panose="02040503050406030204" pitchFamily="18" charset="0"/>
+                            </a:rPr>
+                            <m:t>000</m:t>
+                          </m:r>
+                        </m:e>
+                        <m:sub>
+                          <m:r>
+                            <a:rPr lang="en-US" sz="2000" i="1">
+                              <a:latin typeface="Cambria Math" panose="02040503050406030204" pitchFamily="18" charset="0"/>
+                            </a:rPr>
+                            <m:t>2</m:t>
+                          </m:r>
+                        </m:sub>
+                      </m:sSub>
+                      <m:r>
+                        <a:rPr lang="en-US" sz="2000" i="1">
+                          <a:latin typeface="Cambria Math" panose="02040503050406030204" pitchFamily="18" charset="0"/>
+                        </a:rPr>
+                        <m:t>=</m:t>
+                      </m:r>
+                      <m:r>
+                        <a:rPr lang="en-US" sz="2000" b="0" i="1" smtClean="0">
+                          <a:latin typeface="Cambria Math" panose="02040503050406030204" pitchFamily="18" charset="0"/>
+                        </a:rPr>
+                        <m:t>8</m:t>
+                      </m:r>
+                    </m:oMath>
+                  </m:oMathPara>
+                </a14:m>
+                <a:endParaRPr lang="en-US" sz="2000" i="1" dirty="0">
+                  <a:latin typeface="Cambria Math" panose="02040503050406030204" pitchFamily="18" charset="0"/>
+                </a:endParaRPr>
+              </a:p>
+              <a:p>
+                <a:pPr marL="0" indent="0">
+                  <a:buNone/>
+                </a:pPr>
+                <a14:m>
+                  <m:oMathPara xmlns:m="http://schemas.openxmlformats.org/officeDocument/2006/math">
+                    <m:oMathParaPr>
+                      <m:jc m:val="left"/>
+                    </m:oMathParaPr>
+                    <m:oMath xmlns:m="http://schemas.openxmlformats.org/officeDocument/2006/math">
+                      <m:r>
+                        <a:rPr lang="en-US" sz="2000" i="1">
+                          <a:latin typeface="Cambria Math" panose="02040503050406030204" pitchFamily="18" charset="0"/>
+                        </a:rPr>
+                        <m:t>𝑔</m:t>
+                      </m:r>
+                      <m:d>
+                        <m:dPr>
+                          <m:ctrlPr>
+                            <a:rPr lang="en-US" sz="2000" i="1">
+                              <a:latin typeface="Cambria Math" panose="02040503050406030204" pitchFamily="18" charset="0"/>
+                            </a:rPr>
+                          </m:ctrlPr>
+                        </m:dPr>
+                        <m:e>
+                          <m:r>
+                            <a:rPr lang="en-US" sz="2000" b="0" i="1" smtClean="0">
+                              <a:latin typeface="Cambria Math" panose="02040503050406030204" pitchFamily="18" charset="0"/>
+                            </a:rPr>
+                            <m:t>9</m:t>
+                          </m:r>
+                        </m:e>
+                      </m:d>
+                      <m:r>
+                        <a:rPr lang="en-US" sz="2000" i="1">
+                          <a:latin typeface="Cambria Math" panose="02040503050406030204" pitchFamily="18" charset="0"/>
+                        </a:rPr>
+                        <m:t>=</m:t>
+                      </m:r>
+                      <m:r>
+                        <a:rPr lang="en-US" sz="2000" i="1">
+                          <a:latin typeface="Cambria Math" panose="02040503050406030204" pitchFamily="18" charset="0"/>
+                        </a:rPr>
+                        <m:t>𝑔</m:t>
+                      </m:r>
+                      <m:d>
+                        <m:dPr>
+                          <m:ctrlPr>
+                            <a:rPr lang="en-US" sz="2000" i="1">
+                              <a:latin typeface="Cambria Math" panose="02040503050406030204" pitchFamily="18" charset="0"/>
+                            </a:rPr>
+                          </m:ctrlPr>
+                        </m:dPr>
+                        <m:e>
+                          <m:sSub>
+                            <m:sSubPr>
+                              <m:ctrlPr>
+                                <a:rPr lang="en-US" sz="2000" i="1">
+                                  <a:latin typeface="Cambria Math" panose="02040503050406030204" pitchFamily="18" charset="0"/>
+                                </a:rPr>
+                              </m:ctrlPr>
+                            </m:sSubPr>
+                            <m:e>
+                              <m:r>
+                                <a:rPr lang="en-US" sz="2000" b="0" i="1" smtClean="0">
+                                  <a:latin typeface="Cambria Math" panose="02040503050406030204" pitchFamily="18" charset="0"/>
+                                </a:rPr>
+                                <m:t>1</m:t>
+                              </m:r>
+                              <m:r>
+                                <a:rPr lang="en-US" sz="2000" i="1">
+                                  <a:latin typeface="Cambria Math" panose="02040503050406030204" pitchFamily="18" charset="0"/>
+                                </a:rPr>
+                                <m:t>00</m:t>
+                              </m:r>
+                              <m:r>
+                                <a:rPr lang="en-US" sz="2000" b="0" i="1" smtClean="0">
+                                  <a:latin typeface="Cambria Math" panose="02040503050406030204" pitchFamily="18" charset="0"/>
+                                </a:rPr>
+                                <m:t>1</m:t>
+                              </m:r>
+                            </m:e>
+                            <m:sub>
+                              <m:r>
+                                <a:rPr lang="en-US" sz="2000" i="1">
+                                  <a:latin typeface="Cambria Math" panose="02040503050406030204" pitchFamily="18" charset="0"/>
+                                </a:rPr>
+                                <m:t>2</m:t>
+                              </m:r>
+                            </m:sub>
+                          </m:sSub>
+                        </m:e>
+                      </m:d>
+                      <m:r>
+                        <a:rPr lang="en-US" sz="2000" i="1">
+                          <a:latin typeface="Cambria Math" panose="02040503050406030204" pitchFamily="18" charset="0"/>
+                        </a:rPr>
+                        <m:t>=</m:t>
+                      </m:r>
+                      <m:sSub>
+                        <m:sSubPr>
+                          <m:ctrlPr>
+                            <a:rPr lang="en-US" sz="2000" i="1">
+                              <a:latin typeface="Cambria Math" panose="02040503050406030204" pitchFamily="18" charset="0"/>
+                            </a:rPr>
+                          </m:ctrlPr>
+                        </m:sSubPr>
+                        <m:e>
+                          <m:r>
+                            <a:rPr lang="en-US" sz="2000" b="0" i="1" smtClean="0">
+                              <a:latin typeface="Cambria Math" panose="02040503050406030204" pitchFamily="18" charset="0"/>
+                            </a:rPr>
+                            <m:t>1</m:t>
+                          </m:r>
+                          <m:r>
+                            <a:rPr lang="en-US" sz="2000" i="1">
+                              <a:latin typeface="Cambria Math" panose="02040503050406030204" pitchFamily="18" charset="0"/>
+                            </a:rPr>
+                            <m:t>000</m:t>
+                          </m:r>
+                        </m:e>
+                        <m:sub>
+                          <m:r>
+                            <a:rPr lang="en-US" sz="2000" i="1">
+                              <a:latin typeface="Cambria Math" panose="02040503050406030204" pitchFamily="18" charset="0"/>
+                            </a:rPr>
+                            <m:t>2</m:t>
+                          </m:r>
+                        </m:sub>
+                      </m:sSub>
+                      <m:r>
+                        <a:rPr lang="en-US" sz="2000" i="1">
+                          <a:latin typeface="Cambria Math" panose="02040503050406030204" pitchFamily="18" charset="0"/>
+                        </a:rPr>
+                        <m:t>=</m:t>
+                      </m:r>
+                      <m:r>
+                        <a:rPr lang="en-US" sz="2000" b="0" i="1" smtClean="0">
+                          <a:latin typeface="Cambria Math" panose="02040503050406030204" pitchFamily="18" charset="0"/>
+                        </a:rPr>
+                        <m:t>8</m:t>
+                      </m:r>
+                    </m:oMath>
+                  </m:oMathPara>
+                </a14:m>
+                <a:endParaRPr lang="en-US" sz="2000" i="1" dirty="0">
+                  <a:latin typeface="Cambria Math" panose="02040503050406030204" pitchFamily="18" charset="0"/>
+                </a:endParaRPr>
+              </a:p>
+              <a:p>
+                <a:pPr marL="0" indent="0">
+                  <a:buNone/>
+                </a:pPr>
+                <a14:m>
+                  <m:oMathPara xmlns:m="http://schemas.openxmlformats.org/officeDocument/2006/math">
+                    <m:oMathParaPr>
+                      <m:jc m:val="left"/>
+                    </m:oMathParaPr>
+                    <m:oMath xmlns:m="http://schemas.openxmlformats.org/officeDocument/2006/math">
+                      <m:r>
+                        <a:rPr lang="en-US" sz="2000" i="1">
+                          <a:latin typeface="Cambria Math" panose="02040503050406030204" pitchFamily="18" charset="0"/>
+                        </a:rPr>
+                        <m:t>𝑔</m:t>
+                      </m:r>
+                      <m:d>
+                        <m:dPr>
+                          <m:ctrlPr>
+                            <a:rPr lang="en-US" sz="2000" i="1">
+                              <a:latin typeface="Cambria Math" panose="02040503050406030204" pitchFamily="18" charset="0"/>
+                            </a:rPr>
+                          </m:ctrlPr>
+                        </m:dPr>
+                        <m:e>
+                          <m:r>
+                            <a:rPr lang="en-US" sz="2000" b="0" i="1" smtClean="0">
+                              <a:latin typeface="Cambria Math" panose="02040503050406030204" pitchFamily="18" charset="0"/>
+                            </a:rPr>
+                            <m:t>10</m:t>
+                          </m:r>
+                        </m:e>
+                      </m:d>
+                      <m:r>
+                        <a:rPr lang="en-US" sz="2000" i="1">
+                          <a:latin typeface="Cambria Math" panose="02040503050406030204" pitchFamily="18" charset="0"/>
+                        </a:rPr>
+                        <m:t>=</m:t>
+                      </m:r>
+                      <m:r>
+                        <a:rPr lang="en-US" sz="2000" i="1">
+                          <a:latin typeface="Cambria Math" panose="02040503050406030204" pitchFamily="18" charset="0"/>
+                        </a:rPr>
+                        <m:t>𝑔</m:t>
+                      </m:r>
+                      <m:d>
+                        <m:dPr>
+                          <m:ctrlPr>
+                            <a:rPr lang="en-US" sz="2000" i="1">
+                              <a:latin typeface="Cambria Math" panose="02040503050406030204" pitchFamily="18" charset="0"/>
+                            </a:rPr>
+                          </m:ctrlPr>
+                        </m:dPr>
+                        <m:e>
+                          <m:sSub>
+                            <m:sSubPr>
+                              <m:ctrlPr>
+                                <a:rPr lang="en-US" sz="2000" i="1">
+                                  <a:latin typeface="Cambria Math" panose="02040503050406030204" pitchFamily="18" charset="0"/>
+                                </a:rPr>
+                              </m:ctrlPr>
+                            </m:sSubPr>
+                            <m:e>
+                              <m:r>
+                                <a:rPr lang="en-US" sz="2000" b="0" i="1" smtClean="0">
+                                  <a:latin typeface="Cambria Math" panose="02040503050406030204" pitchFamily="18" charset="0"/>
+                                </a:rPr>
+                                <m:t>1</m:t>
+                              </m:r>
+                              <m:r>
+                                <a:rPr lang="en-US" sz="2000" i="1">
+                                  <a:latin typeface="Cambria Math" panose="02040503050406030204" pitchFamily="18" charset="0"/>
+                                </a:rPr>
+                                <m:t>0</m:t>
+                              </m:r>
+                              <m:r>
+                                <a:rPr lang="en-US" sz="2000" b="0" i="1" smtClean="0">
+                                  <a:latin typeface="Cambria Math" panose="02040503050406030204" pitchFamily="18" charset="0"/>
+                                </a:rPr>
+                                <m:t>1</m:t>
+                              </m:r>
+                              <m:r>
+                                <a:rPr lang="en-US" sz="2000" i="1">
+                                  <a:latin typeface="Cambria Math" panose="02040503050406030204" pitchFamily="18" charset="0"/>
+                                </a:rPr>
+                                <m:t>0</m:t>
+                              </m:r>
+                            </m:e>
+                            <m:sub>
+                              <m:r>
+                                <a:rPr lang="en-US" sz="2000" i="1">
+                                  <a:latin typeface="Cambria Math" panose="02040503050406030204" pitchFamily="18" charset="0"/>
+                                </a:rPr>
+                                <m:t>2</m:t>
+                              </m:r>
+                            </m:sub>
+                          </m:sSub>
+                        </m:e>
+                      </m:d>
+                      <m:r>
+                        <a:rPr lang="en-US" sz="2000" i="1">
+                          <a:latin typeface="Cambria Math" panose="02040503050406030204" pitchFamily="18" charset="0"/>
+                        </a:rPr>
+                        <m:t>=</m:t>
+                      </m:r>
+                      <m:sSub>
+                        <m:sSubPr>
+                          <m:ctrlPr>
+                            <a:rPr lang="en-US" sz="2000" i="1">
+                              <a:latin typeface="Cambria Math" panose="02040503050406030204" pitchFamily="18" charset="0"/>
+                            </a:rPr>
+                          </m:ctrlPr>
+                        </m:sSubPr>
+                        <m:e>
+                          <m:r>
+                            <a:rPr lang="en-US" sz="2000" b="0" i="1" smtClean="0">
+                              <a:latin typeface="Cambria Math" panose="02040503050406030204" pitchFamily="18" charset="0"/>
+                            </a:rPr>
+                            <m:t>1</m:t>
+                          </m:r>
+                          <m:r>
+                            <a:rPr lang="en-US" sz="2000" i="1">
+                              <a:latin typeface="Cambria Math" panose="02040503050406030204" pitchFamily="18" charset="0"/>
+                            </a:rPr>
+                            <m:t>0</m:t>
+                          </m:r>
+                          <m:r>
+                            <a:rPr lang="en-US" sz="2000" b="0" i="1" smtClean="0">
+                              <a:latin typeface="Cambria Math" panose="02040503050406030204" pitchFamily="18" charset="0"/>
+                            </a:rPr>
+                            <m:t>1</m:t>
+                          </m:r>
+                          <m:r>
+                            <a:rPr lang="en-US" sz="2000" i="1">
+                              <a:latin typeface="Cambria Math" panose="02040503050406030204" pitchFamily="18" charset="0"/>
+                            </a:rPr>
+                            <m:t>0</m:t>
+                          </m:r>
+                        </m:e>
+                        <m:sub>
+                          <m:r>
+                            <a:rPr lang="en-US" sz="2000" i="1">
+                              <a:latin typeface="Cambria Math" panose="02040503050406030204" pitchFamily="18" charset="0"/>
+                            </a:rPr>
+                            <m:t>2</m:t>
+                          </m:r>
+                        </m:sub>
+                      </m:sSub>
+                      <m:r>
+                        <a:rPr lang="en-US" sz="2000" i="1">
+                          <a:latin typeface="Cambria Math" panose="02040503050406030204" pitchFamily="18" charset="0"/>
+                        </a:rPr>
+                        <m:t>=</m:t>
+                      </m:r>
+                      <m:r>
+                        <a:rPr lang="en-US" sz="2000" b="0" i="1" smtClean="0">
+                          <a:latin typeface="Cambria Math" panose="02040503050406030204" pitchFamily="18" charset="0"/>
+                        </a:rPr>
+                        <m:t>10</m:t>
+                      </m:r>
+                    </m:oMath>
+                  </m:oMathPara>
+                </a14:m>
+                <a:endParaRPr lang="en-US" sz="2000" i="1" dirty="0">
+                  <a:latin typeface="Cambria Math" panose="02040503050406030204" pitchFamily="18" charset="0"/>
+                </a:endParaRPr>
+              </a:p>
+              <a:p>
+                <a:pPr marL="0" indent="0">
+                  <a:buNone/>
+                </a:pPr>
+                <a14:m>
+                  <m:oMathPara xmlns:m="http://schemas.openxmlformats.org/officeDocument/2006/math">
+                    <m:oMathParaPr>
+                      <m:jc m:val="left"/>
+                    </m:oMathParaPr>
+                    <m:oMath xmlns:m="http://schemas.openxmlformats.org/officeDocument/2006/math">
+                      <m:r>
+                        <a:rPr lang="en-US" sz="2000" i="1">
+                          <a:latin typeface="Cambria Math" panose="02040503050406030204" pitchFamily="18" charset="0"/>
+                        </a:rPr>
+                        <m:t>𝑔</m:t>
+                      </m:r>
+                      <m:d>
+                        <m:dPr>
+                          <m:ctrlPr>
+                            <a:rPr lang="en-US" sz="2000" i="1">
+                              <a:latin typeface="Cambria Math" panose="02040503050406030204" pitchFamily="18" charset="0"/>
+                            </a:rPr>
+                          </m:ctrlPr>
+                        </m:dPr>
+                        <m:e>
+                          <m:r>
+                            <a:rPr lang="en-US" sz="2000" b="0" i="1" smtClean="0">
+                              <a:latin typeface="Cambria Math" panose="02040503050406030204" pitchFamily="18" charset="0"/>
+                            </a:rPr>
+                            <m:t>11</m:t>
+                          </m:r>
+                        </m:e>
+                      </m:d>
+                      <m:r>
+                        <a:rPr lang="en-US" sz="2000" i="1">
+                          <a:latin typeface="Cambria Math" panose="02040503050406030204" pitchFamily="18" charset="0"/>
+                        </a:rPr>
+                        <m:t>=</m:t>
+                      </m:r>
+                      <m:r>
+                        <a:rPr lang="en-US" sz="2000" i="1">
+                          <a:latin typeface="Cambria Math" panose="02040503050406030204" pitchFamily="18" charset="0"/>
+                        </a:rPr>
+                        <m:t>𝑔</m:t>
+                      </m:r>
+                      <m:d>
+                        <m:dPr>
+                          <m:ctrlPr>
+                            <a:rPr lang="en-US" sz="2000" i="1">
+                              <a:latin typeface="Cambria Math" panose="02040503050406030204" pitchFamily="18" charset="0"/>
+                            </a:rPr>
+                          </m:ctrlPr>
+                        </m:dPr>
+                        <m:e>
+                          <m:sSub>
+                            <m:sSubPr>
+                              <m:ctrlPr>
+                                <a:rPr lang="en-US" sz="2000" i="1">
+                                  <a:latin typeface="Cambria Math" panose="02040503050406030204" pitchFamily="18" charset="0"/>
+                                </a:rPr>
+                              </m:ctrlPr>
+                            </m:sSubPr>
+                            <m:e>
+                              <m:r>
+                                <a:rPr lang="en-US" sz="2000" b="0" i="1" smtClean="0">
+                                  <a:latin typeface="Cambria Math" panose="02040503050406030204" pitchFamily="18" charset="0"/>
+                                </a:rPr>
+                                <m:t>1</m:t>
+                              </m:r>
+                              <m:r>
+                                <a:rPr lang="en-US" sz="2000" i="1">
+                                  <a:latin typeface="Cambria Math" panose="02040503050406030204" pitchFamily="18" charset="0"/>
+                                </a:rPr>
+                                <m:t>0</m:t>
+                              </m:r>
+                              <m:r>
+                                <a:rPr lang="en-US" sz="2000" b="0" i="1" smtClean="0">
+                                  <a:latin typeface="Cambria Math" panose="02040503050406030204" pitchFamily="18" charset="0"/>
+                                </a:rPr>
+                                <m:t>11</m:t>
+                              </m:r>
+                            </m:e>
+                            <m:sub>
+                              <m:r>
+                                <a:rPr lang="en-US" sz="2000" i="1">
+                                  <a:latin typeface="Cambria Math" panose="02040503050406030204" pitchFamily="18" charset="0"/>
+                                </a:rPr>
+                                <m:t>2</m:t>
+                              </m:r>
+                            </m:sub>
+                          </m:sSub>
+                        </m:e>
+                      </m:d>
+                      <m:r>
+                        <a:rPr lang="en-US" sz="2000" i="1">
+                          <a:latin typeface="Cambria Math" panose="02040503050406030204" pitchFamily="18" charset="0"/>
+                        </a:rPr>
+                        <m:t>=</m:t>
+                      </m:r>
+                      <m:sSub>
+                        <m:sSubPr>
+                          <m:ctrlPr>
+                            <a:rPr lang="en-US" sz="2000" i="1">
+                              <a:latin typeface="Cambria Math" panose="02040503050406030204" pitchFamily="18" charset="0"/>
+                            </a:rPr>
+                          </m:ctrlPr>
+                        </m:sSubPr>
+                        <m:e>
+                          <m:r>
+                            <a:rPr lang="en-US" sz="2000" b="0" i="1" smtClean="0">
+                              <a:latin typeface="Cambria Math" panose="02040503050406030204" pitchFamily="18" charset="0"/>
+                            </a:rPr>
+                            <m:t>1</m:t>
+                          </m:r>
+                          <m:r>
+                            <a:rPr lang="en-US" sz="2000" i="1">
+                              <a:latin typeface="Cambria Math" panose="02040503050406030204" pitchFamily="18" charset="0"/>
+                            </a:rPr>
+                            <m:t>000</m:t>
+                          </m:r>
+                        </m:e>
+                        <m:sub>
+                          <m:r>
+                            <a:rPr lang="en-US" sz="2000" i="1">
+                              <a:latin typeface="Cambria Math" panose="02040503050406030204" pitchFamily="18" charset="0"/>
+                            </a:rPr>
+                            <m:t>2</m:t>
+                          </m:r>
+                        </m:sub>
+                      </m:sSub>
+                      <m:r>
+                        <a:rPr lang="en-US" sz="2000" i="1">
+                          <a:latin typeface="Cambria Math" panose="02040503050406030204" pitchFamily="18" charset="0"/>
+                        </a:rPr>
+                        <m:t>=</m:t>
+                      </m:r>
+                      <m:r>
+                        <a:rPr lang="en-US" sz="2000" b="0" i="1" smtClean="0">
+                          <a:latin typeface="Cambria Math" panose="02040503050406030204" pitchFamily="18" charset="0"/>
+                        </a:rPr>
+                        <m:t>8</m:t>
+                      </m:r>
+                    </m:oMath>
+                  </m:oMathPara>
+                </a14:m>
+                <a:endParaRPr lang="en-US" sz="2000" i="1" dirty="0">
+                  <a:latin typeface="Cambria Math" panose="02040503050406030204" pitchFamily="18" charset="0"/>
+                </a:endParaRPr>
+              </a:p>
+              <a:p>
+                <a:pPr marL="0" indent="0">
+                  <a:buNone/>
+                </a:pPr>
+                <a14:m>
+                  <m:oMathPara xmlns:m="http://schemas.openxmlformats.org/officeDocument/2006/math">
+                    <m:oMathParaPr>
+                      <m:jc m:val="left"/>
+                    </m:oMathParaPr>
+                    <m:oMath xmlns:m="http://schemas.openxmlformats.org/officeDocument/2006/math">
+                      <m:r>
+                        <a:rPr lang="en-US" sz="2000" i="1">
+                          <a:latin typeface="Cambria Math" panose="02040503050406030204" pitchFamily="18" charset="0"/>
+                        </a:rPr>
+                        <m:t>𝑔</m:t>
+                      </m:r>
+                      <m:d>
+                        <m:dPr>
+                          <m:ctrlPr>
+                            <a:rPr lang="en-US" sz="2000" i="1">
+                              <a:latin typeface="Cambria Math" panose="02040503050406030204" pitchFamily="18" charset="0"/>
+                            </a:rPr>
+                          </m:ctrlPr>
+                        </m:dPr>
+                        <m:e>
+                          <m:r>
+                            <a:rPr lang="en-US" sz="2000" b="0" i="1" smtClean="0">
+                              <a:latin typeface="Cambria Math" panose="02040503050406030204" pitchFamily="18" charset="0"/>
+                            </a:rPr>
+                            <m:t>12</m:t>
+                          </m:r>
+                        </m:e>
+                      </m:d>
+                      <m:r>
+                        <a:rPr lang="en-US" sz="2000" i="1">
+                          <a:latin typeface="Cambria Math" panose="02040503050406030204" pitchFamily="18" charset="0"/>
+                        </a:rPr>
+                        <m:t>=</m:t>
+                      </m:r>
+                      <m:r>
+                        <a:rPr lang="en-US" sz="2000" i="1">
+                          <a:latin typeface="Cambria Math" panose="02040503050406030204" pitchFamily="18" charset="0"/>
+                        </a:rPr>
+                        <m:t>𝑔</m:t>
+                      </m:r>
+                      <m:d>
+                        <m:dPr>
+                          <m:ctrlPr>
+                            <a:rPr lang="en-US" sz="2000" i="1">
+                              <a:latin typeface="Cambria Math" panose="02040503050406030204" pitchFamily="18" charset="0"/>
+                            </a:rPr>
+                          </m:ctrlPr>
+                        </m:dPr>
+                        <m:e>
+                          <m:sSub>
+                            <m:sSubPr>
+                              <m:ctrlPr>
+                                <a:rPr lang="en-US" sz="2000" i="1">
+                                  <a:latin typeface="Cambria Math" panose="02040503050406030204" pitchFamily="18" charset="0"/>
+                                </a:rPr>
+                              </m:ctrlPr>
+                            </m:sSubPr>
+                            <m:e>
+                              <m:r>
+                                <a:rPr lang="en-US" sz="2000" b="0" i="1" smtClean="0">
+                                  <a:latin typeface="Cambria Math" panose="02040503050406030204" pitchFamily="18" charset="0"/>
+                                </a:rPr>
+                                <m:t>11</m:t>
+                              </m:r>
+                              <m:r>
+                                <a:rPr lang="en-US" sz="2000" i="1">
+                                  <a:latin typeface="Cambria Math" panose="02040503050406030204" pitchFamily="18" charset="0"/>
+                                </a:rPr>
+                                <m:t>00</m:t>
+                              </m:r>
+                            </m:e>
+                            <m:sub>
+                              <m:r>
+                                <a:rPr lang="en-US" sz="2000" i="1">
+                                  <a:latin typeface="Cambria Math" panose="02040503050406030204" pitchFamily="18" charset="0"/>
+                                </a:rPr>
+                                <m:t>2</m:t>
+                              </m:r>
+                            </m:sub>
+                          </m:sSub>
+                        </m:e>
+                      </m:d>
+                      <m:r>
+                        <a:rPr lang="en-US" sz="2000" i="1">
+                          <a:latin typeface="Cambria Math" panose="02040503050406030204" pitchFamily="18" charset="0"/>
+                        </a:rPr>
+                        <m:t>=</m:t>
+                      </m:r>
+                      <m:sSub>
+                        <m:sSubPr>
+                          <m:ctrlPr>
+                            <a:rPr lang="en-US" sz="2000" i="1">
+                              <a:latin typeface="Cambria Math" panose="02040503050406030204" pitchFamily="18" charset="0"/>
+                            </a:rPr>
+                          </m:ctrlPr>
+                        </m:sSubPr>
+                        <m:e>
+                          <m:r>
+                            <a:rPr lang="en-US" sz="2000" b="0" i="1" smtClean="0">
+                              <a:latin typeface="Cambria Math" panose="02040503050406030204" pitchFamily="18" charset="0"/>
+                            </a:rPr>
+                            <m:t>11</m:t>
+                          </m:r>
+                          <m:r>
+                            <a:rPr lang="en-US" sz="2000" i="1">
+                              <a:latin typeface="Cambria Math" panose="02040503050406030204" pitchFamily="18" charset="0"/>
+                            </a:rPr>
+                            <m:t>00</m:t>
+                          </m:r>
+                        </m:e>
+                        <m:sub>
+                          <m:r>
+                            <a:rPr lang="en-US" sz="2000" i="1">
+                              <a:latin typeface="Cambria Math" panose="02040503050406030204" pitchFamily="18" charset="0"/>
+                            </a:rPr>
+                            <m:t>2</m:t>
+                          </m:r>
+                        </m:sub>
+                      </m:sSub>
+                      <m:r>
+                        <a:rPr lang="en-US" sz="2000" i="1">
+                          <a:latin typeface="Cambria Math" panose="02040503050406030204" pitchFamily="18" charset="0"/>
+                        </a:rPr>
+                        <m:t>=</m:t>
+                      </m:r>
+                      <m:r>
+                        <a:rPr lang="en-US" sz="2000" b="0" i="1" smtClean="0">
+                          <a:latin typeface="Cambria Math" panose="02040503050406030204" pitchFamily="18" charset="0"/>
+                        </a:rPr>
+                        <m:t>12</m:t>
+                      </m:r>
+                    </m:oMath>
+                  </m:oMathPara>
+                </a14:m>
+                <a:endParaRPr lang="en-US" sz="2000" i="1" dirty="0">
+                  <a:latin typeface="Cambria Math" panose="02040503050406030204" pitchFamily="18" charset="0"/>
+                </a:endParaRPr>
+              </a:p>
+            </p:txBody>
+          </p:sp>
+        </mc:Choice>
+        <mc:Fallback xmlns="">
+          <p:sp>
+            <p:nvSpPr>
+              <p:cNvPr id="15" name="Content Placeholder 2">
+                <a:extLst>
+                  <a:ext uri="{FF2B5EF4-FFF2-40B4-BE49-F238E27FC236}">
+                    <a16:creationId xmlns:a16="http://schemas.microsoft.com/office/drawing/2014/main" id="{A00BDB34-6388-8044-9387-F08D32C593C9}"/>
+                  </a:ext>
+                </a:extLst>
+              </p:cNvPr>
+              <p:cNvSpPr txBox="1">
+                <a:spLocks noRot="1" noChangeAspect="1" noMove="1" noResize="1" noEditPoints="1" noAdjustHandles="1" noChangeArrowheads="1" noChangeShapeType="1" noTextEdit="1"/>
+              </p:cNvSpPr>
+              <p:nvPr/>
+            </p:nvSpPr>
+            <p:spPr>
+              <a:xfrm>
+                <a:off x="1392412" y="2961396"/>
+                <a:ext cx="3321000" cy="3675073"/>
+              </a:xfrm>
+              <a:prstGeom prst="rect">
+                <a:avLst/>
+              </a:prstGeom>
+              <a:blipFill>
+                <a:blip r:embed="rId5"/>
+                <a:stretch>
+                  <a:fillRect l="-380"/>
+                </a:stretch>
+              </a:blipFill>
+              <a:ln>
+                <a:solidFill>
+                  <a:schemeClr val="tx1"/>
+                </a:solidFill>
+              </a:ln>
+            </p:spPr>
+            <p:txBody>
+              <a:bodyPr/>
+              <a:lstStyle/>
+              <a:p>
+                <a:r>
+                  <a:rPr lang="en-US">
+                    <a:noFill/>
+                  </a:rPr>
+                  <a:t> </a:t>
+                </a:r>
+              </a:p>
+            </p:txBody>
+          </p:sp>
+        </mc:Fallback>
+      </mc:AlternateContent>
+      <p:sp>
+        <p:nvSpPr>
+          <p:cNvPr id="21" name="Content Placeholder 2">
+            <a:extLst>
+              <a:ext uri="{FF2B5EF4-FFF2-40B4-BE49-F238E27FC236}">
+                <a16:creationId xmlns:a16="http://schemas.microsoft.com/office/drawing/2014/main" id="{598377E2-B4C9-1046-A045-AE87FD13F5E4}"/>
+              </a:ext>
+            </a:extLst>
+          </p:cNvPr>
+          <p:cNvSpPr txBox="1">
+            <a:spLocks/>
+          </p:cNvSpPr>
+          <p:nvPr/>
+        </p:nvSpPr>
+        <p:spPr>
+          <a:xfrm>
+            <a:off x="5183558" y="5646657"/>
+            <a:ext cx="5723254" cy="989812"/>
+          </a:xfrm>
+          <a:prstGeom prst="rect">
+            <a:avLst/>
+          </a:prstGeom>
+          <a:ln>
+            <a:solidFill>
+              <a:schemeClr val="tx1"/>
+            </a:solidFill>
+          </a:ln>
+        </p:spPr>
+        <p:txBody>
+          <a:bodyPr vert="horz" lIns="91440" tIns="45720" rIns="91440" bIns="45720" rtlCol="0">
+            <a:normAutofit/>
+          </a:bodyPr>
+          <a:lstStyle>
+            <a:lvl1pPr marL="228600" indent="-228600" algn="l" defTabSz="914400" rtl="0" eaLnBrk="1" latinLnBrk="0" hangingPunct="1">
+              <a:lnSpc>
+                <a:spcPct val="120000"/>
+              </a:lnSpc>
+              <a:spcBef>
+                <a:spcPts val="1000"/>
+              </a:spcBef>
+              <a:buSzPct val="125000"/>
+              <a:buFont typeface="Arial" panose="020B0604020202020204" pitchFamily="34" charset="0"/>
+              <a:buChar char="•"/>
+              <a:defRPr sz="2400" kern="1200">
+                <a:solidFill>
+                  <a:schemeClr val="tx1"/>
+                </a:solidFill>
+                <a:latin typeface="+mn-lt"/>
+                <a:ea typeface="+mn-ea"/>
+                <a:cs typeface="+mn-cs"/>
+              </a:defRPr>
+            </a:lvl1pPr>
+            <a:lvl2pPr marL="685800" indent="-228600" algn="l" defTabSz="914400" rtl="0" eaLnBrk="1" latinLnBrk="0" hangingPunct="1">
+              <a:lnSpc>
+                <a:spcPct val="120000"/>
+              </a:lnSpc>
+              <a:spcBef>
+                <a:spcPts val="500"/>
+              </a:spcBef>
+              <a:buSzPct val="125000"/>
+              <a:buFont typeface="Arial" panose="020B0604020202020204" pitchFamily="34" charset="0"/>
+              <a:buChar char="•"/>
+              <a:defRPr sz="2000" kern="1200">
+                <a:solidFill>
+                  <a:schemeClr val="tx1"/>
+                </a:solidFill>
+                <a:latin typeface="+mn-lt"/>
+                <a:ea typeface="+mn-ea"/>
+                <a:cs typeface="+mn-cs"/>
+              </a:defRPr>
+            </a:lvl2pPr>
+            <a:lvl3pPr marL="1143000" indent="-228600" algn="l" defTabSz="914400" rtl="0" eaLnBrk="1" latinLnBrk="0" hangingPunct="1">
+              <a:lnSpc>
+                <a:spcPct val="120000"/>
+              </a:lnSpc>
+              <a:spcBef>
+                <a:spcPts val="500"/>
+              </a:spcBef>
+              <a:buSzPct val="125000"/>
+              <a:buFont typeface="Arial" panose="020B0604020202020204" pitchFamily="34" charset="0"/>
+              <a:buChar char="•"/>
+              <a:defRPr sz="1800" kern="1200">
+                <a:solidFill>
+                  <a:schemeClr val="tx1"/>
+                </a:solidFill>
+                <a:latin typeface="+mn-lt"/>
+                <a:ea typeface="+mn-ea"/>
+                <a:cs typeface="+mn-cs"/>
+              </a:defRPr>
+            </a:lvl3pPr>
+            <a:lvl4pPr marL="1600200" indent="-228600" algn="l" defTabSz="914400" rtl="0" eaLnBrk="1" latinLnBrk="0" hangingPunct="1">
+              <a:lnSpc>
+                <a:spcPct val="120000"/>
+              </a:lnSpc>
+              <a:spcBef>
+                <a:spcPts val="500"/>
+              </a:spcBef>
+              <a:buSzPct val="125000"/>
+              <a:buFont typeface="Arial" panose="020B0604020202020204" pitchFamily="34" charset="0"/>
+              <a:buChar char="•"/>
+              <a:defRPr sz="1600" kern="1200">
+                <a:solidFill>
+                  <a:schemeClr val="tx1"/>
+                </a:solidFill>
+                <a:latin typeface="+mn-lt"/>
+                <a:ea typeface="+mn-ea"/>
+                <a:cs typeface="+mn-cs"/>
+              </a:defRPr>
+            </a:lvl4pPr>
+            <a:lvl5pPr marL="2057400" indent="-228600" algn="l" defTabSz="914400" rtl="0" eaLnBrk="1" latinLnBrk="0" hangingPunct="1">
+              <a:lnSpc>
+                <a:spcPct val="120000"/>
+              </a:lnSpc>
+              <a:spcBef>
+                <a:spcPts val="500"/>
+              </a:spcBef>
+              <a:buSzPct val="125000"/>
+              <a:buFont typeface="Arial" panose="020B0604020202020204" pitchFamily="34" charset="0"/>
+              <a:buChar char="•"/>
+              <a:defRPr sz="1600" kern="1200">
+                <a:solidFill>
+                  <a:schemeClr val="tx1"/>
+                </a:solidFill>
+                <a:latin typeface="+mn-lt"/>
+                <a:ea typeface="+mn-ea"/>
+                <a:cs typeface="+mn-cs"/>
+              </a:defRPr>
+            </a:lvl5pPr>
+            <a:lvl6pPr marL="2514600" indent="-228600" algn="l" defTabSz="914400" rtl="0" eaLnBrk="1" latinLnBrk="0" hangingPunct="1">
+              <a:lnSpc>
+                <a:spcPct val="120000"/>
+              </a:lnSpc>
+              <a:spcBef>
+                <a:spcPts val="500"/>
+              </a:spcBef>
+              <a:buSzPct val="125000"/>
+              <a:buFont typeface="Arial" panose="020B0604020202020204" pitchFamily="34" charset="0"/>
+              <a:buChar char="•"/>
+              <a:defRPr sz="1400" kern="1200">
+                <a:solidFill>
+                  <a:schemeClr val="tx1"/>
+                </a:solidFill>
+                <a:latin typeface="+mn-lt"/>
+                <a:ea typeface="+mn-ea"/>
+                <a:cs typeface="+mn-cs"/>
+              </a:defRPr>
+            </a:lvl6pPr>
+            <a:lvl7pPr marL="2971800" indent="-228600" algn="l" defTabSz="914400" rtl="0" eaLnBrk="1" latinLnBrk="0" hangingPunct="1">
+              <a:lnSpc>
+                <a:spcPct val="120000"/>
+              </a:lnSpc>
+              <a:spcBef>
+                <a:spcPts val="500"/>
+              </a:spcBef>
+              <a:buSzPct val="125000"/>
+              <a:buFont typeface="Arial" panose="020B0604020202020204" pitchFamily="34" charset="0"/>
+              <a:buChar char="•"/>
+              <a:defRPr sz="1400" kern="1200">
+                <a:solidFill>
+                  <a:schemeClr val="tx1"/>
+                </a:solidFill>
+                <a:latin typeface="+mn-lt"/>
+                <a:ea typeface="+mn-ea"/>
+                <a:cs typeface="+mn-cs"/>
+              </a:defRPr>
+            </a:lvl7pPr>
+            <a:lvl8pPr marL="3429000" indent="-228600" algn="l" defTabSz="914400" rtl="0" eaLnBrk="1" latinLnBrk="0" hangingPunct="1">
+              <a:lnSpc>
+                <a:spcPct val="120000"/>
+              </a:lnSpc>
+              <a:spcBef>
+                <a:spcPts val="500"/>
+              </a:spcBef>
+              <a:buSzPct val="125000"/>
+              <a:buFont typeface="Arial" panose="020B0604020202020204" pitchFamily="34" charset="0"/>
+              <a:buChar char="•"/>
+              <a:defRPr sz="1400" kern="1200">
+                <a:solidFill>
+                  <a:schemeClr val="tx1"/>
+                </a:solidFill>
+                <a:latin typeface="+mn-lt"/>
+                <a:ea typeface="+mn-ea"/>
+                <a:cs typeface="+mn-cs"/>
+              </a:defRPr>
+            </a:lvl8pPr>
+            <a:lvl9pPr marL="3886200" indent="-228600" algn="l" defTabSz="914400" rtl="0" eaLnBrk="1" latinLnBrk="0" hangingPunct="1">
+              <a:lnSpc>
+                <a:spcPct val="120000"/>
+              </a:lnSpc>
+              <a:spcBef>
+                <a:spcPts val="500"/>
+              </a:spcBef>
+              <a:buSzPct val="125000"/>
+              <a:buFont typeface="Arial" panose="020B0604020202020204" pitchFamily="34" charset="0"/>
+              <a:buChar char="•"/>
+              <a:defRPr sz="1400" kern="1200">
+                <a:solidFill>
+                  <a:schemeClr val="tx1"/>
+                </a:solidFill>
+                <a:latin typeface="+mn-lt"/>
+                <a:ea typeface="+mn-ea"/>
+                <a:cs typeface="+mn-cs"/>
+              </a:defRPr>
+            </a:lvl9pPr>
+          </a:lstStyle>
+          <a:p>
+            <a:pPr marL="0" indent="0">
+              <a:buFont typeface="Arial" panose="020B0604020202020204" pitchFamily="34" charset="0"/>
+              <a:buNone/>
+            </a:pPr>
+            <a:r>
+              <a:rPr lang="en-US" sz="2000" dirty="0"/>
+              <a:t>Now, let’s do:</a:t>
+            </a:r>
+          </a:p>
+          <a:p>
+            <a:pPr marL="0" indent="0">
+              <a:buFont typeface="Arial" panose="020B0604020202020204" pitchFamily="34" charset="0"/>
+              <a:buNone/>
+            </a:pPr>
+            <a:r>
+              <a:rPr lang="en-US" sz="2000" i="1" dirty="0">
+                <a:latin typeface="Cambria Math" panose="02040503050406030204" pitchFamily="18" charset="0"/>
+              </a:rPr>
+              <a:t>sum(3,8)	sum(1,10)	sum(5,6)</a:t>
+            </a:r>
+          </a:p>
+        </p:txBody>
+      </p:sp>
+    </p:spTree>
+    <p:extLst>
+      <p:ext uri="{BB962C8B-B14F-4D97-AF65-F5344CB8AC3E}">
+        <p14:creationId xmlns:p14="http://schemas.microsoft.com/office/powerpoint/2010/main" val="2826787497"/>
+      </p:ext>
+    </p:extLst>
+  </p:cSld>
+  <p:clrMapOvr>
+    <a:masterClrMapping/>
+  </p:clrMapOvr>
+</p:sld>
+</file>
+
+<file path=ppt/slides/slide14.xml><?xml version="1.0" encoding="utf-8"?>
+<p:sld xmlns:a="http://schemas.openxmlformats.org/drawingml/2006/main" xmlns:r="http://schemas.openxmlformats.org/officeDocument/2006/relationships" xmlns:p="http://schemas.openxmlformats.org/presentationml/2006/main">
+  <p:cSld>
+    <p:spTree>
+      <p:nvGrpSpPr>
+        <p:cNvPr id="1" name=""/>
+        <p:cNvGrpSpPr/>
+        <p:nvPr/>
+      </p:nvGrpSpPr>
+      <p:grpSpPr>
+        <a:xfrm>
+          <a:off x="0" y="0"/>
+          <a:ext cx="0" cy="0"/>
+          <a:chOff x="0" y="0"/>
+          <a:chExt cx="0" cy="0"/>
+        </a:xfrm>
+      </p:grpSpPr>
+      <p:sp>
+        <p:nvSpPr>
+          <p:cNvPr id="2" name="Title 1">
+            <a:extLst>
+              <a:ext uri="{FF2B5EF4-FFF2-40B4-BE49-F238E27FC236}">
+                <a16:creationId xmlns:a16="http://schemas.microsoft.com/office/drawing/2014/main" id="{D63C04CD-2329-4D47-84D9-12CB3EDD9F46}"/>
+              </a:ext>
+            </a:extLst>
+          </p:cNvPr>
+          <p:cNvSpPr>
+            <a:spLocks noGrp="1"/>
+          </p:cNvSpPr>
+          <p:nvPr>
+            <p:ph type="title"/>
+          </p:nvPr>
+        </p:nvSpPr>
+        <p:spPr>
+          <a:xfrm>
+            <a:off x="1141412" y="228903"/>
+            <a:ext cx="9905998" cy="860425"/>
+          </a:xfrm>
+        </p:spPr>
+        <p:txBody>
+          <a:bodyPr/>
+          <a:lstStyle/>
+          <a:p>
+            <a:pPr algn="ctr"/>
+            <a:r>
+              <a:rPr lang="en-US" dirty="0"/>
               <a:t>Update: Reversing G()</a:t>
             </a:r>
           </a:p>
@@ -20541,7 +23777,7 @@
 </p:sld>
 </file>
 
-<file path=ppt/slides/slide14.xml><?xml version="1.0" encoding="utf-8"?>
+<file path=ppt/slides/slide15.xml><?xml version="1.0" encoding="utf-8"?>
 <p:sld xmlns:a="http://schemas.openxmlformats.org/drawingml/2006/main" xmlns:r="http://schemas.openxmlformats.org/officeDocument/2006/relationships" xmlns:p="http://schemas.openxmlformats.org/presentationml/2006/main">
   <p:cSld>
     <p:spTree>
@@ -22050,7 +25286,7 @@
 </p:sld>
 </file>
 
-<file path=ppt/slides/slide15.xml><?xml version="1.0" encoding="utf-8"?>
+<file path=ppt/slides/slide16.xml><?xml version="1.0" encoding="utf-8"?>
 <p:sld xmlns:a="http://schemas.openxmlformats.org/drawingml/2006/main" xmlns:r="http://schemas.openxmlformats.org/officeDocument/2006/relationships" xmlns:p="http://schemas.openxmlformats.org/presentationml/2006/main">
   <p:cSld>
     <p:spTree>
@@ -25953,7 +29189,3078 @@
 </p:sld>
 </file>
 
-<file path=ppt/slides/slide16.xml><?xml version="1.0" encoding="utf-8"?>
+<file path=ppt/slides/slide17.xml><?xml version="1.0" encoding="utf-8"?>
+<p:sld xmlns:a="http://schemas.openxmlformats.org/drawingml/2006/main" xmlns:r="http://schemas.openxmlformats.org/officeDocument/2006/relationships" xmlns:p="http://schemas.openxmlformats.org/presentationml/2006/main">
+  <p:cSld>
+    <p:spTree>
+      <p:nvGrpSpPr>
+        <p:cNvPr id="1" name=""/>
+        <p:cNvGrpSpPr/>
+        <p:nvPr/>
+      </p:nvGrpSpPr>
+      <p:grpSpPr>
+        <a:xfrm>
+          <a:off x="0" y="0"/>
+          <a:ext cx="0" cy="0"/>
+          <a:chOff x="0" y="0"/>
+          <a:chExt cx="0" cy="0"/>
+        </a:xfrm>
+      </p:grpSpPr>
+      <p:sp>
+        <p:nvSpPr>
+          <p:cNvPr id="2" name="Title 1">
+            <a:extLst>
+              <a:ext uri="{FF2B5EF4-FFF2-40B4-BE49-F238E27FC236}">
+                <a16:creationId xmlns:a16="http://schemas.microsoft.com/office/drawing/2014/main" id="{D63C04CD-2329-4D47-84D9-12CB3EDD9F46}"/>
+              </a:ext>
+            </a:extLst>
+          </p:cNvPr>
+          <p:cNvSpPr>
+            <a:spLocks noGrp="1"/>
+          </p:cNvSpPr>
+          <p:nvPr>
+            <p:ph type="title"/>
+          </p:nvPr>
+        </p:nvSpPr>
+        <p:spPr>
+          <a:xfrm>
+            <a:off x="1141412" y="228903"/>
+            <a:ext cx="9905998" cy="860425"/>
+          </a:xfrm>
+        </p:spPr>
+        <p:txBody>
+          <a:bodyPr/>
+          <a:lstStyle/>
+          <a:p>
+            <a:pPr algn="ctr"/>
+            <a:r>
+              <a:rPr lang="en-US" dirty="0"/>
+              <a:t>Concrete Example!</a:t>
+            </a:r>
+          </a:p>
+        </p:txBody>
+      </p:sp>
+      <mc:AlternateContent xmlns:mc="http://schemas.openxmlformats.org/markup-compatibility/2006" xmlns:a14="http://schemas.microsoft.com/office/drawing/2010/main">
+        <mc:Choice Requires="a14">
+          <p:sp>
+            <p:nvSpPr>
+              <p:cNvPr id="5" name="Content Placeholder 2">
+                <a:extLst>
+                  <a:ext uri="{FF2B5EF4-FFF2-40B4-BE49-F238E27FC236}">
+                    <a16:creationId xmlns:a16="http://schemas.microsoft.com/office/drawing/2014/main" id="{F03D1555-5542-694F-BB57-374B096DC8EE}"/>
+                  </a:ext>
+                </a:extLst>
+              </p:cNvPr>
+              <p:cNvSpPr txBox="1">
+                <a:spLocks/>
+              </p:cNvSpPr>
+              <p:nvPr/>
+            </p:nvSpPr>
+            <p:spPr>
+              <a:xfrm>
+                <a:off x="902208" y="1046039"/>
+                <a:ext cx="10485119" cy="695173"/>
+              </a:xfrm>
+              <a:prstGeom prst="rect">
+                <a:avLst/>
+              </a:prstGeom>
+              <a:solidFill>
+                <a:schemeClr val="tx1">
+                  <a:lumMod val="95000"/>
+                </a:schemeClr>
+              </a:solidFill>
+              <a:ln>
+                <a:solidFill>
+                  <a:schemeClr val="bg1"/>
+                </a:solidFill>
+              </a:ln>
+            </p:spPr>
+            <p:txBody>
+              <a:bodyPr vert="horz" lIns="91440" tIns="45720" rIns="91440" bIns="45720" rtlCol="0" anchor="ctr">
+                <a:noAutofit/>
+              </a:bodyPr>
+              <a:lstStyle>
+                <a:lvl1pPr marL="228600" indent="-228600" algn="l" defTabSz="914400" rtl="0" eaLnBrk="1" latinLnBrk="0" hangingPunct="1">
+                  <a:lnSpc>
+                    <a:spcPct val="120000"/>
+                  </a:lnSpc>
+                  <a:spcBef>
+                    <a:spcPts val="1000"/>
+                  </a:spcBef>
+                  <a:buSzPct val="125000"/>
+                  <a:buFont typeface="Arial" panose="020B0604020202020204" pitchFamily="34" charset="0"/>
+                  <a:buChar char="•"/>
+                  <a:defRPr sz="2400" kern="1200">
+                    <a:solidFill>
+                      <a:schemeClr val="tx1"/>
+                    </a:solidFill>
+                    <a:latin typeface="+mn-lt"/>
+                    <a:ea typeface="+mn-ea"/>
+                    <a:cs typeface="+mn-cs"/>
+                  </a:defRPr>
+                </a:lvl1pPr>
+                <a:lvl2pPr marL="685800" indent="-228600" algn="l" defTabSz="914400" rtl="0" eaLnBrk="1" latinLnBrk="0" hangingPunct="1">
+                  <a:lnSpc>
+                    <a:spcPct val="120000"/>
+                  </a:lnSpc>
+                  <a:spcBef>
+                    <a:spcPts val="500"/>
+                  </a:spcBef>
+                  <a:buSzPct val="125000"/>
+                  <a:buFont typeface="Arial" panose="020B0604020202020204" pitchFamily="34" charset="0"/>
+                  <a:buChar char="•"/>
+                  <a:defRPr sz="2000" kern="1200">
+                    <a:solidFill>
+                      <a:schemeClr val="tx1"/>
+                    </a:solidFill>
+                    <a:latin typeface="+mn-lt"/>
+                    <a:ea typeface="+mn-ea"/>
+                    <a:cs typeface="+mn-cs"/>
+                  </a:defRPr>
+                </a:lvl2pPr>
+                <a:lvl3pPr marL="1143000" indent="-228600" algn="l" defTabSz="914400" rtl="0" eaLnBrk="1" latinLnBrk="0" hangingPunct="1">
+                  <a:lnSpc>
+                    <a:spcPct val="120000"/>
+                  </a:lnSpc>
+                  <a:spcBef>
+                    <a:spcPts val="500"/>
+                  </a:spcBef>
+                  <a:buSzPct val="125000"/>
+                  <a:buFont typeface="Arial" panose="020B0604020202020204" pitchFamily="34" charset="0"/>
+                  <a:buChar char="•"/>
+                  <a:defRPr sz="1800" kern="1200">
+                    <a:solidFill>
+                      <a:schemeClr val="tx1"/>
+                    </a:solidFill>
+                    <a:latin typeface="+mn-lt"/>
+                    <a:ea typeface="+mn-ea"/>
+                    <a:cs typeface="+mn-cs"/>
+                  </a:defRPr>
+                </a:lvl3pPr>
+                <a:lvl4pPr marL="1600200" indent="-228600" algn="l" defTabSz="914400" rtl="0" eaLnBrk="1" latinLnBrk="0" hangingPunct="1">
+                  <a:lnSpc>
+                    <a:spcPct val="120000"/>
+                  </a:lnSpc>
+                  <a:spcBef>
+                    <a:spcPts val="500"/>
+                  </a:spcBef>
+                  <a:buSzPct val="125000"/>
+                  <a:buFont typeface="Arial" panose="020B0604020202020204" pitchFamily="34" charset="0"/>
+                  <a:buChar char="•"/>
+                  <a:defRPr sz="1600" kern="1200">
+                    <a:solidFill>
+                      <a:schemeClr val="tx1"/>
+                    </a:solidFill>
+                    <a:latin typeface="+mn-lt"/>
+                    <a:ea typeface="+mn-ea"/>
+                    <a:cs typeface="+mn-cs"/>
+                  </a:defRPr>
+                </a:lvl4pPr>
+                <a:lvl5pPr marL="2057400" indent="-228600" algn="l" defTabSz="914400" rtl="0" eaLnBrk="1" latinLnBrk="0" hangingPunct="1">
+                  <a:lnSpc>
+                    <a:spcPct val="120000"/>
+                  </a:lnSpc>
+                  <a:spcBef>
+                    <a:spcPts val="500"/>
+                  </a:spcBef>
+                  <a:buSzPct val="125000"/>
+                  <a:buFont typeface="Arial" panose="020B0604020202020204" pitchFamily="34" charset="0"/>
+                  <a:buChar char="•"/>
+                  <a:defRPr sz="1600" kern="1200">
+                    <a:solidFill>
+                      <a:schemeClr val="tx1"/>
+                    </a:solidFill>
+                    <a:latin typeface="+mn-lt"/>
+                    <a:ea typeface="+mn-ea"/>
+                    <a:cs typeface="+mn-cs"/>
+                  </a:defRPr>
+                </a:lvl5pPr>
+                <a:lvl6pPr marL="2514600" indent="-228600" algn="l" defTabSz="914400" rtl="0" eaLnBrk="1" latinLnBrk="0" hangingPunct="1">
+                  <a:lnSpc>
+                    <a:spcPct val="120000"/>
+                  </a:lnSpc>
+                  <a:spcBef>
+                    <a:spcPts val="500"/>
+                  </a:spcBef>
+                  <a:buSzPct val="125000"/>
+                  <a:buFont typeface="Arial" panose="020B0604020202020204" pitchFamily="34" charset="0"/>
+                  <a:buChar char="•"/>
+                  <a:defRPr sz="1400" kern="1200">
+                    <a:solidFill>
+                      <a:schemeClr val="tx1"/>
+                    </a:solidFill>
+                    <a:latin typeface="+mn-lt"/>
+                    <a:ea typeface="+mn-ea"/>
+                    <a:cs typeface="+mn-cs"/>
+                  </a:defRPr>
+                </a:lvl6pPr>
+                <a:lvl7pPr marL="2971800" indent="-228600" algn="l" defTabSz="914400" rtl="0" eaLnBrk="1" latinLnBrk="0" hangingPunct="1">
+                  <a:lnSpc>
+                    <a:spcPct val="120000"/>
+                  </a:lnSpc>
+                  <a:spcBef>
+                    <a:spcPts val="500"/>
+                  </a:spcBef>
+                  <a:buSzPct val="125000"/>
+                  <a:buFont typeface="Arial" panose="020B0604020202020204" pitchFamily="34" charset="0"/>
+                  <a:buChar char="•"/>
+                  <a:defRPr sz="1400" kern="1200">
+                    <a:solidFill>
+                      <a:schemeClr val="tx1"/>
+                    </a:solidFill>
+                    <a:latin typeface="+mn-lt"/>
+                    <a:ea typeface="+mn-ea"/>
+                    <a:cs typeface="+mn-cs"/>
+                  </a:defRPr>
+                </a:lvl7pPr>
+                <a:lvl8pPr marL="3429000" indent="-228600" algn="l" defTabSz="914400" rtl="0" eaLnBrk="1" latinLnBrk="0" hangingPunct="1">
+                  <a:lnSpc>
+                    <a:spcPct val="120000"/>
+                  </a:lnSpc>
+                  <a:spcBef>
+                    <a:spcPts val="500"/>
+                  </a:spcBef>
+                  <a:buSzPct val="125000"/>
+                  <a:buFont typeface="Arial" panose="020B0604020202020204" pitchFamily="34" charset="0"/>
+                  <a:buChar char="•"/>
+                  <a:defRPr sz="1400" kern="1200">
+                    <a:solidFill>
+                      <a:schemeClr val="tx1"/>
+                    </a:solidFill>
+                    <a:latin typeface="+mn-lt"/>
+                    <a:ea typeface="+mn-ea"/>
+                    <a:cs typeface="+mn-cs"/>
+                  </a:defRPr>
+                </a:lvl8pPr>
+                <a:lvl9pPr marL="3886200" indent="-228600" algn="l" defTabSz="914400" rtl="0" eaLnBrk="1" latinLnBrk="0" hangingPunct="1">
+                  <a:lnSpc>
+                    <a:spcPct val="120000"/>
+                  </a:lnSpc>
+                  <a:spcBef>
+                    <a:spcPts val="500"/>
+                  </a:spcBef>
+                  <a:buSzPct val="125000"/>
+                  <a:buFont typeface="Arial" panose="020B0604020202020204" pitchFamily="34" charset="0"/>
+                  <a:buChar char="•"/>
+                  <a:defRPr sz="1400" kern="1200">
+                    <a:solidFill>
+                      <a:schemeClr val="tx1"/>
+                    </a:solidFill>
+                    <a:latin typeface="+mn-lt"/>
+                    <a:ea typeface="+mn-ea"/>
+                    <a:cs typeface="+mn-cs"/>
+                  </a:defRPr>
+                </a:lvl9pPr>
+              </a:lstStyle>
+              <a:p>
+                <a:pPr marL="0" indent="0">
+                  <a:buFont typeface="Arial" panose="020B0604020202020204" pitchFamily="34" charset="0"/>
+                  <a:buNone/>
+                </a:pPr>
+                <a14:m>
+                  <m:oMathPara xmlns:m="http://schemas.openxmlformats.org/officeDocument/2006/math">
+                    <m:oMathParaPr>
+                      <m:jc m:val="centerGroup"/>
+                    </m:oMathParaPr>
+                    <m:oMath xmlns:m="http://schemas.openxmlformats.org/officeDocument/2006/math">
+                      <m:r>
+                        <a:rPr lang="en-US" sz="3400" b="0" i="1" smtClean="0">
+                          <a:solidFill>
+                            <a:sysClr val="windowText" lastClr="000000"/>
+                          </a:solidFill>
+                          <a:latin typeface="Cambria Math" panose="02040503050406030204" pitchFamily="18" charset="0"/>
+                        </a:rPr>
+                        <m:t>𝐴</m:t>
+                      </m:r>
+                      <m:r>
+                        <a:rPr lang="en-US" sz="3400" b="0" i="1" smtClean="0">
+                          <a:solidFill>
+                            <a:sysClr val="windowText" lastClr="000000"/>
+                          </a:solidFill>
+                          <a:latin typeface="Cambria Math" panose="02040503050406030204" pitchFamily="18" charset="0"/>
+                        </a:rPr>
+                        <m:t>={1, 2, 3, 4, 5, 6, 7, 8, 9, 10, 11, 12}</m:t>
+                      </m:r>
+                    </m:oMath>
+                  </m:oMathPara>
+                </a14:m>
+                <a:endParaRPr lang="en-US" sz="3400" dirty="0">
+                  <a:solidFill>
+                    <a:sysClr val="windowText" lastClr="000000"/>
+                  </a:solidFill>
+                </a:endParaRPr>
+              </a:p>
+            </p:txBody>
+          </p:sp>
+        </mc:Choice>
+        <mc:Fallback xmlns="">
+          <p:sp>
+            <p:nvSpPr>
+              <p:cNvPr id="5" name="Content Placeholder 2">
+                <a:extLst>
+                  <a:ext uri="{FF2B5EF4-FFF2-40B4-BE49-F238E27FC236}">
+                    <a16:creationId xmlns:a16="http://schemas.microsoft.com/office/drawing/2014/main" id="{F03D1555-5542-694F-BB57-374B096DC8EE}"/>
+                  </a:ext>
+                </a:extLst>
+              </p:cNvPr>
+              <p:cNvSpPr txBox="1">
+                <a:spLocks noRot="1" noChangeAspect="1" noMove="1" noResize="1" noEditPoints="1" noAdjustHandles="1" noChangeArrowheads="1" noChangeShapeType="1" noTextEdit="1"/>
+              </p:cNvSpPr>
+              <p:nvPr/>
+            </p:nvSpPr>
+            <p:spPr>
+              <a:xfrm>
+                <a:off x="902208" y="1046039"/>
+                <a:ext cx="10485119" cy="695173"/>
+              </a:xfrm>
+              <a:prstGeom prst="rect">
+                <a:avLst/>
+              </a:prstGeom>
+              <a:blipFill>
+                <a:blip r:embed="rId3"/>
+                <a:stretch>
+                  <a:fillRect b="-14035"/>
+                </a:stretch>
+              </a:blipFill>
+              <a:ln>
+                <a:solidFill>
+                  <a:schemeClr val="bg1"/>
+                </a:solidFill>
+              </a:ln>
+            </p:spPr>
+            <p:txBody>
+              <a:bodyPr/>
+              <a:lstStyle/>
+              <a:p>
+                <a:r>
+                  <a:rPr lang="en-US">
+                    <a:noFill/>
+                  </a:rPr>
+                  <a:t> </a:t>
+                </a:r>
+              </a:p>
+            </p:txBody>
+          </p:sp>
+        </mc:Fallback>
+      </mc:AlternateContent>
+      <mc:AlternateContent xmlns:mc="http://schemas.openxmlformats.org/markup-compatibility/2006" xmlns:a14="http://schemas.microsoft.com/office/drawing/2010/main">
+        <mc:Choice Requires="a14">
+          <p:sp>
+            <p:nvSpPr>
+              <p:cNvPr id="8" name="Content Placeholder 2">
+                <a:extLst>
+                  <a:ext uri="{FF2B5EF4-FFF2-40B4-BE49-F238E27FC236}">
+                    <a16:creationId xmlns:a16="http://schemas.microsoft.com/office/drawing/2014/main" id="{DA1ED6D2-9387-DD42-AA1C-80D70F58214C}"/>
+                  </a:ext>
+                </a:extLst>
+              </p:cNvPr>
+              <p:cNvSpPr txBox="1">
+                <a:spLocks/>
+              </p:cNvSpPr>
+              <p:nvPr/>
+            </p:nvSpPr>
+            <p:spPr>
+              <a:xfrm>
+                <a:off x="902208" y="1884973"/>
+                <a:ext cx="10485119" cy="773111"/>
+              </a:xfrm>
+              <a:prstGeom prst="rect">
+                <a:avLst/>
+              </a:prstGeom>
+              <a:solidFill>
+                <a:schemeClr val="tx1"/>
+              </a:solidFill>
+              <a:ln>
+                <a:solidFill>
+                  <a:schemeClr val="bg1"/>
+                </a:solidFill>
+              </a:ln>
+            </p:spPr>
+            <p:txBody>
+              <a:bodyPr vert="horz" lIns="91440" tIns="45720" rIns="91440" bIns="45720" rtlCol="0" anchor="ctr">
+                <a:normAutofit/>
+              </a:bodyPr>
+              <a:lstStyle>
+                <a:lvl1pPr marL="228600" indent="-228600" algn="l" defTabSz="914400" rtl="0" eaLnBrk="1" latinLnBrk="0" hangingPunct="1">
+                  <a:lnSpc>
+                    <a:spcPct val="120000"/>
+                  </a:lnSpc>
+                  <a:spcBef>
+                    <a:spcPts val="1000"/>
+                  </a:spcBef>
+                  <a:buSzPct val="125000"/>
+                  <a:buFont typeface="Arial" panose="020B0604020202020204" pitchFamily="34" charset="0"/>
+                  <a:buChar char="•"/>
+                  <a:defRPr sz="2400" kern="1200">
+                    <a:solidFill>
+                      <a:schemeClr val="tx1"/>
+                    </a:solidFill>
+                    <a:latin typeface="+mn-lt"/>
+                    <a:ea typeface="+mn-ea"/>
+                    <a:cs typeface="+mn-cs"/>
+                  </a:defRPr>
+                </a:lvl1pPr>
+                <a:lvl2pPr marL="685800" indent="-228600" algn="l" defTabSz="914400" rtl="0" eaLnBrk="1" latinLnBrk="0" hangingPunct="1">
+                  <a:lnSpc>
+                    <a:spcPct val="120000"/>
+                  </a:lnSpc>
+                  <a:spcBef>
+                    <a:spcPts val="500"/>
+                  </a:spcBef>
+                  <a:buSzPct val="125000"/>
+                  <a:buFont typeface="Arial" panose="020B0604020202020204" pitchFamily="34" charset="0"/>
+                  <a:buChar char="•"/>
+                  <a:defRPr sz="2000" kern="1200">
+                    <a:solidFill>
+                      <a:schemeClr val="tx1"/>
+                    </a:solidFill>
+                    <a:latin typeface="+mn-lt"/>
+                    <a:ea typeface="+mn-ea"/>
+                    <a:cs typeface="+mn-cs"/>
+                  </a:defRPr>
+                </a:lvl2pPr>
+                <a:lvl3pPr marL="1143000" indent="-228600" algn="l" defTabSz="914400" rtl="0" eaLnBrk="1" latinLnBrk="0" hangingPunct="1">
+                  <a:lnSpc>
+                    <a:spcPct val="120000"/>
+                  </a:lnSpc>
+                  <a:spcBef>
+                    <a:spcPts val="500"/>
+                  </a:spcBef>
+                  <a:buSzPct val="125000"/>
+                  <a:buFont typeface="Arial" panose="020B0604020202020204" pitchFamily="34" charset="0"/>
+                  <a:buChar char="•"/>
+                  <a:defRPr sz="1800" kern="1200">
+                    <a:solidFill>
+                      <a:schemeClr val="tx1"/>
+                    </a:solidFill>
+                    <a:latin typeface="+mn-lt"/>
+                    <a:ea typeface="+mn-ea"/>
+                    <a:cs typeface="+mn-cs"/>
+                  </a:defRPr>
+                </a:lvl3pPr>
+                <a:lvl4pPr marL="1600200" indent="-228600" algn="l" defTabSz="914400" rtl="0" eaLnBrk="1" latinLnBrk="0" hangingPunct="1">
+                  <a:lnSpc>
+                    <a:spcPct val="120000"/>
+                  </a:lnSpc>
+                  <a:spcBef>
+                    <a:spcPts val="500"/>
+                  </a:spcBef>
+                  <a:buSzPct val="125000"/>
+                  <a:buFont typeface="Arial" panose="020B0604020202020204" pitchFamily="34" charset="0"/>
+                  <a:buChar char="•"/>
+                  <a:defRPr sz="1600" kern="1200">
+                    <a:solidFill>
+                      <a:schemeClr val="tx1"/>
+                    </a:solidFill>
+                    <a:latin typeface="+mn-lt"/>
+                    <a:ea typeface="+mn-ea"/>
+                    <a:cs typeface="+mn-cs"/>
+                  </a:defRPr>
+                </a:lvl4pPr>
+                <a:lvl5pPr marL="2057400" indent="-228600" algn="l" defTabSz="914400" rtl="0" eaLnBrk="1" latinLnBrk="0" hangingPunct="1">
+                  <a:lnSpc>
+                    <a:spcPct val="120000"/>
+                  </a:lnSpc>
+                  <a:spcBef>
+                    <a:spcPts val="500"/>
+                  </a:spcBef>
+                  <a:buSzPct val="125000"/>
+                  <a:buFont typeface="Arial" panose="020B0604020202020204" pitchFamily="34" charset="0"/>
+                  <a:buChar char="•"/>
+                  <a:defRPr sz="1600" kern="1200">
+                    <a:solidFill>
+                      <a:schemeClr val="tx1"/>
+                    </a:solidFill>
+                    <a:latin typeface="+mn-lt"/>
+                    <a:ea typeface="+mn-ea"/>
+                    <a:cs typeface="+mn-cs"/>
+                  </a:defRPr>
+                </a:lvl5pPr>
+                <a:lvl6pPr marL="2514600" indent="-228600" algn="l" defTabSz="914400" rtl="0" eaLnBrk="1" latinLnBrk="0" hangingPunct="1">
+                  <a:lnSpc>
+                    <a:spcPct val="120000"/>
+                  </a:lnSpc>
+                  <a:spcBef>
+                    <a:spcPts val="500"/>
+                  </a:spcBef>
+                  <a:buSzPct val="125000"/>
+                  <a:buFont typeface="Arial" panose="020B0604020202020204" pitchFamily="34" charset="0"/>
+                  <a:buChar char="•"/>
+                  <a:defRPr sz="1400" kern="1200">
+                    <a:solidFill>
+                      <a:schemeClr val="tx1"/>
+                    </a:solidFill>
+                    <a:latin typeface="+mn-lt"/>
+                    <a:ea typeface="+mn-ea"/>
+                    <a:cs typeface="+mn-cs"/>
+                  </a:defRPr>
+                </a:lvl6pPr>
+                <a:lvl7pPr marL="2971800" indent="-228600" algn="l" defTabSz="914400" rtl="0" eaLnBrk="1" latinLnBrk="0" hangingPunct="1">
+                  <a:lnSpc>
+                    <a:spcPct val="120000"/>
+                  </a:lnSpc>
+                  <a:spcBef>
+                    <a:spcPts val="500"/>
+                  </a:spcBef>
+                  <a:buSzPct val="125000"/>
+                  <a:buFont typeface="Arial" panose="020B0604020202020204" pitchFamily="34" charset="0"/>
+                  <a:buChar char="•"/>
+                  <a:defRPr sz="1400" kern="1200">
+                    <a:solidFill>
+                      <a:schemeClr val="tx1"/>
+                    </a:solidFill>
+                    <a:latin typeface="+mn-lt"/>
+                    <a:ea typeface="+mn-ea"/>
+                    <a:cs typeface="+mn-cs"/>
+                  </a:defRPr>
+                </a:lvl7pPr>
+                <a:lvl8pPr marL="3429000" indent="-228600" algn="l" defTabSz="914400" rtl="0" eaLnBrk="1" latinLnBrk="0" hangingPunct="1">
+                  <a:lnSpc>
+                    <a:spcPct val="120000"/>
+                  </a:lnSpc>
+                  <a:spcBef>
+                    <a:spcPts val="500"/>
+                  </a:spcBef>
+                  <a:buSzPct val="125000"/>
+                  <a:buFont typeface="Arial" panose="020B0604020202020204" pitchFamily="34" charset="0"/>
+                  <a:buChar char="•"/>
+                  <a:defRPr sz="1400" kern="1200">
+                    <a:solidFill>
+                      <a:schemeClr val="tx1"/>
+                    </a:solidFill>
+                    <a:latin typeface="+mn-lt"/>
+                    <a:ea typeface="+mn-ea"/>
+                    <a:cs typeface="+mn-cs"/>
+                  </a:defRPr>
+                </a:lvl8pPr>
+                <a:lvl9pPr marL="3886200" indent="-228600" algn="l" defTabSz="914400" rtl="0" eaLnBrk="1" latinLnBrk="0" hangingPunct="1">
+                  <a:lnSpc>
+                    <a:spcPct val="120000"/>
+                  </a:lnSpc>
+                  <a:spcBef>
+                    <a:spcPts val="500"/>
+                  </a:spcBef>
+                  <a:buSzPct val="125000"/>
+                  <a:buFont typeface="Arial" panose="020B0604020202020204" pitchFamily="34" charset="0"/>
+                  <a:buChar char="•"/>
+                  <a:defRPr sz="1400" kern="1200">
+                    <a:solidFill>
+                      <a:schemeClr val="tx1"/>
+                    </a:solidFill>
+                    <a:latin typeface="+mn-lt"/>
+                    <a:ea typeface="+mn-ea"/>
+                    <a:cs typeface="+mn-cs"/>
+                  </a:defRPr>
+                </a:lvl9pPr>
+              </a:lstStyle>
+              <a:p>
+                <a:pPr marL="0" indent="0">
+                  <a:lnSpc>
+                    <a:spcPct val="100000"/>
+                  </a:lnSpc>
+                  <a:buNone/>
+                </a:pPr>
+                <a14:m>
+                  <m:oMathPara xmlns:m="http://schemas.openxmlformats.org/officeDocument/2006/math">
+                    <m:oMathParaPr>
+                      <m:jc m:val="centerGroup"/>
+                    </m:oMathParaPr>
+                    <m:oMath xmlns:m="http://schemas.openxmlformats.org/officeDocument/2006/math">
+                      <m:r>
+                        <a:rPr lang="en-US" sz="3400" b="0" i="1" smtClean="0">
+                          <a:solidFill>
+                            <a:sysClr val="windowText" lastClr="000000"/>
+                          </a:solidFill>
+                          <a:latin typeface="Cambria Math" panose="02040503050406030204" pitchFamily="18" charset="0"/>
+                        </a:rPr>
+                        <m:t>𝑇</m:t>
+                      </m:r>
+                      <m:r>
+                        <a:rPr lang="en-US" sz="3400" b="0" i="1" smtClean="0">
+                          <a:solidFill>
+                            <a:sysClr val="windowText" lastClr="000000"/>
+                          </a:solidFill>
+                          <a:latin typeface="Cambria Math" panose="02040503050406030204" pitchFamily="18" charset="0"/>
+                        </a:rPr>
+                        <m:t>={                                                                                          }</m:t>
+                      </m:r>
+                    </m:oMath>
+                  </m:oMathPara>
+                </a14:m>
+                <a:endParaRPr lang="en-US" sz="3400" i="1" dirty="0">
+                  <a:solidFill>
+                    <a:sysClr val="windowText" lastClr="000000"/>
+                  </a:solidFill>
+                </a:endParaRPr>
+              </a:p>
+            </p:txBody>
+          </p:sp>
+        </mc:Choice>
+        <mc:Fallback xmlns="">
+          <p:sp>
+            <p:nvSpPr>
+              <p:cNvPr id="8" name="Content Placeholder 2">
+                <a:extLst>
+                  <a:ext uri="{FF2B5EF4-FFF2-40B4-BE49-F238E27FC236}">
+                    <a16:creationId xmlns:a16="http://schemas.microsoft.com/office/drawing/2014/main" id="{DA1ED6D2-9387-DD42-AA1C-80D70F58214C}"/>
+                  </a:ext>
+                </a:extLst>
+              </p:cNvPr>
+              <p:cNvSpPr txBox="1">
+                <a:spLocks noRot="1" noChangeAspect="1" noMove="1" noResize="1" noEditPoints="1" noAdjustHandles="1" noChangeArrowheads="1" noChangeShapeType="1" noTextEdit="1"/>
+              </p:cNvSpPr>
+              <p:nvPr/>
+            </p:nvSpPr>
+            <p:spPr>
+              <a:xfrm>
+                <a:off x="902208" y="1884973"/>
+                <a:ext cx="10485119" cy="773111"/>
+              </a:xfrm>
+              <a:prstGeom prst="rect">
+                <a:avLst/>
+              </a:prstGeom>
+              <a:blipFill>
+                <a:blip r:embed="rId4"/>
+                <a:stretch>
+                  <a:fillRect b="-7937"/>
+                </a:stretch>
+              </a:blipFill>
+              <a:ln>
+                <a:solidFill>
+                  <a:schemeClr val="bg1"/>
+                </a:solidFill>
+              </a:ln>
+            </p:spPr>
+            <p:txBody>
+              <a:bodyPr/>
+              <a:lstStyle/>
+              <a:p>
+                <a:r>
+                  <a:rPr lang="en-US">
+                    <a:noFill/>
+                  </a:rPr>
+                  <a:t> </a:t>
+                </a:r>
+              </a:p>
+            </p:txBody>
+          </p:sp>
+        </mc:Fallback>
+      </mc:AlternateContent>
+      <mc:AlternateContent xmlns:mc="http://schemas.openxmlformats.org/markup-compatibility/2006" xmlns:a14="http://schemas.microsoft.com/office/drawing/2010/main">
+        <mc:Choice Requires="a14">
+          <p:sp>
+            <p:nvSpPr>
+              <p:cNvPr id="15" name="Content Placeholder 2">
+                <a:extLst>
+                  <a:ext uri="{FF2B5EF4-FFF2-40B4-BE49-F238E27FC236}">
+                    <a16:creationId xmlns:a16="http://schemas.microsoft.com/office/drawing/2014/main" id="{A00BDB34-6388-8044-9387-F08D32C593C9}"/>
+                  </a:ext>
+                </a:extLst>
+              </p:cNvPr>
+              <p:cNvSpPr txBox="1">
+                <a:spLocks/>
+              </p:cNvSpPr>
+              <p:nvPr/>
+            </p:nvSpPr>
+            <p:spPr>
+              <a:xfrm>
+                <a:off x="1260434" y="2961396"/>
+                <a:ext cx="3321000" cy="3675073"/>
+              </a:xfrm>
+              <a:prstGeom prst="rect">
+                <a:avLst/>
+              </a:prstGeom>
+              <a:ln>
+                <a:solidFill>
+                  <a:schemeClr val="tx1"/>
+                </a:solidFill>
+              </a:ln>
+            </p:spPr>
+            <p:txBody>
+              <a:bodyPr vert="horz" lIns="91440" tIns="45720" rIns="91440" bIns="45720" rtlCol="0">
+                <a:normAutofit fontScale="70000" lnSpcReduction="20000"/>
+              </a:bodyPr>
+              <a:lstStyle>
+                <a:lvl1pPr marL="228600" indent="-228600" algn="l" defTabSz="914400" rtl="0" eaLnBrk="1" latinLnBrk="0" hangingPunct="1">
+                  <a:lnSpc>
+                    <a:spcPct val="120000"/>
+                  </a:lnSpc>
+                  <a:spcBef>
+                    <a:spcPts val="1000"/>
+                  </a:spcBef>
+                  <a:buSzPct val="125000"/>
+                  <a:buFont typeface="Arial" panose="020B0604020202020204" pitchFamily="34" charset="0"/>
+                  <a:buChar char="•"/>
+                  <a:defRPr sz="2400" kern="1200">
+                    <a:solidFill>
+                      <a:schemeClr val="tx1"/>
+                    </a:solidFill>
+                    <a:latin typeface="+mn-lt"/>
+                    <a:ea typeface="+mn-ea"/>
+                    <a:cs typeface="+mn-cs"/>
+                  </a:defRPr>
+                </a:lvl1pPr>
+                <a:lvl2pPr marL="685800" indent="-228600" algn="l" defTabSz="914400" rtl="0" eaLnBrk="1" latinLnBrk="0" hangingPunct="1">
+                  <a:lnSpc>
+                    <a:spcPct val="120000"/>
+                  </a:lnSpc>
+                  <a:spcBef>
+                    <a:spcPts val="500"/>
+                  </a:spcBef>
+                  <a:buSzPct val="125000"/>
+                  <a:buFont typeface="Arial" panose="020B0604020202020204" pitchFamily="34" charset="0"/>
+                  <a:buChar char="•"/>
+                  <a:defRPr sz="2000" kern="1200">
+                    <a:solidFill>
+                      <a:schemeClr val="tx1"/>
+                    </a:solidFill>
+                    <a:latin typeface="+mn-lt"/>
+                    <a:ea typeface="+mn-ea"/>
+                    <a:cs typeface="+mn-cs"/>
+                  </a:defRPr>
+                </a:lvl2pPr>
+                <a:lvl3pPr marL="1143000" indent="-228600" algn="l" defTabSz="914400" rtl="0" eaLnBrk="1" latinLnBrk="0" hangingPunct="1">
+                  <a:lnSpc>
+                    <a:spcPct val="120000"/>
+                  </a:lnSpc>
+                  <a:spcBef>
+                    <a:spcPts val="500"/>
+                  </a:spcBef>
+                  <a:buSzPct val="125000"/>
+                  <a:buFont typeface="Arial" panose="020B0604020202020204" pitchFamily="34" charset="0"/>
+                  <a:buChar char="•"/>
+                  <a:defRPr sz="1800" kern="1200">
+                    <a:solidFill>
+                      <a:schemeClr val="tx1"/>
+                    </a:solidFill>
+                    <a:latin typeface="+mn-lt"/>
+                    <a:ea typeface="+mn-ea"/>
+                    <a:cs typeface="+mn-cs"/>
+                  </a:defRPr>
+                </a:lvl3pPr>
+                <a:lvl4pPr marL="1600200" indent="-228600" algn="l" defTabSz="914400" rtl="0" eaLnBrk="1" latinLnBrk="0" hangingPunct="1">
+                  <a:lnSpc>
+                    <a:spcPct val="120000"/>
+                  </a:lnSpc>
+                  <a:spcBef>
+                    <a:spcPts val="500"/>
+                  </a:spcBef>
+                  <a:buSzPct val="125000"/>
+                  <a:buFont typeface="Arial" panose="020B0604020202020204" pitchFamily="34" charset="0"/>
+                  <a:buChar char="•"/>
+                  <a:defRPr sz="1600" kern="1200">
+                    <a:solidFill>
+                      <a:schemeClr val="tx1"/>
+                    </a:solidFill>
+                    <a:latin typeface="+mn-lt"/>
+                    <a:ea typeface="+mn-ea"/>
+                    <a:cs typeface="+mn-cs"/>
+                  </a:defRPr>
+                </a:lvl4pPr>
+                <a:lvl5pPr marL="2057400" indent="-228600" algn="l" defTabSz="914400" rtl="0" eaLnBrk="1" latinLnBrk="0" hangingPunct="1">
+                  <a:lnSpc>
+                    <a:spcPct val="120000"/>
+                  </a:lnSpc>
+                  <a:spcBef>
+                    <a:spcPts val="500"/>
+                  </a:spcBef>
+                  <a:buSzPct val="125000"/>
+                  <a:buFont typeface="Arial" panose="020B0604020202020204" pitchFamily="34" charset="0"/>
+                  <a:buChar char="•"/>
+                  <a:defRPr sz="1600" kern="1200">
+                    <a:solidFill>
+                      <a:schemeClr val="tx1"/>
+                    </a:solidFill>
+                    <a:latin typeface="+mn-lt"/>
+                    <a:ea typeface="+mn-ea"/>
+                    <a:cs typeface="+mn-cs"/>
+                  </a:defRPr>
+                </a:lvl5pPr>
+                <a:lvl6pPr marL="2514600" indent="-228600" algn="l" defTabSz="914400" rtl="0" eaLnBrk="1" latinLnBrk="0" hangingPunct="1">
+                  <a:lnSpc>
+                    <a:spcPct val="120000"/>
+                  </a:lnSpc>
+                  <a:spcBef>
+                    <a:spcPts val="500"/>
+                  </a:spcBef>
+                  <a:buSzPct val="125000"/>
+                  <a:buFont typeface="Arial" panose="020B0604020202020204" pitchFamily="34" charset="0"/>
+                  <a:buChar char="•"/>
+                  <a:defRPr sz="1400" kern="1200">
+                    <a:solidFill>
+                      <a:schemeClr val="tx1"/>
+                    </a:solidFill>
+                    <a:latin typeface="+mn-lt"/>
+                    <a:ea typeface="+mn-ea"/>
+                    <a:cs typeface="+mn-cs"/>
+                  </a:defRPr>
+                </a:lvl6pPr>
+                <a:lvl7pPr marL="2971800" indent="-228600" algn="l" defTabSz="914400" rtl="0" eaLnBrk="1" latinLnBrk="0" hangingPunct="1">
+                  <a:lnSpc>
+                    <a:spcPct val="120000"/>
+                  </a:lnSpc>
+                  <a:spcBef>
+                    <a:spcPts val="500"/>
+                  </a:spcBef>
+                  <a:buSzPct val="125000"/>
+                  <a:buFont typeface="Arial" panose="020B0604020202020204" pitchFamily="34" charset="0"/>
+                  <a:buChar char="•"/>
+                  <a:defRPr sz="1400" kern="1200">
+                    <a:solidFill>
+                      <a:schemeClr val="tx1"/>
+                    </a:solidFill>
+                    <a:latin typeface="+mn-lt"/>
+                    <a:ea typeface="+mn-ea"/>
+                    <a:cs typeface="+mn-cs"/>
+                  </a:defRPr>
+                </a:lvl7pPr>
+                <a:lvl8pPr marL="3429000" indent="-228600" algn="l" defTabSz="914400" rtl="0" eaLnBrk="1" latinLnBrk="0" hangingPunct="1">
+                  <a:lnSpc>
+                    <a:spcPct val="120000"/>
+                  </a:lnSpc>
+                  <a:spcBef>
+                    <a:spcPts val="500"/>
+                  </a:spcBef>
+                  <a:buSzPct val="125000"/>
+                  <a:buFont typeface="Arial" panose="020B0604020202020204" pitchFamily="34" charset="0"/>
+                  <a:buChar char="•"/>
+                  <a:defRPr sz="1400" kern="1200">
+                    <a:solidFill>
+                      <a:schemeClr val="tx1"/>
+                    </a:solidFill>
+                    <a:latin typeface="+mn-lt"/>
+                    <a:ea typeface="+mn-ea"/>
+                    <a:cs typeface="+mn-cs"/>
+                  </a:defRPr>
+                </a:lvl8pPr>
+                <a:lvl9pPr marL="3886200" indent="-228600" algn="l" defTabSz="914400" rtl="0" eaLnBrk="1" latinLnBrk="0" hangingPunct="1">
+                  <a:lnSpc>
+                    <a:spcPct val="120000"/>
+                  </a:lnSpc>
+                  <a:spcBef>
+                    <a:spcPts val="500"/>
+                  </a:spcBef>
+                  <a:buSzPct val="125000"/>
+                  <a:buFont typeface="Arial" panose="020B0604020202020204" pitchFamily="34" charset="0"/>
+                  <a:buChar char="•"/>
+                  <a:defRPr sz="1400" kern="1200">
+                    <a:solidFill>
+                      <a:schemeClr val="tx1"/>
+                    </a:solidFill>
+                    <a:latin typeface="+mn-lt"/>
+                    <a:ea typeface="+mn-ea"/>
+                    <a:cs typeface="+mn-cs"/>
+                  </a:defRPr>
+                </a:lvl9pPr>
+              </a:lstStyle>
+              <a:p>
+                <a:pPr marL="0" indent="0">
+                  <a:buFont typeface="Arial" panose="020B0604020202020204" pitchFamily="34" charset="0"/>
+                  <a:buNone/>
+                </a:pPr>
+                <a:r>
+                  <a:rPr lang="en-US" sz="2000" dirty="0"/>
+                  <a:t>g() values for reference:</a:t>
+                </a:r>
+              </a:p>
+              <a:p>
+                <a:pPr marL="0" indent="0">
+                  <a:buFont typeface="Arial" panose="020B0604020202020204" pitchFamily="34" charset="0"/>
+                  <a:buNone/>
+                </a:pPr>
+                <a14:m>
+                  <m:oMathPara xmlns:m="http://schemas.openxmlformats.org/officeDocument/2006/math">
+                    <m:oMathParaPr>
+                      <m:jc m:val="left"/>
+                    </m:oMathParaPr>
+                    <m:oMath xmlns:m="http://schemas.openxmlformats.org/officeDocument/2006/math">
+                      <m:r>
+                        <a:rPr lang="en-US" sz="2000" b="0" i="1" smtClean="0">
+                          <a:latin typeface="Cambria Math" panose="02040503050406030204" pitchFamily="18" charset="0"/>
+                        </a:rPr>
+                        <m:t>𝑔</m:t>
+                      </m:r>
+                      <m:d>
+                        <m:dPr>
+                          <m:ctrlPr>
+                            <a:rPr lang="en-US" sz="2000" b="0" i="1" smtClean="0">
+                              <a:latin typeface="Cambria Math" panose="02040503050406030204" pitchFamily="18" charset="0"/>
+                            </a:rPr>
+                          </m:ctrlPr>
+                        </m:dPr>
+                        <m:e>
+                          <m:r>
+                            <a:rPr lang="en-US" sz="2000" b="0" i="1" smtClean="0">
+                              <a:latin typeface="Cambria Math" panose="02040503050406030204" pitchFamily="18" charset="0"/>
+                            </a:rPr>
+                            <m:t>0</m:t>
+                          </m:r>
+                        </m:e>
+                      </m:d>
+                      <m:r>
+                        <a:rPr lang="en-US" sz="2000" b="0" i="1" smtClean="0">
+                          <a:latin typeface="Cambria Math" panose="02040503050406030204" pitchFamily="18" charset="0"/>
+                        </a:rPr>
+                        <m:t>=</m:t>
+                      </m:r>
+                      <m:r>
+                        <a:rPr lang="en-US" sz="2000" b="0" i="1" smtClean="0">
+                          <a:latin typeface="Cambria Math" panose="02040503050406030204" pitchFamily="18" charset="0"/>
+                        </a:rPr>
+                        <m:t>𝑔</m:t>
+                      </m:r>
+                      <m:d>
+                        <m:dPr>
+                          <m:ctrlPr>
+                            <a:rPr lang="en-US" sz="2000" b="0" i="1" smtClean="0">
+                              <a:latin typeface="Cambria Math" panose="02040503050406030204" pitchFamily="18" charset="0"/>
+                            </a:rPr>
+                          </m:ctrlPr>
+                        </m:dPr>
+                        <m:e>
+                          <m:sSub>
+                            <m:sSubPr>
+                              <m:ctrlPr>
+                                <a:rPr lang="en-US" sz="2000" b="0" i="1" smtClean="0">
+                                  <a:latin typeface="Cambria Math" panose="02040503050406030204" pitchFamily="18" charset="0"/>
+                                </a:rPr>
+                              </m:ctrlPr>
+                            </m:sSubPr>
+                            <m:e>
+                              <m:r>
+                                <a:rPr lang="en-US" sz="2000" b="0" i="1" smtClean="0">
+                                  <a:latin typeface="Cambria Math" panose="02040503050406030204" pitchFamily="18" charset="0"/>
+                                </a:rPr>
+                                <m:t>0000</m:t>
+                              </m:r>
+                            </m:e>
+                            <m:sub>
+                              <m:r>
+                                <a:rPr lang="en-US" sz="2000" b="0" i="1" smtClean="0">
+                                  <a:latin typeface="Cambria Math" panose="02040503050406030204" pitchFamily="18" charset="0"/>
+                                </a:rPr>
+                                <m:t>2</m:t>
+                              </m:r>
+                            </m:sub>
+                          </m:sSub>
+                        </m:e>
+                      </m:d>
+                      <m:r>
+                        <a:rPr lang="en-US" sz="2000" b="0" i="1" smtClean="0">
+                          <a:latin typeface="Cambria Math" panose="02040503050406030204" pitchFamily="18" charset="0"/>
+                        </a:rPr>
+                        <m:t>=</m:t>
+                      </m:r>
+                      <m:sSub>
+                        <m:sSubPr>
+                          <m:ctrlPr>
+                            <a:rPr lang="en-US" sz="2000" b="0" i="1" smtClean="0">
+                              <a:latin typeface="Cambria Math" panose="02040503050406030204" pitchFamily="18" charset="0"/>
+                            </a:rPr>
+                          </m:ctrlPr>
+                        </m:sSubPr>
+                        <m:e>
+                          <m:r>
+                            <a:rPr lang="en-US" sz="2000" b="0" i="1" smtClean="0">
+                              <a:latin typeface="Cambria Math" panose="02040503050406030204" pitchFamily="18" charset="0"/>
+                            </a:rPr>
+                            <m:t>0000</m:t>
+                          </m:r>
+                        </m:e>
+                        <m:sub>
+                          <m:r>
+                            <a:rPr lang="en-US" sz="2000" b="0" i="1" smtClean="0">
+                              <a:latin typeface="Cambria Math" panose="02040503050406030204" pitchFamily="18" charset="0"/>
+                            </a:rPr>
+                            <m:t>2</m:t>
+                          </m:r>
+                        </m:sub>
+                      </m:sSub>
+                      <m:r>
+                        <a:rPr lang="en-US" sz="2000" b="0" i="1" smtClean="0">
+                          <a:latin typeface="Cambria Math" panose="02040503050406030204" pitchFamily="18" charset="0"/>
+                        </a:rPr>
+                        <m:t>=0</m:t>
+                      </m:r>
+                    </m:oMath>
+                  </m:oMathPara>
+                </a14:m>
+                <a:endParaRPr lang="en-US" sz="2000" b="0" i="1" dirty="0">
+                  <a:latin typeface="Cambria Math" panose="02040503050406030204" pitchFamily="18" charset="0"/>
+                </a:endParaRPr>
+              </a:p>
+              <a:p>
+                <a:pPr marL="0" indent="0">
+                  <a:buNone/>
+                </a:pPr>
+                <a14:m>
+                  <m:oMathPara xmlns:m="http://schemas.openxmlformats.org/officeDocument/2006/math">
+                    <m:oMathParaPr>
+                      <m:jc m:val="left"/>
+                    </m:oMathParaPr>
+                    <m:oMath xmlns:m="http://schemas.openxmlformats.org/officeDocument/2006/math">
+                      <m:r>
+                        <a:rPr lang="en-US" sz="2000" i="1">
+                          <a:latin typeface="Cambria Math" panose="02040503050406030204" pitchFamily="18" charset="0"/>
+                        </a:rPr>
+                        <m:t>𝑔</m:t>
+                      </m:r>
+                      <m:d>
+                        <m:dPr>
+                          <m:ctrlPr>
+                            <a:rPr lang="en-US" sz="2000" i="1">
+                              <a:latin typeface="Cambria Math" panose="02040503050406030204" pitchFamily="18" charset="0"/>
+                            </a:rPr>
+                          </m:ctrlPr>
+                        </m:dPr>
+                        <m:e>
+                          <m:r>
+                            <a:rPr lang="en-US" sz="2000" b="0" i="1" smtClean="0">
+                              <a:latin typeface="Cambria Math" panose="02040503050406030204" pitchFamily="18" charset="0"/>
+                            </a:rPr>
+                            <m:t>1</m:t>
+                          </m:r>
+                        </m:e>
+                      </m:d>
+                      <m:r>
+                        <a:rPr lang="en-US" sz="2000" i="1">
+                          <a:latin typeface="Cambria Math" panose="02040503050406030204" pitchFamily="18" charset="0"/>
+                        </a:rPr>
+                        <m:t>=</m:t>
+                      </m:r>
+                      <m:r>
+                        <a:rPr lang="en-US" sz="2000" i="1">
+                          <a:latin typeface="Cambria Math" panose="02040503050406030204" pitchFamily="18" charset="0"/>
+                        </a:rPr>
+                        <m:t>𝑔</m:t>
+                      </m:r>
+                      <m:d>
+                        <m:dPr>
+                          <m:ctrlPr>
+                            <a:rPr lang="en-US" sz="2000" i="1">
+                              <a:latin typeface="Cambria Math" panose="02040503050406030204" pitchFamily="18" charset="0"/>
+                            </a:rPr>
+                          </m:ctrlPr>
+                        </m:dPr>
+                        <m:e>
+                          <m:sSub>
+                            <m:sSubPr>
+                              <m:ctrlPr>
+                                <a:rPr lang="en-US" sz="2000" i="1">
+                                  <a:latin typeface="Cambria Math" panose="02040503050406030204" pitchFamily="18" charset="0"/>
+                                </a:rPr>
+                              </m:ctrlPr>
+                            </m:sSubPr>
+                            <m:e>
+                              <m:r>
+                                <a:rPr lang="en-US" sz="2000" i="1">
+                                  <a:latin typeface="Cambria Math" panose="02040503050406030204" pitchFamily="18" charset="0"/>
+                                </a:rPr>
+                                <m:t>000</m:t>
+                              </m:r>
+                              <m:r>
+                                <a:rPr lang="en-US" sz="2000" b="0" i="1" smtClean="0">
+                                  <a:latin typeface="Cambria Math" panose="02040503050406030204" pitchFamily="18" charset="0"/>
+                                </a:rPr>
+                                <m:t>1</m:t>
+                              </m:r>
+                            </m:e>
+                            <m:sub>
+                              <m:r>
+                                <a:rPr lang="en-US" sz="2000" i="1">
+                                  <a:latin typeface="Cambria Math" panose="02040503050406030204" pitchFamily="18" charset="0"/>
+                                </a:rPr>
+                                <m:t>2</m:t>
+                              </m:r>
+                            </m:sub>
+                          </m:sSub>
+                        </m:e>
+                      </m:d>
+                      <m:r>
+                        <a:rPr lang="en-US" sz="2000" i="1">
+                          <a:latin typeface="Cambria Math" panose="02040503050406030204" pitchFamily="18" charset="0"/>
+                        </a:rPr>
+                        <m:t>=</m:t>
+                      </m:r>
+                      <m:sSub>
+                        <m:sSubPr>
+                          <m:ctrlPr>
+                            <a:rPr lang="en-US" sz="2000" i="1">
+                              <a:latin typeface="Cambria Math" panose="02040503050406030204" pitchFamily="18" charset="0"/>
+                            </a:rPr>
+                          </m:ctrlPr>
+                        </m:sSubPr>
+                        <m:e>
+                          <m:r>
+                            <a:rPr lang="en-US" sz="2000" i="1">
+                              <a:latin typeface="Cambria Math" panose="02040503050406030204" pitchFamily="18" charset="0"/>
+                            </a:rPr>
+                            <m:t>0000</m:t>
+                          </m:r>
+                        </m:e>
+                        <m:sub>
+                          <m:r>
+                            <a:rPr lang="en-US" sz="2000" i="1">
+                              <a:latin typeface="Cambria Math" panose="02040503050406030204" pitchFamily="18" charset="0"/>
+                            </a:rPr>
+                            <m:t>2</m:t>
+                          </m:r>
+                        </m:sub>
+                      </m:sSub>
+                      <m:r>
+                        <a:rPr lang="en-US" sz="2000" i="1">
+                          <a:latin typeface="Cambria Math" panose="02040503050406030204" pitchFamily="18" charset="0"/>
+                        </a:rPr>
+                        <m:t>=0</m:t>
+                      </m:r>
+                    </m:oMath>
+                  </m:oMathPara>
+                </a14:m>
+                <a:endParaRPr lang="en-US" sz="2000" i="1" dirty="0">
+                  <a:latin typeface="Cambria Math" panose="02040503050406030204" pitchFamily="18" charset="0"/>
+                </a:endParaRPr>
+              </a:p>
+              <a:p>
+                <a:pPr marL="0" indent="0">
+                  <a:buNone/>
+                </a:pPr>
+                <a14:m>
+                  <m:oMathPara xmlns:m="http://schemas.openxmlformats.org/officeDocument/2006/math">
+                    <m:oMathParaPr>
+                      <m:jc m:val="left"/>
+                    </m:oMathParaPr>
+                    <m:oMath xmlns:m="http://schemas.openxmlformats.org/officeDocument/2006/math">
+                      <m:r>
+                        <a:rPr lang="en-US" sz="2000" i="1">
+                          <a:latin typeface="Cambria Math" panose="02040503050406030204" pitchFamily="18" charset="0"/>
+                        </a:rPr>
+                        <m:t>𝑔</m:t>
+                      </m:r>
+                      <m:d>
+                        <m:dPr>
+                          <m:ctrlPr>
+                            <a:rPr lang="en-US" sz="2000" i="1">
+                              <a:latin typeface="Cambria Math" panose="02040503050406030204" pitchFamily="18" charset="0"/>
+                            </a:rPr>
+                          </m:ctrlPr>
+                        </m:dPr>
+                        <m:e>
+                          <m:r>
+                            <a:rPr lang="en-US" sz="2000" b="0" i="1" smtClean="0">
+                              <a:latin typeface="Cambria Math" panose="02040503050406030204" pitchFamily="18" charset="0"/>
+                            </a:rPr>
+                            <m:t>2</m:t>
+                          </m:r>
+                        </m:e>
+                      </m:d>
+                      <m:r>
+                        <a:rPr lang="en-US" sz="2000" i="1">
+                          <a:latin typeface="Cambria Math" panose="02040503050406030204" pitchFamily="18" charset="0"/>
+                        </a:rPr>
+                        <m:t>=</m:t>
+                      </m:r>
+                      <m:r>
+                        <a:rPr lang="en-US" sz="2000" i="1">
+                          <a:latin typeface="Cambria Math" panose="02040503050406030204" pitchFamily="18" charset="0"/>
+                        </a:rPr>
+                        <m:t>𝑔</m:t>
+                      </m:r>
+                      <m:d>
+                        <m:dPr>
+                          <m:ctrlPr>
+                            <a:rPr lang="en-US" sz="2000" i="1">
+                              <a:latin typeface="Cambria Math" panose="02040503050406030204" pitchFamily="18" charset="0"/>
+                            </a:rPr>
+                          </m:ctrlPr>
+                        </m:dPr>
+                        <m:e>
+                          <m:sSub>
+                            <m:sSubPr>
+                              <m:ctrlPr>
+                                <a:rPr lang="en-US" sz="2000" i="1">
+                                  <a:latin typeface="Cambria Math" panose="02040503050406030204" pitchFamily="18" charset="0"/>
+                                </a:rPr>
+                              </m:ctrlPr>
+                            </m:sSubPr>
+                            <m:e>
+                              <m:r>
+                                <a:rPr lang="en-US" sz="2000" i="1">
+                                  <a:latin typeface="Cambria Math" panose="02040503050406030204" pitchFamily="18" charset="0"/>
+                                </a:rPr>
+                                <m:t>00</m:t>
+                              </m:r>
+                              <m:r>
+                                <a:rPr lang="en-US" sz="2000" b="0" i="1" smtClean="0">
+                                  <a:latin typeface="Cambria Math" panose="02040503050406030204" pitchFamily="18" charset="0"/>
+                                </a:rPr>
+                                <m:t>1</m:t>
+                              </m:r>
+                              <m:r>
+                                <a:rPr lang="en-US" sz="2000" i="1">
+                                  <a:latin typeface="Cambria Math" panose="02040503050406030204" pitchFamily="18" charset="0"/>
+                                </a:rPr>
+                                <m:t>0</m:t>
+                              </m:r>
+                            </m:e>
+                            <m:sub>
+                              <m:r>
+                                <a:rPr lang="en-US" sz="2000" i="1">
+                                  <a:latin typeface="Cambria Math" panose="02040503050406030204" pitchFamily="18" charset="0"/>
+                                </a:rPr>
+                                <m:t>2</m:t>
+                              </m:r>
+                            </m:sub>
+                          </m:sSub>
+                        </m:e>
+                      </m:d>
+                      <m:r>
+                        <a:rPr lang="en-US" sz="2000" i="1">
+                          <a:latin typeface="Cambria Math" panose="02040503050406030204" pitchFamily="18" charset="0"/>
+                        </a:rPr>
+                        <m:t>=</m:t>
+                      </m:r>
+                      <m:sSub>
+                        <m:sSubPr>
+                          <m:ctrlPr>
+                            <a:rPr lang="en-US" sz="2000" i="1">
+                              <a:latin typeface="Cambria Math" panose="02040503050406030204" pitchFamily="18" charset="0"/>
+                            </a:rPr>
+                          </m:ctrlPr>
+                        </m:sSubPr>
+                        <m:e>
+                          <m:r>
+                            <a:rPr lang="en-US" sz="2000" i="1">
+                              <a:latin typeface="Cambria Math" panose="02040503050406030204" pitchFamily="18" charset="0"/>
+                            </a:rPr>
+                            <m:t>00</m:t>
+                          </m:r>
+                          <m:r>
+                            <a:rPr lang="en-US" sz="2000" b="0" i="1" smtClean="0">
+                              <a:latin typeface="Cambria Math" panose="02040503050406030204" pitchFamily="18" charset="0"/>
+                            </a:rPr>
+                            <m:t>1</m:t>
+                          </m:r>
+                          <m:r>
+                            <a:rPr lang="en-US" sz="2000" i="1">
+                              <a:latin typeface="Cambria Math" panose="02040503050406030204" pitchFamily="18" charset="0"/>
+                            </a:rPr>
+                            <m:t>0</m:t>
+                          </m:r>
+                        </m:e>
+                        <m:sub>
+                          <m:r>
+                            <a:rPr lang="en-US" sz="2000" i="1">
+                              <a:latin typeface="Cambria Math" panose="02040503050406030204" pitchFamily="18" charset="0"/>
+                            </a:rPr>
+                            <m:t>2</m:t>
+                          </m:r>
+                        </m:sub>
+                      </m:sSub>
+                      <m:r>
+                        <a:rPr lang="en-US" sz="2000" i="1">
+                          <a:latin typeface="Cambria Math" panose="02040503050406030204" pitchFamily="18" charset="0"/>
+                        </a:rPr>
+                        <m:t>=</m:t>
+                      </m:r>
+                      <m:r>
+                        <a:rPr lang="en-US" sz="2000" b="0" i="1" smtClean="0">
+                          <a:latin typeface="Cambria Math" panose="02040503050406030204" pitchFamily="18" charset="0"/>
+                        </a:rPr>
+                        <m:t>2</m:t>
+                      </m:r>
+                    </m:oMath>
+                  </m:oMathPara>
+                </a14:m>
+                <a:endParaRPr lang="en-US" sz="2000" i="1" dirty="0">
+                  <a:latin typeface="Cambria Math" panose="02040503050406030204" pitchFamily="18" charset="0"/>
+                </a:endParaRPr>
+              </a:p>
+              <a:p>
+                <a:pPr marL="0" indent="0">
+                  <a:buNone/>
+                </a:pPr>
+                <a14:m>
+                  <m:oMathPara xmlns:m="http://schemas.openxmlformats.org/officeDocument/2006/math">
+                    <m:oMathParaPr>
+                      <m:jc m:val="left"/>
+                    </m:oMathParaPr>
+                    <m:oMath xmlns:m="http://schemas.openxmlformats.org/officeDocument/2006/math">
+                      <m:r>
+                        <a:rPr lang="en-US" sz="2000" i="1">
+                          <a:latin typeface="Cambria Math" panose="02040503050406030204" pitchFamily="18" charset="0"/>
+                        </a:rPr>
+                        <m:t>𝑔</m:t>
+                      </m:r>
+                      <m:d>
+                        <m:dPr>
+                          <m:ctrlPr>
+                            <a:rPr lang="en-US" sz="2000" i="1">
+                              <a:latin typeface="Cambria Math" panose="02040503050406030204" pitchFamily="18" charset="0"/>
+                            </a:rPr>
+                          </m:ctrlPr>
+                        </m:dPr>
+                        <m:e>
+                          <m:r>
+                            <a:rPr lang="en-US" sz="2000" b="0" i="1" smtClean="0">
+                              <a:latin typeface="Cambria Math" panose="02040503050406030204" pitchFamily="18" charset="0"/>
+                            </a:rPr>
+                            <m:t>3</m:t>
+                          </m:r>
+                        </m:e>
+                      </m:d>
+                      <m:r>
+                        <a:rPr lang="en-US" sz="2000" i="1">
+                          <a:latin typeface="Cambria Math" panose="02040503050406030204" pitchFamily="18" charset="0"/>
+                        </a:rPr>
+                        <m:t>=</m:t>
+                      </m:r>
+                      <m:r>
+                        <a:rPr lang="en-US" sz="2000" i="1">
+                          <a:latin typeface="Cambria Math" panose="02040503050406030204" pitchFamily="18" charset="0"/>
+                        </a:rPr>
+                        <m:t>𝑔</m:t>
+                      </m:r>
+                      <m:d>
+                        <m:dPr>
+                          <m:ctrlPr>
+                            <a:rPr lang="en-US" sz="2000" i="1">
+                              <a:latin typeface="Cambria Math" panose="02040503050406030204" pitchFamily="18" charset="0"/>
+                            </a:rPr>
+                          </m:ctrlPr>
+                        </m:dPr>
+                        <m:e>
+                          <m:sSub>
+                            <m:sSubPr>
+                              <m:ctrlPr>
+                                <a:rPr lang="en-US" sz="2000" i="1">
+                                  <a:latin typeface="Cambria Math" panose="02040503050406030204" pitchFamily="18" charset="0"/>
+                                </a:rPr>
+                              </m:ctrlPr>
+                            </m:sSubPr>
+                            <m:e>
+                              <m:r>
+                                <a:rPr lang="en-US" sz="2000" i="1">
+                                  <a:latin typeface="Cambria Math" panose="02040503050406030204" pitchFamily="18" charset="0"/>
+                                </a:rPr>
+                                <m:t>00</m:t>
+                              </m:r>
+                              <m:r>
+                                <a:rPr lang="en-US" sz="2000" b="0" i="1" smtClean="0">
+                                  <a:latin typeface="Cambria Math" panose="02040503050406030204" pitchFamily="18" charset="0"/>
+                                </a:rPr>
+                                <m:t>11</m:t>
+                              </m:r>
+                            </m:e>
+                            <m:sub>
+                              <m:r>
+                                <a:rPr lang="en-US" sz="2000" i="1">
+                                  <a:latin typeface="Cambria Math" panose="02040503050406030204" pitchFamily="18" charset="0"/>
+                                </a:rPr>
+                                <m:t>2</m:t>
+                              </m:r>
+                            </m:sub>
+                          </m:sSub>
+                        </m:e>
+                      </m:d>
+                      <m:r>
+                        <a:rPr lang="en-US" sz="2000" i="1">
+                          <a:latin typeface="Cambria Math" panose="02040503050406030204" pitchFamily="18" charset="0"/>
+                        </a:rPr>
+                        <m:t>=</m:t>
+                      </m:r>
+                      <m:sSub>
+                        <m:sSubPr>
+                          <m:ctrlPr>
+                            <a:rPr lang="en-US" sz="2000" i="1">
+                              <a:latin typeface="Cambria Math" panose="02040503050406030204" pitchFamily="18" charset="0"/>
+                            </a:rPr>
+                          </m:ctrlPr>
+                        </m:sSubPr>
+                        <m:e>
+                          <m:r>
+                            <a:rPr lang="en-US" sz="2000" i="1">
+                              <a:latin typeface="Cambria Math" panose="02040503050406030204" pitchFamily="18" charset="0"/>
+                            </a:rPr>
+                            <m:t>0000</m:t>
+                          </m:r>
+                        </m:e>
+                        <m:sub>
+                          <m:r>
+                            <a:rPr lang="en-US" sz="2000" i="1">
+                              <a:latin typeface="Cambria Math" panose="02040503050406030204" pitchFamily="18" charset="0"/>
+                            </a:rPr>
+                            <m:t>2</m:t>
+                          </m:r>
+                        </m:sub>
+                      </m:sSub>
+                      <m:r>
+                        <a:rPr lang="en-US" sz="2000" i="1">
+                          <a:latin typeface="Cambria Math" panose="02040503050406030204" pitchFamily="18" charset="0"/>
+                        </a:rPr>
+                        <m:t>=</m:t>
+                      </m:r>
+                      <m:r>
+                        <a:rPr lang="en-US" sz="2000" b="0" i="1" smtClean="0">
+                          <a:latin typeface="Cambria Math" panose="02040503050406030204" pitchFamily="18" charset="0"/>
+                        </a:rPr>
+                        <m:t>0</m:t>
+                      </m:r>
+                    </m:oMath>
+                  </m:oMathPara>
+                </a14:m>
+                <a:endParaRPr lang="en-US" sz="2000" i="1" dirty="0">
+                  <a:latin typeface="Cambria Math" panose="02040503050406030204" pitchFamily="18" charset="0"/>
+                </a:endParaRPr>
+              </a:p>
+              <a:p>
+                <a:pPr marL="0" indent="0">
+                  <a:buNone/>
+                </a:pPr>
+                <a14:m>
+                  <m:oMathPara xmlns:m="http://schemas.openxmlformats.org/officeDocument/2006/math">
+                    <m:oMathParaPr>
+                      <m:jc m:val="left"/>
+                    </m:oMathParaPr>
+                    <m:oMath xmlns:m="http://schemas.openxmlformats.org/officeDocument/2006/math">
+                      <m:r>
+                        <a:rPr lang="en-US" sz="2000" i="1">
+                          <a:latin typeface="Cambria Math" panose="02040503050406030204" pitchFamily="18" charset="0"/>
+                        </a:rPr>
+                        <m:t>𝑔</m:t>
+                      </m:r>
+                      <m:d>
+                        <m:dPr>
+                          <m:ctrlPr>
+                            <a:rPr lang="en-US" sz="2000" i="1">
+                              <a:latin typeface="Cambria Math" panose="02040503050406030204" pitchFamily="18" charset="0"/>
+                            </a:rPr>
+                          </m:ctrlPr>
+                        </m:dPr>
+                        <m:e>
+                          <m:r>
+                            <a:rPr lang="en-US" sz="2000" b="0" i="1" smtClean="0">
+                              <a:latin typeface="Cambria Math" panose="02040503050406030204" pitchFamily="18" charset="0"/>
+                            </a:rPr>
+                            <m:t>4</m:t>
+                          </m:r>
+                        </m:e>
+                      </m:d>
+                      <m:r>
+                        <a:rPr lang="en-US" sz="2000" i="1">
+                          <a:latin typeface="Cambria Math" panose="02040503050406030204" pitchFamily="18" charset="0"/>
+                        </a:rPr>
+                        <m:t>=</m:t>
+                      </m:r>
+                      <m:r>
+                        <a:rPr lang="en-US" sz="2000" i="1">
+                          <a:latin typeface="Cambria Math" panose="02040503050406030204" pitchFamily="18" charset="0"/>
+                        </a:rPr>
+                        <m:t>𝑔</m:t>
+                      </m:r>
+                      <m:d>
+                        <m:dPr>
+                          <m:ctrlPr>
+                            <a:rPr lang="en-US" sz="2000" i="1">
+                              <a:latin typeface="Cambria Math" panose="02040503050406030204" pitchFamily="18" charset="0"/>
+                            </a:rPr>
+                          </m:ctrlPr>
+                        </m:dPr>
+                        <m:e>
+                          <m:sSub>
+                            <m:sSubPr>
+                              <m:ctrlPr>
+                                <a:rPr lang="en-US" sz="2000" i="1">
+                                  <a:latin typeface="Cambria Math" panose="02040503050406030204" pitchFamily="18" charset="0"/>
+                                </a:rPr>
+                              </m:ctrlPr>
+                            </m:sSubPr>
+                            <m:e>
+                              <m:r>
+                                <a:rPr lang="en-US" sz="2000" i="1">
+                                  <a:latin typeface="Cambria Math" panose="02040503050406030204" pitchFamily="18" charset="0"/>
+                                </a:rPr>
+                                <m:t>0</m:t>
+                              </m:r>
+                              <m:r>
+                                <a:rPr lang="en-US" sz="2000" b="0" i="1" smtClean="0">
+                                  <a:latin typeface="Cambria Math" panose="02040503050406030204" pitchFamily="18" charset="0"/>
+                                </a:rPr>
+                                <m:t>1</m:t>
+                              </m:r>
+                              <m:r>
+                                <a:rPr lang="en-US" sz="2000" i="1">
+                                  <a:latin typeface="Cambria Math" panose="02040503050406030204" pitchFamily="18" charset="0"/>
+                                </a:rPr>
+                                <m:t>00</m:t>
+                              </m:r>
+                            </m:e>
+                            <m:sub>
+                              <m:r>
+                                <a:rPr lang="en-US" sz="2000" i="1">
+                                  <a:latin typeface="Cambria Math" panose="02040503050406030204" pitchFamily="18" charset="0"/>
+                                </a:rPr>
+                                <m:t>2</m:t>
+                              </m:r>
+                            </m:sub>
+                          </m:sSub>
+                        </m:e>
+                      </m:d>
+                      <m:r>
+                        <a:rPr lang="en-US" sz="2000" i="1">
+                          <a:latin typeface="Cambria Math" panose="02040503050406030204" pitchFamily="18" charset="0"/>
+                        </a:rPr>
+                        <m:t>=</m:t>
+                      </m:r>
+                      <m:sSub>
+                        <m:sSubPr>
+                          <m:ctrlPr>
+                            <a:rPr lang="en-US" sz="2000" i="1">
+                              <a:latin typeface="Cambria Math" panose="02040503050406030204" pitchFamily="18" charset="0"/>
+                            </a:rPr>
+                          </m:ctrlPr>
+                        </m:sSubPr>
+                        <m:e>
+                          <m:r>
+                            <a:rPr lang="en-US" sz="2000" i="1">
+                              <a:latin typeface="Cambria Math" panose="02040503050406030204" pitchFamily="18" charset="0"/>
+                            </a:rPr>
+                            <m:t>0</m:t>
+                          </m:r>
+                          <m:r>
+                            <a:rPr lang="en-US" sz="2000" b="0" i="1" smtClean="0">
+                              <a:latin typeface="Cambria Math" panose="02040503050406030204" pitchFamily="18" charset="0"/>
+                            </a:rPr>
+                            <m:t>1</m:t>
+                          </m:r>
+                          <m:r>
+                            <a:rPr lang="en-US" sz="2000" i="1">
+                              <a:latin typeface="Cambria Math" panose="02040503050406030204" pitchFamily="18" charset="0"/>
+                            </a:rPr>
+                            <m:t>00</m:t>
+                          </m:r>
+                        </m:e>
+                        <m:sub>
+                          <m:r>
+                            <a:rPr lang="en-US" sz="2000" i="1">
+                              <a:latin typeface="Cambria Math" panose="02040503050406030204" pitchFamily="18" charset="0"/>
+                            </a:rPr>
+                            <m:t>2</m:t>
+                          </m:r>
+                        </m:sub>
+                      </m:sSub>
+                      <m:r>
+                        <a:rPr lang="en-US" sz="2000" i="1">
+                          <a:latin typeface="Cambria Math" panose="02040503050406030204" pitchFamily="18" charset="0"/>
+                        </a:rPr>
+                        <m:t>=</m:t>
+                      </m:r>
+                      <m:r>
+                        <a:rPr lang="en-US" sz="2000" b="0" i="1" smtClean="0">
+                          <a:latin typeface="Cambria Math" panose="02040503050406030204" pitchFamily="18" charset="0"/>
+                        </a:rPr>
+                        <m:t>4</m:t>
+                      </m:r>
+                    </m:oMath>
+                  </m:oMathPara>
+                </a14:m>
+                <a:endParaRPr lang="en-US" sz="2000" i="1" dirty="0">
+                  <a:latin typeface="Cambria Math" panose="02040503050406030204" pitchFamily="18" charset="0"/>
+                </a:endParaRPr>
+              </a:p>
+              <a:p>
+                <a:pPr marL="0" indent="0">
+                  <a:buNone/>
+                </a:pPr>
+                <a14:m>
+                  <m:oMathPara xmlns:m="http://schemas.openxmlformats.org/officeDocument/2006/math">
+                    <m:oMathParaPr>
+                      <m:jc m:val="left"/>
+                    </m:oMathParaPr>
+                    <m:oMath xmlns:m="http://schemas.openxmlformats.org/officeDocument/2006/math">
+                      <m:r>
+                        <a:rPr lang="en-US" sz="2000" i="1">
+                          <a:latin typeface="Cambria Math" panose="02040503050406030204" pitchFamily="18" charset="0"/>
+                        </a:rPr>
+                        <m:t>𝑔</m:t>
+                      </m:r>
+                      <m:d>
+                        <m:dPr>
+                          <m:ctrlPr>
+                            <a:rPr lang="en-US" sz="2000" i="1">
+                              <a:latin typeface="Cambria Math" panose="02040503050406030204" pitchFamily="18" charset="0"/>
+                            </a:rPr>
+                          </m:ctrlPr>
+                        </m:dPr>
+                        <m:e>
+                          <m:r>
+                            <a:rPr lang="en-US" sz="2000" b="0" i="1" smtClean="0">
+                              <a:latin typeface="Cambria Math" panose="02040503050406030204" pitchFamily="18" charset="0"/>
+                            </a:rPr>
+                            <m:t>5</m:t>
+                          </m:r>
+                        </m:e>
+                      </m:d>
+                      <m:r>
+                        <a:rPr lang="en-US" sz="2000" i="1">
+                          <a:latin typeface="Cambria Math" panose="02040503050406030204" pitchFamily="18" charset="0"/>
+                        </a:rPr>
+                        <m:t>=</m:t>
+                      </m:r>
+                      <m:r>
+                        <a:rPr lang="en-US" sz="2000" i="1">
+                          <a:latin typeface="Cambria Math" panose="02040503050406030204" pitchFamily="18" charset="0"/>
+                        </a:rPr>
+                        <m:t>𝑔</m:t>
+                      </m:r>
+                      <m:d>
+                        <m:dPr>
+                          <m:ctrlPr>
+                            <a:rPr lang="en-US" sz="2000" i="1">
+                              <a:latin typeface="Cambria Math" panose="02040503050406030204" pitchFamily="18" charset="0"/>
+                            </a:rPr>
+                          </m:ctrlPr>
+                        </m:dPr>
+                        <m:e>
+                          <m:sSub>
+                            <m:sSubPr>
+                              <m:ctrlPr>
+                                <a:rPr lang="en-US" sz="2000" i="1">
+                                  <a:latin typeface="Cambria Math" panose="02040503050406030204" pitchFamily="18" charset="0"/>
+                                </a:rPr>
+                              </m:ctrlPr>
+                            </m:sSubPr>
+                            <m:e>
+                              <m:r>
+                                <a:rPr lang="en-US" sz="2000" i="1">
+                                  <a:latin typeface="Cambria Math" panose="02040503050406030204" pitchFamily="18" charset="0"/>
+                                </a:rPr>
+                                <m:t>0</m:t>
+                              </m:r>
+                              <m:r>
+                                <a:rPr lang="en-US" sz="2000" b="0" i="1" smtClean="0">
+                                  <a:latin typeface="Cambria Math" panose="02040503050406030204" pitchFamily="18" charset="0"/>
+                                </a:rPr>
+                                <m:t>1</m:t>
+                              </m:r>
+                              <m:r>
+                                <a:rPr lang="en-US" sz="2000" i="1">
+                                  <a:latin typeface="Cambria Math" panose="02040503050406030204" pitchFamily="18" charset="0"/>
+                                </a:rPr>
+                                <m:t>0</m:t>
+                              </m:r>
+                              <m:r>
+                                <a:rPr lang="en-US" sz="2000" b="0" i="1" smtClean="0">
+                                  <a:latin typeface="Cambria Math" panose="02040503050406030204" pitchFamily="18" charset="0"/>
+                                </a:rPr>
+                                <m:t>1</m:t>
+                              </m:r>
+                            </m:e>
+                            <m:sub>
+                              <m:r>
+                                <a:rPr lang="en-US" sz="2000" i="1">
+                                  <a:latin typeface="Cambria Math" panose="02040503050406030204" pitchFamily="18" charset="0"/>
+                                </a:rPr>
+                                <m:t>2</m:t>
+                              </m:r>
+                            </m:sub>
+                          </m:sSub>
+                        </m:e>
+                      </m:d>
+                      <m:r>
+                        <a:rPr lang="en-US" sz="2000" i="1">
+                          <a:latin typeface="Cambria Math" panose="02040503050406030204" pitchFamily="18" charset="0"/>
+                        </a:rPr>
+                        <m:t>=</m:t>
+                      </m:r>
+                      <m:sSub>
+                        <m:sSubPr>
+                          <m:ctrlPr>
+                            <a:rPr lang="en-US" sz="2000" i="1">
+                              <a:latin typeface="Cambria Math" panose="02040503050406030204" pitchFamily="18" charset="0"/>
+                            </a:rPr>
+                          </m:ctrlPr>
+                        </m:sSubPr>
+                        <m:e>
+                          <m:r>
+                            <a:rPr lang="en-US" sz="2000" i="1">
+                              <a:latin typeface="Cambria Math" panose="02040503050406030204" pitchFamily="18" charset="0"/>
+                            </a:rPr>
+                            <m:t>0</m:t>
+                          </m:r>
+                          <m:r>
+                            <a:rPr lang="en-US" sz="2000" b="0" i="1" smtClean="0">
+                              <a:latin typeface="Cambria Math" panose="02040503050406030204" pitchFamily="18" charset="0"/>
+                            </a:rPr>
+                            <m:t>1</m:t>
+                          </m:r>
+                          <m:r>
+                            <a:rPr lang="en-US" sz="2000" i="1">
+                              <a:latin typeface="Cambria Math" panose="02040503050406030204" pitchFamily="18" charset="0"/>
+                            </a:rPr>
+                            <m:t>00</m:t>
+                          </m:r>
+                        </m:e>
+                        <m:sub>
+                          <m:r>
+                            <a:rPr lang="en-US" sz="2000" i="1">
+                              <a:latin typeface="Cambria Math" panose="02040503050406030204" pitchFamily="18" charset="0"/>
+                            </a:rPr>
+                            <m:t>2</m:t>
+                          </m:r>
+                        </m:sub>
+                      </m:sSub>
+                      <m:r>
+                        <a:rPr lang="en-US" sz="2000" i="1">
+                          <a:latin typeface="Cambria Math" panose="02040503050406030204" pitchFamily="18" charset="0"/>
+                        </a:rPr>
+                        <m:t>=</m:t>
+                      </m:r>
+                      <m:r>
+                        <a:rPr lang="en-US" sz="2000" b="0" i="1" smtClean="0">
+                          <a:latin typeface="Cambria Math" panose="02040503050406030204" pitchFamily="18" charset="0"/>
+                        </a:rPr>
+                        <m:t>4</m:t>
+                      </m:r>
+                    </m:oMath>
+                  </m:oMathPara>
+                </a14:m>
+                <a:endParaRPr lang="en-US" sz="2000" i="1" dirty="0">
+                  <a:latin typeface="Cambria Math" panose="02040503050406030204" pitchFamily="18" charset="0"/>
+                </a:endParaRPr>
+              </a:p>
+              <a:p>
+                <a:pPr marL="0" indent="0">
+                  <a:buNone/>
+                </a:pPr>
+                <a14:m>
+                  <m:oMathPara xmlns:m="http://schemas.openxmlformats.org/officeDocument/2006/math">
+                    <m:oMathParaPr>
+                      <m:jc m:val="left"/>
+                    </m:oMathParaPr>
+                    <m:oMath xmlns:m="http://schemas.openxmlformats.org/officeDocument/2006/math">
+                      <m:r>
+                        <a:rPr lang="en-US" sz="2000" i="1">
+                          <a:latin typeface="Cambria Math" panose="02040503050406030204" pitchFamily="18" charset="0"/>
+                        </a:rPr>
+                        <m:t>𝑔</m:t>
+                      </m:r>
+                      <m:d>
+                        <m:dPr>
+                          <m:ctrlPr>
+                            <a:rPr lang="en-US" sz="2000" i="1">
+                              <a:latin typeface="Cambria Math" panose="02040503050406030204" pitchFamily="18" charset="0"/>
+                            </a:rPr>
+                          </m:ctrlPr>
+                        </m:dPr>
+                        <m:e>
+                          <m:r>
+                            <a:rPr lang="en-US" sz="2000" b="0" i="1" smtClean="0">
+                              <a:latin typeface="Cambria Math" panose="02040503050406030204" pitchFamily="18" charset="0"/>
+                            </a:rPr>
+                            <m:t>6</m:t>
+                          </m:r>
+                        </m:e>
+                      </m:d>
+                      <m:r>
+                        <a:rPr lang="en-US" sz="2000" i="1">
+                          <a:latin typeface="Cambria Math" panose="02040503050406030204" pitchFamily="18" charset="0"/>
+                        </a:rPr>
+                        <m:t>=</m:t>
+                      </m:r>
+                      <m:r>
+                        <a:rPr lang="en-US" sz="2000" i="1">
+                          <a:latin typeface="Cambria Math" panose="02040503050406030204" pitchFamily="18" charset="0"/>
+                        </a:rPr>
+                        <m:t>𝑔</m:t>
+                      </m:r>
+                      <m:d>
+                        <m:dPr>
+                          <m:ctrlPr>
+                            <a:rPr lang="en-US" sz="2000" i="1">
+                              <a:latin typeface="Cambria Math" panose="02040503050406030204" pitchFamily="18" charset="0"/>
+                            </a:rPr>
+                          </m:ctrlPr>
+                        </m:dPr>
+                        <m:e>
+                          <m:sSub>
+                            <m:sSubPr>
+                              <m:ctrlPr>
+                                <a:rPr lang="en-US" sz="2000" i="1">
+                                  <a:latin typeface="Cambria Math" panose="02040503050406030204" pitchFamily="18" charset="0"/>
+                                </a:rPr>
+                              </m:ctrlPr>
+                            </m:sSubPr>
+                            <m:e>
+                              <m:r>
+                                <a:rPr lang="en-US" sz="2000" i="1">
+                                  <a:latin typeface="Cambria Math" panose="02040503050406030204" pitchFamily="18" charset="0"/>
+                                </a:rPr>
+                                <m:t>0</m:t>
+                              </m:r>
+                              <m:r>
+                                <a:rPr lang="en-US" sz="2000" b="0" i="1" smtClean="0">
+                                  <a:latin typeface="Cambria Math" panose="02040503050406030204" pitchFamily="18" charset="0"/>
+                                </a:rPr>
+                                <m:t>11</m:t>
+                              </m:r>
+                              <m:r>
+                                <a:rPr lang="en-US" sz="2000" i="1">
+                                  <a:latin typeface="Cambria Math" panose="02040503050406030204" pitchFamily="18" charset="0"/>
+                                </a:rPr>
+                                <m:t>0</m:t>
+                              </m:r>
+                            </m:e>
+                            <m:sub>
+                              <m:r>
+                                <a:rPr lang="en-US" sz="2000" i="1">
+                                  <a:latin typeface="Cambria Math" panose="02040503050406030204" pitchFamily="18" charset="0"/>
+                                </a:rPr>
+                                <m:t>2</m:t>
+                              </m:r>
+                            </m:sub>
+                          </m:sSub>
+                        </m:e>
+                      </m:d>
+                      <m:r>
+                        <a:rPr lang="en-US" sz="2000" i="1">
+                          <a:latin typeface="Cambria Math" panose="02040503050406030204" pitchFamily="18" charset="0"/>
+                        </a:rPr>
+                        <m:t>=</m:t>
+                      </m:r>
+                      <m:sSub>
+                        <m:sSubPr>
+                          <m:ctrlPr>
+                            <a:rPr lang="en-US" sz="2000" i="1">
+                              <a:latin typeface="Cambria Math" panose="02040503050406030204" pitchFamily="18" charset="0"/>
+                            </a:rPr>
+                          </m:ctrlPr>
+                        </m:sSubPr>
+                        <m:e>
+                          <m:r>
+                            <a:rPr lang="en-US" sz="2000" i="1">
+                              <a:latin typeface="Cambria Math" panose="02040503050406030204" pitchFamily="18" charset="0"/>
+                            </a:rPr>
+                            <m:t>0</m:t>
+                          </m:r>
+                          <m:r>
+                            <a:rPr lang="en-US" sz="2000" b="0" i="1" smtClean="0">
+                              <a:latin typeface="Cambria Math" panose="02040503050406030204" pitchFamily="18" charset="0"/>
+                            </a:rPr>
+                            <m:t>11</m:t>
+                          </m:r>
+                          <m:r>
+                            <a:rPr lang="en-US" sz="2000" i="1">
+                              <a:latin typeface="Cambria Math" panose="02040503050406030204" pitchFamily="18" charset="0"/>
+                            </a:rPr>
+                            <m:t>0</m:t>
+                          </m:r>
+                        </m:e>
+                        <m:sub>
+                          <m:r>
+                            <a:rPr lang="en-US" sz="2000" i="1">
+                              <a:latin typeface="Cambria Math" panose="02040503050406030204" pitchFamily="18" charset="0"/>
+                            </a:rPr>
+                            <m:t>2</m:t>
+                          </m:r>
+                        </m:sub>
+                      </m:sSub>
+                      <m:r>
+                        <a:rPr lang="en-US" sz="2000" i="1">
+                          <a:latin typeface="Cambria Math" panose="02040503050406030204" pitchFamily="18" charset="0"/>
+                        </a:rPr>
+                        <m:t>=</m:t>
+                      </m:r>
+                      <m:r>
+                        <a:rPr lang="en-US" sz="2000" b="0" i="1" smtClean="0">
+                          <a:latin typeface="Cambria Math" panose="02040503050406030204" pitchFamily="18" charset="0"/>
+                        </a:rPr>
+                        <m:t>6</m:t>
+                      </m:r>
+                    </m:oMath>
+                  </m:oMathPara>
+                </a14:m>
+                <a:endParaRPr lang="en-US" sz="2000" i="1" dirty="0">
+                  <a:latin typeface="Cambria Math" panose="02040503050406030204" pitchFamily="18" charset="0"/>
+                </a:endParaRPr>
+              </a:p>
+              <a:p>
+                <a:pPr marL="0" indent="0">
+                  <a:buNone/>
+                </a:pPr>
+                <a14:m>
+                  <m:oMathPara xmlns:m="http://schemas.openxmlformats.org/officeDocument/2006/math">
+                    <m:oMathParaPr>
+                      <m:jc m:val="left"/>
+                    </m:oMathParaPr>
+                    <m:oMath xmlns:m="http://schemas.openxmlformats.org/officeDocument/2006/math">
+                      <m:r>
+                        <a:rPr lang="en-US" sz="2000" i="1">
+                          <a:latin typeface="Cambria Math" panose="02040503050406030204" pitchFamily="18" charset="0"/>
+                        </a:rPr>
+                        <m:t>𝑔</m:t>
+                      </m:r>
+                      <m:d>
+                        <m:dPr>
+                          <m:ctrlPr>
+                            <a:rPr lang="en-US" sz="2000" i="1">
+                              <a:latin typeface="Cambria Math" panose="02040503050406030204" pitchFamily="18" charset="0"/>
+                            </a:rPr>
+                          </m:ctrlPr>
+                        </m:dPr>
+                        <m:e>
+                          <m:r>
+                            <a:rPr lang="en-US" sz="2000" b="0" i="1" smtClean="0">
+                              <a:latin typeface="Cambria Math" panose="02040503050406030204" pitchFamily="18" charset="0"/>
+                            </a:rPr>
+                            <m:t>7</m:t>
+                          </m:r>
+                        </m:e>
+                      </m:d>
+                      <m:r>
+                        <a:rPr lang="en-US" sz="2000" i="1">
+                          <a:latin typeface="Cambria Math" panose="02040503050406030204" pitchFamily="18" charset="0"/>
+                        </a:rPr>
+                        <m:t>=</m:t>
+                      </m:r>
+                      <m:r>
+                        <a:rPr lang="en-US" sz="2000" i="1">
+                          <a:latin typeface="Cambria Math" panose="02040503050406030204" pitchFamily="18" charset="0"/>
+                        </a:rPr>
+                        <m:t>𝑔</m:t>
+                      </m:r>
+                      <m:d>
+                        <m:dPr>
+                          <m:ctrlPr>
+                            <a:rPr lang="en-US" sz="2000" i="1">
+                              <a:latin typeface="Cambria Math" panose="02040503050406030204" pitchFamily="18" charset="0"/>
+                            </a:rPr>
+                          </m:ctrlPr>
+                        </m:dPr>
+                        <m:e>
+                          <m:sSub>
+                            <m:sSubPr>
+                              <m:ctrlPr>
+                                <a:rPr lang="en-US" sz="2000" i="1">
+                                  <a:latin typeface="Cambria Math" panose="02040503050406030204" pitchFamily="18" charset="0"/>
+                                </a:rPr>
+                              </m:ctrlPr>
+                            </m:sSubPr>
+                            <m:e>
+                              <m:r>
+                                <a:rPr lang="en-US" sz="2000" i="1">
+                                  <a:latin typeface="Cambria Math" panose="02040503050406030204" pitchFamily="18" charset="0"/>
+                                </a:rPr>
+                                <m:t>0</m:t>
+                              </m:r>
+                              <m:r>
+                                <a:rPr lang="en-US" sz="2000" b="0" i="1" smtClean="0">
+                                  <a:latin typeface="Cambria Math" panose="02040503050406030204" pitchFamily="18" charset="0"/>
+                                </a:rPr>
+                                <m:t>111</m:t>
+                              </m:r>
+                            </m:e>
+                            <m:sub>
+                              <m:r>
+                                <a:rPr lang="en-US" sz="2000" i="1">
+                                  <a:latin typeface="Cambria Math" panose="02040503050406030204" pitchFamily="18" charset="0"/>
+                                </a:rPr>
+                                <m:t>2</m:t>
+                              </m:r>
+                            </m:sub>
+                          </m:sSub>
+                        </m:e>
+                      </m:d>
+                      <m:r>
+                        <a:rPr lang="en-US" sz="2000" i="1">
+                          <a:latin typeface="Cambria Math" panose="02040503050406030204" pitchFamily="18" charset="0"/>
+                        </a:rPr>
+                        <m:t>=</m:t>
+                      </m:r>
+                      <m:sSub>
+                        <m:sSubPr>
+                          <m:ctrlPr>
+                            <a:rPr lang="en-US" sz="2000" i="1">
+                              <a:latin typeface="Cambria Math" panose="02040503050406030204" pitchFamily="18" charset="0"/>
+                            </a:rPr>
+                          </m:ctrlPr>
+                        </m:sSubPr>
+                        <m:e>
+                          <m:r>
+                            <a:rPr lang="en-US" sz="2000" i="1">
+                              <a:latin typeface="Cambria Math" panose="02040503050406030204" pitchFamily="18" charset="0"/>
+                            </a:rPr>
+                            <m:t>0000</m:t>
+                          </m:r>
+                        </m:e>
+                        <m:sub>
+                          <m:r>
+                            <a:rPr lang="en-US" sz="2000" i="1">
+                              <a:latin typeface="Cambria Math" panose="02040503050406030204" pitchFamily="18" charset="0"/>
+                            </a:rPr>
+                            <m:t>2</m:t>
+                          </m:r>
+                        </m:sub>
+                      </m:sSub>
+                      <m:r>
+                        <a:rPr lang="en-US" sz="2000" i="1">
+                          <a:latin typeface="Cambria Math" panose="02040503050406030204" pitchFamily="18" charset="0"/>
+                        </a:rPr>
+                        <m:t>=0</m:t>
+                      </m:r>
+                    </m:oMath>
+                  </m:oMathPara>
+                </a14:m>
+                <a:endParaRPr lang="en-US" sz="2000" i="1" dirty="0">
+                  <a:latin typeface="Cambria Math" panose="02040503050406030204" pitchFamily="18" charset="0"/>
+                </a:endParaRPr>
+              </a:p>
+              <a:p>
+                <a:pPr marL="0" indent="0">
+                  <a:buNone/>
+                </a:pPr>
+                <a14:m>
+                  <m:oMathPara xmlns:m="http://schemas.openxmlformats.org/officeDocument/2006/math">
+                    <m:oMathParaPr>
+                      <m:jc m:val="left"/>
+                    </m:oMathParaPr>
+                    <m:oMath xmlns:m="http://schemas.openxmlformats.org/officeDocument/2006/math">
+                      <m:r>
+                        <a:rPr lang="en-US" sz="2000" i="1">
+                          <a:latin typeface="Cambria Math" panose="02040503050406030204" pitchFamily="18" charset="0"/>
+                        </a:rPr>
+                        <m:t>𝑔</m:t>
+                      </m:r>
+                      <m:d>
+                        <m:dPr>
+                          <m:ctrlPr>
+                            <a:rPr lang="en-US" sz="2000" i="1">
+                              <a:latin typeface="Cambria Math" panose="02040503050406030204" pitchFamily="18" charset="0"/>
+                            </a:rPr>
+                          </m:ctrlPr>
+                        </m:dPr>
+                        <m:e>
+                          <m:r>
+                            <a:rPr lang="en-US" sz="2000" b="0" i="1" smtClean="0">
+                              <a:latin typeface="Cambria Math" panose="02040503050406030204" pitchFamily="18" charset="0"/>
+                            </a:rPr>
+                            <m:t>8</m:t>
+                          </m:r>
+                        </m:e>
+                      </m:d>
+                      <m:r>
+                        <a:rPr lang="en-US" sz="2000" i="1">
+                          <a:latin typeface="Cambria Math" panose="02040503050406030204" pitchFamily="18" charset="0"/>
+                        </a:rPr>
+                        <m:t>=</m:t>
+                      </m:r>
+                      <m:r>
+                        <a:rPr lang="en-US" sz="2000" i="1">
+                          <a:latin typeface="Cambria Math" panose="02040503050406030204" pitchFamily="18" charset="0"/>
+                        </a:rPr>
+                        <m:t>𝑔</m:t>
+                      </m:r>
+                      <m:d>
+                        <m:dPr>
+                          <m:ctrlPr>
+                            <a:rPr lang="en-US" sz="2000" i="1">
+                              <a:latin typeface="Cambria Math" panose="02040503050406030204" pitchFamily="18" charset="0"/>
+                            </a:rPr>
+                          </m:ctrlPr>
+                        </m:dPr>
+                        <m:e>
+                          <m:sSub>
+                            <m:sSubPr>
+                              <m:ctrlPr>
+                                <a:rPr lang="en-US" sz="2000" i="1">
+                                  <a:latin typeface="Cambria Math" panose="02040503050406030204" pitchFamily="18" charset="0"/>
+                                </a:rPr>
+                              </m:ctrlPr>
+                            </m:sSubPr>
+                            <m:e>
+                              <m:r>
+                                <a:rPr lang="en-US" sz="2000" b="0" i="1" smtClean="0">
+                                  <a:latin typeface="Cambria Math" panose="02040503050406030204" pitchFamily="18" charset="0"/>
+                                </a:rPr>
+                                <m:t>1</m:t>
+                              </m:r>
+                              <m:r>
+                                <a:rPr lang="en-US" sz="2000" i="1">
+                                  <a:latin typeface="Cambria Math" panose="02040503050406030204" pitchFamily="18" charset="0"/>
+                                </a:rPr>
+                                <m:t>000</m:t>
+                              </m:r>
+                            </m:e>
+                            <m:sub>
+                              <m:r>
+                                <a:rPr lang="en-US" sz="2000" i="1">
+                                  <a:latin typeface="Cambria Math" panose="02040503050406030204" pitchFamily="18" charset="0"/>
+                                </a:rPr>
+                                <m:t>2</m:t>
+                              </m:r>
+                            </m:sub>
+                          </m:sSub>
+                        </m:e>
+                      </m:d>
+                      <m:r>
+                        <a:rPr lang="en-US" sz="2000" i="1">
+                          <a:latin typeface="Cambria Math" panose="02040503050406030204" pitchFamily="18" charset="0"/>
+                        </a:rPr>
+                        <m:t>=</m:t>
+                      </m:r>
+                      <m:sSub>
+                        <m:sSubPr>
+                          <m:ctrlPr>
+                            <a:rPr lang="en-US" sz="2000" i="1">
+                              <a:latin typeface="Cambria Math" panose="02040503050406030204" pitchFamily="18" charset="0"/>
+                            </a:rPr>
+                          </m:ctrlPr>
+                        </m:sSubPr>
+                        <m:e>
+                          <m:r>
+                            <a:rPr lang="en-US" sz="2000" b="0" i="1" smtClean="0">
+                              <a:latin typeface="Cambria Math" panose="02040503050406030204" pitchFamily="18" charset="0"/>
+                            </a:rPr>
+                            <m:t>1</m:t>
+                          </m:r>
+                          <m:r>
+                            <a:rPr lang="en-US" sz="2000" i="1">
+                              <a:latin typeface="Cambria Math" panose="02040503050406030204" pitchFamily="18" charset="0"/>
+                            </a:rPr>
+                            <m:t>000</m:t>
+                          </m:r>
+                        </m:e>
+                        <m:sub>
+                          <m:r>
+                            <a:rPr lang="en-US" sz="2000" i="1">
+                              <a:latin typeface="Cambria Math" panose="02040503050406030204" pitchFamily="18" charset="0"/>
+                            </a:rPr>
+                            <m:t>2</m:t>
+                          </m:r>
+                        </m:sub>
+                      </m:sSub>
+                      <m:r>
+                        <a:rPr lang="en-US" sz="2000" i="1">
+                          <a:latin typeface="Cambria Math" panose="02040503050406030204" pitchFamily="18" charset="0"/>
+                        </a:rPr>
+                        <m:t>=</m:t>
+                      </m:r>
+                      <m:r>
+                        <a:rPr lang="en-US" sz="2000" b="0" i="1" smtClean="0">
+                          <a:latin typeface="Cambria Math" panose="02040503050406030204" pitchFamily="18" charset="0"/>
+                        </a:rPr>
+                        <m:t>8</m:t>
+                      </m:r>
+                    </m:oMath>
+                  </m:oMathPara>
+                </a14:m>
+                <a:endParaRPr lang="en-US" sz="2000" i="1" dirty="0">
+                  <a:latin typeface="Cambria Math" panose="02040503050406030204" pitchFamily="18" charset="0"/>
+                </a:endParaRPr>
+              </a:p>
+              <a:p>
+                <a:pPr marL="0" indent="0">
+                  <a:buNone/>
+                </a:pPr>
+                <a14:m>
+                  <m:oMathPara xmlns:m="http://schemas.openxmlformats.org/officeDocument/2006/math">
+                    <m:oMathParaPr>
+                      <m:jc m:val="left"/>
+                    </m:oMathParaPr>
+                    <m:oMath xmlns:m="http://schemas.openxmlformats.org/officeDocument/2006/math">
+                      <m:r>
+                        <a:rPr lang="en-US" sz="2000" i="1">
+                          <a:latin typeface="Cambria Math" panose="02040503050406030204" pitchFamily="18" charset="0"/>
+                        </a:rPr>
+                        <m:t>𝑔</m:t>
+                      </m:r>
+                      <m:d>
+                        <m:dPr>
+                          <m:ctrlPr>
+                            <a:rPr lang="en-US" sz="2000" i="1">
+                              <a:latin typeface="Cambria Math" panose="02040503050406030204" pitchFamily="18" charset="0"/>
+                            </a:rPr>
+                          </m:ctrlPr>
+                        </m:dPr>
+                        <m:e>
+                          <m:r>
+                            <a:rPr lang="en-US" sz="2000" b="0" i="1" smtClean="0">
+                              <a:latin typeface="Cambria Math" panose="02040503050406030204" pitchFamily="18" charset="0"/>
+                            </a:rPr>
+                            <m:t>9</m:t>
+                          </m:r>
+                        </m:e>
+                      </m:d>
+                      <m:r>
+                        <a:rPr lang="en-US" sz="2000" i="1">
+                          <a:latin typeface="Cambria Math" panose="02040503050406030204" pitchFamily="18" charset="0"/>
+                        </a:rPr>
+                        <m:t>=</m:t>
+                      </m:r>
+                      <m:r>
+                        <a:rPr lang="en-US" sz="2000" i="1">
+                          <a:latin typeface="Cambria Math" panose="02040503050406030204" pitchFamily="18" charset="0"/>
+                        </a:rPr>
+                        <m:t>𝑔</m:t>
+                      </m:r>
+                      <m:d>
+                        <m:dPr>
+                          <m:ctrlPr>
+                            <a:rPr lang="en-US" sz="2000" i="1">
+                              <a:latin typeface="Cambria Math" panose="02040503050406030204" pitchFamily="18" charset="0"/>
+                            </a:rPr>
+                          </m:ctrlPr>
+                        </m:dPr>
+                        <m:e>
+                          <m:sSub>
+                            <m:sSubPr>
+                              <m:ctrlPr>
+                                <a:rPr lang="en-US" sz="2000" i="1">
+                                  <a:latin typeface="Cambria Math" panose="02040503050406030204" pitchFamily="18" charset="0"/>
+                                </a:rPr>
+                              </m:ctrlPr>
+                            </m:sSubPr>
+                            <m:e>
+                              <m:r>
+                                <a:rPr lang="en-US" sz="2000" b="0" i="1" smtClean="0">
+                                  <a:latin typeface="Cambria Math" panose="02040503050406030204" pitchFamily="18" charset="0"/>
+                                </a:rPr>
+                                <m:t>1</m:t>
+                              </m:r>
+                              <m:r>
+                                <a:rPr lang="en-US" sz="2000" i="1">
+                                  <a:latin typeface="Cambria Math" panose="02040503050406030204" pitchFamily="18" charset="0"/>
+                                </a:rPr>
+                                <m:t>00</m:t>
+                              </m:r>
+                              <m:r>
+                                <a:rPr lang="en-US" sz="2000" b="0" i="1" smtClean="0">
+                                  <a:latin typeface="Cambria Math" panose="02040503050406030204" pitchFamily="18" charset="0"/>
+                                </a:rPr>
+                                <m:t>1</m:t>
+                              </m:r>
+                            </m:e>
+                            <m:sub>
+                              <m:r>
+                                <a:rPr lang="en-US" sz="2000" i="1">
+                                  <a:latin typeface="Cambria Math" panose="02040503050406030204" pitchFamily="18" charset="0"/>
+                                </a:rPr>
+                                <m:t>2</m:t>
+                              </m:r>
+                            </m:sub>
+                          </m:sSub>
+                        </m:e>
+                      </m:d>
+                      <m:r>
+                        <a:rPr lang="en-US" sz="2000" i="1">
+                          <a:latin typeface="Cambria Math" panose="02040503050406030204" pitchFamily="18" charset="0"/>
+                        </a:rPr>
+                        <m:t>=</m:t>
+                      </m:r>
+                      <m:sSub>
+                        <m:sSubPr>
+                          <m:ctrlPr>
+                            <a:rPr lang="en-US" sz="2000" i="1">
+                              <a:latin typeface="Cambria Math" panose="02040503050406030204" pitchFamily="18" charset="0"/>
+                            </a:rPr>
+                          </m:ctrlPr>
+                        </m:sSubPr>
+                        <m:e>
+                          <m:r>
+                            <a:rPr lang="en-US" sz="2000" b="0" i="1" smtClean="0">
+                              <a:latin typeface="Cambria Math" panose="02040503050406030204" pitchFamily="18" charset="0"/>
+                            </a:rPr>
+                            <m:t>1</m:t>
+                          </m:r>
+                          <m:r>
+                            <a:rPr lang="en-US" sz="2000" i="1">
+                              <a:latin typeface="Cambria Math" panose="02040503050406030204" pitchFamily="18" charset="0"/>
+                            </a:rPr>
+                            <m:t>000</m:t>
+                          </m:r>
+                        </m:e>
+                        <m:sub>
+                          <m:r>
+                            <a:rPr lang="en-US" sz="2000" i="1">
+                              <a:latin typeface="Cambria Math" panose="02040503050406030204" pitchFamily="18" charset="0"/>
+                            </a:rPr>
+                            <m:t>2</m:t>
+                          </m:r>
+                        </m:sub>
+                      </m:sSub>
+                      <m:r>
+                        <a:rPr lang="en-US" sz="2000" i="1">
+                          <a:latin typeface="Cambria Math" panose="02040503050406030204" pitchFamily="18" charset="0"/>
+                        </a:rPr>
+                        <m:t>=</m:t>
+                      </m:r>
+                      <m:r>
+                        <a:rPr lang="en-US" sz="2000" b="0" i="1" smtClean="0">
+                          <a:latin typeface="Cambria Math" panose="02040503050406030204" pitchFamily="18" charset="0"/>
+                        </a:rPr>
+                        <m:t>8</m:t>
+                      </m:r>
+                    </m:oMath>
+                  </m:oMathPara>
+                </a14:m>
+                <a:endParaRPr lang="en-US" sz="2000" i="1" dirty="0">
+                  <a:latin typeface="Cambria Math" panose="02040503050406030204" pitchFamily="18" charset="0"/>
+                </a:endParaRPr>
+              </a:p>
+              <a:p>
+                <a:pPr marL="0" indent="0">
+                  <a:buNone/>
+                </a:pPr>
+                <a14:m>
+                  <m:oMathPara xmlns:m="http://schemas.openxmlformats.org/officeDocument/2006/math">
+                    <m:oMathParaPr>
+                      <m:jc m:val="left"/>
+                    </m:oMathParaPr>
+                    <m:oMath xmlns:m="http://schemas.openxmlformats.org/officeDocument/2006/math">
+                      <m:r>
+                        <a:rPr lang="en-US" sz="2000" i="1">
+                          <a:latin typeface="Cambria Math" panose="02040503050406030204" pitchFamily="18" charset="0"/>
+                        </a:rPr>
+                        <m:t>𝑔</m:t>
+                      </m:r>
+                      <m:d>
+                        <m:dPr>
+                          <m:ctrlPr>
+                            <a:rPr lang="en-US" sz="2000" i="1">
+                              <a:latin typeface="Cambria Math" panose="02040503050406030204" pitchFamily="18" charset="0"/>
+                            </a:rPr>
+                          </m:ctrlPr>
+                        </m:dPr>
+                        <m:e>
+                          <m:r>
+                            <a:rPr lang="en-US" sz="2000" b="0" i="1" smtClean="0">
+                              <a:latin typeface="Cambria Math" panose="02040503050406030204" pitchFamily="18" charset="0"/>
+                            </a:rPr>
+                            <m:t>10</m:t>
+                          </m:r>
+                        </m:e>
+                      </m:d>
+                      <m:r>
+                        <a:rPr lang="en-US" sz="2000" i="1">
+                          <a:latin typeface="Cambria Math" panose="02040503050406030204" pitchFamily="18" charset="0"/>
+                        </a:rPr>
+                        <m:t>=</m:t>
+                      </m:r>
+                      <m:r>
+                        <a:rPr lang="en-US" sz="2000" i="1">
+                          <a:latin typeface="Cambria Math" panose="02040503050406030204" pitchFamily="18" charset="0"/>
+                        </a:rPr>
+                        <m:t>𝑔</m:t>
+                      </m:r>
+                      <m:d>
+                        <m:dPr>
+                          <m:ctrlPr>
+                            <a:rPr lang="en-US" sz="2000" i="1">
+                              <a:latin typeface="Cambria Math" panose="02040503050406030204" pitchFamily="18" charset="0"/>
+                            </a:rPr>
+                          </m:ctrlPr>
+                        </m:dPr>
+                        <m:e>
+                          <m:sSub>
+                            <m:sSubPr>
+                              <m:ctrlPr>
+                                <a:rPr lang="en-US" sz="2000" i="1">
+                                  <a:latin typeface="Cambria Math" panose="02040503050406030204" pitchFamily="18" charset="0"/>
+                                </a:rPr>
+                              </m:ctrlPr>
+                            </m:sSubPr>
+                            <m:e>
+                              <m:r>
+                                <a:rPr lang="en-US" sz="2000" b="0" i="1" smtClean="0">
+                                  <a:latin typeface="Cambria Math" panose="02040503050406030204" pitchFamily="18" charset="0"/>
+                                </a:rPr>
+                                <m:t>1</m:t>
+                              </m:r>
+                              <m:r>
+                                <a:rPr lang="en-US" sz="2000" i="1">
+                                  <a:latin typeface="Cambria Math" panose="02040503050406030204" pitchFamily="18" charset="0"/>
+                                </a:rPr>
+                                <m:t>0</m:t>
+                              </m:r>
+                              <m:r>
+                                <a:rPr lang="en-US" sz="2000" b="0" i="1" smtClean="0">
+                                  <a:latin typeface="Cambria Math" panose="02040503050406030204" pitchFamily="18" charset="0"/>
+                                </a:rPr>
+                                <m:t>1</m:t>
+                              </m:r>
+                              <m:r>
+                                <a:rPr lang="en-US" sz="2000" i="1">
+                                  <a:latin typeface="Cambria Math" panose="02040503050406030204" pitchFamily="18" charset="0"/>
+                                </a:rPr>
+                                <m:t>0</m:t>
+                              </m:r>
+                            </m:e>
+                            <m:sub>
+                              <m:r>
+                                <a:rPr lang="en-US" sz="2000" i="1">
+                                  <a:latin typeface="Cambria Math" panose="02040503050406030204" pitchFamily="18" charset="0"/>
+                                </a:rPr>
+                                <m:t>2</m:t>
+                              </m:r>
+                            </m:sub>
+                          </m:sSub>
+                        </m:e>
+                      </m:d>
+                      <m:r>
+                        <a:rPr lang="en-US" sz="2000" i="1">
+                          <a:latin typeface="Cambria Math" panose="02040503050406030204" pitchFamily="18" charset="0"/>
+                        </a:rPr>
+                        <m:t>=</m:t>
+                      </m:r>
+                      <m:sSub>
+                        <m:sSubPr>
+                          <m:ctrlPr>
+                            <a:rPr lang="en-US" sz="2000" i="1">
+                              <a:latin typeface="Cambria Math" panose="02040503050406030204" pitchFamily="18" charset="0"/>
+                            </a:rPr>
+                          </m:ctrlPr>
+                        </m:sSubPr>
+                        <m:e>
+                          <m:r>
+                            <a:rPr lang="en-US" sz="2000" b="0" i="1" smtClean="0">
+                              <a:latin typeface="Cambria Math" panose="02040503050406030204" pitchFamily="18" charset="0"/>
+                            </a:rPr>
+                            <m:t>1</m:t>
+                          </m:r>
+                          <m:r>
+                            <a:rPr lang="en-US" sz="2000" i="1">
+                              <a:latin typeface="Cambria Math" panose="02040503050406030204" pitchFamily="18" charset="0"/>
+                            </a:rPr>
+                            <m:t>0</m:t>
+                          </m:r>
+                          <m:r>
+                            <a:rPr lang="en-US" sz="2000" b="0" i="1" smtClean="0">
+                              <a:latin typeface="Cambria Math" panose="02040503050406030204" pitchFamily="18" charset="0"/>
+                            </a:rPr>
+                            <m:t>1</m:t>
+                          </m:r>
+                          <m:r>
+                            <a:rPr lang="en-US" sz="2000" i="1">
+                              <a:latin typeface="Cambria Math" panose="02040503050406030204" pitchFamily="18" charset="0"/>
+                            </a:rPr>
+                            <m:t>0</m:t>
+                          </m:r>
+                        </m:e>
+                        <m:sub>
+                          <m:r>
+                            <a:rPr lang="en-US" sz="2000" i="1">
+                              <a:latin typeface="Cambria Math" panose="02040503050406030204" pitchFamily="18" charset="0"/>
+                            </a:rPr>
+                            <m:t>2</m:t>
+                          </m:r>
+                        </m:sub>
+                      </m:sSub>
+                      <m:r>
+                        <a:rPr lang="en-US" sz="2000" i="1">
+                          <a:latin typeface="Cambria Math" panose="02040503050406030204" pitchFamily="18" charset="0"/>
+                        </a:rPr>
+                        <m:t>=</m:t>
+                      </m:r>
+                      <m:r>
+                        <a:rPr lang="en-US" sz="2000" b="0" i="1" smtClean="0">
+                          <a:latin typeface="Cambria Math" panose="02040503050406030204" pitchFamily="18" charset="0"/>
+                        </a:rPr>
+                        <m:t>10</m:t>
+                      </m:r>
+                    </m:oMath>
+                  </m:oMathPara>
+                </a14:m>
+                <a:endParaRPr lang="en-US" sz="2000" i="1" dirty="0">
+                  <a:latin typeface="Cambria Math" panose="02040503050406030204" pitchFamily="18" charset="0"/>
+                </a:endParaRPr>
+              </a:p>
+              <a:p>
+                <a:pPr marL="0" indent="0">
+                  <a:buNone/>
+                </a:pPr>
+                <a14:m>
+                  <m:oMathPara xmlns:m="http://schemas.openxmlformats.org/officeDocument/2006/math">
+                    <m:oMathParaPr>
+                      <m:jc m:val="left"/>
+                    </m:oMathParaPr>
+                    <m:oMath xmlns:m="http://schemas.openxmlformats.org/officeDocument/2006/math">
+                      <m:r>
+                        <a:rPr lang="en-US" sz="2000" i="1">
+                          <a:latin typeface="Cambria Math" panose="02040503050406030204" pitchFamily="18" charset="0"/>
+                        </a:rPr>
+                        <m:t>𝑔</m:t>
+                      </m:r>
+                      <m:d>
+                        <m:dPr>
+                          <m:ctrlPr>
+                            <a:rPr lang="en-US" sz="2000" i="1">
+                              <a:latin typeface="Cambria Math" panose="02040503050406030204" pitchFamily="18" charset="0"/>
+                            </a:rPr>
+                          </m:ctrlPr>
+                        </m:dPr>
+                        <m:e>
+                          <m:r>
+                            <a:rPr lang="en-US" sz="2000" b="0" i="1" smtClean="0">
+                              <a:latin typeface="Cambria Math" panose="02040503050406030204" pitchFamily="18" charset="0"/>
+                            </a:rPr>
+                            <m:t>11</m:t>
+                          </m:r>
+                        </m:e>
+                      </m:d>
+                      <m:r>
+                        <a:rPr lang="en-US" sz="2000" i="1">
+                          <a:latin typeface="Cambria Math" panose="02040503050406030204" pitchFamily="18" charset="0"/>
+                        </a:rPr>
+                        <m:t>=</m:t>
+                      </m:r>
+                      <m:r>
+                        <a:rPr lang="en-US" sz="2000" i="1">
+                          <a:latin typeface="Cambria Math" panose="02040503050406030204" pitchFamily="18" charset="0"/>
+                        </a:rPr>
+                        <m:t>𝑔</m:t>
+                      </m:r>
+                      <m:d>
+                        <m:dPr>
+                          <m:ctrlPr>
+                            <a:rPr lang="en-US" sz="2000" i="1">
+                              <a:latin typeface="Cambria Math" panose="02040503050406030204" pitchFamily="18" charset="0"/>
+                            </a:rPr>
+                          </m:ctrlPr>
+                        </m:dPr>
+                        <m:e>
+                          <m:sSub>
+                            <m:sSubPr>
+                              <m:ctrlPr>
+                                <a:rPr lang="en-US" sz="2000" i="1">
+                                  <a:latin typeface="Cambria Math" panose="02040503050406030204" pitchFamily="18" charset="0"/>
+                                </a:rPr>
+                              </m:ctrlPr>
+                            </m:sSubPr>
+                            <m:e>
+                              <m:r>
+                                <a:rPr lang="en-US" sz="2000" b="0" i="1" smtClean="0">
+                                  <a:latin typeface="Cambria Math" panose="02040503050406030204" pitchFamily="18" charset="0"/>
+                                </a:rPr>
+                                <m:t>1</m:t>
+                              </m:r>
+                              <m:r>
+                                <a:rPr lang="en-US" sz="2000" i="1">
+                                  <a:latin typeface="Cambria Math" panose="02040503050406030204" pitchFamily="18" charset="0"/>
+                                </a:rPr>
+                                <m:t>0</m:t>
+                              </m:r>
+                              <m:r>
+                                <a:rPr lang="en-US" sz="2000" b="0" i="1" smtClean="0">
+                                  <a:latin typeface="Cambria Math" panose="02040503050406030204" pitchFamily="18" charset="0"/>
+                                </a:rPr>
+                                <m:t>11</m:t>
+                              </m:r>
+                            </m:e>
+                            <m:sub>
+                              <m:r>
+                                <a:rPr lang="en-US" sz="2000" i="1">
+                                  <a:latin typeface="Cambria Math" panose="02040503050406030204" pitchFamily="18" charset="0"/>
+                                </a:rPr>
+                                <m:t>2</m:t>
+                              </m:r>
+                            </m:sub>
+                          </m:sSub>
+                        </m:e>
+                      </m:d>
+                      <m:r>
+                        <a:rPr lang="en-US" sz="2000" i="1">
+                          <a:latin typeface="Cambria Math" panose="02040503050406030204" pitchFamily="18" charset="0"/>
+                        </a:rPr>
+                        <m:t>=</m:t>
+                      </m:r>
+                      <m:sSub>
+                        <m:sSubPr>
+                          <m:ctrlPr>
+                            <a:rPr lang="en-US" sz="2000" i="1">
+                              <a:latin typeface="Cambria Math" panose="02040503050406030204" pitchFamily="18" charset="0"/>
+                            </a:rPr>
+                          </m:ctrlPr>
+                        </m:sSubPr>
+                        <m:e>
+                          <m:r>
+                            <a:rPr lang="en-US" sz="2000" b="0" i="1" smtClean="0">
+                              <a:latin typeface="Cambria Math" panose="02040503050406030204" pitchFamily="18" charset="0"/>
+                            </a:rPr>
+                            <m:t>1</m:t>
+                          </m:r>
+                          <m:r>
+                            <a:rPr lang="en-US" sz="2000" i="1">
+                              <a:latin typeface="Cambria Math" panose="02040503050406030204" pitchFamily="18" charset="0"/>
+                            </a:rPr>
+                            <m:t>000</m:t>
+                          </m:r>
+                        </m:e>
+                        <m:sub>
+                          <m:r>
+                            <a:rPr lang="en-US" sz="2000" i="1">
+                              <a:latin typeface="Cambria Math" panose="02040503050406030204" pitchFamily="18" charset="0"/>
+                            </a:rPr>
+                            <m:t>2</m:t>
+                          </m:r>
+                        </m:sub>
+                      </m:sSub>
+                      <m:r>
+                        <a:rPr lang="en-US" sz="2000" i="1">
+                          <a:latin typeface="Cambria Math" panose="02040503050406030204" pitchFamily="18" charset="0"/>
+                        </a:rPr>
+                        <m:t>=</m:t>
+                      </m:r>
+                      <m:r>
+                        <a:rPr lang="en-US" sz="2000" b="0" i="1" smtClean="0">
+                          <a:latin typeface="Cambria Math" panose="02040503050406030204" pitchFamily="18" charset="0"/>
+                        </a:rPr>
+                        <m:t>8</m:t>
+                      </m:r>
+                    </m:oMath>
+                  </m:oMathPara>
+                </a14:m>
+                <a:endParaRPr lang="en-US" sz="2000" i="1" dirty="0">
+                  <a:latin typeface="Cambria Math" panose="02040503050406030204" pitchFamily="18" charset="0"/>
+                </a:endParaRPr>
+              </a:p>
+              <a:p>
+                <a:pPr marL="0" indent="0">
+                  <a:buNone/>
+                </a:pPr>
+                <a14:m>
+                  <m:oMathPara xmlns:m="http://schemas.openxmlformats.org/officeDocument/2006/math">
+                    <m:oMathParaPr>
+                      <m:jc m:val="left"/>
+                    </m:oMathParaPr>
+                    <m:oMath xmlns:m="http://schemas.openxmlformats.org/officeDocument/2006/math">
+                      <m:r>
+                        <a:rPr lang="en-US" sz="2000" i="1">
+                          <a:latin typeface="Cambria Math" panose="02040503050406030204" pitchFamily="18" charset="0"/>
+                        </a:rPr>
+                        <m:t>𝑔</m:t>
+                      </m:r>
+                      <m:d>
+                        <m:dPr>
+                          <m:ctrlPr>
+                            <a:rPr lang="en-US" sz="2000" i="1">
+                              <a:latin typeface="Cambria Math" panose="02040503050406030204" pitchFamily="18" charset="0"/>
+                            </a:rPr>
+                          </m:ctrlPr>
+                        </m:dPr>
+                        <m:e>
+                          <m:r>
+                            <a:rPr lang="en-US" sz="2000" b="0" i="1" smtClean="0">
+                              <a:latin typeface="Cambria Math" panose="02040503050406030204" pitchFamily="18" charset="0"/>
+                            </a:rPr>
+                            <m:t>12</m:t>
+                          </m:r>
+                        </m:e>
+                      </m:d>
+                      <m:r>
+                        <a:rPr lang="en-US" sz="2000" i="1">
+                          <a:latin typeface="Cambria Math" panose="02040503050406030204" pitchFamily="18" charset="0"/>
+                        </a:rPr>
+                        <m:t>=</m:t>
+                      </m:r>
+                      <m:r>
+                        <a:rPr lang="en-US" sz="2000" i="1">
+                          <a:latin typeface="Cambria Math" panose="02040503050406030204" pitchFamily="18" charset="0"/>
+                        </a:rPr>
+                        <m:t>𝑔</m:t>
+                      </m:r>
+                      <m:d>
+                        <m:dPr>
+                          <m:ctrlPr>
+                            <a:rPr lang="en-US" sz="2000" i="1">
+                              <a:latin typeface="Cambria Math" panose="02040503050406030204" pitchFamily="18" charset="0"/>
+                            </a:rPr>
+                          </m:ctrlPr>
+                        </m:dPr>
+                        <m:e>
+                          <m:sSub>
+                            <m:sSubPr>
+                              <m:ctrlPr>
+                                <a:rPr lang="en-US" sz="2000" i="1">
+                                  <a:latin typeface="Cambria Math" panose="02040503050406030204" pitchFamily="18" charset="0"/>
+                                </a:rPr>
+                              </m:ctrlPr>
+                            </m:sSubPr>
+                            <m:e>
+                              <m:r>
+                                <a:rPr lang="en-US" sz="2000" b="0" i="1" smtClean="0">
+                                  <a:latin typeface="Cambria Math" panose="02040503050406030204" pitchFamily="18" charset="0"/>
+                                </a:rPr>
+                                <m:t>11</m:t>
+                              </m:r>
+                              <m:r>
+                                <a:rPr lang="en-US" sz="2000" i="1">
+                                  <a:latin typeface="Cambria Math" panose="02040503050406030204" pitchFamily="18" charset="0"/>
+                                </a:rPr>
+                                <m:t>00</m:t>
+                              </m:r>
+                            </m:e>
+                            <m:sub>
+                              <m:r>
+                                <a:rPr lang="en-US" sz="2000" i="1">
+                                  <a:latin typeface="Cambria Math" panose="02040503050406030204" pitchFamily="18" charset="0"/>
+                                </a:rPr>
+                                <m:t>2</m:t>
+                              </m:r>
+                            </m:sub>
+                          </m:sSub>
+                        </m:e>
+                      </m:d>
+                      <m:r>
+                        <a:rPr lang="en-US" sz="2000" i="1">
+                          <a:latin typeface="Cambria Math" panose="02040503050406030204" pitchFamily="18" charset="0"/>
+                        </a:rPr>
+                        <m:t>=</m:t>
+                      </m:r>
+                      <m:sSub>
+                        <m:sSubPr>
+                          <m:ctrlPr>
+                            <a:rPr lang="en-US" sz="2000" i="1">
+                              <a:latin typeface="Cambria Math" panose="02040503050406030204" pitchFamily="18" charset="0"/>
+                            </a:rPr>
+                          </m:ctrlPr>
+                        </m:sSubPr>
+                        <m:e>
+                          <m:r>
+                            <a:rPr lang="en-US" sz="2000" b="0" i="1" smtClean="0">
+                              <a:latin typeface="Cambria Math" panose="02040503050406030204" pitchFamily="18" charset="0"/>
+                            </a:rPr>
+                            <m:t>11</m:t>
+                          </m:r>
+                          <m:r>
+                            <a:rPr lang="en-US" sz="2000" i="1">
+                              <a:latin typeface="Cambria Math" panose="02040503050406030204" pitchFamily="18" charset="0"/>
+                            </a:rPr>
+                            <m:t>00</m:t>
+                          </m:r>
+                        </m:e>
+                        <m:sub>
+                          <m:r>
+                            <a:rPr lang="en-US" sz="2000" i="1">
+                              <a:latin typeface="Cambria Math" panose="02040503050406030204" pitchFamily="18" charset="0"/>
+                            </a:rPr>
+                            <m:t>2</m:t>
+                          </m:r>
+                        </m:sub>
+                      </m:sSub>
+                      <m:r>
+                        <a:rPr lang="en-US" sz="2000" i="1">
+                          <a:latin typeface="Cambria Math" panose="02040503050406030204" pitchFamily="18" charset="0"/>
+                        </a:rPr>
+                        <m:t>=</m:t>
+                      </m:r>
+                      <m:r>
+                        <a:rPr lang="en-US" sz="2000" b="0" i="1" smtClean="0">
+                          <a:latin typeface="Cambria Math" panose="02040503050406030204" pitchFamily="18" charset="0"/>
+                        </a:rPr>
+                        <m:t>12</m:t>
+                      </m:r>
+                    </m:oMath>
+                  </m:oMathPara>
+                </a14:m>
+                <a:endParaRPr lang="en-US" sz="2000" i="1" dirty="0">
+                  <a:latin typeface="Cambria Math" panose="02040503050406030204" pitchFamily="18" charset="0"/>
+                </a:endParaRPr>
+              </a:p>
+            </p:txBody>
+          </p:sp>
+        </mc:Choice>
+        <mc:Fallback xmlns="">
+          <p:sp>
+            <p:nvSpPr>
+              <p:cNvPr id="15" name="Content Placeholder 2">
+                <a:extLst>
+                  <a:ext uri="{FF2B5EF4-FFF2-40B4-BE49-F238E27FC236}">
+                    <a16:creationId xmlns:a16="http://schemas.microsoft.com/office/drawing/2014/main" id="{A00BDB34-6388-8044-9387-F08D32C593C9}"/>
+                  </a:ext>
+                </a:extLst>
+              </p:cNvPr>
+              <p:cNvSpPr txBox="1">
+                <a:spLocks noRot="1" noChangeAspect="1" noMove="1" noResize="1" noEditPoints="1" noAdjustHandles="1" noChangeArrowheads="1" noChangeShapeType="1" noTextEdit="1"/>
+              </p:cNvSpPr>
+              <p:nvPr/>
+            </p:nvSpPr>
+            <p:spPr>
+              <a:xfrm>
+                <a:off x="1260434" y="2961396"/>
+                <a:ext cx="3321000" cy="3675073"/>
+              </a:xfrm>
+              <a:prstGeom prst="rect">
+                <a:avLst/>
+              </a:prstGeom>
+              <a:blipFill>
+                <a:blip r:embed="rId5"/>
+                <a:stretch>
+                  <a:fillRect l="-379"/>
+                </a:stretch>
+              </a:blipFill>
+              <a:ln>
+                <a:solidFill>
+                  <a:schemeClr val="tx1"/>
+                </a:solidFill>
+              </a:ln>
+            </p:spPr>
+            <p:txBody>
+              <a:bodyPr/>
+              <a:lstStyle/>
+              <a:p>
+                <a:r>
+                  <a:rPr lang="en-US">
+                    <a:noFill/>
+                  </a:rPr>
+                  <a:t> </a:t>
+                </a:r>
+              </a:p>
+            </p:txBody>
+          </p:sp>
+        </mc:Fallback>
+      </mc:AlternateContent>
+      <p:sp>
+        <p:nvSpPr>
+          <p:cNvPr id="21" name="Content Placeholder 2">
+            <a:extLst>
+              <a:ext uri="{FF2B5EF4-FFF2-40B4-BE49-F238E27FC236}">
+                <a16:creationId xmlns:a16="http://schemas.microsoft.com/office/drawing/2014/main" id="{598377E2-B4C9-1046-A045-AE87FD13F5E4}"/>
+              </a:ext>
+            </a:extLst>
+          </p:cNvPr>
+          <p:cNvSpPr txBox="1">
+            <a:spLocks/>
+          </p:cNvSpPr>
+          <p:nvPr/>
+        </p:nvSpPr>
+        <p:spPr>
+          <a:xfrm>
+            <a:off x="5183558" y="5646657"/>
+            <a:ext cx="5723254" cy="989812"/>
+          </a:xfrm>
+          <a:prstGeom prst="rect">
+            <a:avLst/>
+          </a:prstGeom>
+          <a:ln>
+            <a:solidFill>
+              <a:schemeClr val="tx1"/>
+            </a:solidFill>
+          </a:ln>
+        </p:spPr>
+        <p:txBody>
+          <a:bodyPr vert="horz" lIns="91440" tIns="45720" rIns="91440" bIns="45720" rtlCol="0">
+            <a:normAutofit/>
+          </a:bodyPr>
+          <a:lstStyle>
+            <a:lvl1pPr marL="228600" indent="-228600" algn="l" defTabSz="914400" rtl="0" eaLnBrk="1" latinLnBrk="0" hangingPunct="1">
+              <a:lnSpc>
+                <a:spcPct val="120000"/>
+              </a:lnSpc>
+              <a:spcBef>
+                <a:spcPts val="1000"/>
+              </a:spcBef>
+              <a:buSzPct val="125000"/>
+              <a:buFont typeface="Arial" panose="020B0604020202020204" pitchFamily="34" charset="0"/>
+              <a:buChar char="•"/>
+              <a:defRPr sz="2400" kern="1200">
+                <a:solidFill>
+                  <a:schemeClr val="tx1"/>
+                </a:solidFill>
+                <a:latin typeface="+mn-lt"/>
+                <a:ea typeface="+mn-ea"/>
+                <a:cs typeface="+mn-cs"/>
+              </a:defRPr>
+            </a:lvl1pPr>
+            <a:lvl2pPr marL="685800" indent="-228600" algn="l" defTabSz="914400" rtl="0" eaLnBrk="1" latinLnBrk="0" hangingPunct="1">
+              <a:lnSpc>
+                <a:spcPct val="120000"/>
+              </a:lnSpc>
+              <a:spcBef>
+                <a:spcPts val="500"/>
+              </a:spcBef>
+              <a:buSzPct val="125000"/>
+              <a:buFont typeface="Arial" panose="020B0604020202020204" pitchFamily="34" charset="0"/>
+              <a:buChar char="•"/>
+              <a:defRPr sz="2000" kern="1200">
+                <a:solidFill>
+                  <a:schemeClr val="tx1"/>
+                </a:solidFill>
+                <a:latin typeface="+mn-lt"/>
+                <a:ea typeface="+mn-ea"/>
+                <a:cs typeface="+mn-cs"/>
+              </a:defRPr>
+            </a:lvl2pPr>
+            <a:lvl3pPr marL="1143000" indent="-228600" algn="l" defTabSz="914400" rtl="0" eaLnBrk="1" latinLnBrk="0" hangingPunct="1">
+              <a:lnSpc>
+                <a:spcPct val="120000"/>
+              </a:lnSpc>
+              <a:spcBef>
+                <a:spcPts val="500"/>
+              </a:spcBef>
+              <a:buSzPct val="125000"/>
+              <a:buFont typeface="Arial" panose="020B0604020202020204" pitchFamily="34" charset="0"/>
+              <a:buChar char="•"/>
+              <a:defRPr sz="1800" kern="1200">
+                <a:solidFill>
+                  <a:schemeClr val="tx1"/>
+                </a:solidFill>
+                <a:latin typeface="+mn-lt"/>
+                <a:ea typeface="+mn-ea"/>
+                <a:cs typeface="+mn-cs"/>
+              </a:defRPr>
+            </a:lvl3pPr>
+            <a:lvl4pPr marL="1600200" indent="-228600" algn="l" defTabSz="914400" rtl="0" eaLnBrk="1" latinLnBrk="0" hangingPunct="1">
+              <a:lnSpc>
+                <a:spcPct val="120000"/>
+              </a:lnSpc>
+              <a:spcBef>
+                <a:spcPts val="500"/>
+              </a:spcBef>
+              <a:buSzPct val="125000"/>
+              <a:buFont typeface="Arial" panose="020B0604020202020204" pitchFamily="34" charset="0"/>
+              <a:buChar char="•"/>
+              <a:defRPr sz="1600" kern="1200">
+                <a:solidFill>
+                  <a:schemeClr val="tx1"/>
+                </a:solidFill>
+                <a:latin typeface="+mn-lt"/>
+                <a:ea typeface="+mn-ea"/>
+                <a:cs typeface="+mn-cs"/>
+              </a:defRPr>
+            </a:lvl4pPr>
+            <a:lvl5pPr marL="2057400" indent="-228600" algn="l" defTabSz="914400" rtl="0" eaLnBrk="1" latinLnBrk="0" hangingPunct="1">
+              <a:lnSpc>
+                <a:spcPct val="120000"/>
+              </a:lnSpc>
+              <a:spcBef>
+                <a:spcPts val="500"/>
+              </a:spcBef>
+              <a:buSzPct val="125000"/>
+              <a:buFont typeface="Arial" panose="020B0604020202020204" pitchFamily="34" charset="0"/>
+              <a:buChar char="•"/>
+              <a:defRPr sz="1600" kern="1200">
+                <a:solidFill>
+                  <a:schemeClr val="tx1"/>
+                </a:solidFill>
+                <a:latin typeface="+mn-lt"/>
+                <a:ea typeface="+mn-ea"/>
+                <a:cs typeface="+mn-cs"/>
+              </a:defRPr>
+            </a:lvl5pPr>
+            <a:lvl6pPr marL="2514600" indent="-228600" algn="l" defTabSz="914400" rtl="0" eaLnBrk="1" latinLnBrk="0" hangingPunct="1">
+              <a:lnSpc>
+                <a:spcPct val="120000"/>
+              </a:lnSpc>
+              <a:spcBef>
+                <a:spcPts val="500"/>
+              </a:spcBef>
+              <a:buSzPct val="125000"/>
+              <a:buFont typeface="Arial" panose="020B0604020202020204" pitchFamily="34" charset="0"/>
+              <a:buChar char="•"/>
+              <a:defRPr sz="1400" kern="1200">
+                <a:solidFill>
+                  <a:schemeClr val="tx1"/>
+                </a:solidFill>
+                <a:latin typeface="+mn-lt"/>
+                <a:ea typeface="+mn-ea"/>
+                <a:cs typeface="+mn-cs"/>
+              </a:defRPr>
+            </a:lvl6pPr>
+            <a:lvl7pPr marL="2971800" indent="-228600" algn="l" defTabSz="914400" rtl="0" eaLnBrk="1" latinLnBrk="0" hangingPunct="1">
+              <a:lnSpc>
+                <a:spcPct val="120000"/>
+              </a:lnSpc>
+              <a:spcBef>
+                <a:spcPts val="500"/>
+              </a:spcBef>
+              <a:buSzPct val="125000"/>
+              <a:buFont typeface="Arial" panose="020B0604020202020204" pitchFamily="34" charset="0"/>
+              <a:buChar char="•"/>
+              <a:defRPr sz="1400" kern="1200">
+                <a:solidFill>
+                  <a:schemeClr val="tx1"/>
+                </a:solidFill>
+                <a:latin typeface="+mn-lt"/>
+                <a:ea typeface="+mn-ea"/>
+                <a:cs typeface="+mn-cs"/>
+              </a:defRPr>
+            </a:lvl7pPr>
+            <a:lvl8pPr marL="3429000" indent="-228600" algn="l" defTabSz="914400" rtl="0" eaLnBrk="1" latinLnBrk="0" hangingPunct="1">
+              <a:lnSpc>
+                <a:spcPct val="120000"/>
+              </a:lnSpc>
+              <a:spcBef>
+                <a:spcPts val="500"/>
+              </a:spcBef>
+              <a:buSzPct val="125000"/>
+              <a:buFont typeface="Arial" panose="020B0604020202020204" pitchFamily="34" charset="0"/>
+              <a:buChar char="•"/>
+              <a:defRPr sz="1400" kern="1200">
+                <a:solidFill>
+                  <a:schemeClr val="tx1"/>
+                </a:solidFill>
+                <a:latin typeface="+mn-lt"/>
+                <a:ea typeface="+mn-ea"/>
+                <a:cs typeface="+mn-cs"/>
+              </a:defRPr>
+            </a:lvl8pPr>
+            <a:lvl9pPr marL="3886200" indent="-228600" algn="l" defTabSz="914400" rtl="0" eaLnBrk="1" latinLnBrk="0" hangingPunct="1">
+              <a:lnSpc>
+                <a:spcPct val="120000"/>
+              </a:lnSpc>
+              <a:spcBef>
+                <a:spcPts val="500"/>
+              </a:spcBef>
+              <a:buSzPct val="125000"/>
+              <a:buFont typeface="Arial" panose="020B0604020202020204" pitchFamily="34" charset="0"/>
+              <a:buChar char="•"/>
+              <a:defRPr sz="1400" kern="1200">
+                <a:solidFill>
+                  <a:schemeClr val="tx1"/>
+                </a:solidFill>
+                <a:latin typeface="+mn-lt"/>
+                <a:ea typeface="+mn-ea"/>
+                <a:cs typeface="+mn-cs"/>
+              </a:defRPr>
+            </a:lvl9pPr>
+          </a:lstStyle>
+          <a:p>
+            <a:pPr marL="0" indent="0">
+              <a:buFont typeface="Arial" panose="020B0604020202020204" pitchFamily="34" charset="0"/>
+              <a:buNone/>
+            </a:pPr>
+            <a:r>
+              <a:rPr lang="en-US" sz="2000" dirty="0"/>
+              <a:t>Now, let’s do:</a:t>
+            </a:r>
+          </a:p>
+          <a:p>
+            <a:pPr marL="0" indent="0">
+              <a:buFont typeface="Arial" panose="020B0604020202020204" pitchFamily="34" charset="0"/>
+              <a:buNone/>
+            </a:pPr>
+            <a:r>
+              <a:rPr lang="en-US" sz="2000" i="1" dirty="0">
+                <a:latin typeface="Cambria Math" panose="02040503050406030204" pitchFamily="18" charset="0"/>
+              </a:rPr>
+              <a:t>update(3,5)	update(0,10)	</a:t>
+            </a:r>
+          </a:p>
+        </p:txBody>
+      </p:sp>
+    </p:spTree>
+    <p:extLst>
+      <p:ext uri="{BB962C8B-B14F-4D97-AF65-F5344CB8AC3E}">
+        <p14:creationId xmlns:p14="http://schemas.microsoft.com/office/powerpoint/2010/main" val="2327819118"/>
+      </p:ext>
+    </p:extLst>
+  </p:cSld>
+  <p:clrMapOvr>
+    <a:masterClrMapping/>
+  </p:clrMapOvr>
+</p:sld>
+</file>
+
+<file path=ppt/slides/slide18.xml><?xml version="1.0" encoding="utf-8"?>
 <p:sld xmlns:a="http://schemas.openxmlformats.org/drawingml/2006/main" xmlns:r="http://schemas.openxmlformats.org/officeDocument/2006/relationships" xmlns:p="http://schemas.openxmlformats.org/presentationml/2006/main">
   <p:cSld>
     <p:spTree>
@@ -26519,7 +32826,7 @@
 </p:sld>
 </file>
 
-<file path=ppt/slides/slide17.xml><?xml version="1.0" encoding="utf-8"?>
+<file path=ppt/slides/slide19.xml><?xml version="1.0" encoding="utf-8"?>
 <p:sld xmlns:a="http://schemas.openxmlformats.org/drawingml/2006/main" xmlns:r="http://schemas.openxmlformats.org/officeDocument/2006/relationships" xmlns:p="http://schemas.openxmlformats.org/presentationml/2006/main">
   <p:cSld>
     <p:spTree>
@@ -26578,7 +32885,308 @@
 </p:sld>
 </file>
 
-<file path=ppt/slides/slide18.xml><?xml version="1.0" encoding="utf-8"?>
+<file path=ppt/slides/slide2.xml><?xml version="1.0" encoding="utf-8"?>
+<p:sld xmlns:a="http://schemas.openxmlformats.org/drawingml/2006/main" xmlns:r="http://schemas.openxmlformats.org/officeDocument/2006/relationships" xmlns:p="http://schemas.openxmlformats.org/presentationml/2006/main">
+  <p:cSld>
+    <p:spTree>
+      <p:nvGrpSpPr>
+        <p:cNvPr id="1" name=""/>
+        <p:cNvGrpSpPr/>
+        <p:nvPr/>
+      </p:nvGrpSpPr>
+      <p:grpSpPr>
+        <a:xfrm>
+          <a:off x="0" y="0"/>
+          <a:ext cx="0" cy="0"/>
+          <a:chOff x="0" y="0"/>
+          <a:chExt cx="0" cy="0"/>
+        </a:xfrm>
+      </p:grpSpPr>
+      <p:sp>
+        <p:nvSpPr>
+          <p:cNvPr id="2" name="Title 1">
+            <a:extLst>
+              <a:ext uri="{FF2B5EF4-FFF2-40B4-BE49-F238E27FC236}">
+                <a16:creationId xmlns:a16="http://schemas.microsoft.com/office/drawing/2014/main" id="{D63C04CD-2329-4D47-84D9-12CB3EDD9F46}"/>
+              </a:ext>
+            </a:extLst>
+          </p:cNvPr>
+          <p:cNvSpPr>
+            <a:spLocks noGrp="1"/>
+          </p:cNvSpPr>
+          <p:nvPr>
+            <p:ph type="title"/>
+          </p:nvPr>
+        </p:nvSpPr>
+        <p:spPr>
+          <a:xfrm>
+            <a:off x="1141412" y="228903"/>
+            <a:ext cx="9905998" cy="860425"/>
+          </a:xfrm>
+        </p:spPr>
+        <p:txBody>
+          <a:bodyPr/>
+          <a:lstStyle/>
+          <a:p>
+            <a:pPr algn="ctr"/>
+            <a:r>
+              <a:rPr lang="en-US" dirty="0"/>
+              <a:t>Advanced Tree Structures</a:t>
+            </a:r>
+          </a:p>
+        </p:txBody>
+      </p:sp>
+      <p:sp>
+        <p:nvSpPr>
+          <p:cNvPr id="21" name="Content Placeholder 2">
+            <a:extLst>
+              <a:ext uri="{FF2B5EF4-FFF2-40B4-BE49-F238E27FC236}">
+                <a16:creationId xmlns:a16="http://schemas.microsoft.com/office/drawing/2014/main" id="{767E0EDE-F53A-8341-AC3F-C90A9D29D276}"/>
+              </a:ext>
+            </a:extLst>
+          </p:cNvPr>
+          <p:cNvSpPr txBox="1">
+            <a:spLocks/>
+          </p:cNvSpPr>
+          <p:nvPr/>
+        </p:nvSpPr>
+        <p:spPr>
+          <a:xfrm>
+            <a:off x="2856488" y="1310910"/>
+            <a:ext cx="6538365" cy="4763887"/>
+          </a:xfrm>
+          <a:prstGeom prst="rect">
+            <a:avLst/>
+          </a:prstGeom>
+        </p:spPr>
+        <p:txBody>
+          <a:bodyPr vert="horz" lIns="91440" tIns="45720" rIns="91440" bIns="45720" rtlCol="0">
+            <a:normAutofit/>
+          </a:bodyPr>
+          <a:lstStyle>
+            <a:lvl1pPr marL="228600" indent="-228600" algn="l" defTabSz="914400" rtl="0" eaLnBrk="1" latinLnBrk="0" hangingPunct="1">
+              <a:lnSpc>
+                <a:spcPct val="120000"/>
+              </a:lnSpc>
+              <a:spcBef>
+                <a:spcPts val="1000"/>
+              </a:spcBef>
+              <a:buSzPct val="125000"/>
+              <a:buFont typeface="Arial" panose="020B0604020202020204" pitchFamily="34" charset="0"/>
+              <a:buChar char="•"/>
+              <a:defRPr sz="2400" kern="1200">
+                <a:solidFill>
+                  <a:schemeClr val="tx1"/>
+                </a:solidFill>
+                <a:latin typeface="+mn-lt"/>
+                <a:ea typeface="+mn-ea"/>
+                <a:cs typeface="+mn-cs"/>
+              </a:defRPr>
+            </a:lvl1pPr>
+            <a:lvl2pPr marL="685800" indent="-228600" algn="l" defTabSz="914400" rtl="0" eaLnBrk="1" latinLnBrk="0" hangingPunct="1">
+              <a:lnSpc>
+                <a:spcPct val="120000"/>
+              </a:lnSpc>
+              <a:spcBef>
+                <a:spcPts val="500"/>
+              </a:spcBef>
+              <a:buSzPct val="125000"/>
+              <a:buFont typeface="Arial" panose="020B0604020202020204" pitchFamily="34" charset="0"/>
+              <a:buChar char="•"/>
+              <a:defRPr sz="2000" kern="1200">
+                <a:solidFill>
+                  <a:schemeClr val="tx1"/>
+                </a:solidFill>
+                <a:latin typeface="+mn-lt"/>
+                <a:ea typeface="+mn-ea"/>
+                <a:cs typeface="+mn-cs"/>
+              </a:defRPr>
+            </a:lvl2pPr>
+            <a:lvl3pPr marL="1143000" indent="-228600" algn="l" defTabSz="914400" rtl="0" eaLnBrk="1" latinLnBrk="0" hangingPunct="1">
+              <a:lnSpc>
+                <a:spcPct val="120000"/>
+              </a:lnSpc>
+              <a:spcBef>
+                <a:spcPts val="500"/>
+              </a:spcBef>
+              <a:buSzPct val="125000"/>
+              <a:buFont typeface="Arial" panose="020B0604020202020204" pitchFamily="34" charset="0"/>
+              <a:buChar char="•"/>
+              <a:defRPr sz="1800" kern="1200">
+                <a:solidFill>
+                  <a:schemeClr val="tx1"/>
+                </a:solidFill>
+                <a:latin typeface="+mn-lt"/>
+                <a:ea typeface="+mn-ea"/>
+                <a:cs typeface="+mn-cs"/>
+              </a:defRPr>
+            </a:lvl3pPr>
+            <a:lvl4pPr marL="1600200" indent="-228600" algn="l" defTabSz="914400" rtl="0" eaLnBrk="1" latinLnBrk="0" hangingPunct="1">
+              <a:lnSpc>
+                <a:spcPct val="120000"/>
+              </a:lnSpc>
+              <a:spcBef>
+                <a:spcPts val="500"/>
+              </a:spcBef>
+              <a:buSzPct val="125000"/>
+              <a:buFont typeface="Arial" panose="020B0604020202020204" pitchFamily="34" charset="0"/>
+              <a:buChar char="•"/>
+              <a:defRPr sz="1600" kern="1200">
+                <a:solidFill>
+                  <a:schemeClr val="tx1"/>
+                </a:solidFill>
+                <a:latin typeface="+mn-lt"/>
+                <a:ea typeface="+mn-ea"/>
+                <a:cs typeface="+mn-cs"/>
+              </a:defRPr>
+            </a:lvl4pPr>
+            <a:lvl5pPr marL="2057400" indent="-228600" algn="l" defTabSz="914400" rtl="0" eaLnBrk="1" latinLnBrk="0" hangingPunct="1">
+              <a:lnSpc>
+                <a:spcPct val="120000"/>
+              </a:lnSpc>
+              <a:spcBef>
+                <a:spcPts val="500"/>
+              </a:spcBef>
+              <a:buSzPct val="125000"/>
+              <a:buFont typeface="Arial" panose="020B0604020202020204" pitchFamily="34" charset="0"/>
+              <a:buChar char="•"/>
+              <a:defRPr sz="1600" kern="1200">
+                <a:solidFill>
+                  <a:schemeClr val="tx1"/>
+                </a:solidFill>
+                <a:latin typeface="+mn-lt"/>
+                <a:ea typeface="+mn-ea"/>
+                <a:cs typeface="+mn-cs"/>
+              </a:defRPr>
+            </a:lvl5pPr>
+            <a:lvl6pPr marL="2514600" indent="-228600" algn="l" defTabSz="914400" rtl="0" eaLnBrk="1" latinLnBrk="0" hangingPunct="1">
+              <a:lnSpc>
+                <a:spcPct val="120000"/>
+              </a:lnSpc>
+              <a:spcBef>
+                <a:spcPts val="500"/>
+              </a:spcBef>
+              <a:buSzPct val="125000"/>
+              <a:buFont typeface="Arial" panose="020B0604020202020204" pitchFamily="34" charset="0"/>
+              <a:buChar char="•"/>
+              <a:defRPr sz="1400" kern="1200">
+                <a:solidFill>
+                  <a:schemeClr val="tx1"/>
+                </a:solidFill>
+                <a:latin typeface="+mn-lt"/>
+                <a:ea typeface="+mn-ea"/>
+                <a:cs typeface="+mn-cs"/>
+              </a:defRPr>
+            </a:lvl6pPr>
+            <a:lvl7pPr marL="2971800" indent="-228600" algn="l" defTabSz="914400" rtl="0" eaLnBrk="1" latinLnBrk="0" hangingPunct="1">
+              <a:lnSpc>
+                <a:spcPct val="120000"/>
+              </a:lnSpc>
+              <a:spcBef>
+                <a:spcPts val="500"/>
+              </a:spcBef>
+              <a:buSzPct val="125000"/>
+              <a:buFont typeface="Arial" panose="020B0604020202020204" pitchFamily="34" charset="0"/>
+              <a:buChar char="•"/>
+              <a:defRPr sz="1400" kern="1200">
+                <a:solidFill>
+                  <a:schemeClr val="tx1"/>
+                </a:solidFill>
+                <a:latin typeface="+mn-lt"/>
+                <a:ea typeface="+mn-ea"/>
+                <a:cs typeface="+mn-cs"/>
+              </a:defRPr>
+            </a:lvl7pPr>
+            <a:lvl8pPr marL="3429000" indent="-228600" algn="l" defTabSz="914400" rtl="0" eaLnBrk="1" latinLnBrk="0" hangingPunct="1">
+              <a:lnSpc>
+                <a:spcPct val="120000"/>
+              </a:lnSpc>
+              <a:spcBef>
+                <a:spcPts val="500"/>
+              </a:spcBef>
+              <a:buSzPct val="125000"/>
+              <a:buFont typeface="Arial" panose="020B0604020202020204" pitchFamily="34" charset="0"/>
+              <a:buChar char="•"/>
+              <a:defRPr sz="1400" kern="1200">
+                <a:solidFill>
+                  <a:schemeClr val="tx1"/>
+                </a:solidFill>
+                <a:latin typeface="+mn-lt"/>
+                <a:ea typeface="+mn-ea"/>
+                <a:cs typeface="+mn-cs"/>
+              </a:defRPr>
+            </a:lvl8pPr>
+            <a:lvl9pPr marL="3886200" indent="-228600" algn="l" defTabSz="914400" rtl="0" eaLnBrk="1" latinLnBrk="0" hangingPunct="1">
+              <a:lnSpc>
+                <a:spcPct val="120000"/>
+              </a:lnSpc>
+              <a:spcBef>
+                <a:spcPts val="500"/>
+              </a:spcBef>
+              <a:buSzPct val="125000"/>
+              <a:buFont typeface="Arial" panose="020B0604020202020204" pitchFamily="34" charset="0"/>
+              <a:buChar char="•"/>
+              <a:defRPr sz="1400" kern="1200">
+                <a:solidFill>
+                  <a:schemeClr val="tx1"/>
+                </a:solidFill>
+                <a:latin typeface="+mn-lt"/>
+                <a:ea typeface="+mn-ea"/>
+                <a:cs typeface="+mn-cs"/>
+              </a:defRPr>
+            </a:lvl9pPr>
+          </a:lstStyle>
+          <a:p>
+            <a:pPr marL="0" indent="0">
+              <a:buFont typeface="Arial" panose="020B0604020202020204" pitchFamily="34" charset="0"/>
+              <a:buNone/>
+            </a:pPr>
+            <a:endParaRPr lang="en-US" sz="2000" i="1" dirty="0"/>
+          </a:p>
+          <a:p>
+            <a:pPr marL="0" indent="0">
+              <a:buFont typeface="Arial" panose="020B0604020202020204" pitchFamily="34" charset="0"/>
+              <a:buNone/>
+            </a:pPr>
+            <a:r>
+              <a:rPr lang="en-US" sz="2000" i="1" u="sng" dirty="0"/>
+              <a:t>In this deck we will look at</a:t>
+            </a:r>
+            <a:r>
+              <a:rPr lang="en-US" sz="2000" i="1" dirty="0"/>
+              <a:t>:</a:t>
+            </a:r>
+          </a:p>
+          <a:p>
+            <a:pPr marL="0" indent="0">
+              <a:buFont typeface="Arial" panose="020B0604020202020204" pitchFamily="34" charset="0"/>
+              <a:buNone/>
+            </a:pPr>
+            <a:r>
+              <a:rPr lang="en-US" sz="2000" i="1" dirty="0"/>
+              <a:t>	- </a:t>
+            </a:r>
+            <a:r>
+              <a:rPr lang="en-US" sz="2000" b="1" i="1" dirty="0"/>
+              <a:t>Fenwick Trees</a:t>
+            </a:r>
+          </a:p>
+        </p:txBody>
+      </p:sp>
+    </p:spTree>
+    <p:extLst>
+      <p:ext uri="{BB962C8B-B14F-4D97-AF65-F5344CB8AC3E}">
+        <p14:creationId xmlns:p14="http://schemas.microsoft.com/office/powerpoint/2010/main" val="1922674425"/>
+      </p:ext>
+    </p:extLst>
+  </p:cSld>
+  <p:clrMapOvr>
+    <a:masterClrMapping/>
+  </p:clrMapOvr>
+</p:sld>
+</file>
+
+<file path=ppt/slides/slide20.xml><?xml version="1.0" encoding="utf-8"?>
 <p:sld xmlns:a="http://schemas.openxmlformats.org/drawingml/2006/main" xmlns:r="http://schemas.openxmlformats.org/officeDocument/2006/relationships" xmlns:p="http://schemas.openxmlformats.org/presentationml/2006/main">
   <p:cSld>
     <p:spTree>
@@ -26875,8 +33483,8 @@
           </a:prstGeom>
         </p:spPr>
       </p:pic>
-      <mc:AlternateContent xmlns:mc="http://schemas.openxmlformats.org/markup-compatibility/2006">
-        <mc:Choice xmlns:a14="http://schemas.microsoft.com/office/drawing/2010/main" Requires="a14">
+      <mc:AlternateContent xmlns:mc="http://schemas.openxmlformats.org/markup-compatibility/2006" xmlns:a14="http://schemas.microsoft.com/office/drawing/2010/main">
+        <mc:Choice Requires="a14">
           <p:sp>
             <p:nvSpPr>
               <p:cNvPr id="6" name="Content Placeholder 2">
@@ -27199,7 +33807,7 @@
             </p:txBody>
           </p:sp>
         </mc:Choice>
-        <mc:Fallback>
+        <mc:Fallback xmlns="">
           <p:sp>
             <p:nvSpPr>
               <p:cNvPr id="6" name="Content Placeholder 2">
@@ -27300,7 +33908,7 @@
 </p:sld>
 </file>
 
-<file path=ppt/slides/slide19.xml><?xml version="1.0" encoding="utf-8"?>
+<file path=ppt/slides/slide21.xml><?xml version="1.0" encoding="utf-8"?>
 <p:sld xmlns:a="http://schemas.openxmlformats.org/drawingml/2006/main" xmlns:r="http://schemas.openxmlformats.org/officeDocument/2006/relationships" xmlns:p="http://schemas.openxmlformats.org/presentationml/2006/main">
   <p:cSld>
     <p:spTree>
@@ -27908,308 +34516,7 @@
 </p:sld>
 </file>
 
-<file path=ppt/slides/slide2.xml><?xml version="1.0" encoding="utf-8"?>
-<p:sld xmlns:a="http://schemas.openxmlformats.org/drawingml/2006/main" xmlns:r="http://schemas.openxmlformats.org/officeDocument/2006/relationships" xmlns:p="http://schemas.openxmlformats.org/presentationml/2006/main">
-  <p:cSld>
-    <p:spTree>
-      <p:nvGrpSpPr>
-        <p:cNvPr id="1" name=""/>
-        <p:cNvGrpSpPr/>
-        <p:nvPr/>
-      </p:nvGrpSpPr>
-      <p:grpSpPr>
-        <a:xfrm>
-          <a:off x="0" y="0"/>
-          <a:ext cx="0" cy="0"/>
-          <a:chOff x="0" y="0"/>
-          <a:chExt cx="0" cy="0"/>
-        </a:xfrm>
-      </p:grpSpPr>
-      <p:sp>
-        <p:nvSpPr>
-          <p:cNvPr id="2" name="Title 1">
-            <a:extLst>
-              <a:ext uri="{FF2B5EF4-FFF2-40B4-BE49-F238E27FC236}">
-                <a16:creationId xmlns:a16="http://schemas.microsoft.com/office/drawing/2014/main" id="{D63C04CD-2329-4D47-84D9-12CB3EDD9F46}"/>
-              </a:ext>
-            </a:extLst>
-          </p:cNvPr>
-          <p:cNvSpPr>
-            <a:spLocks noGrp="1"/>
-          </p:cNvSpPr>
-          <p:nvPr>
-            <p:ph type="title"/>
-          </p:nvPr>
-        </p:nvSpPr>
-        <p:spPr>
-          <a:xfrm>
-            <a:off x="1141412" y="228903"/>
-            <a:ext cx="9905998" cy="860425"/>
-          </a:xfrm>
-        </p:spPr>
-        <p:txBody>
-          <a:bodyPr/>
-          <a:lstStyle/>
-          <a:p>
-            <a:pPr algn="ctr"/>
-            <a:r>
-              <a:rPr lang="en-US" dirty="0"/>
-              <a:t>Advanced Tree Structures</a:t>
-            </a:r>
-          </a:p>
-        </p:txBody>
-      </p:sp>
-      <p:sp>
-        <p:nvSpPr>
-          <p:cNvPr id="21" name="Content Placeholder 2">
-            <a:extLst>
-              <a:ext uri="{FF2B5EF4-FFF2-40B4-BE49-F238E27FC236}">
-                <a16:creationId xmlns:a16="http://schemas.microsoft.com/office/drawing/2014/main" id="{767E0EDE-F53A-8341-AC3F-C90A9D29D276}"/>
-              </a:ext>
-            </a:extLst>
-          </p:cNvPr>
-          <p:cNvSpPr txBox="1">
-            <a:spLocks/>
-          </p:cNvSpPr>
-          <p:nvPr/>
-        </p:nvSpPr>
-        <p:spPr>
-          <a:xfrm>
-            <a:off x="2856488" y="1310910"/>
-            <a:ext cx="6538365" cy="4763887"/>
-          </a:xfrm>
-          <a:prstGeom prst="rect">
-            <a:avLst/>
-          </a:prstGeom>
-        </p:spPr>
-        <p:txBody>
-          <a:bodyPr vert="horz" lIns="91440" tIns="45720" rIns="91440" bIns="45720" rtlCol="0">
-            <a:normAutofit/>
-          </a:bodyPr>
-          <a:lstStyle>
-            <a:lvl1pPr marL="228600" indent="-228600" algn="l" defTabSz="914400" rtl="0" eaLnBrk="1" latinLnBrk="0" hangingPunct="1">
-              <a:lnSpc>
-                <a:spcPct val="120000"/>
-              </a:lnSpc>
-              <a:spcBef>
-                <a:spcPts val="1000"/>
-              </a:spcBef>
-              <a:buSzPct val="125000"/>
-              <a:buFont typeface="Arial" panose="020B0604020202020204" pitchFamily="34" charset="0"/>
-              <a:buChar char="•"/>
-              <a:defRPr sz="2400" kern="1200">
-                <a:solidFill>
-                  <a:schemeClr val="tx1"/>
-                </a:solidFill>
-                <a:latin typeface="+mn-lt"/>
-                <a:ea typeface="+mn-ea"/>
-                <a:cs typeface="+mn-cs"/>
-              </a:defRPr>
-            </a:lvl1pPr>
-            <a:lvl2pPr marL="685800" indent="-228600" algn="l" defTabSz="914400" rtl="0" eaLnBrk="1" latinLnBrk="0" hangingPunct="1">
-              <a:lnSpc>
-                <a:spcPct val="120000"/>
-              </a:lnSpc>
-              <a:spcBef>
-                <a:spcPts val="500"/>
-              </a:spcBef>
-              <a:buSzPct val="125000"/>
-              <a:buFont typeface="Arial" panose="020B0604020202020204" pitchFamily="34" charset="0"/>
-              <a:buChar char="•"/>
-              <a:defRPr sz="2000" kern="1200">
-                <a:solidFill>
-                  <a:schemeClr val="tx1"/>
-                </a:solidFill>
-                <a:latin typeface="+mn-lt"/>
-                <a:ea typeface="+mn-ea"/>
-                <a:cs typeface="+mn-cs"/>
-              </a:defRPr>
-            </a:lvl2pPr>
-            <a:lvl3pPr marL="1143000" indent="-228600" algn="l" defTabSz="914400" rtl="0" eaLnBrk="1" latinLnBrk="0" hangingPunct="1">
-              <a:lnSpc>
-                <a:spcPct val="120000"/>
-              </a:lnSpc>
-              <a:spcBef>
-                <a:spcPts val="500"/>
-              </a:spcBef>
-              <a:buSzPct val="125000"/>
-              <a:buFont typeface="Arial" panose="020B0604020202020204" pitchFamily="34" charset="0"/>
-              <a:buChar char="•"/>
-              <a:defRPr sz="1800" kern="1200">
-                <a:solidFill>
-                  <a:schemeClr val="tx1"/>
-                </a:solidFill>
-                <a:latin typeface="+mn-lt"/>
-                <a:ea typeface="+mn-ea"/>
-                <a:cs typeface="+mn-cs"/>
-              </a:defRPr>
-            </a:lvl3pPr>
-            <a:lvl4pPr marL="1600200" indent="-228600" algn="l" defTabSz="914400" rtl="0" eaLnBrk="1" latinLnBrk="0" hangingPunct="1">
-              <a:lnSpc>
-                <a:spcPct val="120000"/>
-              </a:lnSpc>
-              <a:spcBef>
-                <a:spcPts val="500"/>
-              </a:spcBef>
-              <a:buSzPct val="125000"/>
-              <a:buFont typeface="Arial" panose="020B0604020202020204" pitchFamily="34" charset="0"/>
-              <a:buChar char="•"/>
-              <a:defRPr sz="1600" kern="1200">
-                <a:solidFill>
-                  <a:schemeClr val="tx1"/>
-                </a:solidFill>
-                <a:latin typeface="+mn-lt"/>
-                <a:ea typeface="+mn-ea"/>
-                <a:cs typeface="+mn-cs"/>
-              </a:defRPr>
-            </a:lvl4pPr>
-            <a:lvl5pPr marL="2057400" indent="-228600" algn="l" defTabSz="914400" rtl="0" eaLnBrk="1" latinLnBrk="0" hangingPunct="1">
-              <a:lnSpc>
-                <a:spcPct val="120000"/>
-              </a:lnSpc>
-              <a:spcBef>
-                <a:spcPts val="500"/>
-              </a:spcBef>
-              <a:buSzPct val="125000"/>
-              <a:buFont typeface="Arial" panose="020B0604020202020204" pitchFamily="34" charset="0"/>
-              <a:buChar char="•"/>
-              <a:defRPr sz="1600" kern="1200">
-                <a:solidFill>
-                  <a:schemeClr val="tx1"/>
-                </a:solidFill>
-                <a:latin typeface="+mn-lt"/>
-                <a:ea typeface="+mn-ea"/>
-                <a:cs typeface="+mn-cs"/>
-              </a:defRPr>
-            </a:lvl5pPr>
-            <a:lvl6pPr marL="2514600" indent="-228600" algn="l" defTabSz="914400" rtl="0" eaLnBrk="1" latinLnBrk="0" hangingPunct="1">
-              <a:lnSpc>
-                <a:spcPct val="120000"/>
-              </a:lnSpc>
-              <a:spcBef>
-                <a:spcPts val="500"/>
-              </a:spcBef>
-              <a:buSzPct val="125000"/>
-              <a:buFont typeface="Arial" panose="020B0604020202020204" pitchFamily="34" charset="0"/>
-              <a:buChar char="•"/>
-              <a:defRPr sz="1400" kern="1200">
-                <a:solidFill>
-                  <a:schemeClr val="tx1"/>
-                </a:solidFill>
-                <a:latin typeface="+mn-lt"/>
-                <a:ea typeface="+mn-ea"/>
-                <a:cs typeface="+mn-cs"/>
-              </a:defRPr>
-            </a:lvl6pPr>
-            <a:lvl7pPr marL="2971800" indent="-228600" algn="l" defTabSz="914400" rtl="0" eaLnBrk="1" latinLnBrk="0" hangingPunct="1">
-              <a:lnSpc>
-                <a:spcPct val="120000"/>
-              </a:lnSpc>
-              <a:spcBef>
-                <a:spcPts val="500"/>
-              </a:spcBef>
-              <a:buSzPct val="125000"/>
-              <a:buFont typeface="Arial" panose="020B0604020202020204" pitchFamily="34" charset="0"/>
-              <a:buChar char="•"/>
-              <a:defRPr sz="1400" kern="1200">
-                <a:solidFill>
-                  <a:schemeClr val="tx1"/>
-                </a:solidFill>
-                <a:latin typeface="+mn-lt"/>
-                <a:ea typeface="+mn-ea"/>
-                <a:cs typeface="+mn-cs"/>
-              </a:defRPr>
-            </a:lvl7pPr>
-            <a:lvl8pPr marL="3429000" indent="-228600" algn="l" defTabSz="914400" rtl="0" eaLnBrk="1" latinLnBrk="0" hangingPunct="1">
-              <a:lnSpc>
-                <a:spcPct val="120000"/>
-              </a:lnSpc>
-              <a:spcBef>
-                <a:spcPts val="500"/>
-              </a:spcBef>
-              <a:buSzPct val="125000"/>
-              <a:buFont typeface="Arial" panose="020B0604020202020204" pitchFamily="34" charset="0"/>
-              <a:buChar char="•"/>
-              <a:defRPr sz="1400" kern="1200">
-                <a:solidFill>
-                  <a:schemeClr val="tx1"/>
-                </a:solidFill>
-                <a:latin typeface="+mn-lt"/>
-                <a:ea typeface="+mn-ea"/>
-                <a:cs typeface="+mn-cs"/>
-              </a:defRPr>
-            </a:lvl8pPr>
-            <a:lvl9pPr marL="3886200" indent="-228600" algn="l" defTabSz="914400" rtl="0" eaLnBrk="1" latinLnBrk="0" hangingPunct="1">
-              <a:lnSpc>
-                <a:spcPct val="120000"/>
-              </a:lnSpc>
-              <a:spcBef>
-                <a:spcPts val="500"/>
-              </a:spcBef>
-              <a:buSzPct val="125000"/>
-              <a:buFont typeface="Arial" panose="020B0604020202020204" pitchFamily="34" charset="0"/>
-              <a:buChar char="•"/>
-              <a:defRPr sz="1400" kern="1200">
-                <a:solidFill>
-                  <a:schemeClr val="tx1"/>
-                </a:solidFill>
-                <a:latin typeface="+mn-lt"/>
-                <a:ea typeface="+mn-ea"/>
-                <a:cs typeface="+mn-cs"/>
-              </a:defRPr>
-            </a:lvl9pPr>
-          </a:lstStyle>
-          <a:p>
-            <a:pPr marL="0" indent="0">
-              <a:buFont typeface="Arial" panose="020B0604020202020204" pitchFamily="34" charset="0"/>
-              <a:buNone/>
-            </a:pPr>
-            <a:endParaRPr lang="en-US" sz="2000" i="1" dirty="0"/>
-          </a:p>
-          <a:p>
-            <a:pPr marL="0" indent="0">
-              <a:buFont typeface="Arial" panose="020B0604020202020204" pitchFamily="34" charset="0"/>
-              <a:buNone/>
-            </a:pPr>
-            <a:r>
-              <a:rPr lang="en-US" sz="2000" i="1" u="sng" dirty="0"/>
-              <a:t>In this deck we will look at</a:t>
-            </a:r>
-            <a:r>
-              <a:rPr lang="en-US" sz="2000" i="1" dirty="0"/>
-              <a:t>:</a:t>
-            </a:r>
-          </a:p>
-          <a:p>
-            <a:pPr marL="0" indent="0">
-              <a:buFont typeface="Arial" panose="020B0604020202020204" pitchFamily="34" charset="0"/>
-              <a:buNone/>
-            </a:pPr>
-            <a:r>
-              <a:rPr lang="en-US" sz="2000" i="1" dirty="0"/>
-              <a:t>	- </a:t>
-            </a:r>
-            <a:r>
-              <a:rPr lang="en-US" sz="2000" b="1" i="1" dirty="0"/>
-              <a:t>Fenwick Trees</a:t>
-            </a:r>
-          </a:p>
-        </p:txBody>
-      </p:sp>
-    </p:spTree>
-    <p:extLst>
-      <p:ext uri="{BB962C8B-B14F-4D97-AF65-F5344CB8AC3E}">
-        <p14:creationId xmlns:p14="http://schemas.microsoft.com/office/powerpoint/2010/main" val="1922674425"/>
-      </p:ext>
-    </p:extLst>
-  </p:cSld>
-  <p:clrMapOvr>
-    <a:masterClrMapping/>
-  </p:clrMapOvr>
-</p:sld>
-</file>
-
-<file path=ppt/slides/slide20.xml><?xml version="1.0" encoding="utf-8"?>
+<file path=ppt/slides/slide22.xml><?xml version="1.0" encoding="utf-8"?>
 <p:sld xmlns:a="http://schemas.openxmlformats.org/drawingml/2006/main" xmlns:r="http://schemas.openxmlformats.org/officeDocument/2006/relationships" xmlns:p="http://schemas.openxmlformats.org/presentationml/2006/main">
   <p:cSld>
     <p:spTree>
@@ -28290,8 +34597,8 @@
           </a:prstGeom>
         </p:spPr>
       </p:pic>
-      <mc:AlternateContent xmlns:mc="http://schemas.openxmlformats.org/markup-compatibility/2006">
-        <mc:Choice xmlns:a14="http://schemas.microsoft.com/office/drawing/2010/main" Requires="a14">
+      <mc:AlternateContent xmlns:mc="http://schemas.openxmlformats.org/markup-compatibility/2006" xmlns:a14="http://schemas.microsoft.com/office/drawing/2010/main">
+        <mc:Choice Requires="a14">
           <p:sp>
             <p:nvSpPr>
               <p:cNvPr id="9" name="Content Placeholder 2">
@@ -29188,7 +35495,7 @@
             </p:txBody>
           </p:sp>
         </mc:Choice>
-        <mc:Fallback>
+        <mc:Fallback xmlns="">
           <p:sp>
             <p:nvSpPr>
               <p:cNvPr id="9" name="Content Placeholder 2">
@@ -29238,8 +35545,8 @@
           </p:sp>
         </mc:Fallback>
       </mc:AlternateContent>
-      <mc:AlternateContent xmlns:mc="http://schemas.openxmlformats.org/markup-compatibility/2006">
-        <mc:Choice xmlns:a14="http://schemas.microsoft.com/office/drawing/2010/main" Requires="a14">
+      <mc:AlternateContent xmlns:mc="http://schemas.openxmlformats.org/markup-compatibility/2006" xmlns:a14="http://schemas.microsoft.com/office/drawing/2010/main">
+        <mc:Choice Requires="a14">
           <p:sp>
             <p:nvSpPr>
               <p:cNvPr id="10" name="Content Placeholder 2">
@@ -29514,7 +35821,7 @@
             </p:txBody>
           </p:sp>
         </mc:Choice>
-        <mc:Fallback>
+        <mc:Fallback xmlns="">
           <p:sp>
             <p:nvSpPr>
               <p:cNvPr id="10" name="Content Placeholder 2">
@@ -29602,8 +35909,8 @@
           </a:fontRef>
         </p:style>
       </p:cxnSp>
-      <mc:AlternateContent xmlns:mc="http://schemas.openxmlformats.org/markup-compatibility/2006">
-        <mc:Choice xmlns:a14="http://schemas.microsoft.com/office/drawing/2010/main" Requires="a14">
+      <mc:AlternateContent xmlns:mc="http://schemas.openxmlformats.org/markup-compatibility/2006" xmlns:a14="http://schemas.microsoft.com/office/drawing/2010/main">
+        <mc:Choice Requires="a14">
           <p:sp>
             <p:nvSpPr>
               <p:cNvPr id="13" name="Content Placeholder 2">
@@ -29937,7 +36244,7 @@
             </p:txBody>
           </p:sp>
         </mc:Choice>
-        <mc:Fallback>
+        <mc:Fallback xmlns="">
           <p:sp>
             <p:nvSpPr>
               <p:cNvPr id="13" name="Content Placeholder 2">
@@ -29982,8 +36289,8 @@
           </p:sp>
         </mc:Fallback>
       </mc:AlternateContent>
-      <mc:AlternateContent xmlns:mc="http://schemas.openxmlformats.org/markup-compatibility/2006">
-        <mc:Choice xmlns:a14="http://schemas.microsoft.com/office/drawing/2010/main" Requires="a14">
+      <mc:AlternateContent xmlns:mc="http://schemas.openxmlformats.org/markup-compatibility/2006" xmlns:a14="http://schemas.microsoft.com/office/drawing/2010/main">
+        <mc:Choice Requires="a14">
           <p:sp>
             <p:nvSpPr>
               <p:cNvPr id="14" name="Content Placeholder 2">
@@ -30017,7 +36324,7 @@
             </p:spPr>
             <p:txBody>
               <a:bodyPr vert="horz" lIns="91440" tIns="45720" rIns="91440" bIns="45720" rtlCol="0" anchor="ctr">
-                <a:normAutofit fontScale="92500" lnSpcReduction="10000"/>
+                <a:normAutofit fontScale="77500" lnSpcReduction="20000"/>
               </a:bodyPr>
               <a:lstStyle>
                 <a:lvl1pPr marL="228600" indent="-228600" algn="l" defTabSz="914400" rtl="0" eaLnBrk="1" latinLnBrk="0" hangingPunct="1">
@@ -30224,16 +36531,7 @@
                           </a:solidFill>
                           <a:latin typeface="Cambria Math" panose="02040503050406030204" pitchFamily="18" charset="0"/>
                         </a:rPr>
-                        <m:t>={0, 1, 2, 3, 4, 5, 6, 7, 8, 9, 10, 11, 12, 13, 14</m:t>
-                      </m:r>
-                      <m:r>
-                        <a:rPr lang="en-US" sz="3400" b="0" i="1" smtClean="0">
-                          <a:solidFill>
-                            <a:sysClr val="windowText" lastClr="000000"/>
-                          </a:solidFill>
-                          <a:latin typeface="Cambria Math" panose="02040503050406030204" pitchFamily="18" charset="0"/>
-                        </a:rPr>
-                        <m:t>}</m:t>
+                        <m:t>={0, 1, 2, 3, 4, 5, 6, 7, 8, 9, 10, 11, 12, 13, 14}</m:t>
                       </m:r>
                     </m:oMath>
                   </m:oMathPara>
@@ -30247,7 +36545,7 @@
             </p:txBody>
           </p:sp>
         </mc:Choice>
-        <mc:Fallback>
+        <mc:Fallback xmlns="">
           <p:sp>
             <p:nvSpPr>
               <p:cNvPr id="14" name="Content Placeholder 2">
@@ -30273,7 +36571,7 @@
               <a:blipFill>
                 <a:blip r:embed="rId6"/>
                 <a:stretch>
-                  <a:fillRect b="-20930"/>
+                  <a:fillRect b="-13953"/>
                 </a:stretch>
               </a:blipFill>
               <a:ln>
@@ -30297,8 +36595,8 @@
           </p:sp>
         </mc:Fallback>
       </mc:AlternateContent>
-      <mc:AlternateContent xmlns:mc="http://schemas.openxmlformats.org/markup-compatibility/2006">
-        <mc:Choice xmlns:a14="http://schemas.microsoft.com/office/drawing/2010/main" Requires="a14">
+      <mc:AlternateContent xmlns:mc="http://schemas.openxmlformats.org/markup-compatibility/2006" xmlns:a14="http://schemas.microsoft.com/office/drawing/2010/main">
+        <mc:Choice Requires="a14">
           <p:sp>
             <p:nvSpPr>
               <p:cNvPr id="15" name="Content Placeholder 2">
@@ -30643,7 +36941,7 @@
             </p:txBody>
           </p:sp>
         </mc:Choice>
-        <mc:Fallback>
+        <mc:Fallback xmlns="">
           <p:sp>
             <p:nvSpPr>
               <p:cNvPr id="15" name="Content Placeholder 2">
@@ -30776,8 +37074,8 @@
           </a:fontRef>
         </p:style>
       </p:cxnSp>
-      <mc:AlternateContent xmlns:mc="http://schemas.openxmlformats.org/markup-compatibility/2006">
-        <mc:Choice xmlns:a14="http://schemas.microsoft.com/office/drawing/2010/main" Requires="a14">
+      <mc:AlternateContent xmlns:mc="http://schemas.openxmlformats.org/markup-compatibility/2006" xmlns:a14="http://schemas.microsoft.com/office/drawing/2010/main">
+        <mc:Choice Requires="a14">
           <p:sp>
             <p:nvSpPr>
               <p:cNvPr id="22" name="Content Placeholder 2">
@@ -31081,7 +37379,7 @@
             </p:txBody>
           </p:sp>
         </mc:Choice>
-        <mc:Fallback>
+        <mc:Fallback xmlns="">
           <p:sp>
             <p:nvSpPr>
               <p:cNvPr id="22" name="Content Placeholder 2">
@@ -31139,7 +37437,7 @@
 </p:sld>
 </file>
 
-<file path=ppt/slides/slide21.xml><?xml version="1.0" encoding="utf-8"?>
+<file path=ppt/slides/slide23.xml><?xml version="1.0" encoding="utf-8"?>
 <p:sld xmlns:a="http://schemas.openxmlformats.org/drawingml/2006/main" xmlns:r="http://schemas.openxmlformats.org/officeDocument/2006/relationships" xmlns:p="http://schemas.openxmlformats.org/presentationml/2006/main">
   <p:cSld>
     <p:spTree>
@@ -31198,7 +37496,7 @@
 </p:sld>
 </file>
 
-<file path=ppt/slides/slide22.xml><?xml version="1.0" encoding="utf-8"?>
+<file path=ppt/slides/slide24.xml><?xml version="1.0" encoding="utf-8"?>
 <p:sld xmlns:a="http://schemas.openxmlformats.org/drawingml/2006/main" xmlns:r="http://schemas.openxmlformats.org/officeDocument/2006/relationships" xmlns:p="http://schemas.openxmlformats.org/presentationml/2006/main">
   <p:cSld>
     <p:spTree>
@@ -31784,7 +38082,7 @@
 </p:sld>
 </file>
 
-<file path=ppt/slides/slide23.xml><?xml version="1.0" encoding="utf-8"?>
+<file path=ppt/slides/slide25.xml><?xml version="1.0" encoding="utf-8"?>
 <p:sld xmlns:a="http://schemas.openxmlformats.org/drawingml/2006/main" xmlns:r="http://schemas.openxmlformats.org/officeDocument/2006/relationships" xmlns:p="http://schemas.openxmlformats.org/presentationml/2006/main">
   <p:cSld>
     <p:spTree>
@@ -31843,7 +38141,7 @@
 </p:sld>
 </file>
 
-<file path=ppt/slides/slide24.xml><?xml version="1.0" encoding="utf-8"?>
+<file path=ppt/slides/slide26.xml><?xml version="1.0" encoding="utf-8"?>
 <p:sld xmlns:a="http://schemas.openxmlformats.org/drawingml/2006/main" xmlns:r="http://schemas.openxmlformats.org/officeDocument/2006/relationships" xmlns:p="http://schemas.openxmlformats.org/presentationml/2006/main">
   <p:cSld>
     <p:spTree>
@@ -31910,8 +38208,8 @@
         </p:nvSpPr>
         <p:spPr>
           <a:xfrm>
-            <a:off x="1371680" y="1805152"/>
-            <a:ext cx="9445461" cy="4744932"/>
+            <a:off x="1371680" y="1640264"/>
+            <a:ext cx="9445461" cy="4909820"/>
           </a:xfrm>
           <a:prstGeom prst="rect">
             <a:avLst/>
@@ -31919,7 +38217,7 @@
         </p:spPr>
         <p:txBody>
           <a:bodyPr vert="horz" lIns="91440" tIns="45720" rIns="91440" bIns="45720" rtlCol="0">
-            <a:normAutofit/>
+            <a:normAutofit lnSpcReduction="10000"/>
           </a:bodyPr>
           <a:lstStyle>
             <a:lvl1pPr marL="228600" indent="-228600" algn="l" defTabSz="914400" rtl="0" eaLnBrk="1" latinLnBrk="0" hangingPunct="1">
@@ -32104,8 +38402,92 @@
             </a:r>
           </a:p>
           <a:p>
+            <a:pPr lvl="1">
+              <a:buFontTx/>
+              <a:buChar char="-"/>
+            </a:pPr>
+            <a:r>
+              <a:rPr lang="en-US" sz="1600" dirty="0"/>
+              <a:t>Works great for simple f(), but complicated for some functions (min over </a:t>
+            </a:r>
+            <a:r>
+              <a:rPr lang="en-US" sz="1600" dirty="0" err="1"/>
+              <a:t>l,r</a:t>
+            </a:r>
+            <a:r>
+              <a:rPr lang="en-US" sz="1600" dirty="0"/>
+              <a:t> is not trivial)</a:t>
+            </a:r>
+          </a:p>
+          <a:p>
+            <a:pPr lvl="1">
+              <a:buFontTx/>
+              <a:buChar char="-"/>
+            </a:pPr>
+            <a:r>
+              <a:rPr lang="en-US" sz="1600" dirty="0"/>
+              <a:t>Logarithmic time complexity for both queries and updates</a:t>
+            </a:r>
+          </a:p>
+          <a:p>
+            <a:pPr lvl="1">
+              <a:buFontTx/>
+              <a:buChar char="-"/>
+            </a:pPr>
+            <a:r>
+              <a:rPr lang="en-US" sz="1600" dirty="0"/>
+              <a:t>Once understood conceptually, very easy implementation</a:t>
+            </a:r>
+          </a:p>
+          <a:p>
+            <a:pPr lvl="1">
+              <a:buFontTx/>
+              <a:buChar char="-"/>
+            </a:pPr>
+            <a:r>
+              <a:rPr lang="en-US" sz="1600" dirty="0"/>
+              <a:t>Easy to extend to 2D arrays (see reading for details)</a:t>
+            </a:r>
+          </a:p>
+          <a:p>
             <a:pPr marL="0" indent="0">
               <a:buNone/>
+            </a:pPr>
+            <a:endParaRPr lang="en-US" sz="2000" b="1" i="1" u="sng" dirty="0"/>
+          </a:p>
+          <a:p>
+            <a:pPr marL="0" indent="0">
+              <a:buNone/>
+            </a:pPr>
+            <a:r>
+              <a:rPr lang="en-US" sz="2000" b="1" i="1" u="sng" dirty="0"/>
+              <a:t>Weaknesses</a:t>
+            </a:r>
+            <a:r>
+              <a:rPr lang="en-US" sz="2000" dirty="0"/>
+              <a:t>:</a:t>
+            </a:r>
+          </a:p>
+          <a:p>
+            <a:pPr lvl="1">
+              <a:buFontTx/>
+              <a:buChar char="-"/>
+            </a:pPr>
+            <a:r>
+              <a:rPr lang="en-US" sz="1600" dirty="0"/>
+              <a:t>Some functions aren’t natural to implement because you can’t build off smaller solutions (e.g., min…which section of the array is the min actually in!?)</a:t>
+            </a:r>
+          </a:p>
+          <a:p>
+            <a:pPr marL="457200" lvl="1" indent="0">
+              <a:buNone/>
+            </a:pPr>
+            <a:endParaRPr lang="en-US" sz="1600" dirty="0"/>
+          </a:p>
+          <a:p>
+            <a:pPr>
+              <a:buFontTx/>
+              <a:buChar char="-"/>
             </a:pPr>
             <a:endParaRPr lang="en-US" sz="2000" dirty="0"/>
           </a:p>

--- a/slides/Trees-FenwickTrees.pptx
+++ b/slides/Trees-FenwickTrees.pptx
@@ -222,7 +222,7 @@
           <a:p>
             <a:fld id="{C5B45307-6ED4-B142-BD64-10F739779302}" type="datetimeFigureOut">
               <a:rPr lang="en-US" smtClean="0"/>
-              <a:t>1/9/25</a:t>
+              <a:t>1/15/25</a:t>
             </a:fld>
             <a:endParaRPr lang="en-US"/>
           </a:p>
@@ -966,7 +966,7 @@
           <a:noFill/>
           <a:extLst>
             <a:ext uri="{909E8E84-426E-40dd-AFC4-6F175D3DCCD1}">
-              <a14:hiddenFill xmlns:a14="http://schemas.microsoft.com/office/drawing/2010/main" xmlns="">
+              <a14:hiddenFill xmlns="" xmlns:a14="http://schemas.microsoft.com/office/drawing/2010/main">
                 <a:solidFill>
                   <a:srgbClr val="FFFFFF"/>
                 </a:solidFill>
@@ -1025,7 +1025,7 @@
             </a:ln>
             <a:extLst>
               <a:ext uri="{91240B29-F687-4f45-9708-019B960494DF}">
-                <a14:hiddenLine xmlns:a14="http://schemas.microsoft.com/office/drawing/2010/main" xmlns="" w="9525">
+                <a14:hiddenLine xmlns="" xmlns:a14="http://schemas.microsoft.com/office/drawing/2010/main" w="9525">
                   <a:solidFill>
                     <a:srgbClr val="000000"/>
                   </a:solidFill>
@@ -1115,7 +1115,7 @@
             </a:ln>
             <a:extLst>
               <a:ext uri="{91240B29-F687-4f45-9708-019B960494DF}">
-                <a14:hiddenLine xmlns:a14="http://schemas.microsoft.com/office/drawing/2010/main" xmlns="" w="9525">
+                <a14:hiddenLine xmlns="" xmlns:a14="http://schemas.microsoft.com/office/drawing/2010/main" w="9525">
                   <a:solidFill>
                     <a:srgbClr val="000000"/>
                   </a:solidFill>
@@ -1205,7 +1205,7 @@
             </a:ln>
             <a:extLst>
               <a:ext uri="{91240B29-F687-4f45-9708-019B960494DF}">
-                <a14:hiddenLine xmlns:a14="http://schemas.microsoft.com/office/drawing/2010/main" xmlns="" w="9525">
+                <a14:hiddenLine xmlns="" xmlns:a14="http://schemas.microsoft.com/office/drawing/2010/main" w="9525">
                   <a:solidFill>
                     <a:srgbClr val="000000"/>
                   </a:solidFill>
@@ -1239,7 +1239,7 @@
             </a:ln>
             <a:extLst>
               <a:ext uri="{91240B29-F687-4f45-9708-019B960494DF}">
-                <a14:hiddenLine xmlns:a14="http://schemas.microsoft.com/office/drawing/2010/main" xmlns="" w="9525">
+                <a14:hiddenLine xmlns="" xmlns:a14="http://schemas.microsoft.com/office/drawing/2010/main" w="9525">
                   <a:solidFill>
                     <a:srgbClr val="000000"/>
                   </a:solidFill>
@@ -1329,7 +1329,7 @@
             </a:ln>
             <a:extLst>
               <a:ext uri="{91240B29-F687-4f45-9708-019B960494DF}">
-                <a14:hiddenLine xmlns:a14="http://schemas.microsoft.com/office/drawing/2010/main" xmlns="" w="9525">
+                <a14:hiddenLine xmlns="" xmlns:a14="http://schemas.microsoft.com/office/drawing/2010/main" w="9525">
                   <a:solidFill>
                     <a:srgbClr val="000000"/>
                   </a:solidFill>
@@ -1391,7 +1391,7 @@
             </a:ln>
             <a:extLst>
               <a:ext uri="{91240B29-F687-4f45-9708-019B960494DF}">
-                <a14:hiddenLine xmlns:a14="http://schemas.microsoft.com/office/drawing/2010/main" xmlns="" w="9525">
+                <a14:hiddenLine xmlns="" xmlns:a14="http://schemas.microsoft.com/office/drawing/2010/main" w="9525">
                   <a:solidFill>
                     <a:srgbClr val="000000"/>
                   </a:solidFill>
@@ -1453,7 +1453,7 @@
             </a:ln>
             <a:extLst>
               <a:ext uri="{91240B29-F687-4f45-9708-019B960494DF}">
-                <a14:hiddenLine xmlns:a14="http://schemas.microsoft.com/office/drawing/2010/main" xmlns="" w="9525">
+                <a14:hiddenLine xmlns="" xmlns:a14="http://schemas.microsoft.com/office/drawing/2010/main" w="9525">
                   <a:solidFill>
                     <a:srgbClr val="000000"/>
                   </a:solidFill>
@@ -1543,7 +1543,7 @@
             </a:ln>
             <a:extLst>
               <a:ext uri="{91240B29-F687-4f45-9708-019B960494DF}">
-                <a14:hiddenLine xmlns:a14="http://schemas.microsoft.com/office/drawing/2010/main" xmlns="" w="9525">
+                <a14:hiddenLine xmlns="" xmlns:a14="http://schemas.microsoft.com/office/drawing/2010/main" w="9525">
                   <a:solidFill>
                     <a:srgbClr val="000000"/>
                   </a:solidFill>
@@ -1605,7 +1605,7 @@
             </a:ln>
             <a:extLst>
               <a:ext uri="{91240B29-F687-4f45-9708-019B960494DF}">
-                <a14:hiddenLine xmlns:a14="http://schemas.microsoft.com/office/drawing/2010/main" xmlns="" w="9525">
+                <a14:hiddenLine xmlns="" xmlns:a14="http://schemas.microsoft.com/office/drawing/2010/main" w="9525">
                   <a:solidFill>
                     <a:srgbClr val="000000"/>
                   </a:solidFill>
@@ -1667,7 +1667,7 @@
             </a:ln>
             <a:extLst>
               <a:ext uri="{91240B29-F687-4f45-9708-019B960494DF}">
-                <a14:hiddenLine xmlns:a14="http://schemas.microsoft.com/office/drawing/2010/main" xmlns="" w="9525">
+                <a14:hiddenLine xmlns="" xmlns:a14="http://schemas.microsoft.com/office/drawing/2010/main" w="9525">
                   <a:solidFill>
                     <a:srgbClr val="000000"/>
                   </a:solidFill>
@@ -1757,7 +1757,7 @@
             </a:ln>
             <a:extLst>
               <a:ext uri="{91240B29-F687-4f45-9708-019B960494DF}">
-                <a14:hiddenLine xmlns:a14="http://schemas.microsoft.com/office/drawing/2010/main" xmlns="" w="9525">
+                <a14:hiddenLine xmlns="" xmlns:a14="http://schemas.microsoft.com/office/drawing/2010/main" w="9525">
                   <a:solidFill>
                     <a:srgbClr val="000000"/>
                   </a:solidFill>
@@ -1847,7 +1847,7 @@
             </a:ln>
             <a:extLst>
               <a:ext uri="{91240B29-F687-4f45-9708-019B960494DF}">
-                <a14:hiddenLine xmlns:a14="http://schemas.microsoft.com/office/drawing/2010/main" xmlns="" w="9525">
+                <a14:hiddenLine xmlns="" xmlns:a14="http://schemas.microsoft.com/office/drawing/2010/main" w="9525">
                   <a:solidFill>
                     <a:srgbClr val="000000"/>
                   </a:solidFill>
@@ -1909,7 +1909,7 @@
             </a:ln>
             <a:extLst>
               <a:ext uri="{91240B29-F687-4f45-9708-019B960494DF}">
-                <a14:hiddenLine xmlns:a14="http://schemas.microsoft.com/office/drawing/2010/main" xmlns="" w="9525">
+                <a14:hiddenLine xmlns="" xmlns:a14="http://schemas.microsoft.com/office/drawing/2010/main" w="9525">
                   <a:solidFill>
                     <a:srgbClr val="000000"/>
                   </a:solidFill>
@@ -2019,7 +2019,7 @@
             </a:ln>
             <a:extLst>
               <a:ext uri="{91240B29-F687-4f45-9708-019B960494DF}">
-                <a14:hiddenLine xmlns:a14="http://schemas.microsoft.com/office/drawing/2010/main" xmlns="" w="9525">
+                <a14:hiddenLine xmlns="" xmlns:a14="http://schemas.microsoft.com/office/drawing/2010/main" w="9525">
                   <a:solidFill>
                     <a:srgbClr val="000000"/>
                   </a:solidFill>
@@ -2081,7 +2081,7 @@
             </a:ln>
             <a:extLst>
               <a:ext uri="{91240B29-F687-4f45-9708-019B960494DF}">
-                <a14:hiddenLine xmlns:a14="http://schemas.microsoft.com/office/drawing/2010/main" xmlns="" w="9525">
+                <a14:hiddenLine xmlns="" xmlns:a14="http://schemas.microsoft.com/office/drawing/2010/main" w="9525">
                   <a:solidFill>
                     <a:srgbClr val="000000"/>
                   </a:solidFill>
@@ -2171,7 +2171,7 @@
             </a:ln>
             <a:extLst>
               <a:ext uri="{91240B29-F687-4f45-9708-019B960494DF}">
-                <a14:hiddenLine xmlns:a14="http://schemas.microsoft.com/office/drawing/2010/main" xmlns="" w="9525">
+                <a14:hiddenLine xmlns="" xmlns:a14="http://schemas.microsoft.com/office/drawing/2010/main" w="9525">
                   <a:solidFill>
                     <a:srgbClr val="000000"/>
                   </a:solidFill>
@@ -2261,7 +2261,7 @@
             </a:ln>
             <a:extLst>
               <a:ext uri="{91240B29-F687-4f45-9708-019B960494DF}">
-                <a14:hiddenLine xmlns:a14="http://schemas.microsoft.com/office/drawing/2010/main" xmlns="" w="9525">
+                <a14:hiddenLine xmlns="" xmlns:a14="http://schemas.microsoft.com/office/drawing/2010/main" w="9525">
                   <a:solidFill>
                     <a:srgbClr val="000000"/>
                   </a:solidFill>
@@ -2323,7 +2323,7 @@
             </a:ln>
             <a:extLst>
               <a:ext uri="{91240B29-F687-4f45-9708-019B960494DF}">
-                <a14:hiddenLine xmlns:a14="http://schemas.microsoft.com/office/drawing/2010/main" xmlns="" w="9525">
+                <a14:hiddenLine xmlns="" xmlns:a14="http://schemas.microsoft.com/office/drawing/2010/main" w="9525">
                   <a:solidFill>
                     <a:srgbClr val="000000"/>
                   </a:solidFill>
@@ -2413,7 +2413,7 @@
             </a:ln>
             <a:extLst>
               <a:ext uri="{91240B29-F687-4f45-9708-019B960494DF}">
-                <a14:hiddenLine xmlns:a14="http://schemas.microsoft.com/office/drawing/2010/main" xmlns="" w="9525">
+                <a14:hiddenLine xmlns="" xmlns:a14="http://schemas.microsoft.com/office/drawing/2010/main" w="9525">
                   <a:solidFill>
                     <a:srgbClr val="000000"/>
                   </a:solidFill>
@@ -2503,7 +2503,7 @@
             </a:ln>
             <a:extLst>
               <a:ext uri="{91240B29-F687-4f45-9708-019B960494DF}">
-                <a14:hiddenLine xmlns:a14="http://schemas.microsoft.com/office/drawing/2010/main" xmlns="" w="9525">
+                <a14:hiddenLine xmlns="" xmlns:a14="http://schemas.microsoft.com/office/drawing/2010/main" w="9525">
                   <a:solidFill>
                     <a:srgbClr val="000000"/>
                   </a:solidFill>
@@ -2559,7 +2559,7 @@
             </a:ln>
             <a:extLst>
               <a:ext uri="{91240B29-F687-4f45-9708-019B960494DF}">
-                <a14:hiddenLine xmlns:a14="http://schemas.microsoft.com/office/drawing/2010/main" xmlns="" w="9525">
+                <a14:hiddenLine xmlns="" xmlns:a14="http://schemas.microsoft.com/office/drawing/2010/main" w="9525">
                   <a:solidFill>
                     <a:srgbClr val="000000"/>
                   </a:solidFill>
@@ -2649,7 +2649,7 @@
             </a:ln>
             <a:extLst>
               <a:ext uri="{91240B29-F687-4f45-9708-019B960494DF}">
-                <a14:hiddenLine xmlns:a14="http://schemas.microsoft.com/office/drawing/2010/main" xmlns="" w="9525">
+                <a14:hiddenLine xmlns="" xmlns:a14="http://schemas.microsoft.com/office/drawing/2010/main" w="9525">
                   <a:solidFill>
                     <a:srgbClr val="000000"/>
                   </a:solidFill>
@@ -2705,7 +2705,7 @@
             </a:ln>
             <a:extLst>
               <a:ext uri="{91240B29-F687-4f45-9708-019B960494DF}">
-                <a14:hiddenLine xmlns:a14="http://schemas.microsoft.com/office/drawing/2010/main" xmlns="" w="9525">
+                <a14:hiddenLine xmlns="" xmlns:a14="http://schemas.microsoft.com/office/drawing/2010/main" w="9525">
                   <a:solidFill>
                     <a:srgbClr val="000000"/>
                   </a:solidFill>
@@ -2795,7 +2795,7 @@
             </a:ln>
             <a:extLst>
               <a:ext uri="{91240B29-F687-4f45-9708-019B960494DF}">
-                <a14:hiddenLine xmlns:a14="http://schemas.microsoft.com/office/drawing/2010/main" xmlns="" w="9525">
+                <a14:hiddenLine xmlns="" xmlns:a14="http://schemas.microsoft.com/office/drawing/2010/main" w="9525">
                   <a:solidFill>
                     <a:srgbClr val="000000"/>
                   </a:solidFill>
@@ -2863,7 +2863,7 @@
             </a:ln>
             <a:extLst>
               <a:ext uri="{91240B29-F687-4f45-9708-019B960494DF}">
-                <a14:hiddenLine xmlns:a14="http://schemas.microsoft.com/office/drawing/2010/main" xmlns="" w="9525">
+                <a14:hiddenLine xmlns="" xmlns:a14="http://schemas.microsoft.com/office/drawing/2010/main" w="9525">
                   <a:solidFill>
                     <a:srgbClr val="000000"/>
                   </a:solidFill>
@@ -2953,7 +2953,7 @@
             </a:ln>
             <a:extLst>
               <a:ext uri="{91240B29-F687-4f45-9708-019B960494DF}">
-                <a14:hiddenLine xmlns:a14="http://schemas.microsoft.com/office/drawing/2010/main" xmlns="" w="9525">
+                <a14:hiddenLine xmlns="" xmlns:a14="http://schemas.microsoft.com/office/drawing/2010/main" w="9525">
                   <a:solidFill>
                     <a:srgbClr val="000000"/>
                   </a:solidFill>
@@ -3021,7 +3021,7 @@
             </a:ln>
             <a:extLst>
               <a:ext uri="{91240B29-F687-4f45-9708-019B960494DF}">
-                <a14:hiddenLine xmlns:a14="http://schemas.microsoft.com/office/drawing/2010/main" xmlns="" w="9525">
+                <a14:hiddenLine xmlns="" xmlns:a14="http://schemas.microsoft.com/office/drawing/2010/main" w="9525">
                   <a:solidFill>
                     <a:srgbClr val="000000"/>
                   </a:solidFill>
@@ -3111,7 +3111,7 @@
             </a:ln>
             <a:extLst>
               <a:ext uri="{91240B29-F687-4f45-9708-019B960494DF}">
-                <a14:hiddenLine xmlns:a14="http://schemas.microsoft.com/office/drawing/2010/main" xmlns="" w="9525">
+                <a14:hiddenLine xmlns="" xmlns:a14="http://schemas.microsoft.com/office/drawing/2010/main" w="9525">
                   <a:solidFill>
                     <a:srgbClr val="000000"/>
                   </a:solidFill>
@@ -3145,7 +3145,7 @@
             </a:ln>
             <a:extLst>
               <a:ext uri="{91240B29-F687-4f45-9708-019B960494DF}">
-                <a14:hiddenLine xmlns:a14="http://schemas.microsoft.com/office/drawing/2010/main" xmlns="" w="9525">
+                <a14:hiddenLine xmlns="" xmlns:a14="http://schemas.microsoft.com/office/drawing/2010/main" w="9525">
                   <a:solidFill>
                     <a:srgbClr val="000000"/>
                   </a:solidFill>
@@ -3235,7 +3235,7 @@
             </a:ln>
             <a:extLst>
               <a:ext uri="{91240B29-F687-4f45-9708-019B960494DF}">
-                <a14:hiddenLine xmlns:a14="http://schemas.microsoft.com/office/drawing/2010/main" xmlns="" w="9525">
+                <a14:hiddenLine xmlns="" xmlns:a14="http://schemas.microsoft.com/office/drawing/2010/main" w="9525">
                   <a:solidFill>
                     <a:srgbClr val="000000"/>
                   </a:solidFill>
@@ -3297,7 +3297,7 @@
             </a:ln>
             <a:extLst>
               <a:ext uri="{91240B29-F687-4f45-9708-019B960494DF}">
-                <a14:hiddenLine xmlns:a14="http://schemas.microsoft.com/office/drawing/2010/main" xmlns="" w="9525">
+                <a14:hiddenLine xmlns="" xmlns:a14="http://schemas.microsoft.com/office/drawing/2010/main" w="9525">
                   <a:solidFill>
                     <a:srgbClr val="000000"/>
                   </a:solidFill>
@@ -3359,7 +3359,7 @@
             </a:ln>
             <a:extLst>
               <a:ext uri="{91240B29-F687-4f45-9708-019B960494DF}">
-                <a14:hiddenLine xmlns:a14="http://schemas.microsoft.com/office/drawing/2010/main" xmlns="" w="9525">
+                <a14:hiddenLine xmlns="" xmlns:a14="http://schemas.microsoft.com/office/drawing/2010/main" w="9525">
                   <a:solidFill>
                     <a:srgbClr val="000000"/>
                   </a:solidFill>
@@ -3449,7 +3449,7 @@
             </a:ln>
             <a:extLst>
               <a:ext uri="{91240B29-F687-4f45-9708-019B960494DF}">
-                <a14:hiddenLine xmlns:a14="http://schemas.microsoft.com/office/drawing/2010/main" xmlns="" w="9525">
+                <a14:hiddenLine xmlns="" xmlns:a14="http://schemas.microsoft.com/office/drawing/2010/main" w="9525">
                   <a:solidFill>
                     <a:srgbClr val="000000"/>
                   </a:solidFill>
@@ -3517,7 +3517,7 @@
             </a:ln>
             <a:extLst>
               <a:ext uri="{91240B29-F687-4f45-9708-019B960494DF}">
-                <a14:hiddenLine xmlns:a14="http://schemas.microsoft.com/office/drawing/2010/main" xmlns="" w="9525">
+                <a14:hiddenLine xmlns="" xmlns:a14="http://schemas.microsoft.com/office/drawing/2010/main" w="9525">
                   <a:solidFill>
                     <a:srgbClr val="000000"/>
                   </a:solidFill>
@@ -3579,7 +3579,7 @@
             </a:ln>
             <a:extLst>
               <a:ext uri="{91240B29-F687-4f45-9708-019B960494DF}">
-                <a14:hiddenLine xmlns:a14="http://schemas.microsoft.com/office/drawing/2010/main" xmlns="" w="9525">
+                <a14:hiddenLine xmlns="" xmlns:a14="http://schemas.microsoft.com/office/drawing/2010/main" w="9525">
                   <a:solidFill>
                     <a:srgbClr val="000000"/>
                   </a:solidFill>
@@ -3669,7 +3669,7 @@
             </a:ln>
             <a:extLst>
               <a:ext uri="{91240B29-F687-4f45-9708-019B960494DF}">
-                <a14:hiddenLine xmlns:a14="http://schemas.microsoft.com/office/drawing/2010/main" xmlns="" w="9525">
+                <a14:hiddenLine xmlns="" xmlns:a14="http://schemas.microsoft.com/office/drawing/2010/main" w="9525">
                   <a:solidFill>
                     <a:srgbClr val="000000"/>
                   </a:solidFill>
@@ -3731,7 +3731,7 @@
             </a:ln>
             <a:extLst>
               <a:ext uri="{91240B29-F687-4f45-9708-019B960494DF}">
-                <a14:hiddenLine xmlns:a14="http://schemas.microsoft.com/office/drawing/2010/main" xmlns="" w="9525">
+                <a14:hiddenLine xmlns="" xmlns:a14="http://schemas.microsoft.com/office/drawing/2010/main" w="9525">
                   <a:solidFill>
                     <a:srgbClr val="000000"/>
                   </a:solidFill>
@@ -3821,7 +3821,7 @@
             </a:ln>
             <a:extLst>
               <a:ext uri="{91240B29-F687-4f45-9708-019B960494DF}">
-                <a14:hiddenLine xmlns:a14="http://schemas.microsoft.com/office/drawing/2010/main" xmlns="" w="9525">
+                <a14:hiddenLine xmlns="" xmlns:a14="http://schemas.microsoft.com/office/drawing/2010/main" w="9525">
                   <a:solidFill>
                     <a:srgbClr val="000000"/>
                   </a:solidFill>
@@ -3883,7 +3883,7 @@
             </a:ln>
             <a:extLst>
               <a:ext uri="{91240B29-F687-4f45-9708-019B960494DF}">
-                <a14:hiddenLine xmlns:a14="http://schemas.microsoft.com/office/drawing/2010/main" xmlns="" w="9525">
+                <a14:hiddenLine xmlns="" xmlns:a14="http://schemas.microsoft.com/office/drawing/2010/main" w="9525">
                   <a:solidFill>
                     <a:srgbClr val="000000"/>
                   </a:solidFill>
@@ -3973,7 +3973,7 @@
             </a:ln>
             <a:extLst>
               <a:ext uri="{91240B29-F687-4f45-9708-019B960494DF}">
-                <a14:hiddenLine xmlns:a14="http://schemas.microsoft.com/office/drawing/2010/main" xmlns="" w="9525">
+                <a14:hiddenLine xmlns="" xmlns:a14="http://schemas.microsoft.com/office/drawing/2010/main" w="9525">
                   <a:solidFill>
                     <a:srgbClr val="000000"/>
                   </a:solidFill>
@@ -4007,7 +4007,7 @@
             </a:ln>
             <a:extLst>
               <a:ext uri="{91240B29-F687-4f45-9708-019B960494DF}">
-                <a14:hiddenLine xmlns:a14="http://schemas.microsoft.com/office/drawing/2010/main" xmlns="" w="9525">
+                <a14:hiddenLine xmlns="" xmlns:a14="http://schemas.microsoft.com/office/drawing/2010/main" w="9525">
                   <a:solidFill>
                     <a:srgbClr val="000000"/>
                   </a:solidFill>
@@ -4072,7 +4072,7 @@
             </a:ln>
             <a:extLst>
               <a:ext uri="{91240B29-F687-4f45-9708-019B960494DF}">
-                <a14:hiddenLine xmlns:a14="http://schemas.microsoft.com/office/drawing/2010/main" xmlns="" w="9525">
+                <a14:hiddenLine xmlns="" xmlns:a14="http://schemas.microsoft.com/office/drawing/2010/main" w="9525">
                   <a:solidFill>
                     <a:srgbClr val="000000"/>
                   </a:solidFill>
@@ -4162,7 +4162,7 @@
             </a:ln>
             <a:extLst>
               <a:ext uri="{91240B29-F687-4f45-9708-019B960494DF}">
-                <a14:hiddenLine xmlns:a14="http://schemas.microsoft.com/office/drawing/2010/main" xmlns="" w="9525">
+                <a14:hiddenLine xmlns="" xmlns:a14="http://schemas.microsoft.com/office/drawing/2010/main" w="9525">
                   <a:solidFill>
                     <a:srgbClr val="000000"/>
                   </a:solidFill>
@@ -4224,7 +4224,7 @@
             </a:ln>
             <a:extLst>
               <a:ext uri="{91240B29-F687-4f45-9708-019B960494DF}">
-                <a14:hiddenLine xmlns:a14="http://schemas.microsoft.com/office/drawing/2010/main" xmlns="" w="9525">
+                <a14:hiddenLine xmlns="" xmlns:a14="http://schemas.microsoft.com/office/drawing/2010/main" w="9525">
                   <a:solidFill>
                     <a:srgbClr val="000000"/>
                   </a:solidFill>
@@ -4314,7 +4314,7 @@
             </a:ln>
             <a:extLst>
               <a:ext uri="{91240B29-F687-4f45-9708-019B960494DF}">
-                <a14:hiddenLine xmlns:a14="http://schemas.microsoft.com/office/drawing/2010/main" xmlns="" w="9525">
+                <a14:hiddenLine xmlns="" xmlns:a14="http://schemas.microsoft.com/office/drawing/2010/main" w="9525">
                   <a:solidFill>
                     <a:srgbClr val="000000"/>
                   </a:solidFill>
@@ -4404,7 +4404,7 @@
             </a:ln>
             <a:extLst>
               <a:ext uri="{91240B29-F687-4f45-9708-019B960494DF}">
-                <a14:hiddenLine xmlns:a14="http://schemas.microsoft.com/office/drawing/2010/main" xmlns="" w="9525">
+                <a14:hiddenLine xmlns="" xmlns:a14="http://schemas.microsoft.com/office/drawing/2010/main" w="9525">
                   <a:solidFill>
                     <a:srgbClr val="000000"/>
                   </a:solidFill>
@@ -4469,7 +4469,7 @@
             </a:ln>
             <a:extLst>
               <a:ext uri="{91240B29-F687-4f45-9708-019B960494DF}">
-                <a14:hiddenLine xmlns:a14="http://schemas.microsoft.com/office/drawing/2010/main" xmlns="" w="9525">
+                <a14:hiddenLine xmlns="" xmlns:a14="http://schemas.microsoft.com/office/drawing/2010/main" w="9525">
                   <a:solidFill>
                     <a:srgbClr val="000000"/>
                   </a:solidFill>
@@ -4531,7 +4531,7 @@
             </a:ln>
             <a:extLst>
               <a:ext uri="{91240B29-F687-4f45-9708-019B960494DF}">
-                <a14:hiddenLine xmlns:a14="http://schemas.microsoft.com/office/drawing/2010/main" xmlns="" w="9525">
+                <a14:hiddenLine xmlns="" xmlns:a14="http://schemas.microsoft.com/office/drawing/2010/main" w="9525">
                   <a:solidFill>
                     <a:srgbClr val="000000"/>
                   </a:solidFill>
@@ -4621,7 +4621,7 @@
             </a:ln>
             <a:extLst>
               <a:ext uri="{91240B29-F687-4f45-9708-019B960494DF}">
-                <a14:hiddenLine xmlns:a14="http://schemas.microsoft.com/office/drawing/2010/main" xmlns="" w="9525">
+                <a14:hiddenLine xmlns="" xmlns:a14="http://schemas.microsoft.com/office/drawing/2010/main" w="9525">
                   <a:solidFill>
                     <a:srgbClr val="000000"/>
                   </a:solidFill>
@@ -4711,7 +4711,7 @@
             </a:ln>
             <a:extLst>
               <a:ext uri="{91240B29-F687-4f45-9708-019B960494DF}">
-                <a14:hiddenLine xmlns:a14="http://schemas.microsoft.com/office/drawing/2010/main" xmlns="" w="9525">
+                <a14:hiddenLine xmlns="" xmlns:a14="http://schemas.microsoft.com/office/drawing/2010/main" w="9525">
                   <a:solidFill>
                     <a:srgbClr val="000000"/>
                   </a:solidFill>
@@ -4773,7 +4773,7 @@
             </a:ln>
             <a:extLst>
               <a:ext uri="{91240B29-F687-4f45-9708-019B960494DF}">
-                <a14:hiddenLine xmlns:a14="http://schemas.microsoft.com/office/drawing/2010/main" xmlns="" w="9525">
+                <a14:hiddenLine xmlns="" xmlns:a14="http://schemas.microsoft.com/office/drawing/2010/main" w="9525">
                   <a:solidFill>
                     <a:srgbClr val="000000"/>
                   </a:solidFill>
@@ -4893,7 +4893,7 @@
             </a:ln>
             <a:extLst>
               <a:ext uri="{91240B29-F687-4f45-9708-019B960494DF}">
-                <a14:hiddenLine xmlns:a14="http://schemas.microsoft.com/office/drawing/2010/main" xmlns="" w="9525">
+                <a14:hiddenLine xmlns="" xmlns:a14="http://schemas.microsoft.com/office/drawing/2010/main" w="9525">
                   <a:solidFill>
                     <a:srgbClr val="000000"/>
                   </a:solidFill>
@@ -4961,7 +4961,7 @@
             </a:ln>
             <a:extLst>
               <a:ext uri="{91240B29-F687-4f45-9708-019B960494DF}">
-                <a14:hiddenLine xmlns:a14="http://schemas.microsoft.com/office/drawing/2010/main" xmlns="" w="9525">
+                <a14:hiddenLine xmlns="" xmlns:a14="http://schemas.microsoft.com/office/drawing/2010/main" w="9525">
                   <a:solidFill>
                     <a:srgbClr val="000000"/>
                   </a:solidFill>
@@ -5051,7 +5051,7 @@
             </a:ln>
             <a:extLst>
               <a:ext uri="{91240B29-F687-4f45-9708-019B960494DF}">
-                <a14:hiddenLine xmlns:a14="http://schemas.microsoft.com/office/drawing/2010/main" xmlns="" w="9525">
+                <a14:hiddenLine xmlns="" xmlns:a14="http://schemas.microsoft.com/office/drawing/2010/main" w="9525">
                   <a:solidFill>
                     <a:srgbClr val="000000"/>
                   </a:solidFill>
@@ -5191,7 +5191,7 @@
           <a:p>
             <a:fld id="{EC4347D3-4C9A-C240-8F14-750059DFEEB0}" type="datetimeFigureOut">
               <a:rPr lang="en-US" smtClean="0"/>
-              <a:t>1/9/25</a:t>
+              <a:t>1/15/25</a:t>
             </a:fld>
             <a:endParaRPr lang="en-US"/>
           </a:p>
@@ -5458,7 +5458,7 @@
           <a:p>
             <a:fld id="{EC4347D3-4C9A-C240-8F14-750059DFEEB0}" type="datetimeFigureOut">
               <a:rPr lang="en-US" smtClean="0"/>
-              <a:t>1/9/25</a:t>
+              <a:t>1/15/25</a:t>
             </a:fld>
             <a:endParaRPr lang="en-US"/>
           </a:p>
@@ -5654,7 +5654,7 @@
           <a:p>
             <a:fld id="{EC4347D3-4C9A-C240-8F14-750059DFEEB0}" type="datetimeFigureOut">
               <a:rPr lang="en-US" smtClean="0"/>
-              <a:t>1/9/25</a:t>
+              <a:t>1/15/25</a:t>
             </a:fld>
             <a:endParaRPr lang="en-US"/>
           </a:p>
@@ -5917,7 +5917,7 @@
           <a:p>
             <a:fld id="{EC4347D3-4C9A-C240-8F14-750059DFEEB0}" type="datetimeFigureOut">
               <a:rPr lang="en-US" smtClean="0"/>
-              <a:t>1/9/25</a:t>
+              <a:t>1/15/25</a:t>
             </a:fld>
             <a:endParaRPr lang="en-US"/>
           </a:p>
@@ -6351,7 +6351,7 @@
           <a:p>
             <a:fld id="{EC4347D3-4C9A-C240-8F14-750059DFEEB0}" type="datetimeFigureOut">
               <a:rPr lang="en-US" smtClean="0"/>
-              <a:t>1/9/25</a:t>
+              <a:t>1/15/25</a:t>
             </a:fld>
             <a:endParaRPr lang="en-US"/>
           </a:p>
@@ -6897,7 +6897,7 @@
           <a:p>
             <a:fld id="{EC4347D3-4C9A-C240-8F14-750059DFEEB0}" type="datetimeFigureOut">
               <a:rPr lang="en-US" smtClean="0"/>
-              <a:t>1/9/25</a:t>
+              <a:t>1/15/25</a:t>
             </a:fld>
             <a:endParaRPr lang="en-US"/>
           </a:p>
@@ -7617,7 +7617,7 @@
           <a:p>
             <a:fld id="{EC4347D3-4C9A-C240-8F14-750059DFEEB0}" type="datetimeFigureOut">
               <a:rPr lang="en-US" smtClean="0"/>
-              <a:t>1/9/25</a:t>
+              <a:t>1/15/25</a:t>
             </a:fld>
             <a:endParaRPr lang="en-US"/>
           </a:p>
@@ -7787,7 +7787,7 @@
           <a:p>
             <a:fld id="{EC4347D3-4C9A-C240-8F14-750059DFEEB0}" type="datetimeFigureOut">
               <a:rPr lang="en-US" smtClean="0"/>
-              <a:t>1/9/25</a:t>
+              <a:t>1/15/25</a:t>
             </a:fld>
             <a:endParaRPr lang="en-US"/>
           </a:p>
@@ -7967,7 +7967,7 @@
           <a:p>
             <a:fld id="{EC4347D3-4C9A-C240-8F14-750059DFEEB0}" type="datetimeFigureOut">
               <a:rPr lang="en-US" smtClean="0"/>
-              <a:t>1/9/25</a:t>
+              <a:t>1/15/25</a:t>
             </a:fld>
             <a:endParaRPr lang="en-US"/>
           </a:p>
@@ -8137,7 +8137,7 @@
           <a:p>
             <a:fld id="{EC4347D3-4C9A-C240-8F14-750059DFEEB0}" type="datetimeFigureOut">
               <a:rPr lang="en-US" smtClean="0"/>
-              <a:t>1/9/25</a:t>
+              <a:t>1/15/25</a:t>
             </a:fld>
             <a:endParaRPr lang="en-US"/>
           </a:p>
@@ -8387,7 +8387,7 @@
           <a:p>
             <a:fld id="{EC4347D3-4C9A-C240-8F14-750059DFEEB0}" type="datetimeFigureOut">
               <a:rPr lang="en-US" smtClean="0"/>
-              <a:t>1/9/25</a:t>
+              <a:t>1/15/25</a:t>
             </a:fld>
             <a:endParaRPr lang="en-US"/>
           </a:p>
@@ -8619,7 +8619,7 @@
           <a:p>
             <a:fld id="{EC4347D3-4C9A-C240-8F14-750059DFEEB0}" type="datetimeFigureOut">
               <a:rPr lang="en-US" smtClean="0"/>
-              <a:t>1/9/25</a:t>
+              <a:t>1/15/25</a:t>
             </a:fld>
             <a:endParaRPr lang="en-US"/>
           </a:p>
@@ -9005,7 +9005,7 @@
           <a:p>
             <a:fld id="{EC4347D3-4C9A-C240-8F14-750059DFEEB0}" type="datetimeFigureOut">
               <a:rPr lang="en-US" smtClean="0"/>
-              <a:t>1/9/25</a:t>
+              <a:t>1/15/25</a:t>
             </a:fld>
             <a:endParaRPr lang="en-US"/>
           </a:p>
@@ -9128,7 +9128,7 @@
           <a:p>
             <a:fld id="{EC4347D3-4C9A-C240-8F14-750059DFEEB0}" type="datetimeFigureOut">
               <a:rPr lang="en-US" smtClean="0"/>
-              <a:t>1/9/25</a:t>
+              <a:t>1/15/25</a:t>
             </a:fld>
             <a:endParaRPr lang="en-US"/>
           </a:p>
@@ -9223,7 +9223,7 @@
           <a:p>
             <a:fld id="{EC4347D3-4C9A-C240-8F14-750059DFEEB0}" type="datetimeFigureOut">
               <a:rPr lang="en-US" smtClean="0"/>
-              <a:t>1/9/25</a:t>
+              <a:t>1/15/25</a:t>
             </a:fld>
             <a:endParaRPr lang="en-US"/>
           </a:p>
@@ -9472,7 +9472,7 @@
           <a:p>
             <a:fld id="{EC4347D3-4C9A-C240-8F14-750059DFEEB0}" type="datetimeFigureOut">
               <a:rPr lang="en-US" smtClean="0"/>
-              <a:t>1/9/25</a:t>
+              <a:t>1/15/25</a:t>
             </a:fld>
             <a:endParaRPr lang="en-US"/>
           </a:p>
@@ -9757,7 +9757,7 @@
           <a:p>
             <a:fld id="{EC4347D3-4C9A-C240-8F14-750059DFEEB0}" type="datetimeFigureOut">
               <a:rPr lang="en-US" smtClean="0"/>
-              <a:t>1/9/25</a:t>
+              <a:t>1/15/25</a:t>
             </a:fld>
             <a:endParaRPr lang="en-US"/>
           </a:p>
@@ -9880,7 +9880,7 @@
           <a:noFill/>
           <a:extLst>
             <a:ext uri="{909E8E84-426E-40dd-AFC4-6F175D3DCCD1}">
-              <a14:hiddenFill xmlns:a14="http://schemas.microsoft.com/office/drawing/2010/main" xmlns="">
+              <a14:hiddenFill xmlns="" xmlns:a14="http://schemas.microsoft.com/office/drawing/2010/main">
                 <a:solidFill>
                   <a:srgbClr val="FFFFFF"/>
                 </a:solidFill>
@@ -9954,7 +9954,7 @@
               </a:ln>
               <a:extLst>
                 <a:ext uri="{91240B29-F687-4f45-9708-019B960494DF}">
-                  <a14:hiddenLine xmlns:a14="http://schemas.microsoft.com/office/drawing/2010/main" xmlns="" w="9525">
+                  <a14:hiddenLine xmlns="" xmlns:a14="http://schemas.microsoft.com/office/drawing/2010/main" w="9525">
                     <a:solidFill>
                       <a:srgbClr val="000000"/>
                     </a:solidFill>
@@ -10044,7 +10044,7 @@
               </a:ln>
               <a:extLst>
                 <a:ext uri="{91240B29-F687-4f45-9708-019B960494DF}">
-                  <a14:hiddenLine xmlns:a14="http://schemas.microsoft.com/office/drawing/2010/main" xmlns="" w="9525">
+                  <a14:hiddenLine xmlns="" xmlns:a14="http://schemas.microsoft.com/office/drawing/2010/main" w="9525">
                     <a:solidFill>
                       <a:srgbClr val="000000"/>
                     </a:solidFill>
@@ -10134,7 +10134,7 @@
               </a:ln>
               <a:extLst>
                 <a:ext uri="{91240B29-F687-4f45-9708-019B960494DF}">
-                  <a14:hiddenLine xmlns:a14="http://schemas.microsoft.com/office/drawing/2010/main" xmlns="" w="9525">
+                  <a14:hiddenLine xmlns="" xmlns:a14="http://schemas.microsoft.com/office/drawing/2010/main" w="9525">
                     <a:solidFill>
                       <a:srgbClr val="000000"/>
                     </a:solidFill>
@@ -10196,7 +10196,7 @@
               </a:ln>
               <a:extLst>
                 <a:ext uri="{91240B29-F687-4f45-9708-019B960494DF}">
-                  <a14:hiddenLine xmlns:a14="http://schemas.microsoft.com/office/drawing/2010/main" xmlns="" w="9525">
+                  <a14:hiddenLine xmlns="" xmlns:a14="http://schemas.microsoft.com/office/drawing/2010/main" w="9525">
                     <a:solidFill>
                       <a:srgbClr val="000000"/>
                     </a:solidFill>
@@ -10286,7 +10286,7 @@
               </a:ln>
               <a:extLst>
                 <a:ext uri="{91240B29-F687-4f45-9708-019B960494DF}">
-                  <a14:hiddenLine xmlns:a14="http://schemas.microsoft.com/office/drawing/2010/main" xmlns="" w="9525">
+                  <a14:hiddenLine xmlns="" xmlns:a14="http://schemas.microsoft.com/office/drawing/2010/main" w="9525">
                     <a:solidFill>
                       <a:srgbClr val="000000"/>
                     </a:solidFill>
@@ -10348,7 +10348,7 @@
               </a:ln>
               <a:extLst>
                 <a:ext uri="{91240B29-F687-4f45-9708-019B960494DF}">
-                  <a14:hiddenLine xmlns:a14="http://schemas.microsoft.com/office/drawing/2010/main" xmlns="" w="9525">
+                  <a14:hiddenLine xmlns="" xmlns:a14="http://schemas.microsoft.com/office/drawing/2010/main" w="9525">
                     <a:solidFill>
                       <a:srgbClr val="000000"/>
                     </a:solidFill>
@@ -10410,7 +10410,7 @@
               </a:ln>
               <a:extLst>
                 <a:ext uri="{91240B29-F687-4f45-9708-019B960494DF}">
-                  <a14:hiddenLine xmlns:a14="http://schemas.microsoft.com/office/drawing/2010/main" xmlns="" w="9525">
+                  <a14:hiddenLine xmlns="" xmlns:a14="http://schemas.microsoft.com/office/drawing/2010/main" w="9525">
                     <a:solidFill>
                       <a:srgbClr val="000000"/>
                     </a:solidFill>
@@ -10500,7 +10500,7 @@
               </a:ln>
               <a:extLst>
                 <a:ext uri="{91240B29-F687-4f45-9708-019B960494DF}">
-                  <a14:hiddenLine xmlns:a14="http://schemas.microsoft.com/office/drawing/2010/main" xmlns="" w="9525">
+                  <a14:hiddenLine xmlns="" xmlns:a14="http://schemas.microsoft.com/office/drawing/2010/main" w="9525">
                     <a:solidFill>
                       <a:srgbClr val="000000"/>
                     </a:solidFill>
@@ -10590,7 +10590,7 @@
               </a:ln>
               <a:extLst>
                 <a:ext uri="{91240B29-F687-4f45-9708-019B960494DF}">
-                  <a14:hiddenLine xmlns:a14="http://schemas.microsoft.com/office/drawing/2010/main" xmlns="" w="9525">
+                  <a14:hiddenLine xmlns="" xmlns:a14="http://schemas.microsoft.com/office/drawing/2010/main" w="9525">
                     <a:solidFill>
                       <a:srgbClr val="000000"/>
                     </a:solidFill>
@@ -10652,7 +10652,7 @@
               </a:ln>
               <a:extLst>
                 <a:ext uri="{91240B29-F687-4f45-9708-019B960494DF}">
-                  <a14:hiddenLine xmlns:a14="http://schemas.microsoft.com/office/drawing/2010/main" xmlns="" w="9525">
+                  <a14:hiddenLine xmlns="" xmlns:a14="http://schemas.microsoft.com/office/drawing/2010/main" w="9525">
                     <a:solidFill>
                       <a:srgbClr val="000000"/>
                     </a:solidFill>
@@ -10762,7 +10762,7 @@
               </a:ln>
               <a:extLst>
                 <a:ext uri="{91240B29-F687-4f45-9708-019B960494DF}">
-                  <a14:hiddenLine xmlns:a14="http://schemas.microsoft.com/office/drawing/2010/main" xmlns="" w="9525">
+                  <a14:hiddenLine xmlns="" xmlns:a14="http://schemas.microsoft.com/office/drawing/2010/main" w="9525">
                     <a:solidFill>
                       <a:srgbClr val="000000"/>
                     </a:solidFill>
@@ -10846,7 +10846,7 @@
               </a:ln>
               <a:extLst>
                 <a:ext uri="{91240B29-F687-4f45-9708-019B960494DF}">
-                  <a14:hiddenLine xmlns:a14="http://schemas.microsoft.com/office/drawing/2010/main" xmlns="" w="9525">
+                  <a14:hiddenLine xmlns="" xmlns:a14="http://schemas.microsoft.com/office/drawing/2010/main" w="9525">
                     <a:solidFill>
                       <a:srgbClr val="000000"/>
                     </a:solidFill>
@@ -10908,7 +10908,7 @@
               </a:ln>
               <a:extLst>
                 <a:ext uri="{91240B29-F687-4f45-9708-019B960494DF}">
-                  <a14:hiddenLine xmlns:a14="http://schemas.microsoft.com/office/drawing/2010/main" xmlns="" w="9525">
+                  <a14:hiddenLine xmlns="" xmlns:a14="http://schemas.microsoft.com/office/drawing/2010/main" w="9525">
                     <a:solidFill>
                       <a:srgbClr val="000000"/>
                     </a:solidFill>
@@ -10970,7 +10970,7 @@
               </a:ln>
               <a:extLst>
                 <a:ext uri="{91240B29-F687-4f45-9708-019B960494DF}">
-                  <a14:hiddenLine xmlns:a14="http://schemas.microsoft.com/office/drawing/2010/main" xmlns="" w="9525">
+                  <a14:hiddenLine xmlns="" xmlns:a14="http://schemas.microsoft.com/office/drawing/2010/main" w="9525">
                     <a:solidFill>
                       <a:srgbClr val="000000"/>
                     </a:solidFill>
@@ -11060,7 +11060,7 @@
               </a:ln>
               <a:extLst>
                 <a:ext uri="{91240B29-F687-4f45-9708-019B960494DF}">
-                  <a14:hiddenLine xmlns:a14="http://schemas.microsoft.com/office/drawing/2010/main" xmlns="" w="9525">
+                  <a14:hiddenLine xmlns="" xmlns:a14="http://schemas.microsoft.com/office/drawing/2010/main" w="9525">
                     <a:solidFill>
                       <a:srgbClr val="000000"/>
                     </a:solidFill>
@@ -11094,7 +11094,7 @@
               </a:ln>
               <a:extLst>
                 <a:ext uri="{91240B29-F687-4f45-9708-019B960494DF}">
-                  <a14:hiddenLine xmlns:a14="http://schemas.microsoft.com/office/drawing/2010/main" xmlns="" w="9525">
+                  <a14:hiddenLine xmlns="" xmlns:a14="http://schemas.microsoft.com/office/drawing/2010/main" w="9525">
                     <a:solidFill>
                       <a:srgbClr val="000000"/>
                     </a:solidFill>
@@ -11159,7 +11159,7 @@
               </a:ln>
               <a:extLst>
                 <a:ext uri="{91240B29-F687-4f45-9708-019B960494DF}">
-                  <a14:hiddenLine xmlns:a14="http://schemas.microsoft.com/office/drawing/2010/main" xmlns="" w="9525">
+                  <a14:hiddenLine xmlns="" xmlns:a14="http://schemas.microsoft.com/office/drawing/2010/main" w="9525">
                     <a:solidFill>
                       <a:srgbClr val="000000"/>
                     </a:solidFill>
@@ -11249,7 +11249,7 @@
               </a:ln>
               <a:extLst>
                 <a:ext uri="{91240B29-F687-4f45-9708-019B960494DF}">
-                  <a14:hiddenLine xmlns:a14="http://schemas.microsoft.com/office/drawing/2010/main" xmlns="" w="9525">
+                  <a14:hiddenLine xmlns="" xmlns:a14="http://schemas.microsoft.com/office/drawing/2010/main" w="9525">
                     <a:solidFill>
                       <a:srgbClr val="000000"/>
                     </a:solidFill>
@@ -11311,7 +11311,7 @@
               </a:ln>
               <a:extLst>
                 <a:ext uri="{91240B29-F687-4f45-9708-019B960494DF}">
-                  <a14:hiddenLine xmlns:a14="http://schemas.microsoft.com/office/drawing/2010/main" xmlns="" w="9525">
+                  <a14:hiddenLine xmlns="" xmlns:a14="http://schemas.microsoft.com/office/drawing/2010/main" w="9525">
                     <a:solidFill>
                       <a:srgbClr val="000000"/>
                     </a:solidFill>
@@ -11401,7 +11401,7 @@
               </a:ln>
               <a:extLst>
                 <a:ext uri="{91240B29-F687-4f45-9708-019B960494DF}">
-                  <a14:hiddenLine xmlns:a14="http://schemas.microsoft.com/office/drawing/2010/main" xmlns="" w="9525">
+                  <a14:hiddenLine xmlns="" xmlns:a14="http://schemas.microsoft.com/office/drawing/2010/main" w="9525">
                     <a:solidFill>
                       <a:srgbClr val="000000"/>
                     </a:solidFill>
@@ -11466,7 +11466,7 @@
               </a:ln>
               <a:extLst>
                 <a:ext uri="{91240B29-F687-4f45-9708-019B960494DF}">
-                  <a14:hiddenLine xmlns:a14="http://schemas.microsoft.com/office/drawing/2010/main" xmlns="" w="9525">
+                  <a14:hiddenLine xmlns="" xmlns:a14="http://schemas.microsoft.com/office/drawing/2010/main" w="9525">
                     <a:solidFill>
                       <a:srgbClr val="000000"/>
                     </a:solidFill>
@@ -11528,7 +11528,7 @@
               </a:ln>
               <a:extLst>
                 <a:ext uri="{91240B29-F687-4f45-9708-019B960494DF}">
-                  <a14:hiddenLine xmlns:a14="http://schemas.microsoft.com/office/drawing/2010/main" xmlns="" w="9525">
+                  <a14:hiddenLine xmlns="" xmlns:a14="http://schemas.microsoft.com/office/drawing/2010/main" w="9525">
                     <a:solidFill>
                       <a:srgbClr val="000000"/>
                     </a:solidFill>
@@ -11618,7 +11618,7 @@
               </a:ln>
               <a:extLst>
                 <a:ext uri="{91240B29-F687-4f45-9708-019B960494DF}">
-                  <a14:hiddenLine xmlns:a14="http://schemas.microsoft.com/office/drawing/2010/main" xmlns="" w="9525">
+                  <a14:hiddenLine xmlns="" xmlns:a14="http://schemas.microsoft.com/office/drawing/2010/main" w="9525">
                     <a:solidFill>
                       <a:srgbClr val="000000"/>
                     </a:solidFill>
@@ -11708,7 +11708,7 @@
               </a:ln>
               <a:extLst>
                 <a:ext uri="{91240B29-F687-4f45-9708-019B960494DF}">
-                  <a14:hiddenLine xmlns:a14="http://schemas.microsoft.com/office/drawing/2010/main" xmlns="" w="9525">
+                  <a14:hiddenLine xmlns="" xmlns:a14="http://schemas.microsoft.com/office/drawing/2010/main" w="9525">
                     <a:solidFill>
                       <a:srgbClr val="000000"/>
                     </a:solidFill>
@@ -11773,7 +11773,7 @@
               </a:ln>
               <a:extLst>
                 <a:ext uri="{91240B29-F687-4f45-9708-019B960494DF}">
-                  <a14:hiddenLine xmlns:a14="http://schemas.microsoft.com/office/drawing/2010/main" xmlns="" w="9525">
+                  <a14:hiddenLine xmlns="" xmlns:a14="http://schemas.microsoft.com/office/drawing/2010/main" w="9525">
                     <a:solidFill>
                       <a:srgbClr val="000000"/>
                     </a:solidFill>
@@ -11893,7 +11893,7 @@
               </a:ln>
               <a:extLst>
                 <a:ext uri="{91240B29-F687-4f45-9708-019B960494DF}">
-                  <a14:hiddenLine xmlns:a14="http://schemas.microsoft.com/office/drawing/2010/main" xmlns="" w="9525">
+                  <a14:hiddenLine xmlns="" xmlns:a14="http://schemas.microsoft.com/office/drawing/2010/main" w="9525">
                     <a:solidFill>
                       <a:srgbClr val="000000"/>
                     </a:solidFill>
@@ -11974,7 +11974,7 @@
               </a:ln>
               <a:extLst>
                 <a:ext uri="{91240B29-F687-4f45-9708-019B960494DF}">
-                  <a14:hiddenLine xmlns:a14="http://schemas.microsoft.com/office/drawing/2010/main" xmlns="" w="9525">
+                  <a14:hiddenLine xmlns="" xmlns:a14="http://schemas.microsoft.com/office/drawing/2010/main" w="9525">
                     <a:solidFill>
                       <a:srgbClr val="000000"/>
                     </a:solidFill>
@@ -12089,7 +12089,7 @@
               </a:ln>
               <a:extLst>
                 <a:ext uri="{91240B29-F687-4f45-9708-019B960494DF}">
-                  <a14:hiddenLine xmlns:a14="http://schemas.microsoft.com/office/drawing/2010/main" xmlns="" w="9525">
+                  <a14:hiddenLine xmlns="" xmlns:a14="http://schemas.microsoft.com/office/drawing/2010/main" w="9525">
                     <a:solidFill>
                       <a:srgbClr val="000000"/>
                     </a:solidFill>
@@ -12179,7 +12179,7 @@
               </a:ln>
               <a:extLst>
                 <a:ext uri="{91240B29-F687-4f45-9708-019B960494DF}">
-                  <a14:hiddenLine xmlns:a14="http://schemas.microsoft.com/office/drawing/2010/main" xmlns="" w="9525">
+                  <a14:hiddenLine xmlns="" xmlns:a14="http://schemas.microsoft.com/office/drawing/2010/main" w="9525">
                     <a:solidFill>
                       <a:srgbClr val="000000"/>
                     </a:solidFill>
@@ -12244,7 +12244,7 @@
               </a:ln>
               <a:extLst>
                 <a:ext uri="{91240B29-F687-4f45-9708-019B960494DF}">
-                  <a14:hiddenLine xmlns:a14="http://schemas.microsoft.com/office/drawing/2010/main" xmlns="" w="9525">
+                  <a14:hiddenLine xmlns="" xmlns:a14="http://schemas.microsoft.com/office/drawing/2010/main" w="9525">
                     <a:solidFill>
                       <a:srgbClr val="000000"/>
                     </a:solidFill>
@@ -12334,7 +12334,7 @@
               </a:ln>
               <a:extLst>
                 <a:ext uri="{91240B29-F687-4f45-9708-019B960494DF}">
-                  <a14:hiddenLine xmlns:a14="http://schemas.microsoft.com/office/drawing/2010/main" xmlns="" w="9525">
+                  <a14:hiddenLine xmlns="" xmlns:a14="http://schemas.microsoft.com/office/drawing/2010/main" w="9525">
                     <a:solidFill>
                       <a:srgbClr val="000000"/>
                     </a:solidFill>
@@ -12402,7 +12402,7 @@
               </a:ln>
               <a:extLst>
                 <a:ext uri="{91240B29-F687-4f45-9708-019B960494DF}">
-                  <a14:hiddenLine xmlns:a14="http://schemas.microsoft.com/office/drawing/2010/main" xmlns="" w="9525">
+                  <a14:hiddenLine xmlns="" xmlns:a14="http://schemas.microsoft.com/office/drawing/2010/main" w="9525">
                     <a:solidFill>
                       <a:srgbClr val="000000"/>
                     </a:solidFill>
@@ -12492,7 +12492,7 @@
               </a:ln>
               <a:extLst>
                 <a:ext uri="{91240B29-F687-4f45-9708-019B960494DF}">
-                  <a14:hiddenLine xmlns:a14="http://schemas.microsoft.com/office/drawing/2010/main" xmlns="" w="9525">
+                  <a14:hiddenLine xmlns="" xmlns:a14="http://schemas.microsoft.com/office/drawing/2010/main" w="9525">
                     <a:solidFill>
                       <a:srgbClr val="000000"/>
                     </a:solidFill>
@@ -12560,7 +12560,7 @@
               </a:ln>
               <a:extLst>
                 <a:ext uri="{91240B29-F687-4f45-9708-019B960494DF}">
-                  <a14:hiddenLine xmlns:a14="http://schemas.microsoft.com/office/drawing/2010/main" xmlns="" w="9525">
+                  <a14:hiddenLine xmlns="" xmlns:a14="http://schemas.microsoft.com/office/drawing/2010/main" w="9525">
                     <a:solidFill>
                       <a:srgbClr val="000000"/>
                     </a:solidFill>
@@ -12650,7 +12650,7 @@
               </a:ln>
               <a:extLst>
                 <a:ext uri="{91240B29-F687-4f45-9708-019B960494DF}">
-                  <a14:hiddenLine xmlns:a14="http://schemas.microsoft.com/office/drawing/2010/main" xmlns="" w="9525">
+                  <a14:hiddenLine xmlns="" xmlns:a14="http://schemas.microsoft.com/office/drawing/2010/main" w="9525">
                     <a:solidFill>
                       <a:srgbClr val="000000"/>
                     </a:solidFill>
@@ -12684,7 +12684,7 @@
               </a:ln>
               <a:extLst>
                 <a:ext uri="{91240B29-F687-4f45-9708-019B960494DF}">
-                  <a14:hiddenLine xmlns:a14="http://schemas.microsoft.com/office/drawing/2010/main" xmlns="" w="9525">
+                  <a14:hiddenLine xmlns="" xmlns:a14="http://schemas.microsoft.com/office/drawing/2010/main" w="9525">
                     <a:solidFill>
                       <a:srgbClr val="000000"/>
                     </a:solidFill>
@@ -12824,7 +12824,7 @@
           <a:p>
             <a:fld id="{EC4347D3-4C9A-C240-8F14-750059DFEEB0}" type="datetimeFigureOut">
               <a:rPr lang="en-US" smtClean="0"/>
-              <a:t>1/9/25</a:t>
+              <a:t>1/15/25</a:t>
             </a:fld>
             <a:endParaRPr lang="en-US"/>
           </a:p>
@@ -32931,7 +32931,7 @@
             <a:pPr algn="ctr"/>
             <a:r>
               <a:rPr lang="en-US" dirty="0"/>
-              <a:t>Advanced Tree Structures</a:t>
+              <a:t>Advanced Array Structures</a:t>
             </a:r>
           </a:p>
         </p:txBody>
@@ -43280,7 +43280,7 @@
             </a:pPr>
             <a:r>
               <a:rPr lang="en-US" sz="2000" dirty="0"/>
-              <a:t>Compute </a:t>
+              <a:t>How would we compute </a:t>
             </a:r>
             <a:r>
               <a:rPr lang="en-US" sz="2000" b="1" i="1" u="sng" dirty="0"/>
@@ -43288,7 +43288,7 @@
             </a:r>
             <a:r>
               <a:rPr lang="en-US" sz="2000" dirty="0"/>
-              <a:t> from l to r  by simply subtracting T[r] – T[l-1]. O(1) Time!!</a:t>
+              <a:t> from l to r  ?? What is the time complexity?</a:t>
             </a:r>
           </a:p>
         </p:txBody>
@@ -43543,13 +43543,8 @@
             </a:pPr>
             <a:r>
               <a:rPr lang="en-US" sz="2000" b="1" dirty="0"/>
-              <a:t>Updating a value requires updating ALL values in T from 0 to </a:t>
+              <a:t>How do we update a value?</a:t>
             </a:r>
-            <a:r>
-              <a:rPr lang="en-US" sz="2000" b="1" dirty="0" err="1"/>
-              <a:t>i</a:t>
-            </a:r>
-            <a:endParaRPr lang="en-US" sz="2000" b="1" dirty="0"/>
           </a:p>
         </p:txBody>
       </p:sp>
@@ -43629,7 +43624,7 @@
         </p:spPr>
         <p:txBody>
           <a:bodyPr vert="horz" lIns="91440" tIns="45720" rIns="91440" bIns="45720" rtlCol="0" anchor="ctr">
-            <a:normAutofit fontScale="92500"/>
+            <a:normAutofit/>
           </a:bodyPr>
           <a:lstStyle>
             <a:lvl1pPr marL="228600" indent="-228600" algn="l" defTabSz="914400" rtl="0" eaLnBrk="1" latinLnBrk="0" hangingPunct="1">
@@ -43817,7 +43812,7 @@
                   <a:sysClr val="windowText" lastClr="000000"/>
                 </a:solidFill>
               </a:rPr>
-              <a:t>T =  {5, 15, 16, 77, 106, 109, 111, 320, 405,…}</a:t>
+              <a:t>T =  {    ,     ,     ,     ,     ,     ,      , …}</a:t>
             </a:r>
           </a:p>
         </p:txBody>

--- a/slides/Trees-FenwickTrees.pptx
+++ b/slides/Trees-FenwickTrees.pptx
@@ -966,7 +966,7 @@
           <a:noFill/>
           <a:extLst>
             <a:ext uri="{909E8E84-426E-40dd-AFC4-6F175D3DCCD1}">
-              <a14:hiddenFill xmlns="" xmlns:a14="http://schemas.microsoft.com/office/drawing/2010/main">
+              <a14:hiddenFill xmlns:a14="http://schemas.microsoft.com/office/drawing/2010/main" xmlns="">
                 <a:solidFill>
                   <a:srgbClr val="FFFFFF"/>
                 </a:solidFill>
@@ -1025,7 +1025,7 @@
             </a:ln>
             <a:extLst>
               <a:ext uri="{91240B29-F687-4f45-9708-019B960494DF}">
-                <a14:hiddenLine xmlns="" xmlns:a14="http://schemas.microsoft.com/office/drawing/2010/main" w="9525">
+                <a14:hiddenLine xmlns:a14="http://schemas.microsoft.com/office/drawing/2010/main" xmlns="" w="9525">
                   <a:solidFill>
                     <a:srgbClr val="000000"/>
                   </a:solidFill>
@@ -1115,7 +1115,7 @@
             </a:ln>
             <a:extLst>
               <a:ext uri="{91240B29-F687-4f45-9708-019B960494DF}">
-                <a14:hiddenLine xmlns="" xmlns:a14="http://schemas.microsoft.com/office/drawing/2010/main" w="9525">
+                <a14:hiddenLine xmlns:a14="http://schemas.microsoft.com/office/drawing/2010/main" xmlns="" w="9525">
                   <a:solidFill>
                     <a:srgbClr val="000000"/>
                   </a:solidFill>
@@ -1205,7 +1205,7 @@
             </a:ln>
             <a:extLst>
               <a:ext uri="{91240B29-F687-4f45-9708-019B960494DF}">
-                <a14:hiddenLine xmlns="" xmlns:a14="http://schemas.microsoft.com/office/drawing/2010/main" w="9525">
+                <a14:hiddenLine xmlns:a14="http://schemas.microsoft.com/office/drawing/2010/main" xmlns="" w="9525">
                   <a:solidFill>
                     <a:srgbClr val="000000"/>
                   </a:solidFill>
@@ -1239,7 +1239,7 @@
             </a:ln>
             <a:extLst>
               <a:ext uri="{91240B29-F687-4f45-9708-019B960494DF}">
-                <a14:hiddenLine xmlns="" xmlns:a14="http://schemas.microsoft.com/office/drawing/2010/main" w="9525">
+                <a14:hiddenLine xmlns:a14="http://schemas.microsoft.com/office/drawing/2010/main" xmlns="" w="9525">
                   <a:solidFill>
                     <a:srgbClr val="000000"/>
                   </a:solidFill>
@@ -1329,7 +1329,7 @@
             </a:ln>
             <a:extLst>
               <a:ext uri="{91240B29-F687-4f45-9708-019B960494DF}">
-                <a14:hiddenLine xmlns="" xmlns:a14="http://schemas.microsoft.com/office/drawing/2010/main" w="9525">
+                <a14:hiddenLine xmlns:a14="http://schemas.microsoft.com/office/drawing/2010/main" xmlns="" w="9525">
                   <a:solidFill>
                     <a:srgbClr val="000000"/>
                   </a:solidFill>
@@ -1391,7 +1391,7 @@
             </a:ln>
             <a:extLst>
               <a:ext uri="{91240B29-F687-4f45-9708-019B960494DF}">
-                <a14:hiddenLine xmlns="" xmlns:a14="http://schemas.microsoft.com/office/drawing/2010/main" w="9525">
+                <a14:hiddenLine xmlns:a14="http://schemas.microsoft.com/office/drawing/2010/main" xmlns="" w="9525">
                   <a:solidFill>
                     <a:srgbClr val="000000"/>
                   </a:solidFill>
@@ -1453,7 +1453,7 @@
             </a:ln>
             <a:extLst>
               <a:ext uri="{91240B29-F687-4f45-9708-019B960494DF}">
-                <a14:hiddenLine xmlns="" xmlns:a14="http://schemas.microsoft.com/office/drawing/2010/main" w="9525">
+                <a14:hiddenLine xmlns:a14="http://schemas.microsoft.com/office/drawing/2010/main" xmlns="" w="9525">
                   <a:solidFill>
                     <a:srgbClr val="000000"/>
                   </a:solidFill>
@@ -1543,7 +1543,7 @@
             </a:ln>
             <a:extLst>
               <a:ext uri="{91240B29-F687-4f45-9708-019B960494DF}">
-                <a14:hiddenLine xmlns="" xmlns:a14="http://schemas.microsoft.com/office/drawing/2010/main" w="9525">
+                <a14:hiddenLine xmlns:a14="http://schemas.microsoft.com/office/drawing/2010/main" xmlns="" w="9525">
                   <a:solidFill>
                     <a:srgbClr val="000000"/>
                   </a:solidFill>
@@ -1605,7 +1605,7 @@
             </a:ln>
             <a:extLst>
               <a:ext uri="{91240B29-F687-4f45-9708-019B960494DF}">
-                <a14:hiddenLine xmlns="" xmlns:a14="http://schemas.microsoft.com/office/drawing/2010/main" w="9525">
+                <a14:hiddenLine xmlns:a14="http://schemas.microsoft.com/office/drawing/2010/main" xmlns="" w="9525">
                   <a:solidFill>
                     <a:srgbClr val="000000"/>
                   </a:solidFill>
@@ -1667,7 +1667,7 @@
             </a:ln>
             <a:extLst>
               <a:ext uri="{91240B29-F687-4f45-9708-019B960494DF}">
-                <a14:hiddenLine xmlns="" xmlns:a14="http://schemas.microsoft.com/office/drawing/2010/main" w="9525">
+                <a14:hiddenLine xmlns:a14="http://schemas.microsoft.com/office/drawing/2010/main" xmlns="" w="9525">
                   <a:solidFill>
                     <a:srgbClr val="000000"/>
                   </a:solidFill>
@@ -1757,7 +1757,7 @@
             </a:ln>
             <a:extLst>
               <a:ext uri="{91240B29-F687-4f45-9708-019B960494DF}">
-                <a14:hiddenLine xmlns="" xmlns:a14="http://schemas.microsoft.com/office/drawing/2010/main" w="9525">
+                <a14:hiddenLine xmlns:a14="http://schemas.microsoft.com/office/drawing/2010/main" xmlns="" w="9525">
                   <a:solidFill>
                     <a:srgbClr val="000000"/>
                   </a:solidFill>
@@ -1847,7 +1847,7 @@
             </a:ln>
             <a:extLst>
               <a:ext uri="{91240B29-F687-4f45-9708-019B960494DF}">
-                <a14:hiddenLine xmlns="" xmlns:a14="http://schemas.microsoft.com/office/drawing/2010/main" w="9525">
+                <a14:hiddenLine xmlns:a14="http://schemas.microsoft.com/office/drawing/2010/main" xmlns="" w="9525">
                   <a:solidFill>
                     <a:srgbClr val="000000"/>
                   </a:solidFill>
@@ -1909,7 +1909,7 @@
             </a:ln>
             <a:extLst>
               <a:ext uri="{91240B29-F687-4f45-9708-019B960494DF}">
-                <a14:hiddenLine xmlns="" xmlns:a14="http://schemas.microsoft.com/office/drawing/2010/main" w="9525">
+                <a14:hiddenLine xmlns:a14="http://schemas.microsoft.com/office/drawing/2010/main" xmlns="" w="9525">
                   <a:solidFill>
                     <a:srgbClr val="000000"/>
                   </a:solidFill>
@@ -2019,7 +2019,7 @@
             </a:ln>
             <a:extLst>
               <a:ext uri="{91240B29-F687-4f45-9708-019B960494DF}">
-                <a14:hiddenLine xmlns="" xmlns:a14="http://schemas.microsoft.com/office/drawing/2010/main" w="9525">
+                <a14:hiddenLine xmlns:a14="http://schemas.microsoft.com/office/drawing/2010/main" xmlns="" w="9525">
                   <a:solidFill>
                     <a:srgbClr val="000000"/>
                   </a:solidFill>
@@ -2081,7 +2081,7 @@
             </a:ln>
             <a:extLst>
               <a:ext uri="{91240B29-F687-4f45-9708-019B960494DF}">
-                <a14:hiddenLine xmlns="" xmlns:a14="http://schemas.microsoft.com/office/drawing/2010/main" w="9525">
+                <a14:hiddenLine xmlns:a14="http://schemas.microsoft.com/office/drawing/2010/main" xmlns="" w="9525">
                   <a:solidFill>
                     <a:srgbClr val="000000"/>
                   </a:solidFill>
@@ -2171,7 +2171,7 @@
             </a:ln>
             <a:extLst>
               <a:ext uri="{91240B29-F687-4f45-9708-019B960494DF}">
-                <a14:hiddenLine xmlns="" xmlns:a14="http://schemas.microsoft.com/office/drawing/2010/main" w="9525">
+                <a14:hiddenLine xmlns:a14="http://schemas.microsoft.com/office/drawing/2010/main" xmlns="" w="9525">
                   <a:solidFill>
                     <a:srgbClr val="000000"/>
                   </a:solidFill>
@@ -2261,7 +2261,7 @@
             </a:ln>
             <a:extLst>
               <a:ext uri="{91240B29-F687-4f45-9708-019B960494DF}">
-                <a14:hiddenLine xmlns="" xmlns:a14="http://schemas.microsoft.com/office/drawing/2010/main" w="9525">
+                <a14:hiddenLine xmlns:a14="http://schemas.microsoft.com/office/drawing/2010/main" xmlns="" w="9525">
                   <a:solidFill>
                     <a:srgbClr val="000000"/>
                   </a:solidFill>
@@ -2323,7 +2323,7 @@
             </a:ln>
             <a:extLst>
               <a:ext uri="{91240B29-F687-4f45-9708-019B960494DF}">
-                <a14:hiddenLine xmlns="" xmlns:a14="http://schemas.microsoft.com/office/drawing/2010/main" w="9525">
+                <a14:hiddenLine xmlns:a14="http://schemas.microsoft.com/office/drawing/2010/main" xmlns="" w="9525">
                   <a:solidFill>
                     <a:srgbClr val="000000"/>
                   </a:solidFill>
@@ -2413,7 +2413,7 @@
             </a:ln>
             <a:extLst>
               <a:ext uri="{91240B29-F687-4f45-9708-019B960494DF}">
-                <a14:hiddenLine xmlns="" xmlns:a14="http://schemas.microsoft.com/office/drawing/2010/main" w="9525">
+                <a14:hiddenLine xmlns:a14="http://schemas.microsoft.com/office/drawing/2010/main" xmlns="" w="9525">
                   <a:solidFill>
                     <a:srgbClr val="000000"/>
                   </a:solidFill>
@@ -2503,7 +2503,7 @@
             </a:ln>
             <a:extLst>
               <a:ext uri="{91240B29-F687-4f45-9708-019B960494DF}">
-                <a14:hiddenLine xmlns="" xmlns:a14="http://schemas.microsoft.com/office/drawing/2010/main" w="9525">
+                <a14:hiddenLine xmlns:a14="http://schemas.microsoft.com/office/drawing/2010/main" xmlns="" w="9525">
                   <a:solidFill>
                     <a:srgbClr val="000000"/>
                   </a:solidFill>
@@ -2559,7 +2559,7 @@
             </a:ln>
             <a:extLst>
               <a:ext uri="{91240B29-F687-4f45-9708-019B960494DF}">
-                <a14:hiddenLine xmlns="" xmlns:a14="http://schemas.microsoft.com/office/drawing/2010/main" w="9525">
+                <a14:hiddenLine xmlns:a14="http://schemas.microsoft.com/office/drawing/2010/main" xmlns="" w="9525">
                   <a:solidFill>
                     <a:srgbClr val="000000"/>
                   </a:solidFill>
@@ -2649,7 +2649,7 @@
             </a:ln>
             <a:extLst>
               <a:ext uri="{91240B29-F687-4f45-9708-019B960494DF}">
-                <a14:hiddenLine xmlns="" xmlns:a14="http://schemas.microsoft.com/office/drawing/2010/main" w="9525">
+                <a14:hiddenLine xmlns:a14="http://schemas.microsoft.com/office/drawing/2010/main" xmlns="" w="9525">
                   <a:solidFill>
                     <a:srgbClr val="000000"/>
                   </a:solidFill>
@@ -2705,7 +2705,7 @@
             </a:ln>
             <a:extLst>
               <a:ext uri="{91240B29-F687-4f45-9708-019B960494DF}">
-                <a14:hiddenLine xmlns="" xmlns:a14="http://schemas.microsoft.com/office/drawing/2010/main" w="9525">
+                <a14:hiddenLine xmlns:a14="http://schemas.microsoft.com/office/drawing/2010/main" xmlns="" w="9525">
                   <a:solidFill>
                     <a:srgbClr val="000000"/>
                   </a:solidFill>
@@ -2795,7 +2795,7 @@
             </a:ln>
             <a:extLst>
               <a:ext uri="{91240B29-F687-4f45-9708-019B960494DF}">
-                <a14:hiddenLine xmlns="" xmlns:a14="http://schemas.microsoft.com/office/drawing/2010/main" w="9525">
+                <a14:hiddenLine xmlns:a14="http://schemas.microsoft.com/office/drawing/2010/main" xmlns="" w="9525">
                   <a:solidFill>
                     <a:srgbClr val="000000"/>
                   </a:solidFill>
@@ -2863,7 +2863,7 @@
             </a:ln>
             <a:extLst>
               <a:ext uri="{91240B29-F687-4f45-9708-019B960494DF}">
-                <a14:hiddenLine xmlns="" xmlns:a14="http://schemas.microsoft.com/office/drawing/2010/main" w="9525">
+                <a14:hiddenLine xmlns:a14="http://schemas.microsoft.com/office/drawing/2010/main" xmlns="" w="9525">
                   <a:solidFill>
                     <a:srgbClr val="000000"/>
                   </a:solidFill>
@@ -2953,7 +2953,7 @@
             </a:ln>
             <a:extLst>
               <a:ext uri="{91240B29-F687-4f45-9708-019B960494DF}">
-                <a14:hiddenLine xmlns="" xmlns:a14="http://schemas.microsoft.com/office/drawing/2010/main" w="9525">
+                <a14:hiddenLine xmlns:a14="http://schemas.microsoft.com/office/drawing/2010/main" xmlns="" w="9525">
                   <a:solidFill>
                     <a:srgbClr val="000000"/>
                   </a:solidFill>
@@ -3021,7 +3021,7 @@
             </a:ln>
             <a:extLst>
               <a:ext uri="{91240B29-F687-4f45-9708-019B960494DF}">
-                <a14:hiddenLine xmlns="" xmlns:a14="http://schemas.microsoft.com/office/drawing/2010/main" w="9525">
+                <a14:hiddenLine xmlns:a14="http://schemas.microsoft.com/office/drawing/2010/main" xmlns="" w="9525">
                   <a:solidFill>
                     <a:srgbClr val="000000"/>
                   </a:solidFill>
@@ -3111,7 +3111,7 @@
             </a:ln>
             <a:extLst>
               <a:ext uri="{91240B29-F687-4f45-9708-019B960494DF}">
-                <a14:hiddenLine xmlns="" xmlns:a14="http://schemas.microsoft.com/office/drawing/2010/main" w="9525">
+                <a14:hiddenLine xmlns:a14="http://schemas.microsoft.com/office/drawing/2010/main" xmlns="" w="9525">
                   <a:solidFill>
                     <a:srgbClr val="000000"/>
                   </a:solidFill>
@@ -3145,7 +3145,7 @@
             </a:ln>
             <a:extLst>
               <a:ext uri="{91240B29-F687-4f45-9708-019B960494DF}">
-                <a14:hiddenLine xmlns="" xmlns:a14="http://schemas.microsoft.com/office/drawing/2010/main" w="9525">
+                <a14:hiddenLine xmlns:a14="http://schemas.microsoft.com/office/drawing/2010/main" xmlns="" w="9525">
                   <a:solidFill>
                     <a:srgbClr val="000000"/>
                   </a:solidFill>
@@ -3235,7 +3235,7 @@
             </a:ln>
             <a:extLst>
               <a:ext uri="{91240B29-F687-4f45-9708-019B960494DF}">
-                <a14:hiddenLine xmlns="" xmlns:a14="http://schemas.microsoft.com/office/drawing/2010/main" w="9525">
+                <a14:hiddenLine xmlns:a14="http://schemas.microsoft.com/office/drawing/2010/main" xmlns="" w="9525">
                   <a:solidFill>
                     <a:srgbClr val="000000"/>
                   </a:solidFill>
@@ -3297,7 +3297,7 @@
             </a:ln>
             <a:extLst>
               <a:ext uri="{91240B29-F687-4f45-9708-019B960494DF}">
-                <a14:hiddenLine xmlns="" xmlns:a14="http://schemas.microsoft.com/office/drawing/2010/main" w="9525">
+                <a14:hiddenLine xmlns:a14="http://schemas.microsoft.com/office/drawing/2010/main" xmlns="" w="9525">
                   <a:solidFill>
                     <a:srgbClr val="000000"/>
                   </a:solidFill>
@@ -3359,7 +3359,7 @@
             </a:ln>
             <a:extLst>
               <a:ext uri="{91240B29-F687-4f45-9708-019B960494DF}">
-                <a14:hiddenLine xmlns="" xmlns:a14="http://schemas.microsoft.com/office/drawing/2010/main" w="9525">
+                <a14:hiddenLine xmlns:a14="http://schemas.microsoft.com/office/drawing/2010/main" xmlns="" w="9525">
                   <a:solidFill>
                     <a:srgbClr val="000000"/>
                   </a:solidFill>
@@ -3449,7 +3449,7 @@
             </a:ln>
             <a:extLst>
               <a:ext uri="{91240B29-F687-4f45-9708-019B960494DF}">
-                <a14:hiddenLine xmlns="" xmlns:a14="http://schemas.microsoft.com/office/drawing/2010/main" w="9525">
+                <a14:hiddenLine xmlns:a14="http://schemas.microsoft.com/office/drawing/2010/main" xmlns="" w="9525">
                   <a:solidFill>
                     <a:srgbClr val="000000"/>
                   </a:solidFill>
@@ -3517,7 +3517,7 @@
             </a:ln>
             <a:extLst>
               <a:ext uri="{91240B29-F687-4f45-9708-019B960494DF}">
-                <a14:hiddenLine xmlns="" xmlns:a14="http://schemas.microsoft.com/office/drawing/2010/main" w="9525">
+                <a14:hiddenLine xmlns:a14="http://schemas.microsoft.com/office/drawing/2010/main" xmlns="" w="9525">
                   <a:solidFill>
                     <a:srgbClr val="000000"/>
                   </a:solidFill>
@@ -3579,7 +3579,7 @@
             </a:ln>
             <a:extLst>
               <a:ext uri="{91240B29-F687-4f45-9708-019B960494DF}">
-                <a14:hiddenLine xmlns="" xmlns:a14="http://schemas.microsoft.com/office/drawing/2010/main" w="9525">
+                <a14:hiddenLine xmlns:a14="http://schemas.microsoft.com/office/drawing/2010/main" xmlns="" w="9525">
                   <a:solidFill>
                     <a:srgbClr val="000000"/>
                   </a:solidFill>
@@ -3669,7 +3669,7 @@
             </a:ln>
             <a:extLst>
               <a:ext uri="{91240B29-F687-4f45-9708-019B960494DF}">
-                <a14:hiddenLine xmlns="" xmlns:a14="http://schemas.microsoft.com/office/drawing/2010/main" w="9525">
+                <a14:hiddenLine xmlns:a14="http://schemas.microsoft.com/office/drawing/2010/main" xmlns="" w="9525">
                   <a:solidFill>
                     <a:srgbClr val="000000"/>
                   </a:solidFill>
@@ -3731,7 +3731,7 @@
             </a:ln>
             <a:extLst>
               <a:ext uri="{91240B29-F687-4f45-9708-019B960494DF}">
-                <a14:hiddenLine xmlns="" xmlns:a14="http://schemas.microsoft.com/office/drawing/2010/main" w="9525">
+                <a14:hiddenLine xmlns:a14="http://schemas.microsoft.com/office/drawing/2010/main" xmlns="" w="9525">
                   <a:solidFill>
                     <a:srgbClr val="000000"/>
                   </a:solidFill>
@@ -3821,7 +3821,7 @@
             </a:ln>
             <a:extLst>
               <a:ext uri="{91240B29-F687-4f45-9708-019B960494DF}">
-                <a14:hiddenLine xmlns="" xmlns:a14="http://schemas.microsoft.com/office/drawing/2010/main" w="9525">
+                <a14:hiddenLine xmlns:a14="http://schemas.microsoft.com/office/drawing/2010/main" xmlns="" w="9525">
                   <a:solidFill>
                     <a:srgbClr val="000000"/>
                   </a:solidFill>
@@ -3883,7 +3883,7 @@
             </a:ln>
             <a:extLst>
               <a:ext uri="{91240B29-F687-4f45-9708-019B960494DF}">
-                <a14:hiddenLine xmlns="" xmlns:a14="http://schemas.microsoft.com/office/drawing/2010/main" w="9525">
+                <a14:hiddenLine xmlns:a14="http://schemas.microsoft.com/office/drawing/2010/main" xmlns="" w="9525">
                   <a:solidFill>
                     <a:srgbClr val="000000"/>
                   </a:solidFill>
@@ -3973,7 +3973,7 @@
             </a:ln>
             <a:extLst>
               <a:ext uri="{91240B29-F687-4f45-9708-019B960494DF}">
-                <a14:hiddenLine xmlns="" xmlns:a14="http://schemas.microsoft.com/office/drawing/2010/main" w="9525">
+                <a14:hiddenLine xmlns:a14="http://schemas.microsoft.com/office/drawing/2010/main" xmlns="" w="9525">
                   <a:solidFill>
                     <a:srgbClr val="000000"/>
                   </a:solidFill>
@@ -4007,7 +4007,7 @@
             </a:ln>
             <a:extLst>
               <a:ext uri="{91240B29-F687-4f45-9708-019B960494DF}">
-                <a14:hiddenLine xmlns="" xmlns:a14="http://schemas.microsoft.com/office/drawing/2010/main" w="9525">
+                <a14:hiddenLine xmlns:a14="http://schemas.microsoft.com/office/drawing/2010/main" xmlns="" w="9525">
                   <a:solidFill>
                     <a:srgbClr val="000000"/>
                   </a:solidFill>
@@ -4072,7 +4072,7 @@
             </a:ln>
             <a:extLst>
               <a:ext uri="{91240B29-F687-4f45-9708-019B960494DF}">
-                <a14:hiddenLine xmlns="" xmlns:a14="http://schemas.microsoft.com/office/drawing/2010/main" w="9525">
+                <a14:hiddenLine xmlns:a14="http://schemas.microsoft.com/office/drawing/2010/main" xmlns="" w="9525">
                   <a:solidFill>
                     <a:srgbClr val="000000"/>
                   </a:solidFill>
@@ -4162,7 +4162,7 @@
             </a:ln>
             <a:extLst>
               <a:ext uri="{91240B29-F687-4f45-9708-019B960494DF}">
-                <a14:hiddenLine xmlns="" xmlns:a14="http://schemas.microsoft.com/office/drawing/2010/main" w="9525">
+                <a14:hiddenLine xmlns:a14="http://schemas.microsoft.com/office/drawing/2010/main" xmlns="" w="9525">
                   <a:solidFill>
                     <a:srgbClr val="000000"/>
                   </a:solidFill>
@@ -4224,7 +4224,7 @@
             </a:ln>
             <a:extLst>
               <a:ext uri="{91240B29-F687-4f45-9708-019B960494DF}">
-                <a14:hiddenLine xmlns="" xmlns:a14="http://schemas.microsoft.com/office/drawing/2010/main" w="9525">
+                <a14:hiddenLine xmlns:a14="http://schemas.microsoft.com/office/drawing/2010/main" xmlns="" w="9525">
                   <a:solidFill>
                     <a:srgbClr val="000000"/>
                   </a:solidFill>
@@ -4314,7 +4314,7 @@
             </a:ln>
             <a:extLst>
               <a:ext uri="{91240B29-F687-4f45-9708-019B960494DF}">
-                <a14:hiddenLine xmlns="" xmlns:a14="http://schemas.microsoft.com/office/drawing/2010/main" w="9525">
+                <a14:hiddenLine xmlns:a14="http://schemas.microsoft.com/office/drawing/2010/main" xmlns="" w="9525">
                   <a:solidFill>
                     <a:srgbClr val="000000"/>
                   </a:solidFill>
@@ -4404,7 +4404,7 @@
             </a:ln>
             <a:extLst>
               <a:ext uri="{91240B29-F687-4f45-9708-019B960494DF}">
-                <a14:hiddenLine xmlns="" xmlns:a14="http://schemas.microsoft.com/office/drawing/2010/main" w="9525">
+                <a14:hiddenLine xmlns:a14="http://schemas.microsoft.com/office/drawing/2010/main" xmlns="" w="9525">
                   <a:solidFill>
                     <a:srgbClr val="000000"/>
                   </a:solidFill>
@@ -4469,7 +4469,7 @@
             </a:ln>
             <a:extLst>
               <a:ext uri="{91240B29-F687-4f45-9708-019B960494DF}">
-                <a14:hiddenLine xmlns="" xmlns:a14="http://schemas.microsoft.com/office/drawing/2010/main" w="9525">
+                <a14:hiddenLine xmlns:a14="http://schemas.microsoft.com/office/drawing/2010/main" xmlns="" w="9525">
                   <a:solidFill>
                     <a:srgbClr val="000000"/>
                   </a:solidFill>
@@ -4531,7 +4531,7 @@
             </a:ln>
             <a:extLst>
               <a:ext uri="{91240B29-F687-4f45-9708-019B960494DF}">
-                <a14:hiddenLine xmlns="" xmlns:a14="http://schemas.microsoft.com/office/drawing/2010/main" w="9525">
+                <a14:hiddenLine xmlns:a14="http://schemas.microsoft.com/office/drawing/2010/main" xmlns="" w="9525">
                   <a:solidFill>
                     <a:srgbClr val="000000"/>
                   </a:solidFill>
@@ -4621,7 +4621,7 @@
             </a:ln>
             <a:extLst>
               <a:ext uri="{91240B29-F687-4f45-9708-019B960494DF}">
-                <a14:hiddenLine xmlns="" xmlns:a14="http://schemas.microsoft.com/office/drawing/2010/main" w="9525">
+                <a14:hiddenLine xmlns:a14="http://schemas.microsoft.com/office/drawing/2010/main" xmlns="" w="9525">
                   <a:solidFill>
                     <a:srgbClr val="000000"/>
                   </a:solidFill>
@@ -4711,7 +4711,7 @@
             </a:ln>
             <a:extLst>
               <a:ext uri="{91240B29-F687-4f45-9708-019B960494DF}">
-                <a14:hiddenLine xmlns="" xmlns:a14="http://schemas.microsoft.com/office/drawing/2010/main" w="9525">
+                <a14:hiddenLine xmlns:a14="http://schemas.microsoft.com/office/drawing/2010/main" xmlns="" w="9525">
                   <a:solidFill>
                     <a:srgbClr val="000000"/>
                   </a:solidFill>
@@ -4773,7 +4773,7 @@
             </a:ln>
             <a:extLst>
               <a:ext uri="{91240B29-F687-4f45-9708-019B960494DF}">
-                <a14:hiddenLine xmlns="" xmlns:a14="http://schemas.microsoft.com/office/drawing/2010/main" w="9525">
+                <a14:hiddenLine xmlns:a14="http://schemas.microsoft.com/office/drawing/2010/main" xmlns="" w="9525">
                   <a:solidFill>
                     <a:srgbClr val="000000"/>
                   </a:solidFill>
@@ -4893,7 +4893,7 @@
             </a:ln>
             <a:extLst>
               <a:ext uri="{91240B29-F687-4f45-9708-019B960494DF}">
-                <a14:hiddenLine xmlns="" xmlns:a14="http://schemas.microsoft.com/office/drawing/2010/main" w="9525">
+                <a14:hiddenLine xmlns:a14="http://schemas.microsoft.com/office/drawing/2010/main" xmlns="" w="9525">
                   <a:solidFill>
                     <a:srgbClr val="000000"/>
                   </a:solidFill>
@@ -4961,7 +4961,7 @@
             </a:ln>
             <a:extLst>
               <a:ext uri="{91240B29-F687-4f45-9708-019B960494DF}">
-                <a14:hiddenLine xmlns="" xmlns:a14="http://schemas.microsoft.com/office/drawing/2010/main" w="9525">
+                <a14:hiddenLine xmlns:a14="http://schemas.microsoft.com/office/drawing/2010/main" xmlns="" w="9525">
                   <a:solidFill>
                     <a:srgbClr val="000000"/>
                   </a:solidFill>
@@ -5051,7 +5051,7 @@
             </a:ln>
             <a:extLst>
               <a:ext uri="{91240B29-F687-4f45-9708-019B960494DF}">
-                <a14:hiddenLine xmlns="" xmlns:a14="http://schemas.microsoft.com/office/drawing/2010/main" w="9525">
+                <a14:hiddenLine xmlns:a14="http://schemas.microsoft.com/office/drawing/2010/main" xmlns="" w="9525">
                   <a:solidFill>
                     <a:srgbClr val="000000"/>
                   </a:solidFill>
@@ -9880,7 +9880,7 @@
           <a:noFill/>
           <a:extLst>
             <a:ext uri="{909E8E84-426E-40dd-AFC4-6F175D3DCCD1}">
-              <a14:hiddenFill xmlns="" xmlns:a14="http://schemas.microsoft.com/office/drawing/2010/main">
+              <a14:hiddenFill xmlns:a14="http://schemas.microsoft.com/office/drawing/2010/main" xmlns="">
                 <a:solidFill>
                   <a:srgbClr val="FFFFFF"/>
                 </a:solidFill>
@@ -9954,7 +9954,7 @@
               </a:ln>
               <a:extLst>
                 <a:ext uri="{91240B29-F687-4f45-9708-019B960494DF}">
-                  <a14:hiddenLine xmlns="" xmlns:a14="http://schemas.microsoft.com/office/drawing/2010/main" w="9525">
+                  <a14:hiddenLine xmlns:a14="http://schemas.microsoft.com/office/drawing/2010/main" xmlns="" w="9525">
                     <a:solidFill>
                       <a:srgbClr val="000000"/>
                     </a:solidFill>
@@ -10044,7 +10044,7 @@
               </a:ln>
               <a:extLst>
                 <a:ext uri="{91240B29-F687-4f45-9708-019B960494DF}">
-                  <a14:hiddenLine xmlns="" xmlns:a14="http://schemas.microsoft.com/office/drawing/2010/main" w="9525">
+                  <a14:hiddenLine xmlns:a14="http://schemas.microsoft.com/office/drawing/2010/main" xmlns="" w="9525">
                     <a:solidFill>
                       <a:srgbClr val="000000"/>
                     </a:solidFill>
@@ -10134,7 +10134,7 @@
               </a:ln>
               <a:extLst>
                 <a:ext uri="{91240B29-F687-4f45-9708-019B960494DF}">
-                  <a14:hiddenLine xmlns="" xmlns:a14="http://schemas.microsoft.com/office/drawing/2010/main" w="9525">
+                  <a14:hiddenLine xmlns:a14="http://schemas.microsoft.com/office/drawing/2010/main" xmlns="" w="9525">
                     <a:solidFill>
                       <a:srgbClr val="000000"/>
                     </a:solidFill>
@@ -10196,7 +10196,7 @@
               </a:ln>
               <a:extLst>
                 <a:ext uri="{91240B29-F687-4f45-9708-019B960494DF}">
-                  <a14:hiddenLine xmlns="" xmlns:a14="http://schemas.microsoft.com/office/drawing/2010/main" w="9525">
+                  <a14:hiddenLine xmlns:a14="http://schemas.microsoft.com/office/drawing/2010/main" xmlns="" w="9525">
                     <a:solidFill>
                       <a:srgbClr val="000000"/>
                     </a:solidFill>
@@ -10286,7 +10286,7 @@
               </a:ln>
               <a:extLst>
                 <a:ext uri="{91240B29-F687-4f45-9708-019B960494DF}">
-                  <a14:hiddenLine xmlns="" xmlns:a14="http://schemas.microsoft.com/office/drawing/2010/main" w="9525">
+                  <a14:hiddenLine xmlns:a14="http://schemas.microsoft.com/office/drawing/2010/main" xmlns="" w="9525">
                     <a:solidFill>
                       <a:srgbClr val="000000"/>
                     </a:solidFill>
@@ -10348,7 +10348,7 @@
               </a:ln>
               <a:extLst>
                 <a:ext uri="{91240B29-F687-4f45-9708-019B960494DF}">
-                  <a14:hiddenLine xmlns="" xmlns:a14="http://schemas.microsoft.com/office/drawing/2010/main" w="9525">
+                  <a14:hiddenLine xmlns:a14="http://schemas.microsoft.com/office/drawing/2010/main" xmlns="" w="9525">
                     <a:solidFill>
                       <a:srgbClr val="000000"/>
                     </a:solidFill>
@@ -10410,7 +10410,7 @@
               </a:ln>
               <a:extLst>
                 <a:ext uri="{91240B29-F687-4f45-9708-019B960494DF}">
-                  <a14:hiddenLine xmlns="" xmlns:a14="http://schemas.microsoft.com/office/drawing/2010/main" w="9525">
+                  <a14:hiddenLine xmlns:a14="http://schemas.microsoft.com/office/drawing/2010/main" xmlns="" w="9525">
                     <a:solidFill>
                       <a:srgbClr val="000000"/>
                     </a:solidFill>
@@ -10500,7 +10500,7 @@
               </a:ln>
               <a:extLst>
                 <a:ext uri="{91240B29-F687-4f45-9708-019B960494DF}">
-                  <a14:hiddenLine xmlns="" xmlns:a14="http://schemas.microsoft.com/office/drawing/2010/main" w="9525">
+                  <a14:hiddenLine xmlns:a14="http://schemas.microsoft.com/office/drawing/2010/main" xmlns="" w="9525">
                     <a:solidFill>
                       <a:srgbClr val="000000"/>
                     </a:solidFill>
@@ -10590,7 +10590,7 @@
               </a:ln>
               <a:extLst>
                 <a:ext uri="{91240B29-F687-4f45-9708-019B960494DF}">
-                  <a14:hiddenLine xmlns="" xmlns:a14="http://schemas.microsoft.com/office/drawing/2010/main" w="9525">
+                  <a14:hiddenLine xmlns:a14="http://schemas.microsoft.com/office/drawing/2010/main" xmlns="" w="9525">
                     <a:solidFill>
                       <a:srgbClr val="000000"/>
                     </a:solidFill>
@@ -10652,7 +10652,7 @@
               </a:ln>
               <a:extLst>
                 <a:ext uri="{91240B29-F687-4f45-9708-019B960494DF}">
-                  <a14:hiddenLine xmlns="" xmlns:a14="http://schemas.microsoft.com/office/drawing/2010/main" w="9525">
+                  <a14:hiddenLine xmlns:a14="http://schemas.microsoft.com/office/drawing/2010/main" xmlns="" w="9525">
                     <a:solidFill>
                       <a:srgbClr val="000000"/>
                     </a:solidFill>
@@ -10762,7 +10762,7 @@
               </a:ln>
               <a:extLst>
                 <a:ext uri="{91240B29-F687-4f45-9708-019B960494DF}">
-                  <a14:hiddenLine xmlns="" xmlns:a14="http://schemas.microsoft.com/office/drawing/2010/main" w="9525">
+                  <a14:hiddenLine xmlns:a14="http://schemas.microsoft.com/office/drawing/2010/main" xmlns="" w="9525">
                     <a:solidFill>
                       <a:srgbClr val="000000"/>
                     </a:solidFill>
@@ -10846,7 +10846,7 @@
               </a:ln>
               <a:extLst>
                 <a:ext uri="{91240B29-F687-4f45-9708-019B960494DF}">
-                  <a14:hiddenLine xmlns="" xmlns:a14="http://schemas.microsoft.com/office/drawing/2010/main" w="9525">
+                  <a14:hiddenLine xmlns:a14="http://schemas.microsoft.com/office/drawing/2010/main" xmlns="" w="9525">
                     <a:solidFill>
                       <a:srgbClr val="000000"/>
                     </a:solidFill>
@@ -10908,7 +10908,7 @@
               </a:ln>
               <a:extLst>
                 <a:ext uri="{91240B29-F687-4f45-9708-019B960494DF}">
-                  <a14:hiddenLine xmlns="" xmlns:a14="http://schemas.microsoft.com/office/drawing/2010/main" w="9525">
+                  <a14:hiddenLine xmlns:a14="http://schemas.microsoft.com/office/drawing/2010/main" xmlns="" w="9525">
                     <a:solidFill>
                       <a:srgbClr val="000000"/>
                     </a:solidFill>
@@ -10970,7 +10970,7 @@
               </a:ln>
               <a:extLst>
                 <a:ext uri="{91240B29-F687-4f45-9708-019B960494DF}">
-                  <a14:hiddenLine xmlns="" xmlns:a14="http://schemas.microsoft.com/office/drawing/2010/main" w="9525">
+                  <a14:hiddenLine xmlns:a14="http://schemas.microsoft.com/office/drawing/2010/main" xmlns="" w="9525">
                     <a:solidFill>
                       <a:srgbClr val="000000"/>
                     </a:solidFill>
@@ -11060,7 +11060,7 @@
               </a:ln>
               <a:extLst>
                 <a:ext uri="{91240B29-F687-4f45-9708-019B960494DF}">
-                  <a14:hiddenLine xmlns="" xmlns:a14="http://schemas.microsoft.com/office/drawing/2010/main" w="9525">
+                  <a14:hiddenLine xmlns:a14="http://schemas.microsoft.com/office/drawing/2010/main" xmlns="" w="9525">
                     <a:solidFill>
                       <a:srgbClr val="000000"/>
                     </a:solidFill>
@@ -11094,7 +11094,7 @@
               </a:ln>
               <a:extLst>
                 <a:ext uri="{91240B29-F687-4f45-9708-019B960494DF}">
-                  <a14:hiddenLine xmlns="" xmlns:a14="http://schemas.microsoft.com/office/drawing/2010/main" w="9525">
+                  <a14:hiddenLine xmlns:a14="http://schemas.microsoft.com/office/drawing/2010/main" xmlns="" w="9525">
                     <a:solidFill>
                       <a:srgbClr val="000000"/>
                     </a:solidFill>
@@ -11159,7 +11159,7 @@
               </a:ln>
               <a:extLst>
                 <a:ext uri="{91240B29-F687-4f45-9708-019B960494DF}">
-                  <a14:hiddenLine xmlns="" xmlns:a14="http://schemas.microsoft.com/office/drawing/2010/main" w="9525">
+                  <a14:hiddenLine xmlns:a14="http://schemas.microsoft.com/office/drawing/2010/main" xmlns="" w="9525">
                     <a:solidFill>
                       <a:srgbClr val="000000"/>
                     </a:solidFill>
@@ -11249,7 +11249,7 @@
               </a:ln>
               <a:extLst>
                 <a:ext uri="{91240B29-F687-4f45-9708-019B960494DF}">
-                  <a14:hiddenLine xmlns="" xmlns:a14="http://schemas.microsoft.com/office/drawing/2010/main" w="9525">
+                  <a14:hiddenLine xmlns:a14="http://schemas.microsoft.com/office/drawing/2010/main" xmlns="" w="9525">
                     <a:solidFill>
                       <a:srgbClr val="000000"/>
                     </a:solidFill>
@@ -11311,7 +11311,7 @@
               </a:ln>
               <a:extLst>
                 <a:ext uri="{91240B29-F687-4f45-9708-019B960494DF}">
-                  <a14:hiddenLine xmlns="" xmlns:a14="http://schemas.microsoft.com/office/drawing/2010/main" w="9525">
+                  <a14:hiddenLine xmlns:a14="http://schemas.microsoft.com/office/drawing/2010/main" xmlns="" w="9525">
                     <a:solidFill>
                       <a:srgbClr val="000000"/>
                     </a:solidFill>
@@ -11401,7 +11401,7 @@
               </a:ln>
               <a:extLst>
                 <a:ext uri="{91240B29-F687-4f45-9708-019B960494DF}">
-                  <a14:hiddenLine xmlns="" xmlns:a14="http://schemas.microsoft.com/office/drawing/2010/main" w="9525">
+                  <a14:hiddenLine xmlns:a14="http://schemas.microsoft.com/office/drawing/2010/main" xmlns="" w="9525">
                     <a:solidFill>
                       <a:srgbClr val="000000"/>
                     </a:solidFill>
@@ -11466,7 +11466,7 @@
               </a:ln>
               <a:extLst>
                 <a:ext uri="{91240B29-F687-4f45-9708-019B960494DF}">
-                  <a14:hiddenLine xmlns="" xmlns:a14="http://schemas.microsoft.com/office/drawing/2010/main" w="9525">
+                  <a14:hiddenLine xmlns:a14="http://schemas.microsoft.com/office/drawing/2010/main" xmlns="" w="9525">
                     <a:solidFill>
                       <a:srgbClr val="000000"/>
                     </a:solidFill>
@@ -11528,7 +11528,7 @@
               </a:ln>
               <a:extLst>
                 <a:ext uri="{91240B29-F687-4f45-9708-019B960494DF}">
-                  <a14:hiddenLine xmlns="" xmlns:a14="http://schemas.microsoft.com/office/drawing/2010/main" w="9525">
+                  <a14:hiddenLine xmlns:a14="http://schemas.microsoft.com/office/drawing/2010/main" xmlns="" w="9525">
                     <a:solidFill>
                       <a:srgbClr val="000000"/>
                     </a:solidFill>
@@ -11618,7 +11618,7 @@
               </a:ln>
               <a:extLst>
                 <a:ext uri="{91240B29-F687-4f45-9708-019B960494DF}">
-                  <a14:hiddenLine xmlns="" xmlns:a14="http://schemas.microsoft.com/office/drawing/2010/main" w="9525">
+                  <a14:hiddenLine xmlns:a14="http://schemas.microsoft.com/office/drawing/2010/main" xmlns="" w="9525">
                     <a:solidFill>
                       <a:srgbClr val="000000"/>
                     </a:solidFill>
@@ -11708,7 +11708,7 @@
               </a:ln>
               <a:extLst>
                 <a:ext uri="{91240B29-F687-4f45-9708-019B960494DF}">
-                  <a14:hiddenLine xmlns="" xmlns:a14="http://schemas.microsoft.com/office/drawing/2010/main" w="9525">
+                  <a14:hiddenLine xmlns:a14="http://schemas.microsoft.com/office/drawing/2010/main" xmlns="" w="9525">
                     <a:solidFill>
                       <a:srgbClr val="000000"/>
                     </a:solidFill>
@@ -11773,7 +11773,7 @@
               </a:ln>
               <a:extLst>
                 <a:ext uri="{91240B29-F687-4f45-9708-019B960494DF}">
-                  <a14:hiddenLine xmlns="" xmlns:a14="http://schemas.microsoft.com/office/drawing/2010/main" w="9525">
+                  <a14:hiddenLine xmlns:a14="http://schemas.microsoft.com/office/drawing/2010/main" xmlns="" w="9525">
                     <a:solidFill>
                       <a:srgbClr val="000000"/>
                     </a:solidFill>
@@ -11893,7 +11893,7 @@
               </a:ln>
               <a:extLst>
                 <a:ext uri="{91240B29-F687-4f45-9708-019B960494DF}">
-                  <a14:hiddenLine xmlns="" xmlns:a14="http://schemas.microsoft.com/office/drawing/2010/main" w="9525">
+                  <a14:hiddenLine xmlns:a14="http://schemas.microsoft.com/office/drawing/2010/main" xmlns="" w="9525">
                     <a:solidFill>
                       <a:srgbClr val="000000"/>
                     </a:solidFill>
@@ -11974,7 +11974,7 @@
               </a:ln>
               <a:extLst>
                 <a:ext uri="{91240B29-F687-4f45-9708-019B960494DF}">
-                  <a14:hiddenLine xmlns="" xmlns:a14="http://schemas.microsoft.com/office/drawing/2010/main" w="9525">
+                  <a14:hiddenLine xmlns:a14="http://schemas.microsoft.com/office/drawing/2010/main" xmlns="" w="9525">
                     <a:solidFill>
                       <a:srgbClr val="000000"/>
                     </a:solidFill>
@@ -12089,7 +12089,7 @@
               </a:ln>
               <a:extLst>
                 <a:ext uri="{91240B29-F687-4f45-9708-019B960494DF}">
-                  <a14:hiddenLine xmlns="" xmlns:a14="http://schemas.microsoft.com/office/drawing/2010/main" w="9525">
+                  <a14:hiddenLine xmlns:a14="http://schemas.microsoft.com/office/drawing/2010/main" xmlns="" w="9525">
                     <a:solidFill>
                       <a:srgbClr val="000000"/>
                     </a:solidFill>
@@ -12179,7 +12179,7 @@
               </a:ln>
               <a:extLst>
                 <a:ext uri="{91240B29-F687-4f45-9708-019B960494DF}">
-                  <a14:hiddenLine xmlns="" xmlns:a14="http://schemas.microsoft.com/office/drawing/2010/main" w="9525">
+                  <a14:hiddenLine xmlns:a14="http://schemas.microsoft.com/office/drawing/2010/main" xmlns="" w="9525">
                     <a:solidFill>
                       <a:srgbClr val="000000"/>
                     </a:solidFill>
@@ -12244,7 +12244,7 @@
               </a:ln>
               <a:extLst>
                 <a:ext uri="{91240B29-F687-4f45-9708-019B960494DF}">
-                  <a14:hiddenLine xmlns="" xmlns:a14="http://schemas.microsoft.com/office/drawing/2010/main" w="9525">
+                  <a14:hiddenLine xmlns:a14="http://schemas.microsoft.com/office/drawing/2010/main" xmlns="" w="9525">
                     <a:solidFill>
                       <a:srgbClr val="000000"/>
                     </a:solidFill>
@@ -12334,7 +12334,7 @@
               </a:ln>
               <a:extLst>
                 <a:ext uri="{91240B29-F687-4f45-9708-019B960494DF}">
-                  <a14:hiddenLine xmlns="" xmlns:a14="http://schemas.microsoft.com/office/drawing/2010/main" w="9525">
+                  <a14:hiddenLine xmlns:a14="http://schemas.microsoft.com/office/drawing/2010/main" xmlns="" w="9525">
                     <a:solidFill>
                       <a:srgbClr val="000000"/>
                     </a:solidFill>
@@ -12402,7 +12402,7 @@
               </a:ln>
               <a:extLst>
                 <a:ext uri="{91240B29-F687-4f45-9708-019B960494DF}">
-                  <a14:hiddenLine xmlns="" xmlns:a14="http://schemas.microsoft.com/office/drawing/2010/main" w="9525">
+                  <a14:hiddenLine xmlns:a14="http://schemas.microsoft.com/office/drawing/2010/main" xmlns="" w="9525">
                     <a:solidFill>
                       <a:srgbClr val="000000"/>
                     </a:solidFill>
@@ -12492,7 +12492,7 @@
               </a:ln>
               <a:extLst>
                 <a:ext uri="{91240B29-F687-4f45-9708-019B960494DF}">
-                  <a14:hiddenLine xmlns="" xmlns:a14="http://schemas.microsoft.com/office/drawing/2010/main" w="9525">
+                  <a14:hiddenLine xmlns:a14="http://schemas.microsoft.com/office/drawing/2010/main" xmlns="" w="9525">
                     <a:solidFill>
                       <a:srgbClr val="000000"/>
                     </a:solidFill>
@@ -12560,7 +12560,7 @@
               </a:ln>
               <a:extLst>
                 <a:ext uri="{91240B29-F687-4f45-9708-019B960494DF}">
-                  <a14:hiddenLine xmlns="" xmlns:a14="http://schemas.microsoft.com/office/drawing/2010/main" w="9525">
+                  <a14:hiddenLine xmlns:a14="http://schemas.microsoft.com/office/drawing/2010/main" xmlns="" w="9525">
                     <a:solidFill>
                       <a:srgbClr val="000000"/>
                     </a:solidFill>
@@ -12650,7 +12650,7 @@
               </a:ln>
               <a:extLst>
                 <a:ext uri="{91240B29-F687-4f45-9708-019B960494DF}">
-                  <a14:hiddenLine xmlns="" xmlns:a14="http://schemas.microsoft.com/office/drawing/2010/main" w="9525">
+                  <a14:hiddenLine xmlns:a14="http://schemas.microsoft.com/office/drawing/2010/main" xmlns="" w="9525">
                     <a:solidFill>
                       <a:srgbClr val="000000"/>
                     </a:solidFill>
@@ -12684,7 +12684,7 @@
               </a:ln>
               <a:extLst>
                 <a:ext uri="{91240B29-F687-4f45-9708-019B960494DF}">
-                  <a14:hiddenLine xmlns="" xmlns:a14="http://schemas.microsoft.com/office/drawing/2010/main" w="9525">
+                  <a14:hiddenLine xmlns:a14="http://schemas.microsoft.com/office/drawing/2010/main" xmlns="" w="9525">
                     <a:solidFill>
                       <a:srgbClr val="000000"/>
                     </a:solidFill>
